--- a/translations/en-us/advanced/ProportionalControl.pptx
+++ b/translations/en-us/advanced/ProportionalControl.pptx
@@ -5,24 +5,27 @@
     <p:sldMasterId id="2147483818" r:id="rId1"/>
   </p:sldMasterIdLst>
   <p:notesMasterIdLst>
-    <p:notesMasterId r:id="rId14"/>
+    <p:notesMasterId r:id="rId17"/>
   </p:notesMasterIdLst>
   <p:handoutMasterIdLst>
-    <p:handoutMasterId r:id="rId15"/>
+    <p:handoutMasterId r:id="rId18"/>
   </p:handoutMasterIdLst>
   <p:sldIdLst>
     <p:sldId id="258" r:id="rId2"/>
     <p:sldId id="283" r:id="rId3"/>
     <p:sldId id="276" r:id="rId4"/>
     <p:sldId id="275" r:id="rId5"/>
-    <p:sldId id="277" r:id="rId6"/>
-    <p:sldId id="278" r:id="rId7"/>
-    <p:sldId id="279" r:id="rId8"/>
-    <p:sldId id="280" r:id="rId9"/>
-    <p:sldId id="281" r:id="rId10"/>
-    <p:sldId id="282" r:id="rId11"/>
-    <p:sldId id="284" r:id="rId12"/>
-    <p:sldId id="274" r:id="rId13"/>
+    <p:sldId id="285" r:id="rId6"/>
+    <p:sldId id="286" r:id="rId7"/>
+    <p:sldId id="287" r:id="rId8"/>
+    <p:sldId id="277" r:id="rId9"/>
+    <p:sldId id="278" r:id="rId10"/>
+    <p:sldId id="279" r:id="rId11"/>
+    <p:sldId id="280" r:id="rId12"/>
+    <p:sldId id="281" r:id="rId13"/>
+    <p:sldId id="282" r:id="rId14"/>
+    <p:sldId id="284" r:id="rId15"/>
+    <p:sldId id="274" r:id="rId16"/>
   </p:sldIdLst>
   <p:sldSz cx="9144000" cy="6858000" type="screen4x3"/>
   <p:notesSz cx="6858000" cy="9144000"/>
@@ -123,7 +126,7 @@
   </p:defaultTextStyle>
   <p:extLst>
     <p:ext uri="{EFAFB233-063F-42B5-8137-9DF3F51BA10A}">
-      <p15:sldGuideLst xmlns="" xmlns:p15="http://schemas.microsoft.com/office/powerpoint/2012/main">
+      <p15:sldGuideLst xmlns:p15="http://schemas.microsoft.com/office/powerpoint/2012/main">
         <p15:guide id="1" orient="horz" pos="2160">
           <p15:clr>
             <a:srgbClr val="A4A3A4"/>
@@ -222,7 +225,7 @@
           <a:p>
             <a:fld id="{E354B44E-40A3-0E46-B16A-9BF1250A248B}" type="datetimeFigureOut">
               <a:rPr lang="en-US" smtClean="0"/>
-              <a:t>4/9/15</a:t>
+              <a:t>9/7/2015</a:t>
             </a:fld>
             <a:endParaRPr lang="en-US"/>
           </a:p>
@@ -388,7 +391,7 @@
           <a:p>
             <a:fld id="{C86AD16C-2DB4-6642-BAD4-9ED973A087A0}" type="datetimeFigureOut">
               <a:rPr lang="en-US" smtClean="0"/>
-              <a:t>4/9/15</a:t>
+              <a:t>9/7/2015</a:t>
             </a:fld>
             <a:endParaRPr lang="en-US"/>
           </a:p>
@@ -806,7 +809,7 @@
           <a:p>
             <a:fld id="{1E5BF589-3978-3C45-966B-D7B7A71F2A02}" type="slidenum">
               <a:rPr lang="en-US" smtClean="0"/>
-              <a:t>12</a:t>
+              <a:t>15</a:t>
             </a:fld>
             <a:endParaRPr lang="en-US"/>
           </a:p>
@@ -859,7 +862,7 @@
           <a:p>
             <a:fld id="{9129F86A-33B4-D74F-9987-734DF519D0A5}" type="datetime1">
               <a:rPr lang="en-US" smtClean="0"/>
-              <a:t>4/9/15</a:t>
+              <a:t>9/7/2015</a:t>
             </a:fld>
             <a:endParaRPr lang="en-US"/>
           </a:p>
@@ -1351,7 +1354,7 @@
   <p:timing>
     <p:tnLst>
       <p:par>
-        <p:cTn xmlns:p14="http://schemas.microsoft.com/office/powerpoint/2010/main" id="1" dur="indefinite" restart="never" nodeType="tmRoot"/>
+        <p:cTn id="1" dur="indefinite" restart="never" nodeType="tmRoot"/>
       </p:par>
     </p:tnLst>
   </p:timing>
@@ -1588,7 +1591,7 @@
           <a:p>
             <a:fld id="{66F53F03-396B-BC4A-842C-AEAC65EFE737}" type="datetime1">
               <a:rPr lang="en-US" smtClean="0"/>
-              <a:t>4/9/15</a:t>
+              <a:t>9/7/2015</a:t>
             </a:fld>
             <a:endParaRPr lang="en-US"/>
           </a:p>
@@ -1801,7 +1804,7 @@
   <p:timing>
     <p:tnLst>
       <p:par>
-        <p:cTn xmlns:p14="http://schemas.microsoft.com/office/powerpoint/2010/main" id="1" dur="indefinite" restart="never" nodeType="tmRoot"/>
+        <p:cTn id="1" dur="indefinite" restart="never" nodeType="tmRoot"/>
       </p:par>
     </p:tnLst>
   </p:timing>
@@ -2223,7 +2226,7 @@
           <a:p>
             <a:fld id="{E1D6C9C7-E20F-9A45-8245-DC3F9D786436}" type="datetime1">
               <a:rPr lang="en-US" smtClean="0"/>
-              <a:t>4/9/15</a:t>
+              <a:t>9/7/2015</a:t>
             </a:fld>
             <a:endParaRPr lang="en-US"/>
           </a:p>
@@ -2283,7 +2286,7 @@
   <p:timing>
     <p:tnLst>
       <p:par>
-        <p:cTn xmlns:p14="http://schemas.microsoft.com/office/powerpoint/2010/main" id="1" dur="indefinite" restart="never" nodeType="tmRoot"/>
+        <p:cTn id="1" dur="indefinite" restart="never" nodeType="tmRoot"/>
       </p:par>
     </p:tnLst>
   </p:timing>
@@ -2657,7 +2660,7 @@
           <a:p>
             <a:fld id="{C39BFD58-8232-C74B-949C-AFC788831596}" type="datetime1">
               <a:rPr lang="en-US" smtClean="0"/>
-              <a:t>4/9/15</a:t>
+              <a:t>9/7/2015</a:t>
             </a:fld>
             <a:endParaRPr lang="en-US" dirty="0"/>
           </a:p>
@@ -2717,7 +2720,7 @@
   <p:timing>
     <p:tnLst>
       <p:par>
-        <p:cTn xmlns:p14="http://schemas.microsoft.com/office/powerpoint/2010/main" id="1" dur="indefinite" restart="never" nodeType="tmRoot"/>
+        <p:cTn id="1" dur="indefinite" restart="never" nodeType="tmRoot"/>
       </p:par>
     </p:tnLst>
   </p:timing>
@@ -2845,7 +2848,7 @@
           <a:p>
             <a:fld id="{BDD3EB2E-EC30-C24A-A93C-53FC8EAD0A39}" type="datetime1">
               <a:rPr lang="en-US" smtClean="0"/>
-              <a:t>4/9/15</a:t>
+              <a:t>9/7/2015</a:t>
             </a:fld>
             <a:endParaRPr lang="en-US" dirty="0"/>
           </a:p>
@@ -3249,7 +3252,7 @@
   <p:timing>
     <p:tnLst>
       <p:par>
-        <p:cTn xmlns:p14="http://schemas.microsoft.com/office/powerpoint/2010/main" id="1" dur="indefinite" restart="never" nodeType="tmRoot"/>
+        <p:cTn id="1" dur="indefinite" restart="never" nodeType="tmRoot"/>
       </p:par>
     </p:tnLst>
   </p:timing>
@@ -3673,7 +3676,7 @@
           <a:p>
             <a:fld id="{453399D2-AD57-8F49-B5F2-A650E7B690D5}" type="datetime1">
               <a:rPr lang="en-US" smtClean="0"/>
-              <a:t>4/9/15</a:t>
+              <a:t>9/7/2015</a:t>
             </a:fld>
             <a:endParaRPr lang="en-US" dirty="0"/>
           </a:p>
@@ -3867,7 +3870,7 @@
   <p:timing>
     <p:tnLst>
       <p:par>
-        <p:cTn xmlns:p14="http://schemas.microsoft.com/office/powerpoint/2010/main" id="1" dur="indefinite" restart="never" nodeType="tmRoot"/>
+        <p:cTn id="1" dur="indefinite" restart="never" nodeType="tmRoot"/>
       </p:par>
     </p:tnLst>
   </p:timing>
@@ -4195,7 +4198,7 @@
           <a:p>
             <a:fld id="{4BA39F55-C25A-CA4A-BF58-734A11B83A1D}" type="datetime1">
               <a:rPr lang="en-US" smtClean="0"/>
-              <a:t>4/9/15</a:t>
+              <a:t>9/7/2015</a:t>
             </a:fld>
             <a:endParaRPr lang="en-US"/>
           </a:p>
@@ -4255,7 +4258,7 @@
   <p:timing>
     <p:tnLst>
       <p:par>
-        <p:cTn xmlns:p14="http://schemas.microsoft.com/office/powerpoint/2010/main" id="1" dur="indefinite" restart="never" nodeType="tmRoot"/>
+        <p:cTn id="1" dur="indefinite" restart="never" nodeType="tmRoot"/>
       </p:par>
     </p:tnLst>
   </p:timing>
@@ -4439,7 +4442,7 @@
           <a:p>
             <a:fld id="{C1839B01-671B-0644-892A-BD04E675EDCA}" type="datetime1">
               <a:rPr lang="en-US" smtClean="0"/>
-              <a:t>4/9/15</a:t>
+              <a:t>9/7/2015</a:t>
             </a:fld>
             <a:endParaRPr lang="en-US"/>
           </a:p>
@@ -4652,7 +4655,7 @@
   <p:timing>
     <p:tnLst>
       <p:par>
-        <p:cTn xmlns:p14="http://schemas.microsoft.com/office/powerpoint/2010/main" id="1" dur="indefinite" restart="never" nodeType="tmRoot"/>
+        <p:cTn id="1" dur="indefinite" restart="never" nodeType="tmRoot"/>
       </p:par>
     </p:tnLst>
   </p:timing>
@@ -4975,7 +4978,7 @@
           <a:p>
             <a:fld id="{C7C7FACC-6D03-1D40-9481-E9F4C479F1B5}" type="datetime1">
               <a:rPr lang="en-US" smtClean="0"/>
-              <a:t>4/9/15</a:t>
+              <a:t>9/7/2015</a:t>
             </a:fld>
             <a:endParaRPr lang="en-US"/>
           </a:p>
@@ -5035,7 +5038,7 @@
   <p:timing>
     <p:tnLst>
       <p:par>
-        <p:cTn xmlns:p14="http://schemas.microsoft.com/office/powerpoint/2010/main" id="1" dur="indefinite" restart="never" nodeType="tmRoot"/>
+        <p:cTn id="1" dur="indefinite" restart="never" nodeType="tmRoot"/>
       </p:par>
     </p:tnLst>
   </p:timing>
@@ -5121,7 +5124,7 @@
           <a:p>
             <a:fld id="{53F9109E-E760-5E46-9443-9A7AA9FDF376}" type="datetime1">
               <a:rPr lang="en-US" smtClean="0"/>
-              <a:t>4/9/15</a:t>
+              <a:t>9/7/2015</a:t>
             </a:fld>
             <a:endParaRPr lang="en-US"/>
           </a:p>
@@ -5530,7 +5533,7 @@
   <p:timing>
     <p:tnLst>
       <p:par>
-        <p:cTn xmlns:p14="http://schemas.microsoft.com/office/powerpoint/2010/main" id="1" dur="indefinite" restart="never" nodeType="tmRoot"/>
+        <p:cTn id="1" dur="indefinite" restart="never" nodeType="tmRoot"/>
       </p:par>
     </p:tnLst>
   </p:timing>
@@ -5991,7 +5994,7 @@
           <a:p>
             <a:fld id="{33093313-B8E6-3C47-B639-30F004A4F12F}" type="datetime1">
               <a:rPr lang="en-US" smtClean="0"/>
-              <a:t>4/9/15</a:t>
+              <a:t>9/7/2015</a:t>
             </a:fld>
             <a:endParaRPr lang="en-US"/>
           </a:p>
@@ -6051,7 +6054,7 @@
   <p:timing>
     <p:tnLst>
       <p:par>
-        <p:cTn xmlns:p14="http://schemas.microsoft.com/office/powerpoint/2010/main" id="1" dur="indefinite" restart="never" nodeType="tmRoot"/>
+        <p:cTn id="1" dur="indefinite" restart="never" nodeType="tmRoot"/>
       </p:par>
     </p:tnLst>
   </p:timing>
@@ -6125,7 +6128,7 @@
           <a:p>
             <a:fld id="{4467321F-6946-7D41-A1F3-72B766C76C73}" type="datetime1">
               <a:rPr lang="en-US" smtClean="0"/>
-              <a:t>4/9/15</a:t>
+              <a:t>9/7/2015</a:t>
             </a:fld>
             <a:endParaRPr lang="en-US" dirty="0"/>
           </a:p>
@@ -6556,7 +6559,7 @@
   <p:timing>
     <p:tnLst>
       <p:par>
-        <p:cTn xmlns:p14="http://schemas.microsoft.com/office/powerpoint/2010/main" id="1" dur="indefinite" restart="never" nodeType="tmRoot"/>
+        <p:cTn id="1" dur="indefinite" restart="never" nodeType="tmRoot"/>
       </p:par>
     </p:tnLst>
   </p:timing>
@@ -6997,7 +7000,7 @@
           <a:p>
             <a:fld id="{56A60E2B-7B03-8A40-B1EC-A58C57D64BCC}" type="datetime1">
               <a:rPr lang="en-US" smtClean="0"/>
-              <a:t>4/9/15</a:t>
+              <a:t>9/7/2015</a:t>
             </a:fld>
             <a:endParaRPr lang="en-US"/>
           </a:p>
@@ -7034,7 +7037,7 @@
   <p:timing>
     <p:tnLst>
       <p:par>
-        <p:cTn xmlns:p14="http://schemas.microsoft.com/office/powerpoint/2010/main" id="1" dur="indefinite" restart="never" nodeType="tmRoot"/>
+        <p:cTn id="1" dur="indefinite" restart="never" nodeType="tmRoot"/>
       </p:par>
     </p:tnLst>
   </p:timing>
@@ -7633,7 +7636,7 @@
           <a:p>
             <a:fld id="{634B4CE0-9CA9-5A44-95F5-9A70DEAECA87}" type="datetime1">
               <a:rPr lang="en-US" smtClean="0"/>
-              <a:t>4/9/15</a:t>
+              <a:t>9/7/2015</a:t>
             </a:fld>
             <a:endParaRPr lang="en-US"/>
           </a:p>
@@ -7693,7 +7696,7 @@
   <p:timing>
     <p:tnLst>
       <p:par>
-        <p:cTn xmlns:p14="http://schemas.microsoft.com/office/powerpoint/2010/main" id="1" dur="indefinite" restart="never" nodeType="tmRoot"/>
+        <p:cTn id="1" dur="indefinite" restart="never" nodeType="tmRoot"/>
       </p:par>
     </p:tnLst>
   </p:timing>
@@ -7960,7 +7963,7 @@
           <a:p>
             <a:fld id="{49C35B06-ADE9-4E42-BC9C-B2870A8EE647}" type="datetime1">
               <a:rPr lang="en-US" smtClean="0"/>
-              <a:t>4/9/15</a:t>
+              <a:t>9/7/2015</a:t>
             </a:fld>
             <a:endParaRPr lang="en-US"/>
           </a:p>
@@ -8020,7 +8023,7 @@
   <p:timing>
     <p:tnLst>
       <p:par>
-        <p:cTn xmlns:p14="http://schemas.microsoft.com/office/powerpoint/2010/main" id="1" dur="indefinite" restart="never" nodeType="tmRoot"/>
+        <p:cTn id="1" dur="indefinite" restart="never" nodeType="tmRoot"/>
       </p:par>
     </p:tnLst>
   </p:timing>
@@ -8061,7 +8064,7 @@
           <a:p>
             <a:fld id="{450A3171-6F10-E846-B02E-E9A23F3E8F2A}" type="datetime1">
               <a:rPr lang="en-US" smtClean="0"/>
-              <a:t>4/9/15</a:t>
+              <a:t>9/7/2015</a:t>
             </a:fld>
             <a:endParaRPr lang="en-US"/>
           </a:p>
@@ -8274,7 +8277,7 @@
   <p:timing>
     <p:tnLst>
       <p:par>
-        <p:cTn xmlns:p14="http://schemas.microsoft.com/office/powerpoint/2010/main" id="1" dur="indefinite" restart="never" nodeType="tmRoot"/>
+        <p:cTn id="1" dur="indefinite" restart="never" nodeType="tmRoot"/>
       </p:par>
     </p:tnLst>
   </p:timing>
@@ -8400,7 +8403,7 @@
           <a:p>
             <a:fld id="{F5ADC727-B571-2842-9276-CCAAE2336D61}" type="datetime1">
               <a:rPr lang="en-US" smtClean="0"/>
-              <a:t>4/9/15</a:t>
+              <a:t>9/7/2015</a:t>
             </a:fld>
             <a:endParaRPr lang="en-US" dirty="0"/>
           </a:p>
@@ -8553,7 +8556,7 @@
   <p:timing>
     <p:tnLst>
       <p:par>
-        <p:cTn xmlns:p14="http://schemas.microsoft.com/office/powerpoint/2010/main" id="1" dur="indefinite" restart="never" nodeType="tmRoot"/>
+        <p:cTn id="1" dur="indefinite" restart="never" nodeType="tmRoot"/>
       </p:par>
     </p:tnLst>
   </p:timing>
@@ -9145,7 +9148,7 @@
           <a:noFill/>
           <a:extLst>
             <a:ext uri="{909E8E84-426E-40dd-AFC4-6F175D3DCCD1}">
-              <a14:hiddenFill xmlns:a14="http://schemas.microsoft.com/office/drawing/2010/main">
+              <a14:hiddenFill xmlns:a14="http://schemas.microsoft.com/office/drawing/2010/main" xmlns="">
                 <a:solidFill>
                   <a:srgbClr val="FFFFFF"/>
                 </a:solidFill>
@@ -9167,7 +9170,7 @@
   <p:timing>
     <p:tnLst>
       <p:par>
-        <p:cTn xmlns:p14="http://schemas.microsoft.com/office/powerpoint/2010/main" id="1" dur="indefinite" restart="never" nodeType="tmRoot"/>
+        <p:cTn id="1" dur="indefinite" restart="never" nodeType="tmRoot"/>
       </p:par>
     </p:tnLst>
   </p:timing>
@@ -9175,2218 +9178,6 @@
 </file>
 
 <file path=ppt/slides/slide10.xml><?xml version="1.0" encoding="utf-8"?>
-<p:sld xmlns:a="http://schemas.openxmlformats.org/drawingml/2006/main" xmlns:r="http://schemas.openxmlformats.org/officeDocument/2006/relationships" xmlns:p="http://schemas.openxmlformats.org/presentationml/2006/main">
-  <p:cSld>
-    <p:spTree>
-      <p:nvGrpSpPr>
-        <p:cNvPr id="1" name=""/>
-        <p:cNvGrpSpPr/>
-        <p:nvPr/>
-      </p:nvGrpSpPr>
-      <p:grpSpPr>
-        <a:xfrm>
-          <a:off x="0" y="0"/>
-          <a:ext cx="0" cy="0"/>
-          <a:chOff x="0" y="0"/>
-          <a:chExt cx="0" cy="0"/>
-        </a:xfrm>
-      </p:grpSpPr>
-      <p:sp>
-        <p:nvSpPr>
-          <p:cNvPr id="2" name="Title 1"/>
-          <p:cNvSpPr>
-            <a:spLocks noGrp="1"/>
-          </p:cNvSpPr>
-          <p:nvPr>
-            <p:ph type="title"/>
-          </p:nvPr>
-        </p:nvSpPr>
-        <p:spPr>
-          <a:noFill/>
-        </p:spPr>
-        <p:txBody>
-          <a:bodyPr/>
-          <a:lstStyle/>
-          <a:p>
-            <a:r>
-              <a:rPr lang="en-US" dirty="0" smtClean="0"/>
-              <a:t>Solution: Gyro Right Turn</a:t>
-            </a:r>
-            <a:endParaRPr lang="en-US" dirty="0"/>
-          </a:p>
-        </p:txBody>
-      </p:sp>
-      <p:sp>
-        <p:nvSpPr>
-          <p:cNvPr id="4" name="Footer Placeholder 3"/>
-          <p:cNvSpPr>
-            <a:spLocks noGrp="1"/>
-          </p:cNvSpPr>
-          <p:nvPr>
-            <p:ph type="ftr" sz="quarter" idx="11"/>
-          </p:nvPr>
-        </p:nvSpPr>
-        <p:spPr/>
-        <p:txBody>
-          <a:bodyPr/>
-          <a:lstStyle/>
-          <a:p>
-            <a:r>
-              <a:rPr lang="en-US" smtClean="0"/>
-              <a:t>© 2015 EV3Lessons.com, Last edit 4/5/2015</a:t>
-            </a:r>
-            <a:endParaRPr lang="en-US"/>
-          </a:p>
-        </p:txBody>
-      </p:sp>
-      <p:sp>
-        <p:nvSpPr>
-          <p:cNvPr id="3" name="Slide Number Placeholder 2"/>
-          <p:cNvSpPr>
-            <a:spLocks noGrp="1"/>
-          </p:cNvSpPr>
-          <p:nvPr>
-            <p:ph type="sldNum" sz="quarter" idx="12"/>
-          </p:nvPr>
-        </p:nvSpPr>
-        <p:spPr/>
-        <p:txBody>
-          <a:bodyPr/>
-          <a:lstStyle/>
-          <a:p>
-            <a:fld id="{4382A7F7-08BF-4252-8141-63FB96055BBB}" type="slidenum">
-              <a:rPr lang="en-US" smtClean="0"/>
-              <a:t>10</a:t>
-            </a:fld>
-            <a:endParaRPr lang="en-US"/>
-          </a:p>
-        </p:txBody>
-      </p:sp>
-      <p:pic>
-        <p:nvPicPr>
-          <p:cNvPr id="7" name="Content Placeholder 6"/>
-          <p:cNvPicPr>
-            <a:picLocks noGrp="1" noChangeAspect="1"/>
-          </p:cNvPicPr>
-          <p:nvPr>
-            <p:ph idx="1"/>
-          </p:nvPr>
-        </p:nvPicPr>
-        <p:blipFill>
-          <a:blip r:embed="rId2"/>
-          <a:stretch>
-            <a:fillRect/>
-          </a:stretch>
-        </p:blipFill>
-        <p:spPr>
-          <a:xfrm>
-            <a:off x="302578" y="1815978"/>
-            <a:ext cx="8341090" cy="4752482"/>
-          </a:xfrm>
-          <a:prstGeom prst="rect">
-            <a:avLst/>
-          </a:prstGeom>
-        </p:spPr>
-      </p:pic>
-    </p:spTree>
-    <p:extLst>
-      <p:ext uri="{BB962C8B-B14F-4D97-AF65-F5344CB8AC3E}">
-        <p14:creationId xmlns:p14="http://schemas.microsoft.com/office/powerpoint/2010/main" val="3750282875"/>
-      </p:ext>
-    </p:extLst>
-  </p:cSld>
-  <p:clrMapOvr>
-    <a:masterClrMapping/>
-  </p:clrMapOvr>
-</p:sld>
-</file>
-
-<file path=ppt/slides/slide11.xml><?xml version="1.0" encoding="utf-8"?>
-<p:sld xmlns:a="http://schemas.openxmlformats.org/drawingml/2006/main" xmlns:r="http://schemas.openxmlformats.org/officeDocument/2006/relationships" xmlns:p="http://schemas.openxmlformats.org/presentationml/2006/main">
-  <p:cSld>
-    <p:spTree>
-      <p:nvGrpSpPr>
-        <p:cNvPr id="1" name=""/>
-        <p:cNvGrpSpPr/>
-        <p:nvPr/>
-      </p:nvGrpSpPr>
-      <p:grpSpPr>
-        <a:xfrm>
-          <a:off x="0" y="0"/>
-          <a:ext cx="0" cy="0"/>
-          <a:chOff x="0" y="0"/>
-          <a:chExt cx="0" cy="0"/>
-        </a:xfrm>
-      </p:grpSpPr>
-      <p:sp>
-        <p:nvSpPr>
-          <p:cNvPr id="2" name="Title 1"/>
-          <p:cNvSpPr>
-            <a:spLocks noGrp="1"/>
-          </p:cNvSpPr>
-          <p:nvPr>
-            <p:ph type="title"/>
-          </p:nvPr>
-        </p:nvSpPr>
-        <p:spPr/>
-        <p:txBody>
-          <a:bodyPr/>
-          <a:lstStyle/>
-          <a:p>
-            <a:r>
-              <a:rPr lang="en-US" dirty="0" smtClean="0"/>
-              <a:t>Discussion Guide</a:t>
-            </a:r>
-            <a:endParaRPr lang="en-US" dirty="0"/>
-          </a:p>
-        </p:txBody>
-      </p:sp>
-      <p:sp>
-        <p:nvSpPr>
-          <p:cNvPr id="3" name="Content Placeholder 2"/>
-          <p:cNvSpPr>
-            <a:spLocks noGrp="1"/>
-          </p:cNvSpPr>
-          <p:nvPr>
-            <p:ph idx="1"/>
-          </p:nvPr>
-        </p:nvSpPr>
-        <p:spPr>
-          <a:xfrm>
-            <a:off x="508001" y="2133600"/>
-            <a:ext cx="8350250" cy="3992563"/>
-          </a:xfrm>
-        </p:spPr>
-        <p:txBody>
-          <a:bodyPr/>
-          <a:lstStyle/>
-          <a:p>
-            <a:pPr marL="457200" indent="-457200">
-              <a:buFont typeface="+mj-lt"/>
-              <a:buAutoNum type="arabicPeriod"/>
-            </a:pPr>
-            <a:r>
-              <a:rPr lang="en-US" dirty="0" smtClean="0">
-                <a:solidFill>
-                  <a:srgbClr val="FF0000"/>
-                </a:solidFill>
-              </a:rPr>
-              <a:t>What does proportional control mean?</a:t>
-            </a:r>
-            <a:br>
-              <a:rPr lang="en-US" dirty="0" smtClean="0">
-                <a:solidFill>
-                  <a:srgbClr val="FF0000"/>
-                </a:solidFill>
-              </a:rPr>
-            </a:br>
-            <a:r>
-              <a:rPr lang="en-US" dirty="0" smtClean="0"/>
-              <a:t>Ans. Moving </a:t>
-            </a:r>
-            <a:r>
-              <a:rPr lang="en-US" dirty="0"/>
-              <a:t>more or less based on how far the robot is from the target </a:t>
-            </a:r>
-            <a:r>
-              <a:rPr lang="en-US" dirty="0" smtClean="0"/>
-              <a:t>distance</a:t>
-            </a:r>
-          </a:p>
-          <a:p>
-            <a:pPr marL="457200" indent="-457200">
-              <a:buFont typeface="+mj-lt"/>
-              <a:buAutoNum type="arabicPeriod"/>
-            </a:pPr>
-            <a:r>
-              <a:rPr lang="en-US" dirty="0" smtClean="0">
-                <a:solidFill>
-                  <a:srgbClr val="FF0000"/>
-                </a:solidFill>
-              </a:rPr>
-              <a:t>What do all proportional control code have in common?</a:t>
-            </a:r>
-            <a:br>
-              <a:rPr lang="en-US" dirty="0" smtClean="0">
-                <a:solidFill>
-                  <a:srgbClr val="FF0000"/>
-                </a:solidFill>
-              </a:rPr>
-            </a:br>
-            <a:r>
-              <a:rPr lang="en-US" dirty="0" smtClean="0"/>
-              <a:t>Ans. Computing an error and making a correction</a:t>
-            </a:r>
-          </a:p>
-          <a:p>
-            <a:pPr marL="457200" indent="-457200">
-              <a:buFont typeface="+mj-lt"/>
-              <a:buAutoNum type="arabicPeriod"/>
-            </a:pPr>
-            <a:endParaRPr lang="en-US" dirty="0" smtClean="0"/>
-          </a:p>
-          <a:p>
-            <a:endParaRPr lang="en-US" dirty="0"/>
-          </a:p>
-        </p:txBody>
-      </p:sp>
-      <p:sp>
-        <p:nvSpPr>
-          <p:cNvPr id="4" name="Footer Placeholder 3"/>
-          <p:cNvSpPr>
-            <a:spLocks noGrp="1"/>
-          </p:cNvSpPr>
-          <p:nvPr>
-            <p:ph type="ftr" sz="quarter" idx="11"/>
-          </p:nvPr>
-        </p:nvSpPr>
-        <p:spPr/>
-        <p:txBody>
-          <a:bodyPr/>
-          <a:lstStyle/>
-          <a:p>
-            <a:r>
-              <a:rPr lang="en-US" smtClean="0"/>
-              <a:t>© 2015 EV3Lessons.com, Last edit 4/5/2015</a:t>
-            </a:r>
-            <a:endParaRPr lang="en-US"/>
-          </a:p>
-        </p:txBody>
-      </p:sp>
-      <p:sp>
-        <p:nvSpPr>
-          <p:cNvPr id="5" name="Slide Number Placeholder 4"/>
-          <p:cNvSpPr>
-            <a:spLocks noGrp="1"/>
-          </p:cNvSpPr>
-          <p:nvPr>
-            <p:ph type="sldNum" sz="quarter" idx="12"/>
-          </p:nvPr>
-        </p:nvSpPr>
-        <p:spPr/>
-        <p:txBody>
-          <a:bodyPr/>
-          <a:lstStyle/>
-          <a:p>
-            <a:fld id="{4382A7F7-08BF-4252-8141-63FB96055BBB}" type="slidenum">
-              <a:rPr lang="en-US" smtClean="0"/>
-              <a:t>11</a:t>
-            </a:fld>
-            <a:endParaRPr lang="en-US"/>
-          </a:p>
-        </p:txBody>
-      </p:sp>
-    </p:spTree>
-    <p:extLst>
-      <p:ext uri="{BB962C8B-B14F-4D97-AF65-F5344CB8AC3E}">
-        <p14:creationId xmlns:p14="http://schemas.microsoft.com/office/powerpoint/2010/main" val="1547944288"/>
-      </p:ext>
-    </p:extLst>
-  </p:cSld>
-  <p:clrMapOvr>
-    <a:masterClrMapping/>
-  </p:clrMapOvr>
-</p:sld>
-</file>
-
-<file path=ppt/slides/slide12.xml><?xml version="1.0" encoding="utf-8"?>
-<p:sld xmlns:a="http://schemas.openxmlformats.org/drawingml/2006/main" xmlns:r="http://schemas.openxmlformats.org/officeDocument/2006/relationships" xmlns:p="http://schemas.openxmlformats.org/presentationml/2006/main">
-  <p:cSld>
-    <p:spTree>
-      <p:nvGrpSpPr>
-        <p:cNvPr id="1" name=""/>
-        <p:cNvGrpSpPr/>
-        <p:nvPr/>
-      </p:nvGrpSpPr>
-      <p:grpSpPr>
-        <a:xfrm>
-          <a:off x="0" y="0"/>
-          <a:ext cx="0" cy="0"/>
-          <a:chOff x="0" y="0"/>
-          <a:chExt cx="0" cy="0"/>
-        </a:xfrm>
-      </p:grpSpPr>
-      <p:sp>
-        <p:nvSpPr>
-          <p:cNvPr id="2" name="Title 1"/>
-          <p:cNvSpPr>
-            <a:spLocks noGrp="1"/>
-          </p:cNvSpPr>
-          <p:nvPr>
-            <p:ph type="title"/>
-          </p:nvPr>
-        </p:nvSpPr>
-        <p:spPr>
-          <a:noFill/>
-        </p:spPr>
-        <p:txBody>
-          <a:bodyPr/>
-          <a:lstStyle/>
-          <a:p>
-            <a:r>
-              <a:rPr lang="en-US" dirty="0" smtClean="0">
-                <a:latin typeface="+mn-lt"/>
-              </a:rPr>
-              <a:t>Credits</a:t>
-            </a:r>
-            <a:endParaRPr lang="en-US" dirty="0">
-              <a:latin typeface="+mn-lt"/>
-            </a:endParaRPr>
-          </a:p>
-        </p:txBody>
-      </p:sp>
-      <p:sp>
-        <p:nvSpPr>
-          <p:cNvPr id="3" name="Content Placeholder 2"/>
-          <p:cNvSpPr>
-            <a:spLocks noGrp="1"/>
-          </p:cNvSpPr>
-          <p:nvPr>
-            <p:ph idx="1"/>
-          </p:nvPr>
-        </p:nvSpPr>
-        <p:spPr>
-          <a:xfrm>
-            <a:off x="284162" y="1915912"/>
-            <a:ext cx="8574087" cy="3581400"/>
-          </a:xfrm>
-        </p:spPr>
-        <p:txBody>
-          <a:bodyPr>
-            <a:normAutofit/>
-          </a:bodyPr>
-          <a:lstStyle/>
-          <a:p>
-            <a:pPr marL="454025" lvl="1" indent="-454025">
-              <a:spcBef>
-                <a:spcPts val="2000"/>
-              </a:spcBef>
-              <a:buClr>
-                <a:schemeClr val="bg1">
-                  <a:lumMod val="65000"/>
-                </a:schemeClr>
-              </a:buClr>
-            </a:pPr>
-            <a:r>
-              <a:rPr lang="en-US" dirty="0"/>
-              <a:t>This tutorial was created by Sanjay Seshan and Arvind Seshan from Droids Robotics (</a:t>
-            </a:r>
-            <a:r>
-              <a:rPr lang="en-US" dirty="0" smtClean="0">
-                <a:hlinkClick r:id="rId3"/>
-              </a:rPr>
-              <a:t>team@droidsrobotics.org</a:t>
-            </a:r>
-            <a:r>
-              <a:rPr lang="en-US" dirty="0" smtClean="0"/>
-              <a:t>).</a:t>
-            </a:r>
-          </a:p>
-          <a:p>
-            <a:pPr marL="454025" lvl="1" indent="-454025">
-              <a:spcBef>
-                <a:spcPts val="2000"/>
-              </a:spcBef>
-              <a:buClr>
-                <a:schemeClr val="bg1">
-                  <a:lumMod val="65000"/>
-                </a:schemeClr>
-              </a:buClr>
-            </a:pPr>
-            <a:r>
-              <a:rPr lang="en-US" dirty="0" smtClean="0"/>
-              <a:t>Original Gyro Turn code was provided by the Construction Mavericks (</a:t>
-            </a:r>
-            <a:r>
-              <a:rPr lang="en-US" sz="2400" dirty="0" smtClean="0">
-                <a:hlinkClick r:id="rId4"/>
-              </a:rPr>
-              <a:t>frank.levine@gmail.com</a:t>
-            </a:r>
-            <a:r>
-              <a:rPr lang="en-US" sz="2400" dirty="0" smtClean="0"/>
-              <a:t>)</a:t>
-            </a:r>
-            <a:endParaRPr lang="en-US" dirty="0"/>
-          </a:p>
-          <a:p>
-            <a:pPr marL="454025" lvl="1" indent="-454025">
-              <a:spcBef>
-                <a:spcPts val="2000"/>
-              </a:spcBef>
-              <a:buClr>
-                <a:schemeClr val="bg1">
-                  <a:lumMod val="65000"/>
-                </a:schemeClr>
-              </a:buClr>
-            </a:pPr>
-            <a:r>
-              <a:rPr lang="en-US" dirty="0" smtClean="0"/>
-              <a:t>More lessons at www.ev3lessons.com</a:t>
-            </a:r>
-            <a:endParaRPr lang="en-US" dirty="0"/>
-          </a:p>
-        </p:txBody>
-      </p:sp>
-      <p:sp>
-        <p:nvSpPr>
-          <p:cNvPr id="4" name="Footer Placeholder 3"/>
-          <p:cNvSpPr>
-            <a:spLocks noGrp="1"/>
-          </p:cNvSpPr>
-          <p:nvPr>
-            <p:ph type="ftr" sz="quarter" idx="11"/>
-          </p:nvPr>
-        </p:nvSpPr>
-        <p:spPr/>
-        <p:txBody>
-          <a:bodyPr/>
-          <a:lstStyle/>
-          <a:p>
-            <a:r>
-              <a:rPr lang="en-US" smtClean="0"/>
-              <a:t>© 2015 EV3Lessons.com, Last edit 4/5/2015</a:t>
-            </a:r>
-            <a:endParaRPr lang="en-US"/>
-          </a:p>
-        </p:txBody>
-      </p:sp>
-      <p:sp>
-        <p:nvSpPr>
-          <p:cNvPr id="5" name="Rectangle 1"/>
-          <p:cNvSpPr>
-            <a:spLocks noChangeArrowheads="1"/>
-          </p:cNvSpPr>
-          <p:nvPr/>
-        </p:nvSpPr>
-        <p:spPr bwMode="auto">
-          <a:xfrm>
-            <a:off x="457199" y="5391957"/>
-            <a:ext cx="7913347" cy="923330"/>
-          </a:xfrm>
-          <a:prstGeom prst="rect">
-            <a:avLst/>
-          </a:prstGeom>
-          <a:solidFill>
-            <a:srgbClr val="F5F5F5"/>
-          </a:solidFill>
-          <a:ln>
-            <a:noFill/>
-          </a:ln>
-          <a:effectLst/>
-          <a:extLst>
-            <a:ext uri="{91240B29-F687-4f45-9708-019B960494DF}">
-              <a14:hiddenLine xmlns:a14="http://schemas.microsoft.com/office/drawing/2010/main" w="9525">
-                <a:solidFill>
-                  <a:schemeClr val="tx1"/>
-                </a:solidFill>
-                <a:miter lim="800000"/>
-                <a:headEnd/>
-                <a:tailEnd/>
-              </a14:hiddenLine>
-            </a:ext>
-            <a:ext uri="{AF507438-7753-43e0-B8FC-AC1667EBCBE1}">
-              <a14:hiddenEffects xmlns:a14="http://schemas.microsoft.com/office/drawing/2010/main">
-                <a:effectLst>
-                  <a:outerShdw dist="35921" dir="2700000" algn="ctr" rotWithShape="0">
-                    <a:schemeClr val="bg2"/>
-                  </a:outerShdw>
-                </a:effectLst>
-              </a14:hiddenEffects>
-            </a:ext>
-          </a:extLst>
-        </p:spPr>
-        <p:txBody>
-          <a:bodyPr vert="horz" wrap="square" lIns="0" tIns="0" rIns="0" bIns="0" numCol="1" anchor="ctr" anchorCtr="0" compatLnSpc="1">
-            <a:prstTxWarp prst="textNoShape">
-              <a:avLst/>
-            </a:prstTxWarp>
-            <a:spAutoFit/>
-          </a:bodyPr>
-          <a:lstStyle>
-            <a:lvl1pPr eaLnBrk="0" fontAlgn="base" hangingPunct="0">
-              <a:spcBef>
-                <a:spcPct val="0"/>
-              </a:spcBef>
-              <a:spcAft>
-                <a:spcPct val="0"/>
-              </a:spcAft>
-              <a:defRPr>
-                <a:solidFill>
-                  <a:schemeClr val="tx1"/>
-                </a:solidFill>
-                <a:latin typeface="Arial" panose="020B0604020202020204" pitchFamily="34" charset="0"/>
-              </a:defRPr>
-            </a:lvl1pPr>
-            <a:lvl2pPr eaLnBrk="0" fontAlgn="base" hangingPunct="0">
-              <a:spcBef>
-                <a:spcPct val="0"/>
-              </a:spcBef>
-              <a:spcAft>
-                <a:spcPct val="0"/>
-              </a:spcAft>
-              <a:defRPr>
-                <a:solidFill>
-                  <a:schemeClr val="tx1"/>
-                </a:solidFill>
-                <a:latin typeface="Arial" panose="020B0604020202020204" pitchFamily="34" charset="0"/>
-              </a:defRPr>
-            </a:lvl2pPr>
-            <a:lvl3pPr eaLnBrk="0" fontAlgn="base" hangingPunct="0">
-              <a:spcBef>
-                <a:spcPct val="0"/>
-              </a:spcBef>
-              <a:spcAft>
-                <a:spcPct val="0"/>
-              </a:spcAft>
-              <a:defRPr>
-                <a:solidFill>
-                  <a:schemeClr val="tx1"/>
-                </a:solidFill>
-                <a:latin typeface="Arial" panose="020B0604020202020204" pitchFamily="34" charset="0"/>
-              </a:defRPr>
-            </a:lvl3pPr>
-            <a:lvl4pPr eaLnBrk="0" fontAlgn="base" hangingPunct="0">
-              <a:spcBef>
-                <a:spcPct val="0"/>
-              </a:spcBef>
-              <a:spcAft>
-                <a:spcPct val="0"/>
-              </a:spcAft>
-              <a:defRPr>
-                <a:solidFill>
-                  <a:schemeClr val="tx1"/>
-                </a:solidFill>
-                <a:latin typeface="Arial" panose="020B0604020202020204" pitchFamily="34" charset="0"/>
-              </a:defRPr>
-            </a:lvl4pPr>
-            <a:lvl5pPr eaLnBrk="0" fontAlgn="base" hangingPunct="0">
-              <a:spcBef>
-                <a:spcPct val="0"/>
-              </a:spcBef>
-              <a:spcAft>
-                <a:spcPct val="0"/>
-              </a:spcAft>
-              <a:defRPr>
-                <a:solidFill>
-                  <a:schemeClr val="tx1"/>
-                </a:solidFill>
-                <a:latin typeface="Arial" panose="020B0604020202020204" pitchFamily="34" charset="0"/>
-              </a:defRPr>
-            </a:lvl5pPr>
-            <a:lvl6pPr eaLnBrk="0" fontAlgn="base" hangingPunct="0">
-              <a:spcBef>
-                <a:spcPct val="0"/>
-              </a:spcBef>
-              <a:spcAft>
-                <a:spcPct val="0"/>
-              </a:spcAft>
-              <a:defRPr>
-                <a:solidFill>
-                  <a:schemeClr val="tx1"/>
-                </a:solidFill>
-                <a:latin typeface="Arial" panose="020B0604020202020204" pitchFamily="34" charset="0"/>
-              </a:defRPr>
-            </a:lvl6pPr>
-            <a:lvl7pPr eaLnBrk="0" fontAlgn="base" hangingPunct="0">
-              <a:spcBef>
-                <a:spcPct val="0"/>
-              </a:spcBef>
-              <a:spcAft>
-                <a:spcPct val="0"/>
-              </a:spcAft>
-              <a:defRPr>
-                <a:solidFill>
-                  <a:schemeClr val="tx1"/>
-                </a:solidFill>
-                <a:latin typeface="Arial" panose="020B0604020202020204" pitchFamily="34" charset="0"/>
-              </a:defRPr>
-            </a:lvl7pPr>
-            <a:lvl8pPr eaLnBrk="0" fontAlgn="base" hangingPunct="0">
-              <a:spcBef>
-                <a:spcPct val="0"/>
-              </a:spcBef>
-              <a:spcAft>
-                <a:spcPct val="0"/>
-              </a:spcAft>
-              <a:defRPr>
-                <a:solidFill>
-                  <a:schemeClr val="tx1"/>
-                </a:solidFill>
-                <a:latin typeface="Arial" panose="020B0604020202020204" pitchFamily="34" charset="0"/>
-              </a:defRPr>
-            </a:lvl8pPr>
-            <a:lvl9pPr eaLnBrk="0" fontAlgn="base" hangingPunct="0">
-              <a:spcBef>
-                <a:spcPct val="0"/>
-              </a:spcBef>
-              <a:spcAft>
-                <a:spcPct val="0"/>
-              </a:spcAft>
-              <a:defRPr>
-                <a:solidFill>
-                  <a:schemeClr val="tx1"/>
-                </a:solidFill>
-                <a:latin typeface="Arial" panose="020B0604020202020204" pitchFamily="34" charset="0"/>
-              </a:defRPr>
-            </a:lvl9pPr>
-          </a:lstStyle>
-          <a:p>
-            <a:pPr marL="0" marR="0" lvl="0" indent="0" algn="ctr" defTabSz="914400" rtl="0" eaLnBrk="0" fontAlgn="base" latinLnBrk="0" hangingPunct="0">
-              <a:lnSpc>
-                <a:spcPct val="100000"/>
-              </a:lnSpc>
-              <a:spcBef>
-                <a:spcPct val="0"/>
-              </a:spcBef>
-              <a:spcAft>
-                <a:spcPct val="0"/>
-              </a:spcAft>
-              <a:buClrTx/>
-              <a:buSzTx/>
-              <a:buFontTx/>
-              <a:buNone/>
-              <a:tabLst/>
-            </a:pPr>
-            <a:r>
-              <a:rPr kumimoji="0" lang="en-US" altLang="en-US" sz="2000" b="0" i="0" u="none" strike="noStrike" cap="none" normalizeH="0" baseline="0" dirty="0" smtClean="0">
-                <a:ln>
-                  <a:noFill/>
-                </a:ln>
-                <a:solidFill>
-                  <a:srgbClr val="4374B7"/>
-                </a:solidFill>
-                <a:effectLst/>
-                <a:latin typeface="Helvetica Neue"/>
-              </a:rPr>
-              <a:t>                         </a:t>
-            </a:r>
-            <a:r>
-              <a:rPr kumimoji="0" lang="en-US" altLang="en-US" sz="1600" b="0" i="0" u="none" strike="noStrike" cap="none" normalizeH="0" baseline="0" dirty="0" smtClean="0">
-                <a:ln>
-                  <a:noFill/>
-                </a:ln>
-                <a:solidFill>
-                  <a:schemeClr val="tx1"/>
-                </a:solidFill>
-                <a:effectLst/>
-              </a:rPr>
-              <a:t/>
-            </a:r>
-            <a:br>
-              <a:rPr kumimoji="0" lang="en-US" altLang="en-US" sz="1600" b="0" i="0" u="none" strike="noStrike" cap="none" normalizeH="0" baseline="0" dirty="0" smtClean="0">
-                <a:ln>
-                  <a:noFill/>
-                </a:ln>
-                <a:solidFill>
-                  <a:schemeClr val="tx1"/>
-                </a:solidFill>
-                <a:effectLst/>
-              </a:rPr>
-            </a:br>
-            <a:r>
-              <a:rPr kumimoji="0" lang="en-US" altLang="en-US" sz="2000" b="0" i="0" u="none" strike="noStrike" cap="none" normalizeH="0" baseline="0" dirty="0" smtClean="0">
-                <a:ln>
-                  <a:noFill/>
-                </a:ln>
-                <a:solidFill>
-                  <a:srgbClr val="000000"/>
-                </a:solidFill>
-                <a:effectLst/>
-                <a:latin typeface="Helvetica Neue"/>
-              </a:rPr>
-              <a:t>This work is licensed under a </a:t>
-            </a:r>
-            <a:r>
-              <a:rPr kumimoji="0" lang="en-US" altLang="en-US" sz="2000" b="0" i="0" u="none" strike="noStrike" cap="none" normalizeH="0" baseline="0" dirty="0" smtClean="0">
-                <a:ln>
-                  <a:noFill/>
-                </a:ln>
-                <a:solidFill>
-                  <a:srgbClr val="4374B7"/>
-                </a:solidFill>
-                <a:effectLst/>
-                <a:latin typeface="Helvetica Neue"/>
-                <a:hlinkClick r:id="rId5"/>
-              </a:rPr>
-              <a:t>Creative Commons Attribution-</a:t>
-            </a:r>
-            <a:r>
-              <a:rPr kumimoji="0" lang="en-US" altLang="en-US" sz="2000" b="0" i="0" u="none" strike="noStrike" cap="none" normalizeH="0" baseline="0" dirty="0" err="1" smtClean="0">
-                <a:ln>
-                  <a:noFill/>
-                </a:ln>
-                <a:solidFill>
-                  <a:srgbClr val="4374B7"/>
-                </a:solidFill>
-                <a:effectLst/>
-                <a:latin typeface="Helvetica Neue"/>
-                <a:hlinkClick r:id="rId5"/>
-              </a:rPr>
-              <a:t>NonCommercial</a:t>
-            </a:r>
-            <a:r>
-              <a:rPr kumimoji="0" lang="en-US" altLang="en-US" sz="2000" b="0" i="0" u="none" strike="noStrike" cap="none" normalizeH="0" baseline="0" dirty="0" smtClean="0">
-                <a:ln>
-                  <a:noFill/>
-                </a:ln>
-                <a:solidFill>
-                  <a:srgbClr val="4374B7"/>
-                </a:solidFill>
-                <a:effectLst/>
-                <a:latin typeface="Helvetica Neue"/>
-                <a:hlinkClick r:id="rId5"/>
-              </a:rPr>
-              <a:t>-</a:t>
-            </a:r>
-            <a:r>
-              <a:rPr kumimoji="0" lang="en-US" altLang="en-US" sz="2000" b="0" i="0" u="none" strike="noStrike" cap="none" normalizeH="0" baseline="0" dirty="0" err="1" smtClean="0">
-                <a:ln>
-                  <a:noFill/>
-                </a:ln>
-                <a:solidFill>
-                  <a:srgbClr val="4374B7"/>
-                </a:solidFill>
-                <a:effectLst/>
-                <a:latin typeface="Helvetica Neue"/>
-                <a:hlinkClick r:id="rId5"/>
-              </a:rPr>
-              <a:t>ShareAlike</a:t>
-            </a:r>
-            <a:r>
-              <a:rPr kumimoji="0" lang="en-US" altLang="en-US" sz="2000" b="0" i="0" u="none" strike="noStrike" cap="none" normalizeH="0" baseline="0" dirty="0" smtClean="0">
-                <a:ln>
-                  <a:noFill/>
-                </a:ln>
-                <a:solidFill>
-                  <a:srgbClr val="4374B7"/>
-                </a:solidFill>
-                <a:effectLst/>
-                <a:latin typeface="Helvetica Neue"/>
-                <a:hlinkClick r:id="rId5"/>
-              </a:rPr>
-              <a:t> 4.0 International License</a:t>
-            </a:r>
-            <a:r>
-              <a:rPr kumimoji="0" lang="en-US" altLang="en-US" sz="2000" b="0" i="0" u="none" strike="noStrike" cap="none" normalizeH="0" baseline="0" dirty="0" smtClean="0">
-                <a:ln>
-                  <a:noFill/>
-                </a:ln>
-                <a:solidFill>
-                  <a:srgbClr val="000000"/>
-                </a:solidFill>
-                <a:effectLst/>
-                <a:latin typeface="Helvetica Neue"/>
-              </a:rPr>
-              <a:t>.</a:t>
-            </a:r>
-            <a:r>
-              <a:rPr kumimoji="0" lang="en-US" altLang="en-US" sz="1600" b="0" i="0" u="none" strike="noStrike" cap="none" normalizeH="0" baseline="0" dirty="0" smtClean="0">
-                <a:ln>
-                  <a:noFill/>
-                </a:ln>
-                <a:solidFill>
-                  <a:schemeClr val="tx1"/>
-                </a:solidFill>
-                <a:effectLst/>
-              </a:rPr>
-              <a:t> </a:t>
-            </a:r>
-            <a:endParaRPr kumimoji="0" lang="en-US" altLang="en-US" sz="2000" b="0" i="0" u="none" strike="noStrike" cap="none" normalizeH="0" baseline="0" dirty="0" smtClean="0">
-              <a:ln>
-                <a:noFill/>
-              </a:ln>
-              <a:solidFill>
-                <a:srgbClr val="4374B7"/>
-              </a:solidFill>
-              <a:effectLst/>
-              <a:latin typeface="Helvetica Neue"/>
-            </a:endParaRPr>
-          </a:p>
-        </p:txBody>
-      </p:sp>
-      <p:pic>
-        <p:nvPicPr>
-          <p:cNvPr id="6" name="Picture 2" descr="Creative Commons License">
-            <a:hlinkClick r:id="rId5"/>
-          </p:cNvPr>
-          <p:cNvPicPr>
-            <a:picLocks noChangeAspect="1" noChangeArrowheads="1"/>
-          </p:cNvPicPr>
-          <p:nvPr/>
-        </p:nvPicPr>
-        <p:blipFill>
-          <a:blip r:embed="rId6">
-            <a:extLst>
-              <a:ext uri="{28A0092B-C50C-407E-A947-70E740481C1C}">
-                <a14:useLocalDpi xmlns:a14="http://schemas.microsoft.com/office/drawing/2010/main" val="0"/>
-              </a:ext>
-            </a:extLst>
-          </a:blip>
-          <a:srcRect/>
-          <a:stretch>
-            <a:fillRect/>
-          </a:stretch>
-        </p:blipFill>
-        <p:spPr bwMode="auto">
-          <a:xfrm>
-            <a:off x="3812487" y="4312845"/>
-            <a:ext cx="2161449" cy="761422"/>
-          </a:xfrm>
-          <a:prstGeom prst="rect">
-            <a:avLst/>
-          </a:prstGeom>
-          <a:noFill/>
-          <a:extLst>
-            <a:ext uri="{909E8E84-426E-40dd-AFC4-6F175D3DCCD1}">
-              <a14:hiddenFill xmlns:a14="http://schemas.microsoft.com/office/drawing/2010/main">
-                <a:solidFill>
-                  <a:srgbClr val="FFFFFF"/>
-                </a:solidFill>
-              </a14:hiddenFill>
-            </a:ext>
-          </a:extLst>
-        </p:spPr>
-      </p:pic>
-      <p:sp>
-        <p:nvSpPr>
-          <p:cNvPr id="7" name="Slide Number Placeholder 6"/>
-          <p:cNvSpPr>
-            <a:spLocks noGrp="1"/>
-          </p:cNvSpPr>
-          <p:nvPr>
-            <p:ph type="sldNum" sz="quarter" idx="12"/>
-          </p:nvPr>
-        </p:nvSpPr>
-        <p:spPr/>
-        <p:txBody>
-          <a:bodyPr/>
-          <a:lstStyle/>
-          <a:p>
-            <a:fld id="{4382A7F7-08BF-4252-8141-63FB96055BBB}" type="slidenum">
-              <a:rPr lang="en-US" smtClean="0"/>
-              <a:t>12</a:t>
-            </a:fld>
-            <a:endParaRPr lang="en-US"/>
-          </a:p>
-        </p:txBody>
-      </p:sp>
-    </p:spTree>
-    <p:extLst>
-      <p:ext uri="{BB962C8B-B14F-4D97-AF65-F5344CB8AC3E}">
-        <p14:creationId xmlns:p14="http://schemas.microsoft.com/office/powerpoint/2010/main" val="4261110021"/>
-      </p:ext>
-    </p:extLst>
-  </p:cSld>
-  <p:clrMapOvr>
-    <a:masterClrMapping/>
-  </p:clrMapOvr>
-  <mc:AlternateContent xmlns:mc="http://schemas.openxmlformats.org/markup-compatibility/2006" xmlns:p14="http://schemas.microsoft.com/office/powerpoint/2010/main">
-    <mc:Choice Requires="p14">
-      <p:transition spd="slow" p14:dur="2000"/>
-    </mc:Choice>
-    <mc:Fallback xmlns="">
-      <p:transition spd="slow"/>
-    </mc:Fallback>
-  </mc:AlternateContent>
-  <p:timing>
-    <p:tnLst>
-      <p:par>
-        <p:cTn xmlns:p14="http://schemas.microsoft.com/office/powerpoint/2010/main" id="1" dur="indefinite" restart="never" nodeType="tmRoot"/>
-      </p:par>
-    </p:tnLst>
-  </p:timing>
-</p:sld>
-</file>
-
-<file path=ppt/slides/slide2.xml><?xml version="1.0" encoding="utf-8"?>
-<p:sld xmlns:a="http://schemas.openxmlformats.org/drawingml/2006/main" xmlns:r="http://schemas.openxmlformats.org/officeDocument/2006/relationships" xmlns:p="http://schemas.openxmlformats.org/presentationml/2006/main">
-  <p:cSld>
-    <p:spTree>
-      <p:nvGrpSpPr>
-        <p:cNvPr id="1" name=""/>
-        <p:cNvGrpSpPr/>
-        <p:nvPr/>
-      </p:nvGrpSpPr>
-      <p:grpSpPr>
-        <a:xfrm>
-          <a:off x="0" y="0"/>
-          <a:ext cx="0" cy="0"/>
-          <a:chOff x="0" y="0"/>
-          <a:chExt cx="0" cy="0"/>
-        </a:xfrm>
-      </p:grpSpPr>
-      <p:sp>
-        <p:nvSpPr>
-          <p:cNvPr id="2" name="Title 1"/>
-          <p:cNvSpPr>
-            <a:spLocks noGrp="1"/>
-          </p:cNvSpPr>
-          <p:nvPr>
-            <p:ph type="title"/>
-          </p:nvPr>
-        </p:nvSpPr>
-        <p:spPr>
-          <a:noFill/>
-        </p:spPr>
-        <p:txBody>
-          <a:bodyPr/>
-          <a:lstStyle/>
-          <a:p>
-            <a:r>
-              <a:rPr lang="en-US" dirty="0" smtClean="0"/>
-              <a:t>Lesson Objectives</a:t>
-            </a:r>
-            <a:endParaRPr lang="en-US" dirty="0"/>
-          </a:p>
-        </p:txBody>
-      </p:sp>
-      <p:sp>
-        <p:nvSpPr>
-          <p:cNvPr id="3" name="Content Placeholder 2"/>
-          <p:cNvSpPr>
-            <a:spLocks noGrp="1"/>
-          </p:cNvSpPr>
-          <p:nvPr>
-            <p:ph idx="1"/>
-          </p:nvPr>
-        </p:nvSpPr>
-        <p:spPr>
-          <a:xfrm>
-            <a:off x="284163" y="2133600"/>
-            <a:ext cx="8574087" cy="3992563"/>
-          </a:xfrm>
-        </p:spPr>
-        <p:txBody>
-          <a:bodyPr>
-            <a:normAutofit/>
-          </a:bodyPr>
-          <a:lstStyle/>
-          <a:p>
-            <a:pPr marL="457200" indent="-457200">
-              <a:buFont typeface="+mj-lt"/>
-              <a:buAutoNum type="arabicPeriod"/>
-            </a:pPr>
-            <a:r>
-              <a:rPr lang="en-US" b="0" dirty="0" smtClean="0"/>
-              <a:t>Learn what proportional control means and why to use it</a:t>
-            </a:r>
-          </a:p>
-          <a:p>
-            <a:pPr marL="457200" indent="-457200">
-              <a:buFont typeface="+mj-lt"/>
-              <a:buAutoNum type="arabicPeriod"/>
-            </a:pPr>
-            <a:r>
-              <a:rPr lang="en-US" b="0" dirty="0" smtClean="0"/>
-              <a:t>Learn to apply proportional control </a:t>
-            </a:r>
-            <a:r>
-              <a:rPr lang="en-US" dirty="0" smtClean="0"/>
-              <a:t>to</a:t>
-            </a:r>
-            <a:r>
-              <a:rPr lang="en-US" b="0" dirty="0" smtClean="0"/>
-              <a:t> the Gyro, Color, and Ultrasonic Sensors</a:t>
-            </a:r>
-          </a:p>
-          <a:p>
-            <a:pPr marL="457200" indent="-457200">
-              <a:buFont typeface="+mj-lt"/>
-              <a:buAutoNum type="arabicPeriod"/>
-            </a:pPr>
-            <a:endParaRPr lang="en-US" dirty="0"/>
-          </a:p>
-          <a:p>
-            <a:pPr marL="0" indent="0">
-              <a:buNone/>
-            </a:pPr>
-            <a:r>
-              <a:rPr lang="en-US" dirty="0" smtClean="0"/>
-              <a:t>Prerequisites: Math Blocks, Color Sensor Calibration, Data </a:t>
-            </a:r>
-            <a:r>
-              <a:rPr lang="en-US" dirty="0"/>
-              <a:t>W</a:t>
-            </a:r>
-            <a:r>
-              <a:rPr lang="en-US" dirty="0" smtClean="0"/>
-              <a:t>ires</a:t>
-            </a:r>
-            <a:endParaRPr lang="en-US" b="0" dirty="0"/>
-          </a:p>
-        </p:txBody>
-      </p:sp>
-      <p:sp>
-        <p:nvSpPr>
-          <p:cNvPr id="4" name="Footer Placeholder 3"/>
-          <p:cNvSpPr>
-            <a:spLocks noGrp="1"/>
-          </p:cNvSpPr>
-          <p:nvPr>
-            <p:ph type="ftr" sz="quarter" idx="11"/>
-          </p:nvPr>
-        </p:nvSpPr>
-        <p:spPr/>
-        <p:txBody>
-          <a:bodyPr/>
-          <a:lstStyle/>
-          <a:p>
-            <a:r>
-              <a:rPr lang="en-US" smtClean="0"/>
-              <a:t>© 2015 EV3Lessons.com, Last edit 4/5/2015</a:t>
-            </a:r>
-            <a:endParaRPr lang="en-US"/>
-          </a:p>
-        </p:txBody>
-      </p:sp>
-      <p:sp>
-        <p:nvSpPr>
-          <p:cNvPr id="5" name="Slide Number Placeholder 4"/>
-          <p:cNvSpPr>
-            <a:spLocks noGrp="1"/>
-          </p:cNvSpPr>
-          <p:nvPr>
-            <p:ph type="sldNum" sz="quarter" idx="12"/>
-          </p:nvPr>
-        </p:nvSpPr>
-        <p:spPr/>
-        <p:txBody>
-          <a:bodyPr/>
-          <a:lstStyle/>
-          <a:p>
-            <a:fld id="{4382A7F7-08BF-4252-8141-63FB96055BBB}" type="slidenum">
-              <a:rPr lang="en-US" smtClean="0"/>
-              <a:t>2</a:t>
-            </a:fld>
-            <a:endParaRPr lang="en-US"/>
-          </a:p>
-        </p:txBody>
-      </p:sp>
-    </p:spTree>
-    <p:extLst>
-      <p:ext uri="{BB962C8B-B14F-4D97-AF65-F5344CB8AC3E}">
-        <p14:creationId xmlns:p14="http://schemas.microsoft.com/office/powerpoint/2010/main" val="2056235866"/>
-      </p:ext>
-    </p:extLst>
-  </p:cSld>
-  <p:clrMapOvr>
-    <a:masterClrMapping/>
-  </p:clrMapOvr>
-</p:sld>
-</file>
-
-<file path=ppt/slides/slide3.xml><?xml version="1.0" encoding="utf-8"?>
-<p:sld xmlns:a="http://schemas.openxmlformats.org/drawingml/2006/main" xmlns:r="http://schemas.openxmlformats.org/officeDocument/2006/relationships" xmlns:p="http://schemas.openxmlformats.org/presentationml/2006/main">
-  <p:cSld>
-    <p:spTree>
-      <p:nvGrpSpPr>
-        <p:cNvPr id="1" name=""/>
-        <p:cNvGrpSpPr/>
-        <p:nvPr/>
-      </p:nvGrpSpPr>
-      <p:grpSpPr>
-        <a:xfrm>
-          <a:off x="0" y="0"/>
-          <a:ext cx="0" cy="0"/>
-          <a:chOff x="0" y="0"/>
-          <a:chExt cx="0" cy="0"/>
-        </a:xfrm>
-      </p:grpSpPr>
-      <p:sp>
-        <p:nvSpPr>
-          <p:cNvPr id="2" name="Title 1"/>
-          <p:cNvSpPr>
-            <a:spLocks noGrp="1"/>
-          </p:cNvSpPr>
-          <p:nvPr>
-            <p:ph type="title"/>
-          </p:nvPr>
-        </p:nvSpPr>
-        <p:spPr/>
-        <p:txBody>
-          <a:bodyPr>
-            <a:normAutofit fontScale="90000"/>
-          </a:bodyPr>
-          <a:lstStyle/>
-          <a:p>
-            <a:r>
-              <a:rPr lang="en-US" dirty="0" smtClean="0"/>
-              <a:t>Learn and Discuss Proportional Control</a:t>
-            </a:r>
-            <a:endParaRPr lang="en-US" dirty="0"/>
-          </a:p>
-        </p:txBody>
-      </p:sp>
-      <p:sp>
-        <p:nvSpPr>
-          <p:cNvPr id="3" name="Content Placeholder 2"/>
-          <p:cNvSpPr>
-            <a:spLocks noGrp="1"/>
-          </p:cNvSpPr>
-          <p:nvPr>
-            <p:ph idx="1"/>
-          </p:nvPr>
-        </p:nvSpPr>
-        <p:spPr>
-          <a:xfrm>
-            <a:off x="284163" y="1883136"/>
-            <a:ext cx="8574088" cy="3232921"/>
-          </a:xfrm>
-        </p:spPr>
-        <p:txBody>
-          <a:bodyPr>
-            <a:normAutofit fontScale="70000" lnSpcReduction="20000"/>
-          </a:bodyPr>
-          <a:lstStyle/>
-          <a:p>
-            <a:r>
-              <a:rPr lang="en-US" dirty="0" smtClean="0"/>
-              <a:t>On our team, we discuss “proportional” as a game.  </a:t>
-            </a:r>
-          </a:p>
-          <a:p>
-            <a:r>
-              <a:rPr lang="en-US" dirty="0" smtClean="0"/>
-              <a:t>Blindfold one teammate.  He or She has to get across the room as quickly as they can and stop exactly on a line drawn on the ground (use masking tape to draw a line on the floor).</a:t>
-            </a:r>
-          </a:p>
-          <a:p>
-            <a:r>
-              <a:rPr lang="en-US" dirty="0" smtClean="0"/>
-              <a:t>The rest of the team has to give the commands.</a:t>
-            </a:r>
-          </a:p>
-          <a:p>
-            <a:r>
-              <a:rPr lang="en-US" dirty="0" smtClean="0"/>
-              <a:t>When your teammate is far away, the blindfolded person must move fast and take big steps.  But as he gets closer to the line, if he keeps running, he will overshoot.  So, you have to tell the blindfolded teammate to go slower and take smaller steps.</a:t>
-            </a:r>
-          </a:p>
-          <a:p>
-            <a:r>
-              <a:rPr lang="en-US" dirty="0" smtClean="0"/>
-              <a:t>You have to program the robot in the same way!</a:t>
-            </a:r>
-          </a:p>
-        </p:txBody>
-      </p:sp>
-      <p:sp>
-        <p:nvSpPr>
-          <p:cNvPr id="4" name="Footer Placeholder 3"/>
-          <p:cNvSpPr>
-            <a:spLocks noGrp="1"/>
-          </p:cNvSpPr>
-          <p:nvPr>
-            <p:ph type="ftr" sz="quarter" idx="11"/>
-          </p:nvPr>
-        </p:nvSpPr>
-        <p:spPr/>
-        <p:txBody>
-          <a:bodyPr/>
-          <a:lstStyle/>
-          <a:p>
-            <a:r>
-              <a:rPr lang="en-US" smtClean="0"/>
-              <a:t>© 2015 EV3Lessons.com, Last edit 4/5/2015</a:t>
-            </a:r>
-            <a:endParaRPr lang="en-US"/>
-          </a:p>
-        </p:txBody>
-      </p:sp>
-      <p:sp>
-        <p:nvSpPr>
-          <p:cNvPr id="5" name="Slide Number Placeholder 4"/>
-          <p:cNvSpPr>
-            <a:spLocks noGrp="1"/>
-          </p:cNvSpPr>
-          <p:nvPr>
-            <p:ph type="sldNum" sz="quarter" idx="12"/>
-          </p:nvPr>
-        </p:nvSpPr>
-        <p:spPr/>
-        <p:txBody>
-          <a:bodyPr/>
-          <a:lstStyle/>
-          <a:p>
-            <a:fld id="{4382A7F7-08BF-4252-8141-63FB96055BBB}" type="slidenum">
-              <a:rPr lang="en-US" smtClean="0"/>
-              <a:pPr/>
-              <a:t>3</a:t>
-            </a:fld>
-            <a:endParaRPr lang="en-US"/>
-          </a:p>
-        </p:txBody>
-      </p:sp>
-      <p:cxnSp>
-        <p:nvCxnSpPr>
-          <p:cNvPr id="6" name="Straight Connector 5"/>
-          <p:cNvCxnSpPr/>
-          <p:nvPr/>
-        </p:nvCxnSpPr>
-        <p:spPr>
-          <a:xfrm flipV="1">
-            <a:off x="4413833" y="5284005"/>
-            <a:ext cx="0" cy="1350204"/>
-          </a:xfrm>
-          <a:prstGeom prst="line">
-            <a:avLst/>
-          </a:prstGeom>
-          <a:ln w="76200" cmpd="sng">
-            <a:solidFill>
-              <a:srgbClr val="FF6600"/>
-            </a:solidFill>
-          </a:ln>
-        </p:spPr>
-        <p:style>
-          <a:lnRef idx="2">
-            <a:schemeClr val="accent1"/>
-          </a:lnRef>
-          <a:fillRef idx="0">
-            <a:schemeClr val="accent1"/>
-          </a:fillRef>
-          <a:effectRef idx="1">
-            <a:schemeClr val="accent1"/>
-          </a:effectRef>
-          <a:fontRef idx="minor">
-            <a:schemeClr val="tx1"/>
-          </a:fontRef>
-        </p:style>
-      </p:cxnSp>
-      <p:pic>
-        <p:nvPicPr>
-          <p:cNvPr id="14" name="Picture 13" descr="animation-147431_640.png"/>
-          <p:cNvPicPr>
-            <a:picLocks noChangeAspect="1"/>
-          </p:cNvPicPr>
-          <p:nvPr/>
-        </p:nvPicPr>
-        <p:blipFill rotWithShape="1">
-          <a:blip r:embed="rId2" cstate="email">
-            <a:extLst>
-              <a:ext uri="{28A0092B-C50C-407E-A947-70E740481C1C}">
-                <a14:useLocalDpi xmlns:a14="http://schemas.microsoft.com/office/drawing/2010/main" val="0"/>
-              </a:ext>
-            </a:extLst>
-          </a:blip>
-          <a:srcRect l="21979" t="49424"/>
-          <a:stretch/>
-        </p:blipFill>
-        <p:spPr>
-          <a:xfrm>
-            <a:off x="4309496" y="4999091"/>
-            <a:ext cx="4363152" cy="1635118"/>
-          </a:xfrm>
-          <a:prstGeom prst="rect">
-            <a:avLst/>
-          </a:prstGeom>
-        </p:spPr>
-      </p:pic>
-    </p:spTree>
-    <p:extLst>
-      <p:ext uri="{BB962C8B-B14F-4D97-AF65-F5344CB8AC3E}">
-        <p14:creationId xmlns:p14="http://schemas.microsoft.com/office/powerpoint/2010/main" val="1615374908"/>
-      </p:ext>
-    </p:extLst>
-  </p:cSld>
-  <p:clrMapOvr>
-    <a:masterClrMapping/>
-  </p:clrMapOvr>
-</p:sld>
-</file>
-
-<file path=ppt/slides/slide4.xml><?xml version="1.0" encoding="utf-8"?>
-<p:sld xmlns:a="http://schemas.openxmlformats.org/drawingml/2006/main" xmlns:r="http://schemas.openxmlformats.org/officeDocument/2006/relationships" xmlns:p="http://schemas.openxmlformats.org/presentationml/2006/main">
-  <p:cSld>
-    <p:spTree>
-      <p:nvGrpSpPr>
-        <p:cNvPr id="1" name=""/>
-        <p:cNvGrpSpPr/>
-        <p:nvPr/>
-      </p:nvGrpSpPr>
-      <p:grpSpPr>
-        <a:xfrm>
-          <a:off x="0" y="0"/>
-          <a:ext cx="0" cy="0"/>
-          <a:chOff x="0" y="0"/>
-          <a:chExt cx="0" cy="0"/>
-        </a:xfrm>
-      </p:grpSpPr>
-      <p:sp>
-        <p:nvSpPr>
-          <p:cNvPr id="2" name="Title 1"/>
-          <p:cNvSpPr>
-            <a:spLocks noGrp="1"/>
-          </p:cNvSpPr>
-          <p:nvPr>
-            <p:ph type="title"/>
-          </p:nvPr>
-        </p:nvSpPr>
-        <p:spPr>
-          <a:noFill/>
-        </p:spPr>
-        <p:txBody>
-          <a:bodyPr/>
-          <a:lstStyle/>
-          <a:p>
-            <a:r>
-              <a:rPr lang="en-US" dirty="0" smtClean="0"/>
-              <a:t>Why Proportional Control?</a:t>
-            </a:r>
-            <a:endParaRPr lang="en-US" dirty="0"/>
-          </a:p>
-        </p:txBody>
-      </p:sp>
-      <p:sp>
-        <p:nvSpPr>
-          <p:cNvPr id="3" name="Content Placeholder 2"/>
-          <p:cNvSpPr>
-            <a:spLocks noGrp="1"/>
-          </p:cNvSpPr>
-          <p:nvPr>
-            <p:ph idx="1"/>
-          </p:nvPr>
-        </p:nvSpPr>
-        <p:spPr>
-          <a:xfrm>
-            <a:off x="284163" y="2133600"/>
-            <a:ext cx="8574087" cy="3992563"/>
-          </a:xfrm>
-        </p:spPr>
-        <p:txBody>
-          <a:bodyPr>
-            <a:normAutofit fontScale="85000" lnSpcReduction="20000"/>
-          </a:bodyPr>
-          <a:lstStyle/>
-          <a:p>
-            <a:pPr marL="342900" indent="-342900">
-              <a:buFont typeface="Arial"/>
-              <a:buChar char="•"/>
-            </a:pPr>
-            <a:r>
-              <a:rPr lang="en-US" dirty="0" smtClean="0"/>
-              <a:t>What does proportional mean?</a:t>
-            </a:r>
-          </a:p>
-          <a:p>
-            <a:pPr marL="803275" lvl="1" indent="-342900">
-              <a:buFont typeface="Arial"/>
-              <a:buChar char="•"/>
-            </a:pPr>
-            <a:r>
-              <a:rPr lang="en-US" b="0" dirty="0" smtClean="0"/>
-              <a:t>The </a:t>
-            </a:r>
-            <a:r>
-              <a:rPr lang="en-US" b="0" dirty="0"/>
-              <a:t>robot moves proportionally – moving more </a:t>
-            </a:r>
-            <a:r>
-              <a:rPr lang="en-US" b="0" dirty="0" smtClean="0"/>
-              <a:t>or less based on how far the robot is from the target distance</a:t>
-            </a:r>
-          </a:p>
-          <a:p>
-            <a:pPr marL="800100" lvl="1" indent="-342900">
-              <a:buFont typeface="Arial"/>
-              <a:buChar char="•"/>
-            </a:pPr>
-            <a:r>
-              <a:rPr lang="en-US" dirty="0" smtClean="0"/>
-              <a:t>For a line follower, the robot may make a sharper turn if it is further away from the line</a:t>
-            </a:r>
-          </a:p>
-          <a:p>
-            <a:pPr marL="342900" indent="-342900">
-              <a:buFont typeface="Arial"/>
-              <a:buChar char="•"/>
-            </a:pPr>
-            <a:r>
-              <a:rPr lang="en-US" b="0" dirty="0" smtClean="0"/>
-              <a:t>Proportional Control can be more accurate and faster</a:t>
-            </a:r>
-          </a:p>
-          <a:p>
-            <a:pPr marL="342900" indent="-342900">
-              <a:buFont typeface="Arial"/>
-              <a:buChar char="•"/>
-            </a:pPr>
-            <a:r>
-              <a:rPr lang="en-US" dirty="0" smtClean="0">
-                <a:solidFill>
-                  <a:srgbClr val="FF0000"/>
-                </a:solidFill>
-              </a:rPr>
-              <a:t>The </a:t>
-            </a:r>
-            <a:r>
-              <a:rPr lang="en-US" dirty="0" err="1" smtClean="0">
-                <a:solidFill>
-                  <a:srgbClr val="FF0000"/>
-                </a:solidFill>
-              </a:rPr>
-              <a:t>Pseudocode</a:t>
-            </a:r>
-            <a:r>
-              <a:rPr lang="en-US" dirty="0" smtClean="0">
-                <a:solidFill>
-                  <a:srgbClr val="FF0000"/>
-                </a:solidFill>
-              </a:rPr>
-              <a:t> for e</a:t>
-            </a:r>
-            <a:r>
-              <a:rPr lang="en-US" b="0" dirty="0" smtClean="0">
-                <a:solidFill>
-                  <a:srgbClr val="FF0000"/>
-                </a:solidFill>
-              </a:rPr>
-              <a:t>very proportional control program consists of two stages:</a:t>
-            </a:r>
-          </a:p>
-          <a:p>
-            <a:pPr marL="914400" lvl="1" indent="-457200">
-              <a:buFont typeface="+mj-lt"/>
-              <a:buAutoNum type="arabicPeriod"/>
-            </a:pPr>
-            <a:r>
-              <a:rPr lang="en-US" b="1" dirty="0" smtClean="0"/>
-              <a:t>Computing an error </a:t>
-            </a:r>
-            <a:r>
-              <a:rPr lang="en-US" dirty="0" smtClean="0">
-                <a:sym typeface="Wingdings"/>
-              </a:rPr>
-              <a:t> how far is the robot from a target</a:t>
-            </a:r>
-          </a:p>
-          <a:p>
-            <a:pPr marL="914400" lvl="1" indent="-457200">
-              <a:buFont typeface="+mj-lt"/>
-              <a:buAutoNum type="arabicPeriod"/>
-            </a:pPr>
-            <a:r>
-              <a:rPr lang="en-US" b="1" dirty="0" smtClean="0">
-                <a:sym typeface="Wingdings"/>
-              </a:rPr>
-              <a:t>Making a correction </a:t>
-            </a:r>
-            <a:r>
-              <a:rPr lang="en-US" dirty="0" smtClean="0">
-                <a:sym typeface="Wingdings"/>
-              </a:rPr>
-              <a:t> make the robot take an action that is proportional to the error (this is why it is called proportional control).  You must multiply the error by a scaling factor to determine the correction.</a:t>
-            </a:r>
-            <a:endParaRPr lang="en-US" b="0" dirty="0"/>
-          </a:p>
-        </p:txBody>
-      </p:sp>
-      <p:sp>
-        <p:nvSpPr>
-          <p:cNvPr id="4" name="Footer Placeholder 3"/>
-          <p:cNvSpPr>
-            <a:spLocks noGrp="1"/>
-          </p:cNvSpPr>
-          <p:nvPr>
-            <p:ph type="ftr" sz="quarter" idx="11"/>
-          </p:nvPr>
-        </p:nvSpPr>
-        <p:spPr/>
-        <p:txBody>
-          <a:bodyPr/>
-          <a:lstStyle/>
-          <a:p>
-            <a:r>
-              <a:rPr lang="en-US" smtClean="0"/>
-              <a:t>© 2015 EV3Lessons.com, Last edit 4/5/2015</a:t>
-            </a:r>
-            <a:endParaRPr lang="en-US"/>
-          </a:p>
-        </p:txBody>
-      </p:sp>
-      <p:sp>
-        <p:nvSpPr>
-          <p:cNvPr id="5" name="Slide Number Placeholder 4"/>
-          <p:cNvSpPr>
-            <a:spLocks noGrp="1"/>
-          </p:cNvSpPr>
-          <p:nvPr>
-            <p:ph type="sldNum" sz="quarter" idx="12"/>
-          </p:nvPr>
-        </p:nvSpPr>
-        <p:spPr/>
-        <p:txBody>
-          <a:bodyPr/>
-          <a:lstStyle/>
-          <a:p>
-            <a:fld id="{4382A7F7-08BF-4252-8141-63FB96055BBB}" type="slidenum">
-              <a:rPr lang="en-US" smtClean="0"/>
-              <a:t>4</a:t>
-            </a:fld>
-            <a:endParaRPr lang="en-US"/>
-          </a:p>
-        </p:txBody>
-      </p:sp>
-    </p:spTree>
-    <p:extLst>
-      <p:ext uri="{BB962C8B-B14F-4D97-AF65-F5344CB8AC3E}">
-        <p14:creationId xmlns:p14="http://schemas.microsoft.com/office/powerpoint/2010/main" val="192053664"/>
-      </p:ext>
-    </p:extLst>
-  </p:cSld>
-  <p:clrMapOvr>
-    <a:masterClrMapping/>
-  </p:clrMapOvr>
-</p:sld>
-</file>
-
-<file path=ppt/slides/slide5.xml><?xml version="1.0" encoding="utf-8"?>
-<p:sld xmlns:a="http://schemas.openxmlformats.org/drawingml/2006/main" xmlns:r="http://schemas.openxmlformats.org/officeDocument/2006/relationships" xmlns:p="http://schemas.openxmlformats.org/presentationml/2006/main">
-  <p:cSld>
-    <p:spTree>
-      <p:nvGrpSpPr>
-        <p:cNvPr id="1" name=""/>
-        <p:cNvGrpSpPr/>
-        <p:nvPr/>
-      </p:nvGrpSpPr>
-      <p:grpSpPr>
-        <a:xfrm>
-          <a:off x="0" y="0"/>
-          <a:ext cx="0" cy="0"/>
-          <a:chOff x="0" y="0"/>
-          <a:chExt cx="0" cy="0"/>
-        </a:xfrm>
-      </p:grpSpPr>
-      <p:sp>
-        <p:nvSpPr>
-          <p:cNvPr id="2" name="Title 1"/>
-          <p:cNvSpPr>
-            <a:spLocks noGrp="1"/>
-          </p:cNvSpPr>
-          <p:nvPr>
-            <p:ph type="title"/>
-          </p:nvPr>
-        </p:nvSpPr>
-        <p:spPr>
-          <a:noFill/>
-        </p:spPr>
-        <p:txBody>
-          <a:bodyPr>
-            <a:normAutofit/>
-          </a:bodyPr>
-          <a:lstStyle/>
-          <a:p>
-            <a:r>
-              <a:rPr lang="en-US" dirty="0" smtClean="0"/>
-              <a:t>Challenges</a:t>
-            </a:r>
-            <a:endParaRPr lang="en-US" dirty="0"/>
-          </a:p>
-        </p:txBody>
-      </p:sp>
-      <p:sp>
-        <p:nvSpPr>
-          <p:cNvPr id="3" name="Content Placeholder 2"/>
-          <p:cNvSpPr>
-            <a:spLocks noGrp="1"/>
-          </p:cNvSpPr>
-          <p:nvPr>
-            <p:ph idx="1"/>
-          </p:nvPr>
-        </p:nvSpPr>
-        <p:spPr>
-          <a:xfrm>
-            <a:off x="284163" y="1889051"/>
-            <a:ext cx="8475478" cy="3992563"/>
-          </a:xfrm>
-        </p:spPr>
-        <p:txBody>
-          <a:bodyPr>
-            <a:normAutofit/>
-          </a:bodyPr>
-          <a:lstStyle/>
-          <a:p>
-            <a:r>
-              <a:rPr lang="en-US" b="0" dirty="0" smtClean="0"/>
-              <a:t>To learn how to use proportional control, we give you three different </a:t>
-            </a:r>
-            <a:r>
-              <a:rPr lang="en-US" dirty="0" smtClean="0"/>
-              <a:t>Challenges</a:t>
-            </a:r>
-            <a:r>
-              <a:rPr lang="en-US" b="0" dirty="0" smtClean="0"/>
-              <a:t>:</a:t>
-            </a:r>
-          </a:p>
-          <a:p>
-            <a:pPr lvl="1"/>
-            <a:r>
-              <a:rPr lang="en-US" dirty="0" smtClean="0"/>
-              <a:t>Dog Follower: Use proportional control with the ultrasonic sensor to get </a:t>
-            </a:r>
-            <a:r>
-              <a:rPr lang="en-US" dirty="0"/>
-              <a:t>t</a:t>
-            </a:r>
-            <a:r>
-              <a:rPr lang="en-US" dirty="0" smtClean="0"/>
-              <a:t>he robot to stay 15cm </a:t>
-            </a:r>
-            <a:r>
-              <a:rPr lang="en-US" dirty="0"/>
-              <a:t>away from the human at all </a:t>
-            </a:r>
-            <a:r>
-              <a:rPr lang="en-US" dirty="0" smtClean="0"/>
-              <a:t>times (even when the human moves)</a:t>
-            </a:r>
-            <a:endParaRPr lang="en-US" dirty="0"/>
-          </a:p>
-          <a:p>
-            <a:pPr lvl="1"/>
-            <a:r>
-              <a:rPr lang="en-US" dirty="0" smtClean="0"/>
-              <a:t>Line Follower: Use proportional control with the light sensor to get the robot to follow a line smoothly. (Greater detail is in the Proportional Line Follower lesson)</a:t>
-            </a:r>
-          </a:p>
-          <a:p>
-            <a:pPr lvl="1"/>
-            <a:r>
-              <a:rPr lang="en-US" dirty="0" smtClean="0"/>
-              <a:t>Gyro Turn: Use proportional control and the gyro sensor to get the robot to </a:t>
-            </a:r>
-            <a:r>
-              <a:rPr lang="en-US" b="0" dirty="0" smtClean="0"/>
-              <a:t>accurately turn to a target angle</a:t>
-            </a:r>
-          </a:p>
-        </p:txBody>
-      </p:sp>
-      <p:sp>
-        <p:nvSpPr>
-          <p:cNvPr id="4" name="Footer Placeholder 3"/>
-          <p:cNvSpPr>
-            <a:spLocks noGrp="1"/>
-          </p:cNvSpPr>
-          <p:nvPr>
-            <p:ph type="ftr" sz="quarter" idx="11"/>
-          </p:nvPr>
-        </p:nvSpPr>
-        <p:spPr/>
-        <p:txBody>
-          <a:bodyPr/>
-          <a:lstStyle/>
-          <a:p>
-            <a:r>
-              <a:rPr lang="en-US" smtClean="0"/>
-              <a:t>© 2015 EV3Lessons.com, Last edit 4/5/2015</a:t>
-            </a:r>
-            <a:endParaRPr lang="en-US"/>
-          </a:p>
-        </p:txBody>
-      </p:sp>
-      <p:sp>
-        <p:nvSpPr>
-          <p:cNvPr id="5" name="Slide Number Placeholder 4"/>
-          <p:cNvSpPr>
-            <a:spLocks noGrp="1"/>
-          </p:cNvSpPr>
-          <p:nvPr>
-            <p:ph type="sldNum" sz="quarter" idx="12"/>
-          </p:nvPr>
-        </p:nvSpPr>
-        <p:spPr/>
-        <p:txBody>
-          <a:bodyPr/>
-          <a:lstStyle/>
-          <a:p>
-            <a:fld id="{4382A7F7-08BF-4252-8141-63FB96055BBB}" type="slidenum">
-              <a:rPr lang="en-US" smtClean="0"/>
-              <a:t>5</a:t>
-            </a:fld>
-            <a:endParaRPr lang="en-US"/>
-          </a:p>
-        </p:txBody>
-      </p:sp>
-    </p:spTree>
-    <p:extLst>
-      <p:ext uri="{BB962C8B-B14F-4D97-AF65-F5344CB8AC3E}">
-        <p14:creationId xmlns:p14="http://schemas.microsoft.com/office/powerpoint/2010/main" val="3803221312"/>
-      </p:ext>
-    </p:extLst>
-  </p:cSld>
-  <p:clrMapOvr>
-    <a:masterClrMapping/>
-  </p:clrMapOvr>
-</p:sld>
-</file>
-
-<file path=ppt/slides/slide6.xml><?xml version="1.0" encoding="utf-8"?>
-<p:sld xmlns:a="http://schemas.openxmlformats.org/drawingml/2006/main" xmlns:r="http://schemas.openxmlformats.org/officeDocument/2006/relationships" xmlns:p="http://schemas.openxmlformats.org/presentationml/2006/main">
-  <p:cSld>
-    <p:spTree>
-      <p:nvGrpSpPr>
-        <p:cNvPr id="1" name=""/>
-        <p:cNvGrpSpPr/>
-        <p:nvPr/>
-      </p:nvGrpSpPr>
-      <p:grpSpPr>
-        <a:xfrm>
-          <a:off x="0" y="0"/>
-          <a:ext cx="0" cy="0"/>
-          <a:chOff x="0" y="0"/>
-          <a:chExt cx="0" cy="0"/>
-        </a:xfrm>
-      </p:grpSpPr>
-      <p:sp>
-        <p:nvSpPr>
-          <p:cNvPr id="2" name="Title 1"/>
-          <p:cNvSpPr>
-            <a:spLocks noGrp="1"/>
-          </p:cNvSpPr>
-          <p:nvPr>
-            <p:ph type="title"/>
-          </p:nvPr>
-        </p:nvSpPr>
-        <p:spPr>
-          <a:noFill/>
-        </p:spPr>
-        <p:txBody>
-          <a:bodyPr>
-            <a:normAutofit/>
-          </a:bodyPr>
-          <a:lstStyle/>
-          <a:p>
-            <a:r>
-              <a:rPr lang="en-US" dirty="0" err="1" smtClean="0"/>
-              <a:t>Pseudocode</a:t>
-            </a:r>
-            <a:r>
-              <a:rPr lang="en-US" dirty="0" smtClean="0"/>
-              <a:t>/Hints</a:t>
-            </a:r>
-            <a:endParaRPr lang="en-US" dirty="0"/>
-          </a:p>
-        </p:txBody>
-      </p:sp>
-      <p:sp>
-        <p:nvSpPr>
-          <p:cNvPr id="4" name="Footer Placeholder 3"/>
-          <p:cNvSpPr>
-            <a:spLocks noGrp="1"/>
-          </p:cNvSpPr>
-          <p:nvPr>
-            <p:ph type="ftr" sz="quarter" idx="11"/>
-          </p:nvPr>
-        </p:nvSpPr>
-        <p:spPr/>
-        <p:txBody>
-          <a:bodyPr/>
-          <a:lstStyle/>
-          <a:p>
-            <a:r>
-              <a:rPr lang="en-US" smtClean="0"/>
-              <a:t>© 2015 EV3Lessons.com, Last edit 4/5/2015</a:t>
-            </a:r>
-            <a:endParaRPr lang="en-US" dirty="0"/>
-          </a:p>
-        </p:txBody>
-      </p:sp>
-      <p:graphicFrame>
-        <p:nvGraphicFramePr>
-          <p:cNvPr id="7" name="Table 6"/>
-          <p:cNvGraphicFramePr>
-            <a:graphicFrameLocks noGrp="1"/>
-          </p:cNvGraphicFramePr>
-          <p:nvPr>
-            <p:extLst>
-              <p:ext uri="{D42A27DB-BD31-4B8C-83A1-F6EECF244321}">
-                <p14:modId xmlns:p14="http://schemas.microsoft.com/office/powerpoint/2010/main" val="3223710304"/>
-              </p:ext>
-            </p:extLst>
-          </p:nvPr>
-        </p:nvGraphicFramePr>
-        <p:xfrm>
-          <a:off x="602341" y="2087843"/>
-          <a:ext cx="7870372" cy="3662679"/>
-        </p:xfrm>
-        <a:graphic>
-          <a:graphicData uri="http://schemas.openxmlformats.org/drawingml/2006/table">
-            <a:tbl>
-              <a:tblPr firstRow="1" bandRow="1">
-                <a:tableStyleId>{2D5ABB26-0587-4C30-8999-92F81FD0307C}</a:tableStyleId>
-              </a:tblPr>
-              <a:tblGrid>
-                <a:gridCol w="1421575"/>
-                <a:gridCol w="1838721"/>
-                <a:gridCol w="2447219"/>
-                <a:gridCol w="2162857"/>
-              </a:tblGrid>
-              <a:tr h="370840">
-                <a:tc>
-                  <a:txBody>
-                    <a:bodyPr/>
-                    <a:lstStyle/>
-                    <a:p>
-                      <a:r>
-                        <a:rPr lang="en-US" b="1" dirty="0" smtClean="0"/>
-                        <a:t>Application</a:t>
-                      </a:r>
-                      <a:endParaRPr lang="en-US" b="1" dirty="0"/>
-                    </a:p>
-                  </a:txBody>
-                  <a:tcPr>
-                    <a:solidFill>
-                      <a:srgbClr val="F5C201"/>
-                    </a:solidFill>
-                  </a:tcPr>
-                </a:tc>
-                <a:tc>
-                  <a:txBody>
-                    <a:bodyPr/>
-                    <a:lstStyle/>
-                    <a:p>
-                      <a:r>
-                        <a:rPr lang="en-US" b="1" dirty="0" smtClean="0"/>
-                        <a:t>Objective</a:t>
-                      </a:r>
-                      <a:endParaRPr lang="en-US" b="1" dirty="0"/>
-                    </a:p>
-                  </a:txBody>
-                  <a:tcPr>
-                    <a:solidFill>
-                      <a:srgbClr val="F5C201"/>
-                    </a:solidFill>
-                  </a:tcPr>
-                </a:tc>
-                <a:tc>
-                  <a:txBody>
-                    <a:bodyPr/>
-                    <a:lstStyle/>
-                    <a:p>
-                      <a:r>
-                        <a:rPr lang="en-US" b="1" dirty="0" smtClean="0"/>
-                        <a:t>Error</a:t>
-                      </a:r>
-                      <a:endParaRPr lang="en-US" b="1" dirty="0"/>
-                    </a:p>
-                  </a:txBody>
-                  <a:tcPr>
-                    <a:solidFill>
-                      <a:srgbClr val="F5C201"/>
-                    </a:solidFill>
-                  </a:tcPr>
-                </a:tc>
-                <a:tc>
-                  <a:txBody>
-                    <a:bodyPr/>
-                    <a:lstStyle/>
-                    <a:p>
-                      <a:r>
-                        <a:rPr lang="en-US" b="1" dirty="0" smtClean="0"/>
-                        <a:t>Correction</a:t>
-                      </a:r>
-                      <a:endParaRPr lang="en-US" b="1" dirty="0"/>
-                    </a:p>
-                  </a:txBody>
-                  <a:tcPr>
-                    <a:solidFill>
-                      <a:srgbClr val="F5C201"/>
-                    </a:solidFill>
-                  </a:tcPr>
-                </a:tc>
-              </a:tr>
-              <a:tr h="370840">
-                <a:tc>
-                  <a:txBody>
-                    <a:bodyPr/>
-                    <a:lstStyle/>
-                    <a:p>
-                      <a:r>
-                        <a:rPr lang="en-US" b="1" dirty="0" smtClean="0"/>
-                        <a:t>Dog Follower</a:t>
-                      </a:r>
-                      <a:endParaRPr lang="en-US" b="1" dirty="0"/>
-                    </a:p>
-                  </a:txBody>
-                  <a:tcPr/>
-                </a:tc>
-                <a:tc>
-                  <a:txBody>
-                    <a:bodyPr/>
-                    <a:lstStyle/>
-                    <a:p>
-                      <a:r>
-                        <a:rPr lang="en-US" dirty="0" smtClean="0"/>
-                        <a:t>Get to a target</a:t>
-                      </a:r>
-                      <a:r>
-                        <a:rPr lang="en-US" baseline="0" dirty="0" smtClean="0"/>
-                        <a:t> distance from wall</a:t>
-                      </a:r>
-                      <a:endParaRPr lang="en-US" dirty="0"/>
-                    </a:p>
-                  </a:txBody>
-                  <a:tcPr/>
-                </a:tc>
-                <a:tc>
-                  <a:txBody>
-                    <a:bodyPr/>
-                    <a:lstStyle/>
-                    <a:p>
-                      <a:r>
-                        <a:rPr lang="en-US" dirty="0" smtClean="0"/>
-                        <a:t>How many inches from target location (</a:t>
-                      </a:r>
-                      <a:r>
-                        <a:rPr lang="en-US" dirty="0" err="1" smtClean="0"/>
-                        <a:t>current</a:t>
-                      </a:r>
-                      <a:r>
-                        <a:rPr lang="en-US" baseline="0" dirty="0" err="1" smtClean="0"/>
-                        <a:t>_distance</a:t>
-                      </a:r>
-                      <a:r>
-                        <a:rPr lang="en-US" baseline="0" dirty="0" smtClean="0"/>
-                        <a:t> – </a:t>
-                      </a:r>
-                      <a:r>
-                        <a:rPr lang="en-US" baseline="0" dirty="0" err="1" smtClean="0"/>
-                        <a:t>target_distance</a:t>
-                      </a:r>
-                      <a:r>
-                        <a:rPr lang="en-US" baseline="0" dirty="0" smtClean="0"/>
-                        <a:t>)</a:t>
-                      </a:r>
-                      <a:endParaRPr lang="en-US" dirty="0"/>
-                    </a:p>
-                  </a:txBody>
-                  <a:tcPr/>
-                </a:tc>
-                <a:tc>
-                  <a:txBody>
-                    <a:bodyPr/>
-                    <a:lstStyle/>
-                    <a:p>
-                      <a:r>
-                        <a:rPr lang="en-US" dirty="0" smtClean="0"/>
-                        <a:t>Move faster based on</a:t>
-                      </a:r>
-                      <a:r>
-                        <a:rPr lang="en-US" baseline="0" dirty="0" smtClean="0"/>
-                        <a:t> distance</a:t>
-                      </a:r>
-                      <a:endParaRPr lang="en-US" dirty="0"/>
-                    </a:p>
-                  </a:txBody>
-                  <a:tcPr/>
-                </a:tc>
-              </a:tr>
-              <a:tr h="370840">
-                <a:tc>
-                  <a:txBody>
-                    <a:bodyPr/>
-                    <a:lstStyle/>
-                    <a:p>
-                      <a:r>
-                        <a:rPr lang="en-US" b="1" dirty="0" smtClean="0"/>
-                        <a:t>Line Follower</a:t>
-                      </a:r>
-                      <a:endParaRPr lang="en-US" b="1" dirty="0"/>
-                    </a:p>
-                  </a:txBody>
-                  <a:tcPr/>
-                </a:tc>
-                <a:tc>
-                  <a:txBody>
-                    <a:bodyPr/>
-                    <a:lstStyle/>
-                    <a:p>
-                      <a:r>
-                        <a:rPr lang="en-US" dirty="0" smtClean="0"/>
-                        <a:t>Stay</a:t>
-                      </a:r>
-                      <a:r>
-                        <a:rPr lang="en-US" baseline="0" dirty="0" smtClean="0"/>
-                        <a:t> on the edge of the line</a:t>
-                      </a:r>
-                      <a:endParaRPr lang="en-US" dirty="0"/>
-                    </a:p>
-                  </a:txBody>
-                  <a:tcPr/>
-                </a:tc>
-                <a:tc>
-                  <a:txBody>
-                    <a:bodyPr/>
-                    <a:lstStyle/>
-                    <a:p>
-                      <a:r>
-                        <a:rPr lang="en-US" dirty="0" smtClean="0"/>
-                        <a:t>How</a:t>
-                      </a:r>
-                      <a:r>
-                        <a:rPr lang="en-US" baseline="0" dirty="0" smtClean="0"/>
-                        <a:t> far are our light readings from those at line edge</a:t>
-                      </a:r>
-                      <a:br>
-                        <a:rPr lang="en-US" baseline="0" dirty="0" smtClean="0"/>
-                      </a:br>
-                      <a:r>
-                        <a:rPr lang="en-US" baseline="0" dirty="0" smtClean="0"/>
-                        <a:t>(</a:t>
-                      </a:r>
-                      <a:r>
-                        <a:rPr lang="en-US" baseline="0" dirty="0" err="1" smtClean="0"/>
-                        <a:t>current_light</a:t>
-                      </a:r>
-                      <a:r>
-                        <a:rPr lang="en-US" baseline="0" dirty="0" smtClean="0"/>
-                        <a:t> – </a:t>
-                      </a:r>
-                      <a:r>
-                        <a:rPr lang="en-US" baseline="0" dirty="0" err="1" smtClean="0"/>
-                        <a:t>target_light</a:t>
-                      </a:r>
-                      <a:r>
-                        <a:rPr lang="en-US" baseline="0" dirty="0" smtClean="0"/>
-                        <a:t>)</a:t>
-                      </a:r>
-                      <a:endParaRPr lang="en-US" dirty="0"/>
-                    </a:p>
-                  </a:txBody>
-                  <a:tcPr/>
-                </a:tc>
-                <a:tc>
-                  <a:txBody>
-                    <a:bodyPr/>
-                    <a:lstStyle/>
-                    <a:p>
-                      <a:r>
-                        <a:rPr lang="en-US" dirty="0" smtClean="0"/>
-                        <a:t>Turn sharper based on distance from line</a:t>
-                      </a:r>
-                      <a:endParaRPr lang="en-US" dirty="0"/>
-                    </a:p>
-                  </a:txBody>
-                  <a:tcPr/>
-                </a:tc>
-              </a:tr>
-              <a:tr h="370840">
-                <a:tc>
-                  <a:txBody>
-                    <a:bodyPr/>
-                    <a:lstStyle/>
-                    <a:p>
-                      <a:r>
-                        <a:rPr lang="en-US" b="1" dirty="0" smtClean="0"/>
-                        <a:t>Gyro</a:t>
-                      </a:r>
-                      <a:r>
-                        <a:rPr lang="en-US" b="1" baseline="0" dirty="0" smtClean="0"/>
-                        <a:t> Turn</a:t>
-                      </a:r>
-                      <a:endParaRPr lang="en-US" b="1" dirty="0"/>
-                    </a:p>
-                  </a:txBody>
-                  <a:tcPr/>
-                </a:tc>
-                <a:tc>
-                  <a:txBody>
-                    <a:bodyPr/>
-                    <a:lstStyle/>
-                    <a:p>
-                      <a:r>
-                        <a:rPr lang="en-US" dirty="0" smtClean="0"/>
-                        <a:t>Turn to a target</a:t>
-                      </a:r>
-                      <a:r>
-                        <a:rPr lang="en-US" baseline="0" dirty="0" smtClean="0"/>
-                        <a:t> angle</a:t>
-                      </a:r>
-                      <a:endParaRPr lang="en-US" dirty="0"/>
-                    </a:p>
-                  </a:txBody>
-                  <a:tcPr/>
-                </a:tc>
-                <a:tc>
-                  <a:txBody>
-                    <a:bodyPr/>
-                    <a:lstStyle/>
-                    <a:p>
-                      <a:r>
-                        <a:rPr lang="en-US" dirty="0" smtClean="0"/>
-                        <a:t>How many</a:t>
-                      </a:r>
-                      <a:r>
-                        <a:rPr lang="en-US" baseline="0" dirty="0" smtClean="0"/>
-                        <a:t> degrees are we from target turn</a:t>
-                      </a:r>
-                      <a:endParaRPr lang="en-US" dirty="0"/>
-                    </a:p>
-                  </a:txBody>
-                  <a:tcPr/>
-                </a:tc>
-                <a:tc>
-                  <a:txBody>
-                    <a:bodyPr/>
-                    <a:lstStyle/>
-                    <a:p>
-                      <a:r>
-                        <a:rPr lang="en-US" dirty="0" smtClean="0"/>
-                        <a:t>Turn faster based on degrees</a:t>
-                      </a:r>
-                      <a:r>
-                        <a:rPr lang="en-US" baseline="0" dirty="0" smtClean="0"/>
-                        <a:t> remaining</a:t>
-                      </a:r>
-                      <a:endParaRPr lang="en-US" dirty="0"/>
-                    </a:p>
-                  </a:txBody>
-                  <a:tcPr/>
-                </a:tc>
-              </a:tr>
-            </a:tbl>
-          </a:graphicData>
-        </a:graphic>
-      </p:graphicFrame>
-      <p:sp>
-        <p:nvSpPr>
-          <p:cNvPr id="3" name="Slide Number Placeholder 2"/>
-          <p:cNvSpPr>
-            <a:spLocks noGrp="1"/>
-          </p:cNvSpPr>
-          <p:nvPr>
-            <p:ph type="sldNum" sz="quarter" idx="12"/>
-          </p:nvPr>
-        </p:nvSpPr>
-        <p:spPr/>
-        <p:txBody>
-          <a:bodyPr/>
-          <a:lstStyle/>
-          <a:p>
-            <a:fld id="{4382A7F7-08BF-4252-8141-63FB96055BBB}" type="slidenum">
-              <a:rPr lang="en-US" smtClean="0"/>
-              <a:t>6</a:t>
-            </a:fld>
-            <a:endParaRPr lang="en-US"/>
-          </a:p>
-        </p:txBody>
-      </p:sp>
-    </p:spTree>
-    <p:extLst>
-      <p:ext uri="{BB962C8B-B14F-4D97-AF65-F5344CB8AC3E}">
-        <p14:creationId xmlns:p14="http://schemas.microsoft.com/office/powerpoint/2010/main" val="2003391859"/>
-      </p:ext>
-    </p:extLst>
-  </p:cSld>
-  <p:clrMapOvr>
-    <a:masterClrMapping/>
-  </p:clrMapOvr>
-</p:sld>
-</file>
-
-<file path=ppt/slides/slide7.xml><?xml version="1.0" encoding="utf-8"?>
 <p:sld xmlns:a="http://schemas.openxmlformats.org/drawingml/2006/main" xmlns:r="http://schemas.openxmlformats.org/officeDocument/2006/relationships" xmlns:p="http://schemas.openxmlformats.org/presentationml/2006/main">
   <p:cSld>
     <p:spTree>
@@ -11500,7 +9291,7 @@
           <a:p>
             <a:fld id="{4382A7F7-08BF-4252-8141-63FB96055BBB}" type="slidenum">
               <a:rPr lang="en-US" smtClean="0"/>
-              <a:t>7</a:t>
+              <a:t>10</a:t>
             </a:fld>
             <a:endParaRPr lang="en-US"/>
           </a:p>
@@ -11519,7 +9310,7 @@
 </p:sld>
 </file>
 
-<file path=ppt/slides/slide8.xml><?xml version="1.0" encoding="utf-8"?>
+<file path=ppt/slides/slide11.xml><?xml version="1.0" encoding="utf-8"?>
 <p:sld xmlns:a="http://schemas.openxmlformats.org/drawingml/2006/main" xmlns:r="http://schemas.openxmlformats.org/officeDocument/2006/relationships" xmlns:p="http://schemas.openxmlformats.org/presentationml/2006/main">
   <p:cSld>
     <p:spTree>
@@ -11631,7 +9422,7 @@
           <a:p>
             <a:fld id="{4382A7F7-08BF-4252-8141-63FB96055BBB}" type="slidenum">
               <a:rPr lang="en-US" smtClean="0"/>
-              <a:t>8</a:t>
+              <a:t>11</a:t>
             </a:fld>
             <a:endParaRPr lang="en-US"/>
           </a:p>
@@ -11650,7 +9441,7 @@
 </p:sld>
 </file>
 
-<file path=ppt/slides/slide9.xml><?xml version="1.0" encoding="utf-8"?>
+<file path=ppt/slides/slide12.xml><?xml version="1.0" encoding="utf-8"?>
 <p:sld xmlns:a="http://schemas.openxmlformats.org/drawingml/2006/main" xmlns:r="http://schemas.openxmlformats.org/officeDocument/2006/relationships" xmlns:p="http://schemas.openxmlformats.org/presentationml/2006/main">
   <p:cSld>
     <p:spTree>
@@ -11758,7 +9549,7 @@
           <a:p>
             <a:fld id="{4382A7F7-08BF-4252-8141-63FB96055BBB}" type="slidenum">
               <a:rPr lang="en-US" smtClean="0"/>
-              <a:t>9</a:t>
+              <a:t>12</a:t>
             </a:fld>
             <a:endParaRPr lang="en-US"/>
           </a:p>
@@ -12057,6 +9848,4375 @@
     <p:extLst>
       <p:ext uri="{BB962C8B-B14F-4D97-AF65-F5344CB8AC3E}">
         <p14:creationId xmlns:p14="http://schemas.microsoft.com/office/powerpoint/2010/main" val="3838014035"/>
+      </p:ext>
+    </p:extLst>
+  </p:cSld>
+  <p:clrMapOvr>
+    <a:masterClrMapping/>
+  </p:clrMapOvr>
+</p:sld>
+</file>
+
+<file path=ppt/slides/slide13.xml><?xml version="1.0" encoding="utf-8"?>
+<p:sld xmlns:a="http://schemas.openxmlformats.org/drawingml/2006/main" xmlns:r="http://schemas.openxmlformats.org/officeDocument/2006/relationships" xmlns:p="http://schemas.openxmlformats.org/presentationml/2006/main">
+  <p:cSld>
+    <p:spTree>
+      <p:nvGrpSpPr>
+        <p:cNvPr id="1" name=""/>
+        <p:cNvGrpSpPr/>
+        <p:nvPr/>
+      </p:nvGrpSpPr>
+      <p:grpSpPr>
+        <a:xfrm>
+          <a:off x="0" y="0"/>
+          <a:ext cx="0" cy="0"/>
+          <a:chOff x="0" y="0"/>
+          <a:chExt cx="0" cy="0"/>
+        </a:xfrm>
+      </p:grpSpPr>
+      <p:sp>
+        <p:nvSpPr>
+          <p:cNvPr id="2" name="Title 1"/>
+          <p:cNvSpPr>
+            <a:spLocks noGrp="1"/>
+          </p:cNvSpPr>
+          <p:nvPr>
+            <p:ph type="title"/>
+          </p:nvPr>
+        </p:nvSpPr>
+        <p:spPr>
+          <a:noFill/>
+        </p:spPr>
+        <p:txBody>
+          <a:bodyPr/>
+          <a:lstStyle/>
+          <a:p>
+            <a:r>
+              <a:rPr lang="en-US" dirty="0" smtClean="0"/>
+              <a:t>Solution: Gyro Right Turn</a:t>
+            </a:r>
+            <a:endParaRPr lang="en-US" dirty="0"/>
+          </a:p>
+        </p:txBody>
+      </p:sp>
+      <p:sp>
+        <p:nvSpPr>
+          <p:cNvPr id="4" name="Footer Placeholder 3"/>
+          <p:cNvSpPr>
+            <a:spLocks noGrp="1"/>
+          </p:cNvSpPr>
+          <p:nvPr>
+            <p:ph type="ftr" sz="quarter" idx="11"/>
+          </p:nvPr>
+        </p:nvSpPr>
+        <p:spPr/>
+        <p:txBody>
+          <a:bodyPr/>
+          <a:lstStyle/>
+          <a:p>
+            <a:r>
+              <a:rPr lang="en-US" smtClean="0"/>
+              <a:t>© 2015 EV3Lessons.com, Last edit 4/5/2015</a:t>
+            </a:r>
+            <a:endParaRPr lang="en-US"/>
+          </a:p>
+        </p:txBody>
+      </p:sp>
+      <p:sp>
+        <p:nvSpPr>
+          <p:cNvPr id="3" name="Slide Number Placeholder 2"/>
+          <p:cNvSpPr>
+            <a:spLocks noGrp="1"/>
+          </p:cNvSpPr>
+          <p:nvPr>
+            <p:ph type="sldNum" sz="quarter" idx="12"/>
+          </p:nvPr>
+        </p:nvSpPr>
+        <p:spPr/>
+        <p:txBody>
+          <a:bodyPr/>
+          <a:lstStyle/>
+          <a:p>
+            <a:fld id="{4382A7F7-08BF-4252-8141-63FB96055BBB}" type="slidenum">
+              <a:rPr lang="en-US" smtClean="0"/>
+              <a:t>13</a:t>
+            </a:fld>
+            <a:endParaRPr lang="en-US"/>
+          </a:p>
+        </p:txBody>
+      </p:sp>
+      <p:pic>
+        <p:nvPicPr>
+          <p:cNvPr id="7" name="Content Placeholder 6"/>
+          <p:cNvPicPr>
+            <a:picLocks noGrp="1" noChangeAspect="1"/>
+          </p:cNvPicPr>
+          <p:nvPr>
+            <p:ph idx="1"/>
+          </p:nvPr>
+        </p:nvPicPr>
+        <p:blipFill>
+          <a:blip r:embed="rId2"/>
+          <a:stretch>
+            <a:fillRect/>
+          </a:stretch>
+        </p:blipFill>
+        <p:spPr>
+          <a:xfrm>
+            <a:off x="302578" y="1815978"/>
+            <a:ext cx="8341090" cy="4752482"/>
+          </a:xfrm>
+          <a:prstGeom prst="rect">
+            <a:avLst/>
+          </a:prstGeom>
+        </p:spPr>
+      </p:pic>
+    </p:spTree>
+    <p:extLst>
+      <p:ext uri="{BB962C8B-B14F-4D97-AF65-F5344CB8AC3E}">
+        <p14:creationId xmlns:p14="http://schemas.microsoft.com/office/powerpoint/2010/main" val="3750282875"/>
+      </p:ext>
+    </p:extLst>
+  </p:cSld>
+  <p:clrMapOvr>
+    <a:masterClrMapping/>
+  </p:clrMapOvr>
+</p:sld>
+</file>
+
+<file path=ppt/slides/slide14.xml><?xml version="1.0" encoding="utf-8"?>
+<p:sld xmlns:a="http://schemas.openxmlformats.org/drawingml/2006/main" xmlns:r="http://schemas.openxmlformats.org/officeDocument/2006/relationships" xmlns:p="http://schemas.openxmlformats.org/presentationml/2006/main">
+  <p:cSld>
+    <p:spTree>
+      <p:nvGrpSpPr>
+        <p:cNvPr id="1" name=""/>
+        <p:cNvGrpSpPr/>
+        <p:nvPr/>
+      </p:nvGrpSpPr>
+      <p:grpSpPr>
+        <a:xfrm>
+          <a:off x="0" y="0"/>
+          <a:ext cx="0" cy="0"/>
+          <a:chOff x="0" y="0"/>
+          <a:chExt cx="0" cy="0"/>
+        </a:xfrm>
+      </p:grpSpPr>
+      <p:sp>
+        <p:nvSpPr>
+          <p:cNvPr id="2" name="Title 1"/>
+          <p:cNvSpPr>
+            <a:spLocks noGrp="1"/>
+          </p:cNvSpPr>
+          <p:nvPr>
+            <p:ph type="title"/>
+          </p:nvPr>
+        </p:nvSpPr>
+        <p:spPr/>
+        <p:txBody>
+          <a:bodyPr/>
+          <a:lstStyle/>
+          <a:p>
+            <a:r>
+              <a:rPr lang="en-US" dirty="0" smtClean="0"/>
+              <a:t>Discussion Guide</a:t>
+            </a:r>
+            <a:endParaRPr lang="en-US" dirty="0"/>
+          </a:p>
+        </p:txBody>
+      </p:sp>
+      <p:sp>
+        <p:nvSpPr>
+          <p:cNvPr id="3" name="Content Placeholder 2"/>
+          <p:cNvSpPr>
+            <a:spLocks noGrp="1"/>
+          </p:cNvSpPr>
+          <p:nvPr>
+            <p:ph idx="1"/>
+          </p:nvPr>
+        </p:nvSpPr>
+        <p:spPr>
+          <a:xfrm>
+            <a:off x="508001" y="2133600"/>
+            <a:ext cx="8350250" cy="3992563"/>
+          </a:xfrm>
+        </p:spPr>
+        <p:txBody>
+          <a:bodyPr/>
+          <a:lstStyle/>
+          <a:p>
+            <a:pPr marL="457200" indent="-457200">
+              <a:buFont typeface="+mj-lt"/>
+              <a:buAutoNum type="arabicPeriod"/>
+            </a:pPr>
+            <a:r>
+              <a:rPr lang="en-US" dirty="0" smtClean="0">
+                <a:solidFill>
+                  <a:srgbClr val="FF0000"/>
+                </a:solidFill>
+              </a:rPr>
+              <a:t>What does proportional control mean?</a:t>
+            </a:r>
+            <a:br>
+              <a:rPr lang="en-US" dirty="0" smtClean="0">
+                <a:solidFill>
+                  <a:srgbClr val="FF0000"/>
+                </a:solidFill>
+              </a:rPr>
+            </a:br>
+            <a:r>
+              <a:rPr lang="en-US" dirty="0" smtClean="0"/>
+              <a:t>Ans. Moving </a:t>
+            </a:r>
+            <a:r>
+              <a:rPr lang="en-US" dirty="0"/>
+              <a:t>more or less based on how far the robot is from the target </a:t>
+            </a:r>
+            <a:r>
+              <a:rPr lang="en-US" dirty="0" smtClean="0"/>
+              <a:t>distance</a:t>
+            </a:r>
+          </a:p>
+          <a:p>
+            <a:pPr marL="457200" indent="-457200">
+              <a:buFont typeface="+mj-lt"/>
+              <a:buAutoNum type="arabicPeriod"/>
+            </a:pPr>
+            <a:r>
+              <a:rPr lang="en-US" dirty="0" smtClean="0">
+                <a:solidFill>
+                  <a:srgbClr val="FF0000"/>
+                </a:solidFill>
+              </a:rPr>
+              <a:t>What do all proportional control code have in common?</a:t>
+            </a:r>
+            <a:br>
+              <a:rPr lang="en-US" dirty="0" smtClean="0">
+                <a:solidFill>
+                  <a:srgbClr val="FF0000"/>
+                </a:solidFill>
+              </a:rPr>
+            </a:br>
+            <a:r>
+              <a:rPr lang="en-US" dirty="0" smtClean="0"/>
+              <a:t>Ans. Computing an error and making a correction</a:t>
+            </a:r>
+          </a:p>
+          <a:p>
+            <a:pPr marL="457200" indent="-457200">
+              <a:buFont typeface="+mj-lt"/>
+              <a:buAutoNum type="arabicPeriod"/>
+            </a:pPr>
+            <a:endParaRPr lang="en-US" dirty="0" smtClean="0"/>
+          </a:p>
+          <a:p>
+            <a:endParaRPr lang="en-US" dirty="0"/>
+          </a:p>
+        </p:txBody>
+      </p:sp>
+      <p:sp>
+        <p:nvSpPr>
+          <p:cNvPr id="4" name="Footer Placeholder 3"/>
+          <p:cNvSpPr>
+            <a:spLocks noGrp="1"/>
+          </p:cNvSpPr>
+          <p:nvPr>
+            <p:ph type="ftr" sz="quarter" idx="11"/>
+          </p:nvPr>
+        </p:nvSpPr>
+        <p:spPr/>
+        <p:txBody>
+          <a:bodyPr/>
+          <a:lstStyle/>
+          <a:p>
+            <a:r>
+              <a:rPr lang="en-US" smtClean="0"/>
+              <a:t>© 2015 EV3Lessons.com, Last edit 4/5/2015</a:t>
+            </a:r>
+            <a:endParaRPr lang="en-US"/>
+          </a:p>
+        </p:txBody>
+      </p:sp>
+      <p:sp>
+        <p:nvSpPr>
+          <p:cNvPr id="5" name="Slide Number Placeholder 4"/>
+          <p:cNvSpPr>
+            <a:spLocks noGrp="1"/>
+          </p:cNvSpPr>
+          <p:nvPr>
+            <p:ph type="sldNum" sz="quarter" idx="12"/>
+          </p:nvPr>
+        </p:nvSpPr>
+        <p:spPr/>
+        <p:txBody>
+          <a:bodyPr/>
+          <a:lstStyle/>
+          <a:p>
+            <a:fld id="{4382A7F7-08BF-4252-8141-63FB96055BBB}" type="slidenum">
+              <a:rPr lang="en-US" smtClean="0"/>
+              <a:t>14</a:t>
+            </a:fld>
+            <a:endParaRPr lang="en-US"/>
+          </a:p>
+        </p:txBody>
+      </p:sp>
+    </p:spTree>
+    <p:extLst>
+      <p:ext uri="{BB962C8B-B14F-4D97-AF65-F5344CB8AC3E}">
+        <p14:creationId xmlns:p14="http://schemas.microsoft.com/office/powerpoint/2010/main" val="1547944288"/>
+      </p:ext>
+    </p:extLst>
+  </p:cSld>
+  <p:clrMapOvr>
+    <a:masterClrMapping/>
+  </p:clrMapOvr>
+</p:sld>
+</file>
+
+<file path=ppt/slides/slide15.xml><?xml version="1.0" encoding="utf-8"?>
+<p:sld xmlns:a="http://schemas.openxmlformats.org/drawingml/2006/main" xmlns:r="http://schemas.openxmlformats.org/officeDocument/2006/relationships" xmlns:p="http://schemas.openxmlformats.org/presentationml/2006/main">
+  <p:cSld>
+    <p:spTree>
+      <p:nvGrpSpPr>
+        <p:cNvPr id="1" name=""/>
+        <p:cNvGrpSpPr/>
+        <p:nvPr/>
+      </p:nvGrpSpPr>
+      <p:grpSpPr>
+        <a:xfrm>
+          <a:off x="0" y="0"/>
+          <a:ext cx="0" cy="0"/>
+          <a:chOff x="0" y="0"/>
+          <a:chExt cx="0" cy="0"/>
+        </a:xfrm>
+      </p:grpSpPr>
+      <p:sp>
+        <p:nvSpPr>
+          <p:cNvPr id="2" name="Title 1"/>
+          <p:cNvSpPr>
+            <a:spLocks noGrp="1"/>
+          </p:cNvSpPr>
+          <p:nvPr>
+            <p:ph type="title"/>
+          </p:nvPr>
+        </p:nvSpPr>
+        <p:spPr>
+          <a:noFill/>
+        </p:spPr>
+        <p:txBody>
+          <a:bodyPr/>
+          <a:lstStyle/>
+          <a:p>
+            <a:r>
+              <a:rPr lang="en-US" dirty="0" smtClean="0">
+                <a:latin typeface="+mn-lt"/>
+              </a:rPr>
+              <a:t>Credits</a:t>
+            </a:r>
+            <a:endParaRPr lang="en-US" dirty="0">
+              <a:latin typeface="+mn-lt"/>
+            </a:endParaRPr>
+          </a:p>
+        </p:txBody>
+      </p:sp>
+      <p:sp>
+        <p:nvSpPr>
+          <p:cNvPr id="3" name="Content Placeholder 2"/>
+          <p:cNvSpPr>
+            <a:spLocks noGrp="1"/>
+          </p:cNvSpPr>
+          <p:nvPr>
+            <p:ph idx="1"/>
+          </p:nvPr>
+        </p:nvSpPr>
+        <p:spPr>
+          <a:xfrm>
+            <a:off x="284162" y="1915912"/>
+            <a:ext cx="8574087" cy="3581400"/>
+          </a:xfrm>
+        </p:spPr>
+        <p:txBody>
+          <a:bodyPr>
+            <a:normAutofit/>
+          </a:bodyPr>
+          <a:lstStyle/>
+          <a:p>
+            <a:pPr marL="454025" lvl="1" indent="-454025">
+              <a:spcBef>
+                <a:spcPts val="2000"/>
+              </a:spcBef>
+              <a:buClr>
+                <a:schemeClr val="bg1">
+                  <a:lumMod val="65000"/>
+                </a:schemeClr>
+              </a:buClr>
+            </a:pPr>
+            <a:r>
+              <a:rPr lang="en-US" dirty="0"/>
+              <a:t>This tutorial was created by Sanjay Seshan and Arvind Seshan from Droids Robotics (</a:t>
+            </a:r>
+            <a:r>
+              <a:rPr lang="en-US" dirty="0" smtClean="0">
+                <a:hlinkClick r:id="rId3"/>
+              </a:rPr>
+              <a:t>team@droidsrobotics.org</a:t>
+            </a:r>
+            <a:r>
+              <a:rPr lang="en-US" dirty="0" smtClean="0"/>
+              <a:t>).</a:t>
+            </a:r>
+          </a:p>
+          <a:p>
+            <a:pPr marL="454025" lvl="1" indent="-454025">
+              <a:spcBef>
+                <a:spcPts val="2000"/>
+              </a:spcBef>
+              <a:buClr>
+                <a:schemeClr val="bg1">
+                  <a:lumMod val="65000"/>
+                </a:schemeClr>
+              </a:buClr>
+            </a:pPr>
+            <a:r>
+              <a:rPr lang="en-US" dirty="0" smtClean="0"/>
+              <a:t>Original Gyro Turn code was provided by the Construction Mavericks (</a:t>
+            </a:r>
+            <a:r>
+              <a:rPr lang="en-US" sz="2400" dirty="0" smtClean="0">
+                <a:hlinkClick r:id="rId4"/>
+              </a:rPr>
+              <a:t>frank.levine@gmail.com</a:t>
+            </a:r>
+            <a:r>
+              <a:rPr lang="en-US" sz="2400" dirty="0" smtClean="0"/>
+              <a:t>)</a:t>
+            </a:r>
+            <a:endParaRPr lang="en-US" dirty="0"/>
+          </a:p>
+          <a:p>
+            <a:pPr marL="454025" lvl="1" indent="-454025">
+              <a:spcBef>
+                <a:spcPts val="2000"/>
+              </a:spcBef>
+              <a:buClr>
+                <a:schemeClr val="bg1">
+                  <a:lumMod val="65000"/>
+                </a:schemeClr>
+              </a:buClr>
+            </a:pPr>
+            <a:r>
+              <a:rPr lang="en-US" dirty="0" smtClean="0"/>
+              <a:t>More lessons at www.ev3lessons.com</a:t>
+            </a:r>
+            <a:endParaRPr lang="en-US" dirty="0"/>
+          </a:p>
+        </p:txBody>
+      </p:sp>
+      <p:sp>
+        <p:nvSpPr>
+          <p:cNvPr id="4" name="Footer Placeholder 3"/>
+          <p:cNvSpPr>
+            <a:spLocks noGrp="1"/>
+          </p:cNvSpPr>
+          <p:nvPr>
+            <p:ph type="ftr" sz="quarter" idx="11"/>
+          </p:nvPr>
+        </p:nvSpPr>
+        <p:spPr/>
+        <p:txBody>
+          <a:bodyPr/>
+          <a:lstStyle/>
+          <a:p>
+            <a:r>
+              <a:rPr lang="en-US" smtClean="0"/>
+              <a:t>© 2015 EV3Lessons.com, Last edit 4/5/2015</a:t>
+            </a:r>
+            <a:endParaRPr lang="en-US"/>
+          </a:p>
+        </p:txBody>
+      </p:sp>
+      <p:sp>
+        <p:nvSpPr>
+          <p:cNvPr id="5" name="Rectangle 1"/>
+          <p:cNvSpPr>
+            <a:spLocks noChangeArrowheads="1"/>
+          </p:cNvSpPr>
+          <p:nvPr/>
+        </p:nvSpPr>
+        <p:spPr bwMode="auto">
+          <a:xfrm>
+            <a:off x="457199" y="5391957"/>
+            <a:ext cx="7913347" cy="923330"/>
+          </a:xfrm>
+          <a:prstGeom prst="rect">
+            <a:avLst/>
+          </a:prstGeom>
+          <a:solidFill>
+            <a:srgbClr val="F5F5F5"/>
+          </a:solidFill>
+          <a:ln>
+            <a:noFill/>
+          </a:ln>
+          <a:effectLst/>
+          <a:extLst>
+            <a:ext uri="{91240B29-F687-4f45-9708-019B960494DF}">
+              <a14:hiddenLine xmlns:a14="http://schemas.microsoft.com/office/drawing/2010/main" xmlns="" w="9525">
+                <a:solidFill>
+                  <a:schemeClr val="tx1"/>
+                </a:solidFill>
+                <a:miter lim="800000"/>
+                <a:headEnd/>
+                <a:tailEnd/>
+              </a14:hiddenLine>
+            </a:ext>
+            <a:ext uri="{AF507438-7753-43e0-B8FC-AC1667EBCBE1}">
+              <a14:hiddenEffects xmlns:a14="http://schemas.microsoft.com/office/drawing/2010/main" xmlns="">
+                <a:effectLst>
+                  <a:outerShdw dist="35921" dir="2700000" algn="ctr" rotWithShape="0">
+                    <a:schemeClr val="bg2"/>
+                  </a:outerShdw>
+                </a:effectLst>
+              </a14:hiddenEffects>
+            </a:ext>
+          </a:extLst>
+        </p:spPr>
+        <p:txBody>
+          <a:bodyPr vert="horz" wrap="square" lIns="0" tIns="0" rIns="0" bIns="0" numCol="1" anchor="ctr" anchorCtr="0" compatLnSpc="1">
+            <a:prstTxWarp prst="textNoShape">
+              <a:avLst/>
+            </a:prstTxWarp>
+            <a:spAutoFit/>
+          </a:bodyPr>
+          <a:lstStyle>
+            <a:lvl1pPr eaLnBrk="0" fontAlgn="base" hangingPunct="0">
+              <a:spcBef>
+                <a:spcPct val="0"/>
+              </a:spcBef>
+              <a:spcAft>
+                <a:spcPct val="0"/>
+              </a:spcAft>
+              <a:defRPr>
+                <a:solidFill>
+                  <a:schemeClr val="tx1"/>
+                </a:solidFill>
+                <a:latin typeface="Arial" panose="020B0604020202020204" pitchFamily="34" charset="0"/>
+              </a:defRPr>
+            </a:lvl1pPr>
+            <a:lvl2pPr eaLnBrk="0" fontAlgn="base" hangingPunct="0">
+              <a:spcBef>
+                <a:spcPct val="0"/>
+              </a:spcBef>
+              <a:spcAft>
+                <a:spcPct val="0"/>
+              </a:spcAft>
+              <a:defRPr>
+                <a:solidFill>
+                  <a:schemeClr val="tx1"/>
+                </a:solidFill>
+                <a:latin typeface="Arial" panose="020B0604020202020204" pitchFamily="34" charset="0"/>
+              </a:defRPr>
+            </a:lvl2pPr>
+            <a:lvl3pPr eaLnBrk="0" fontAlgn="base" hangingPunct="0">
+              <a:spcBef>
+                <a:spcPct val="0"/>
+              </a:spcBef>
+              <a:spcAft>
+                <a:spcPct val="0"/>
+              </a:spcAft>
+              <a:defRPr>
+                <a:solidFill>
+                  <a:schemeClr val="tx1"/>
+                </a:solidFill>
+                <a:latin typeface="Arial" panose="020B0604020202020204" pitchFamily="34" charset="0"/>
+              </a:defRPr>
+            </a:lvl3pPr>
+            <a:lvl4pPr eaLnBrk="0" fontAlgn="base" hangingPunct="0">
+              <a:spcBef>
+                <a:spcPct val="0"/>
+              </a:spcBef>
+              <a:spcAft>
+                <a:spcPct val="0"/>
+              </a:spcAft>
+              <a:defRPr>
+                <a:solidFill>
+                  <a:schemeClr val="tx1"/>
+                </a:solidFill>
+                <a:latin typeface="Arial" panose="020B0604020202020204" pitchFamily="34" charset="0"/>
+              </a:defRPr>
+            </a:lvl4pPr>
+            <a:lvl5pPr eaLnBrk="0" fontAlgn="base" hangingPunct="0">
+              <a:spcBef>
+                <a:spcPct val="0"/>
+              </a:spcBef>
+              <a:spcAft>
+                <a:spcPct val="0"/>
+              </a:spcAft>
+              <a:defRPr>
+                <a:solidFill>
+                  <a:schemeClr val="tx1"/>
+                </a:solidFill>
+                <a:latin typeface="Arial" panose="020B0604020202020204" pitchFamily="34" charset="0"/>
+              </a:defRPr>
+            </a:lvl5pPr>
+            <a:lvl6pPr eaLnBrk="0" fontAlgn="base" hangingPunct="0">
+              <a:spcBef>
+                <a:spcPct val="0"/>
+              </a:spcBef>
+              <a:spcAft>
+                <a:spcPct val="0"/>
+              </a:spcAft>
+              <a:defRPr>
+                <a:solidFill>
+                  <a:schemeClr val="tx1"/>
+                </a:solidFill>
+                <a:latin typeface="Arial" panose="020B0604020202020204" pitchFamily="34" charset="0"/>
+              </a:defRPr>
+            </a:lvl6pPr>
+            <a:lvl7pPr eaLnBrk="0" fontAlgn="base" hangingPunct="0">
+              <a:spcBef>
+                <a:spcPct val="0"/>
+              </a:spcBef>
+              <a:spcAft>
+                <a:spcPct val="0"/>
+              </a:spcAft>
+              <a:defRPr>
+                <a:solidFill>
+                  <a:schemeClr val="tx1"/>
+                </a:solidFill>
+                <a:latin typeface="Arial" panose="020B0604020202020204" pitchFamily="34" charset="0"/>
+              </a:defRPr>
+            </a:lvl7pPr>
+            <a:lvl8pPr eaLnBrk="0" fontAlgn="base" hangingPunct="0">
+              <a:spcBef>
+                <a:spcPct val="0"/>
+              </a:spcBef>
+              <a:spcAft>
+                <a:spcPct val="0"/>
+              </a:spcAft>
+              <a:defRPr>
+                <a:solidFill>
+                  <a:schemeClr val="tx1"/>
+                </a:solidFill>
+                <a:latin typeface="Arial" panose="020B0604020202020204" pitchFamily="34" charset="0"/>
+              </a:defRPr>
+            </a:lvl8pPr>
+            <a:lvl9pPr eaLnBrk="0" fontAlgn="base" hangingPunct="0">
+              <a:spcBef>
+                <a:spcPct val="0"/>
+              </a:spcBef>
+              <a:spcAft>
+                <a:spcPct val="0"/>
+              </a:spcAft>
+              <a:defRPr>
+                <a:solidFill>
+                  <a:schemeClr val="tx1"/>
+                </a:solidFill>
+                <a:latin typeface="Arial" panose="020B0604020202020204" pitchFamily="34" charset="0"/>
+              </a:defRPr>
+            </a:lvl9pPr>
+          </a:lstStyle>
+          <a:p>
+            <a:pPr marL="0" marR="0" lvl="0" indent="0" algn="ctr" defTabSz="914400" rtl="0" eaLnBrk="0" fontAlgn="base" latinLnBrk="0" hangingPunct="0">
+              <a:lnSpc>
+                <a:spcPct val="100000"/>
+              </a:lnSpc>
+              <a:spcBef>
+                <a:spcPct val="0"/>
+              </a:spcBef>
+              <a:spcAft>
+                <a:spcPct val="0"/>
+              </a:spcAft>
+              <a:buClrTx/>
+              <a:buSzTx/>
+              <a:buFontTx/>
+              <a:buNone/>
+              <a:tabLst/>
+            </a:pPr>
+            <a:r>
+              <a:rPr kumimoji="0" lang="en-US" altLang="en-US" sz="2000" b="0" i="0" u="none" strike="noStrike" cap="none" normalizeH="0" baseline="0" dirty="0" smtClean="0">
+                <a:ln>
+                  <a:noFill/>
+                </a:ln>
+                <a:solidFill>
+                  <a:srgbClr val="4374B7"/>
+                </a:solidFill>
+                <a:effectLst/>
+                <a:latin typeface="Helvetica Neue"/>
+              </a:rPr>
+              <a:t>                         </a:t>
+            </a:r>
+            <a:r>
+              <a:rPr kumimoji="0" lang="en-US" altLang="en-US" sz="1600" b="0" i="0" u="none" strike="noStrike" cap="none" normalizeH="0" baseline="0" dirty="0" smtClean="0">
+                <a:ln>
+                  <a:noFill/>
+                </a:ln>
+                <a:solidFill>
+                  <a:schemeClr val="tx1"/>
+                </a:solidFill>
+                <a:effectLst/>
+              </a:rPr>
+              <a:t/>
+            </a:r>
+            <a:br>
+              <a:rPr kumimoji="0" lang="en-US" altLang="en-US" sz="1600" b="0" i="0" u="none" strike="noStrike" cap="none" normalizeH="0" baseline="0" dirty="0" smtClean="0">
+                <a:ln>
+                  <a:noFill/>
+                </a:ln>
+                <a:solidFill>
+                  <a:schemeClr val="tx1"/>
+                </a:solidFill>
+                <a:effectLst/>
+              </a:rPr>
+            </a:br>
+            <a:r>
+              <a:rPr kumimoji="0" lang="en-US" altLang="en-US" sz="2000" b="0" i="0" u="none" strike="noStrike" cap="none" normalizeH="0" baseline="0" dirty="0" smtClean="0">
+                <a:ln>
+                  <a:noFill/>
+                </a:ln>
+                <a:solidFill>
+                  <a:srgbClr val="000000"/>
+                </a:solidFill>
+                <a:effectLst/>
+                <a:latin typeface="Helvetica Neue"/>
+              </a:rPr>
+              <a:t>This work is licensed under a </a:t>
+            </a:r>
+            <a:r>
+              <a:rPr kumimoji="0" lang="en-US" altLang="en-US" sz="2000" b="0" i="0" u="none" strike="noStrike" cap="none" normalizeH="0" baseline="0" dirty="0" smtClean="0">
+                <a:ln>
+                  <a:noFill/>
+                </a:ln>
+                <a:solidFill>
+                  <a:srgbClr val="4374B7"/>
+                </a:solidFill>
+                <a:effectLst/>
+                <a:latin typeface="Helvetica Neue"/>
+                <a:hlinkClick r:id="rId5"/>
+              </a:rPr>
+              <a:t>Creative Commons Attribution-</a:t>
+            </a:r>
+            <a:r>
+              <a:rPr kumimoji="0" lang="en-US" altLang="en-US" sz="2000" b="0" i="0" u="none" strike="noStrike" cap="none" normalizeH="0" baseline="0" dirty="0" err="1" smtClean="0">
+                <a:ln>
+                  <a:noFill/>
+                </a:ln>
+                <a:solidFill>
+                  <a:srgbClr val="4374B7"/>
+                </a:solidFill>
+                <a:effectLst/>
+                <a:latin typeface="Helvetica Neue"/>
+                <a:hlinkClick r:id="rId5"/>
+              </a:rPr>
+              <a:t>NonCommercial</a:t>
+            </a:r>
+            <a:r>
+              <a:rPr kumimoji="0" lang="en-US" altLang="en-US" sz="2000" b="0" i="0" u="none" strike="noStrike" cap="none" normalizeH="0" baseline="0" dirty="0" smtClean="0">
+                <a:ln>
+                  <a:noFill/>
+                </a:ln>
+                <a:solidFill>
+                  <a:srgbClr val="4374B7"/>
+                </a:solidFill>
+                <a:effectLst/>
+                <a:latin typeface="Helvetica Neue"/>
+                <a:hlinkClick r:id="rId5"/>
+              </a:rPr>
+              <a:t>-</a:t>
+            </a:r>
+            <a:r>
+              <a:rPr kumimoji="0" lang="en-US" altLang="en-US" sz="2000" b="0" i="0" u="none" strike="noStrike" cap="none" normalizeH="0" baseline="0" dirty="0" err="1" smtClean="0">
+                <a:ln>
+                  <a:noFill/>
+                </a:ln>
+                <a:solidFill>
+                  <a:srgbClr val="4374B7"/>
+                </a:solidFill>
+                <a:effectLst/>
+                <a:latin typeface="Helvetica Neue"/>
+                <a:hlinkClick r:id="rId5"/>
+              </a:rPr>
+              <a:t>ShareAlike</a:t>
+            </a:r>
+            <a:r>
+              <a:rPr kumimoji="0" lang="en-US" altLang="en-US" sz="2000" b="0" i="0" u="none" strike="noStrike" cap="none" normalizeH="0" baseline="0" dirty="0" smtClean="0">
+                <a:ln>
+                  <a:noFill/>
+                </a:ln>
+                <a:solidFill>
+                  <a:srgbClr val="4374B7"/>
+                </a:solidFill>
+                <a:effectLst/>
+                <a:latin typeface="Helvetica Neue"/>
+                <a:hlinkClick r:id="rId5"/>
+              </a:rPr>
+              <a:t> 4.0 International License</a:t>
+            </a:r>
+            <a:r>
+              <a:rPr kumimoji="0" lang="en-US" altLang="en-US" sz="2000" b="0" i="0" u="none" strike="noStrike" cap="none" normalizeH="0" baseline="0" dirty="0" smtClean="0">
+                <a:ln>
+                  <a:noFill/>
+                </a:ln>
+                <a:solidFill>
+                  <a:srgbClr val="000000"/>
+                </a:solidFill>
+                <a:effectLst/>
+                <a:latin typeface="Helvetica Neue"/>
+              </a:rPr>
+              <a:t>.</a:t>
+            </a:r>
+            <a:r>
+              <a:rPr kumimoji="0" lang="en-US" altLang="en-US" sz="1600" b="0" i="0" u="none" strike="noStrike" cap="none" normalizeH="0" baseline="0" dirty="0" smtClean="0">
+                <a:ln>
+                  <a:noFill/>
+                </a:ln>
+                <a:solidFill>
+                  <a:schemeClr val="tx1"/>
+                </a:solidFill>
+                <a:effectLst/>
+              </a:rPr>
+              <a:t> </a:t>
+            </a:r>
+            <a:endParaRPr kumimoji="0" lang="en-US" altLang="en-US" sz="2000" b="0" i="0" u="none" strike="noStrike" cap="none" normalizeH="0" baseline="0" dirty="0" smtClean="0">
+              <a:ln>
+                <a:noFill/>
+              </a:ln>
+              <a:solidFill>
+                <a:srgbClr val="4374B7"/>
+              </a:solidFill>
+              <a:effectLst/>
+              <a:latin typeface="Helvetica Neue"/>
+            </a:endParaRPr>
+          </a:p>
+        </p:txBody>
+      </p:sp>
+      <p:pic>
+        <p:nvPicPr>
+          <p:cNvPr id="6" name="Picture 2" descr="Creative Commons License">
+            <a:hlinkClick r:id="rId5"/>
+          </p:cNvPr>
+          <p:cNvPicPr>
+            <a:picLocks noChangeAspect="1" noChangeArrowheads="1"/>
+          </p:cNvPicPr>
+          <p:nvPr/>
+        </p:nvPicPr>
+        <p:blipFill>
+          <a:blip r:embed="rId6">
+            <a:extLst>
+              <a:ext uri="{28A0092B-C50C-407E-A947-70E740481C1C}">
+                <a14:useLocalDpi xmlns:a14="http://schemas.microsoft.com/office/drawing/2010/main" val="0"/>
+              </a:ext>
+            </a:extLst>
+          </a:blip>
+          <a:srcRect/>
+          <a:stretch>
+            <a:fillRect/>
+          </a:stretch>
+        </p:blipFill>
+        <p:spPr bwMode="auto">
+          <a:xfrm>
+            <a:off x="3812487" y="4312845"/>
+            <a:ext cx="2161449" cy="761422"/>
+          </a:xfrm>
+          <a:prstGeom prst="rect">
+            <a:avLst/>
+          </a:prstGeom>
+          <a:noFill/>
+          <a:extLst>
+            <a:ext uri="{909E8E84-426E-40dd-AFC4-6F175D3DCCD1}">
+              <a14:hiddenFill xmlns:a14="http://schemas.microsoft.com/office/drawing/2010/main" xmlns="">
+                <a:solidFill>
+                  <a:srgbClr val="FFFFFF"/>
+                </a:solidFill>
+              </a14:hiddenFill>
+            </a:ext>
+          </a:extLst>
+        </p:spPr>
+      </p:pic>
+      <p:sp>
+        <p:nvSpPr>
+          <p:cNvPr id="7" name="Slide Number Placeholder 6"/>
+          <p:cNvSpPr>
+            <a:spLocks noGrp="1"/>
+          </p:cNvSpPr>
+          <p:nvPr>
+            <p:ph type="sldNum" sz="quarter" idx="12"/>
+          </p:nvPr>
+        </p:nvSpPr>
+        <p:spPr/>
+        <p:txBody>
+          <a:bodyPr/>
+          <a:lstStyle/>
+          <a:p>
+            <a:fld id="{4382A7F7-08BF-4252-8141-63FB96055BBB}" type="slidenum">
+              <a:rPr lang="en-US" smtClean="0"/>
+              <a:t>15</a:t>
+            </a:fld>
+            <a:endParaRPr lang="en-US"/>
+          </a:p>
+        </p:txBody>
+      </p:sp>
+    </p:spTree>
+    <p:extLst>
+      <p:ext uri="{BB962C8B-B14F-4D97-AF65-F5344CB8AC3E}">
+        <p14:creationId xmlns:p14="http://schemas.microsoft.com/office/powerpoint/2010/main" val="4261110021"/>
+      </p:ext>
+    </p:extLst>
+  </p:cSld>
+  <p:clrMapOvr>
+    <a:masterClrMapping/>
+  </p:clrMapOvr>
+  <mc:AlternateContent xmlns:mc="http://schemas.openxmlformats.org/markup-compatibility/2006" xmlns:p14="http://schemas.microsoft.com/office/powerpoint/2010/main">
+    <mc:Choice Requires="p14">
+      <p:transition spd="slow" p14:dur="2000"/>
+    </mc:Choice>
+    <mc:Fallback xmlns="">
+      <p:transition spd="slow"/>
+    </mc:Fallback>
+  </mc:AlternateContent>
+  <p:timing>
+    <p:tnLst>
+      <p:par>
+        <p:cTn id="1" dur="indefinite" restart="never" nodeType="tmRoot"/>
+      </p:par>
+    </p:tnLst>
+  </p:timing>
+</p:sld>
+</file>
+
+<file path=ppt/slides/slide2.xml><?xml version="1.0" encoding="utf-8"?>
+<p:sld xmlns:a="http://schemas.openxmlformats.org/drawingml/2006/main" xmlns:r="http://schemas.openxmlformats.org/officeDocument/2006/relationships" xmlns:p="http://schemas.openxmlformats.org/presentationml/2006/main">
+  <p:cSld>
+    <p:spTree>
+      <p:nvGrpSpPr>
+        <p:cNvPr id="1" name=""/>
+        <p:cNvGrpSpPr/>
+        <p:nvPr/>
+      </p:nvGrpSpPr>
+      <p:grpSpPr>
+        <a:xfrm>
+          <a:off x="0" y="0"/>
+          <a:ext cx="0" cy="0"/>
+          <a:chOff x="0" y="0"/>
+          <a:chExt cx="0" cy="0"/>
+        </a:xfrm>
+      </p:grpSpPr>
+      <p:sp>
+        <p:nvSpPr>
+          <p:cNvPr id="2" name="Title 1"/>
+          <p:cNvSpPr>
+            <a:spLocks noGrp="1"/>
+          </p:cNvSpPr>
+          <p:nvPr>
+            <p:ph type="title"/>
+          </p:nvPr>
+        </p:nvSpPr>
+        <p:spPr>
+          <a:noFill/>
+        </p:spPr>
+        <p:txBody>
+          <a:bodyPr/>
+          <a:lstStyle/>
+          <a:p>
+            <a:r>
+              <a:rPr lang="en-US" dirty="0" smtClean="0"/>
+              <a:t>Lesson Objectives</a:t>
+            </a:r>
+            <a:endParaRPr lang="en-US" dirty="0"/>
+          </a:p>
+        </p:txBody>
+      </p:sp>
+      <p:sp>
+        <p:nvSpPr>
+          <p:cNvPr id="3" name="Content Placeholder 2"/>
+          <p:cNvSpPr>
+            <a:spLocks noGrp="1"/>
+          </p:cNvSpPr>
+          <p:nvPr>
+            <p:ph idx="1"/>
+          </p:nvPr>
+        </p:nvSpPr>
+        <p:spPr>
+          <a:xfrm>
+            <a:off x="284163" y="2133600"/>
+            <a:ext cx="8574087" cy="3992563"/>
+          </a:xfrm>
+        </p:spPr>
+        <p:txBody>
+          <a:bodyPr>
+            <a:normAutofit/>
+          </a:bodyPr>
+          <a:lstStyle/>
+          <a:p>
+            <a:pPr marL="457200" indent="-457200">
+              <a:buFont typeface="+mj-lt"/>
+              <a:buAutoNum type="arabicPeriod"/>
+            </a:pPr>
+            <a:r>
+              <a:rPr lang="en-US" b="0" dirty="0" smtClean="0"/>
+              <a:t>Learn what proportional control means and why to use it</a:t>
+            </a:r>
+          </a:p>
+          <a:p>
+            <a:pPr marL="457200" indent="-457200">
+              <a:buFont typeface="+mj-lt"/>
+              <a:buAutoNum type="arabicPeriod"/>
+            </a:pPr>
+            <a:r>
+              <a:rPr lang="en-US" b="0" dirty="0" smtClean="0"/>
+              <a:t>Learn to apply proportional control </a:t>
+            </a:r>
+            <a:r>
+              <a:rPr lang="en-US" dirty="0" smtClean="0"/>
+              <a:t>to</a:t>
+            </a:r>
+            <a:r>
+              <a:rPr lang="en-US" b="0" dirty="0" smtClean="0"/>
+              <a:t> the Gyro, Color, and Ultrasonic Sensors</a:t>
+            </a:r>
+          </a:p>
+          <a:p>
+            <a:pPr marL="457200" indent="-457200">
+              <a:buFont typeface="+mj-lt"/>
+              <a:buAutoNum type="arabicPeriod"/>
+            </a:pPr>
+            <a:endParaRPr lang="en-US" dirty="0"/>
+          </a:p>
+          <a:p>
+            <a:pPr marL="0" indent="0">
+              <a:buNone/>
+            </a:pPr>
+            <a:r>
+              <a:rPr lang="en-US" dirty="0" smtClean="0"/>
+              <a:t>Prerequisites: Math Blocks, Color Sensor Calibration, Data </a:t>
+            </a:r>
+            <a:r>
+              <a:rPr lang="en-US" dirty="0"/>
+              <a:t>W</a:t>
+            </a:r>
+            <a:r>
+              <a:rPr lang="en-US" dirty="0" smtClean="0"/>
+              <a:t>ires</a:t>
+            </a:r>
+            <a:endParaRPr lang="en-US" b="0" dirty="0"/>
+          </a:p>
+        </p:txBody>
+      </p:sp>
+      <p:sp>
+        <p:nvSpPr>
+          <p:cNvPr id="4" name="Footer Placeholder 3"/>
+          <p:cNvSpPr>
+            <a:spLocks noGrp="1"/>
+          </p:cNvSpPr>
+          <p:nvPr>
+            <p:ph type="ftr" sz="quarter" idx="11"/>
+          </p:nvPr>
+        </p:nvSpPr>
+        <p:spPr/>
+        <p:txBody>
+          <a:bodyPr/>
+          <a:lstStyle/>
+          <a:p>
+            <a:r>
+              <a:rPr lang="en-US" smtClean="0"/>
+              <a:t>© 2015 EV3Lessons.com, Last edit 4/5/2015</a:t>
+            </a:r>
+            <a:endParaRPr lang="en-US"/>
+          </a:p>
+        </p:txBody>
+      </p:sp>
+      <p:sp>
+        <p:nvSpPr>
+          <p:cNvPr id="5" name="Slide Number Placeholder 4"/>
+          <p:cNvSpPr>
+            <a:spLocks noGrp="1"/>
+          </p:cNvSpPr>
+          <p:nvPr>
+            <p:ph type="sldNum" sz="quarter" idx="12"/>
+          </p:nvPr>
+        </p:nvSpPr>
+        <p:spPr/>
+        <p:txBody>
+          <a:bodyPr/>
+          <a:lstStyle/>
+          <a:p>
+            <a:fld id="{4382A7F7-08BF-4252-8141-63FB96055BBB}" type="slidenum">
+              <a:rPr lang="en-US" smtClean="0"/>
+              <a:t>2</a:t>
+            </a:fld>
+            <a:endParaRPr lang="en-US"/>
+          </a:p>
+        </p:txBody>
+      </p:sp>
+    </p:spTree>
+    <p:extLst>
+      <p:ext uri="{BB962C8B-B14F-4D97-AF65-F5344CB8AC3E}">
+        <p14:creationId xmlns:p14="http://schemas.microsoft.com/office/powerpoint/2010/main" val="2056235866"/>
+      </p:ext>
+    </p:extLst>
+  </p:cSld>
+  <p:clrMapOvr>
+    <a:masterClrMapping/>
+  </p:clrMapOvr>
+</p:sld>
+</file>
+
+<file path=ppt/slides/slide3.xml><?xml version="1.0" encoding="utf-8"?>
+<p:sld xmlns:a="http://schemas.openxmlformats.org/drawingml/2006/main" xmlns:r="http://schemas.openxmlformats.org/officeDocument/2006/relationships" xmlns:p="http://schemas.openxmlformats.org/presentationml/2006/main">
+  <p:cSld>
+    <p:spTree>
+      <p:nvGrpSpPr>
+        <p:cNvPr id="1" name=""/>
+        <p:cNvGrpSpPr/>
+        <p:nvPr/>
+      </p:nvGrpSpPr>
+      <p:grpSpPr>
+        <a:xfrm>
+          <a:off x="0" y="0"/>
+          <a:ext cx="0" cy="0"/>
+          <a:chOff x="0" y="0"/>
+          <a:chExt cx="0" cy="0"/>
+        </a:xfrm>
+      </p:grpSpPr>
+      <p:sp>
+        <p:nvSpPr>
+          <p:cNvPr id="2" name="Title 1"/>
+          <p:cNvSpPr>
+            <a:spLocks noGrp="1"/>
+          </p:cNvSpPr>
+          <p:nvPr>
+            <p:ph type="title"/>
+          </p:nvPr>
+        </p:nvSpPr>
+        <p:spPr/>
+        <p:txBody>
+          <a:bodyPr>
+            <a:normAutofit fontScale="90000"/>
+          </a:bodyPr>
+          <a:lstStyle/>
+          <a:p>
+            <a:r>
+              <a:rPr lang="en-US" dirty="0" smtClean="0"/>
+              <a:t>Learn and Discuss Proportional Control</a:t>
+            </a:r>
+            <a:endParaRPr lang="en-US" dirty="0"/>
+          </a:p>
+        </p:txBody>
+      </p:sp>
+      <p:sp>
+        <p:nvSpPr>
+          <p:cNvPr id="3" name="Content Placeholder 2"/>
+          <p:cNvSpPr>
+            <a:spLocks noGrp="1"/>
+          </p:cNvSpPr>
+          <p:nvPr>
+            <p:ph idx="1"/>
+          </p:nvPr>
+        </p:nvSpPr>
+        <p:spPr>
+          <a:xfrm>
+            <a:off x="284163" y="1883136"/>
+            <a:ext cx="8574088" cy="3232921"/>
+          </a:xfrm>
+        </p:spPr>
+        <p:txBody>
+          <a:bodyPr>
+            <a:normAutofit fontScale="70000" lnSpcReduction="20000"/>
+          </a:bodyPr>
+          <a:lstStyle/>
+          <a:p>
+            <a:r>
+              <a:rPr lang="en-US" dirty="0" smtClean="0"/>
+              <a:t>On our team, we discuss “proportional” as a game.  </a:t>
+            </a:r>
+          </a:p>
+          <a:p>
+            <a:r>
+              <a:rPr lang="en-US" dirty="0" smtClean="0"/>
+              <a:t>Blindfold one teammate.  He or She has to get across the room as quickly as they can and stop exactly on a line drawn on the ground (use masking tape to draw a line on the floor).</a:t>
+            </a:r>
+          </a:p>
+          <a:p>
+            <a:r>
+              <a:rPr lang="en-US" dirty="0" smtClean="0"/>
+              <a:t>The rest of the team has to give the commands.</a:t>
+            </a:r>
+          </a:p>
+          <a:p>
+            <a:r>
+              <a:rPr lang="en-US" dirty="0" smtClean="0"/>
+              <a:t>When your teammate is far away, the blindfolded person must move fast and take big steps.  But as he gets closer to the line, if he keeps running, he will overshoot.  So, you have to tell the blindfolded teammate to go slower and take smaller steps.</a:t>
+            </a:r>
+          </a:p>
+          <a:p>
+            <a:r>
+              <a:rPr lang="en-US" dirty="0" smtClean="0"/>
+              <a:t>You have to program the robot in the same way!</a:t>
+            </a:r>
+          </a:p>
+        </p:txBody>
+      </p:sp>
+      <p:sp>
+        <p:nvSpPr>
+          <p:cNvPr id="4" name="Footer Placeholder 3"/>
+          <p:cNvSpPr>
+            <a:spLocks noGrp="1"/>
+          </p:cNvSpPr>
+          <p:nvPr>
+            <p:ph type="ftr" sz="quarter" idx="11"/>
+          </p:nvPr>
+        </p:nvSpPr>
+        <p:spPr/>
+        <p:txBody>
+          <a:bodyPr/>
+          <a:lstStyle/>
+          <a:p>
+            <a:r>
+              <a:rPr lang="en-US" smtClean="0"/>
+              <a:t>© 2015 EV3Lessons.com, Last edit 4/5/2015</a:t>
+            </a:r>
+            <a:endParaRPr lang="en-US"/>
+          </a:p>
+        </p:txBody>
+      </p:sp>
+      <p:sp>
+        <p:nvSpPr>
+          <p:cNvPr id="5" name="Slide Number Placeholder 4"/>
+          <p:cNvSpPr>
+            <a:spLocks noGrp="1"/>
+          </p:cNvSpPr>
+          <p:nvPr>
+            <p:ph type="sldNum" sz="quarter" idx="12"/>
+          </p:nvPr>
+        </p:nvSpPr>
+        <p:spPr/>
+        <p:txBody>
+          <a:bodyPr/>
+          <a:lstStyle/>
+          <a:p>
+            <a:fld id="{4382A7F7-08BF-4252-8141-63FB96055BBB}" type="slidenum">
+              <a:rPr lang="en-US" smtClean="0"/>
+              <a:pPr/>
+              <a:t>3</a:t>
+            </a:fld>
+            <a:endParaRPr lang="en-US"/>
+          </a:p>
+        </p:txBody>
+      </p:sp>
+      <p:cxnSp>
+        <p:nvCxnSpPr>
+          <p:cNvPr id="6" name="Straight Connector 5"/>
+          <p:cNvCxnSpPr/>
+          <p:nvPr/>
+        </p:nvCxnSpPr>
+        <p:spPr>
+          <a:xfrm flipV="1">
+            <a:off x="4413833" y="5284005"/>
+            <a:ext cx="0" cy="1350204"/>
+          </a:xfrm>
+          <a:prstGeom prst="line">
+            <a:avLst/>
+          </a:prstGeom>
+          <a:ln w="76200" cmpd="sng">
+            <a:solidFill>
+              <a:srgbClr val="FF6600"/>
+            </a:solidFill>
+          </a:ln>
+        </p:spPr>
+        <p:style>
+          <a:lnRef idx="2">
+            <a:schemeClr val="accent1"/>
+          </a:lnRef>
+          <a:fillRef idx="0">
+            <a:schemeClr val="accent1"/>
+          </a:fillRef>
+          <a:effectRef idx="1">
+            <a:schemeClr val="accent1"/>
+          </a:effectRef>
+          <a:fontRef idx="minor">
+            <a:schemeClr val="tx1"/>
+          </a:fontRef>
+        </p:style>
+      </p:cxnSp>
+      <p:pic>
+        <p:nvPicPr>
+          <p:cNvPr id="14" name="Picture 13" descr="animation-147431_640.png"/>
+          <p:cNvPicPr>
+            <a:picLocks noChangeAspect="1"/>
+          </p:cNvPicPr>
+          <p:nvPr/>
+        </p:nvPicPr>
+        <p:blipFill rotWithShape="1">
+          <a:blip r:embed="rId2" cstate="email">
+            <a:extLst>
+              <a:ext uri="{28A0092B-C50C-407E-A947-70E740481C1C}">
+                <a14:useLocalDpi xmlns:a14="http://schemas.microsoft.com/office/drawing/2010/main" val="0"/>
+              </a:ext>
+            </a:extLst>
+          </a:blip>
+          <a:srcRect l="21979" t="49424"/>
+          <a:stretch/>
+        </p:blipFill>
+        <p:spPr>
+          <a:xfrm>
+            <a:off x="4309496" y="4999091"/>
+            <a:ext cx="4363152" cy="1635118"/>
+          </a:xfrm>
+          <a:prstGeom prst="rect">
+            <a:avLst/>
+          </a:prstGeom>
+        </p:spPr>
+      </p:pic>
+    </p:spTree>
+    <p:extLst>
+      <p:ext uri="{BB962C8B-B14F-4D97-AF65-F5344CB8AC3E}">
+        <p14:creationId xmlns:p14="http://schemas.microsoft.com/office/powerpoint/2010/main" val="1615374908"/>
+      </p:ext>
+    </p:extLst>
+  </p:cSld>
+  <p:clrMapOvr>
+    <a:masterClrMapping/>
+  </p:clrMapOvr>
+</p:sld>
+</file>
+
+<file path=ppt/slides/slide4.xml><?xml version="1.0" encoding="utf-8"?>
+<p:sld xmlns:a="http://schemas.openxmlformats.org/drawingml/2006/main" xmlns:r="http://schemas.openxmlformats.org/officeDocument/2006/relationships" xmlns:p="http://schemas.openxmlformats.org/presentationml/2006/main">
+  <p:cSld>
+    <p:spTree>
+      <p:nvGrpSpPr>
+        <p:cNvPr id="1" name=""/>
+        <p:cNvGrpSpPr/>
+        <p:nvPr/>
+      </p:nvGrpSpPr>
+      <p:grpSpPr>
+        <a:xfrm>
+          <a:off x="0" y="0"/>
+          <a:ext cx="0" cy="0"/>
+          <a:chOff x="0" y="0"/>
+          <a:chExt cx="0" cy="0"/>
+        </a:xfrm>
+      </p:grpSpPr>
+      <p:sp>
+        <p:nvSpPr>
+          <p:cNvPr id="2" name="Title 1"/>
+          <p:cNvSpPr>
+            <a:spLocks noGrp="1"/>
+          </p:cNvSpPr>
+          <p:nvPr>
+            <p:ph type="title"/>
+          </p:nvPr>
+        </p:nvSpPr>
+        <p:spPr>
+          <a:noFill/>
+        </p:spPr>
+        <p:txBody>
+          <a:bodyPr/>
+          <a:lstStyle/>
+          <a:p>
+            <a:r>
+              <a:rPr lang="en-US" dirty="0" smtClean="0"/>
+              <a:t>Why Proportional Control?</a:t>
+            </a:r>
+            <a:endParaRPr lang="en-US" dirty="0"/>
+          </a:p>
+        </p:txBody>
+      </p:sp>
+      <p:sp>
+        <p:nvSpPr>
+          <p:cNvPr id="3" name="Content Placeholder 2"/>
+          <p:cNvSpPr>
+            <a:spLocks noGrp="1"/>
+          </p:cNvSpPr>
+          <p:nvPr>
+            <p:ph idx="1"/>
+          </p:nvPr>
+        </p:nvSpPr>
+        <p:spPr>
+          <a:xfrm>
+            <a:off x="284163" y="2133600"/>
+            <a:ext cx="8574087" cy="3992563"/>
+          </a:xfrm>
+        </p:spPr>
+        <p:txBody>
+          <a:bodyPr>
+            <a:normAutofit fontScale="85000" lnSpcReduction="20000"/>
+          </a:bodyPr>
+          <a:lstStyle/>
+          <a:p>
+            <a:pPr marL="342900" indent="-342900">
+              <a:buFont typeface="Arial"/>
+              <a:buChar char="•"/>
+            </a:pPr>
+            <a:r>
+              <a:rPr lang="en-US" dirty="0" smtClean="0"/>
+              <a:t>What does proportional mean?</a:t>
+            </a:r>
+          </a:p>
+          <a:p>
+            <a:pPr marL="803275" lvl="1" indent="-342900">
+              <a:buFont typeface="Arial"/>
+              <a:buChar char="•"/>
+            </a:pPr>
+            <a:r>
+              <a:rPr lang="en-US" b="0" dirty="0" smtClean="0"/>
+              <a:t>The </a:t>
+            </a:r>
+            <a:r>
+              <a:rPr lang="en-US" b="0" dirty="0"/>
+              <a:t>robot moves proportionally – moving more </a:t>
+            </a:r>
+            <a:r>
+              <a:rPr lang="en-US" b="0" dirty="0" smtClean="0"/>
+              <a:t>or less based on how far the robot is from the target distance</a:t>
+            </a:r>
+          </a:p>
+          <a:p>
+            <a:pPr marL="800100" lvl="1" indent="-342900">
+              <a:buFont typeface="Arial"/>
+              <a:buChar char="•"/>
+            </a:pPr>
+            <a:r>
+              <a:rPr lang="en-US" dirty="0" smtClean="0"/>
+              <a:t>For a line follower, the robot may make a sharper turn if it is further away from the line</a:t>
+            </a:r>
+          </a:p>
+          <a:p>
+            <a:pPr marL="342900" indent="-342900">
+              <a:buFont typeface="Arial"/>
+              <a:buChar char="•"/>
+            </a:pPr>
+            <a:r>
+              <a:rPr lang="en-US" b="0" dirty="0" smtClean="0"/>
+              <a:t>Proportional Control can be more accurate and faster</a:t>
+            </a:r>
+          </a:p>
+          <a:p>
+            <a:pPr marL="342900" indent="-342900">
+              <a:buFont typeface="Arial"/>
+              <a:buChar char="•"/>
+            </a:pPr>
+            <a:r>
+              <a:rPr lang="en-US" dirty="0" smtClean="0">
+                <a:solidFill>
+                  <a:srgbClr val="FF0000"/>
+                </a:solidFill>
+              </a:rPr>
+              <a:t>The </a:t>
+            </a:r>
+            <a:r>
+              <a:rPr lang="en-US" dirty="0" err="1" smtClean="0">
+                <a:solidFill>
+                  <a:srgbClr val="FF0000"/>
+                </a:solidFill>
+              </a:rPr>
+              <a:t>Pseudocode</a:t>
+            </a:r>
+            <a:r>
+              <a:rPr lang="en-US" dirty="0" smtClean="0">
+                <a:solidFill>
+                  <a:srgbClr val="FF0000"/>
+                </a:solidFill>
+              </a:rPr>
+              <a:t> for e</a:t>
+            </a:r>
+            <a:r>
+              <a:rPr lang="en-US" b="0" dirty="0" smtClean="0">
+                <a:solidFill>
+                  <a:srgbClr val="FF0000"/>
+                </a:solidFill>
+              </a:rPr>
+              <a:t>very proportional control program consists of two stages:</a:t>
+            </a:r>
+          </a:p>
+          <a:p>
+            <a:pPr marL="914400" lvl="1" indent="-457200">
+              <a:buFont typeface="+mj-lt"/>
+              <a:buAutoNum type="arabicPeriod"/>
+            </a:pPr>
+            <a:r>
+              <a:rPr lang="en-US" b="1" dirty="0" smtClean="0"/>
+              <a:t>Computing an error </a:t>
+            </a:r>
+            <a:r>
+              <a:rPr lang="en-US" dirty="0" smtClean="0">
+                <a:sym typeface="Wingdings"/>
+              </a:rPr>
+              <a:t> how far is the robot from a target</a:t>
+            </a:r>
+          </a:p>
+          <a:p>
+            <a:pPr marL="914400" lvl="1" indent="-457200">
+              <a:buFont typeface="+mj-lt"/>
+              <a:buAutoNum type="arabicPeriod"/>
+            </a:pPr>
+            <a:r>
+              <a:rPr lang="en-US" b="1" dirty="0" smtClean="0">
+                <a:sym typeface="Wingdings"/>
+              </a:rPr>
+              <a:t>Making a correction </a:t>
+            </a:r>
+            <a:r>
+              <a:rPr lang="en-US" dirty="0" smtClean="0">
+                <a:sym typeface="Wingdings"/>
+              </a:rPr>
+              <a:t> make the robot take an action that is proportional to the error (this is why it is called proportional control).  You must multiply the error by a scaling factor to determine the correction.</a:t>
+            </a:r>
+            <a:endParaRPr lang="en-US" b="0" dirty="0"/>
+          </a:p>
+        </p:txBody>
+      </p:sp>
+      <p:sp>
+        <p:nvSpPr>
+          <p:cNvPr id="4" name="Footer Placeholder 3"/>
+          <p:cNvSpPr>
+            <a:spLocks noGrp="1"/>
+          </p:cNvSpPr>
+          <p:nvPr>
+            <p:ph type="ftr" sz="quarter" idx="11"/>
+          </p:nvPr>
+        </p:nvSpPr>
+        <p:spPr/>
+        <p:txBody>
+          <a:bodyPr/>
+          <a:lstStyle/>
+          <a:p>
+            <a:r>
+              <a:rPr lang="en-US" smtClean="0"/>
+              <a:t>© 2015 EV3Lessons.com, Last edit 4/5/2015</a:t>
+            </a:r>
+            <a:endParaRPr lang="en-US"/>
+          </a:p>
+        </p:txBody>
+      </p:sp>
+      <p:sp>
+        <p:nvSpPr>
+          <p:cNvPr id="5" name="Slide Number Placeholder 4"/>
+          <p:cNvSpPr>
+            <a:spLocks noGrp="1"/>
+          </p:cNvSpPr>
+          <p:nvPr>
+            <p:ph type="sldNum" sz="quarter" idx="12"/>
+          </p:nvPr>
+        </p:nvSpPr>
+        <p:spPr/>
+        <p:txBody>
+          <a:bodyPr/>
+          <a:lstStyle/>
+          <a:p>
+            <a:fld id="{4382A7F7-08BF-4252-8141-63FB96055BBB}" type="slidenum">
+              <a:rPr lang="en-US" smtClean="0"/>
+              <a:t>4</a:t>
+            </a:fld>
+            <a:endParaRPr lang="en-US"/>
+          </a:p>
+        </p:txBody>
+      </p:sp>
+    </p:spTree>
+    <p:extLst>
+      <p:ext uri="{BB962C8B-B14F-4D97-AF65-F5344CB8AC3E}">
+        <p14:creationId xmlns:p14="http://schemas.microsoft.com/office/powerpoint/2010/main" val="192053664"/>
+      </p:ext>
+    </p:extLst>
+  </p:cSld>
+  <p:clrMapOvr>
+    <a:masterClrMapping/>
+  </p:clrMapOvr>
+</p:sld>
+</file>
+
+<file path=ppt/slides/slide5.xml><?xml version="1.0" encoding="utf-8"?>
+<p:sld xmlns:a="http://schemas.openxmlformats.org/drawingml/2006/main" xmlns:r="http://schemas.openxmlformats.org/officeDocument/2006/relationships" xmlns:p="http://schemas.openxmlformats.org/presentationml/2006/main">
+  <p:cSld>
+    <p:spTree>
+      <p:nvGrpSpPr>
+        <p:cNvPr id="1" name=""/>
+        <p:cNvGrpSpPr/>
+        <p:nvPr/>
+      </p:nvGrpSpPr>
+      <p:grpSpPr>
+        <a:xfrm>
+          <a:off x="0" y="0"/>
+          <a:ext cx="0" cy="0"/>
+          <a:chOff x="0" y="0"/>
+          <a:chExt cx="0" cy="0"/>
+        </a:xfrm>
+      </p:grpSpPr>
+      <p:sp>
+        <p:nvSpPr>
+          <p:cNvPr id="2" name="Title 1"/>
+          <p:cNvSpPr>
+            <a:spLocks noGrp="1"/>
+          </p:cNvSpPr>
+          <p:nvPr>
+            <p:ph type="title"/>
+          </p:nvPr>
+        </p:nvSpPr>
+        <p:spPr>
+          <a:noFill/>
+        </p:spPr>
+        <p:txBody>
+          <a:bodyPr/>
+          <a:lstStyle/>
+          <a:p>
+            <a:r>
+              <a:rPr lang="en-US" dirty="0" smtClean="0"/>
+              <a:t>What Proportional Control Looks Like</a:t>
+            </a:r>
+            <a:endParaRPr lang="en-US" dirty="0"/>
+          </a:p>
+        </p:txBody>
+      </p:sp>
+      <p:sp>
+        <p:nvSpPr>
+          <p:cNvPr id="3" name="Content Placeholder 2"/>
+          <p:cNvSpPr>
+            <a:spLocks noGrp="1"/>
+          </p:cNvSpPr>
+          <p:nvPr>
+            <p:ph idx="1"/>
+          </p:nvPr>
+        </p:nvSpPr>
+        <p:spPr>
+          <a:xfrm>
+            <a:off x="284163" y="2133600"/>
+            <a:ext cx="8574087" cy="3992563"/>
+          </a:xfrm>
+        </p:spPr>
+        <p:txBody>
+          <a:bodyPr>
+            <a:normAutofit/>
+          </a:bodyPr>
+          <a:lstStyle/>
+          <a:p>
+            <a:pPr marL="342900" indent="-342900">
+              <a:buFont typeface="Arial"/>
+              <a:buChar char="•"/>
+            </a:pPr>
+            <a:r>
+              <a:rPr lang="en-US" dirty="0">
+                <a:solidFill>
+                  <a:srgbClr val="FF0000"/>
+                </a:solidFill>
+              </a:rPr>
+              <a:t>The Pseudocode for every proportional control program consists of two stages:</a:t>
+            </a:r>
+          </a:p>
+          <a:p>
+            <a:pPr lvl="1">
+              <a:buFont typeface="+mj-lt"/>
+              <a:buAutoNum type="arabicPeriod"/>
+            </a:pPr>
+            <a:r>
+              <a:rPr lang="en-US" b="1" dirty="0"/>
+              <a:t>Computing an error </a:t>
+            </a:r>
+            <a:r>
+              <a:rPr lang="en-US" dirty="0">
+                <a:sym typeface="Wingdings"/>
+              </a:rPr>
+              <a:t> how far is the robot from a target</a:t>
+            </a:r>
+          </a:p>
+          <a:p>
+            <a:pPr lvl="1">
+              <a:buFont typeface="+mj-lt"/>
+              <a:buAutoNum type="arabicPeriod"/>
+            </a:pPr>
+            <a:r>
+              <a:rPr lang="en-US" b="1" dirty="0">
+                <a:sym typeface="Wingdings"/>
+              </a:rPr>
+              <a:t>Making a correction </a:t>
+            </a:r>
+            <a:r>
+              <a:rPr lang="en-US" dirty="0">
+                <a:sym typeface="Wingdings"/>
+              </a:rPr>
+              <a:t> make the robot take an action that is proportional to the error (this is why it is called proportional control).  You must multiply the error by a scaling factor to determine the correction.</a:t>
+            </a:r>
+            <a:endParaRPr lang="en-US" dirty="0"/>
+          </a:p>
+          <a:p>
+            <a:pPr marL="342900" indent="-342900">
+              <a:buFont typeface="Arial"/>
+              <a:buChar char="•"/>
+            </a:pPr>
+            <a:endParaRPr lang="en-US" b="0" dirty="0"/>
+          </a:p>
+        </p:txBody>
+      </p:sp>
+      <p:sp>
+        <p:nvSpPr>
+          <p:cNvPr id="4" name="Footer Placeholder 3"/>
+          <p:cNvSpPr>
+            <a:spLocks noGrp="1"/>
+          </p:cNvSpPr>
+          <p:nvPr>
+            <p:ph type="ftr" sz="quarter" idx="11"/>
+          </p:nvPr>
+        </p:nvSpPr>
+        <p:spPr/>
+        <p:txBody>
+          <a:bodyPr/>
+          <a:lstStyle/>
+          <a:p>
+            <a:r>
+              <a:rPr lang="en-US" smtClean="0"/>
+              <a:t>© 2015 EV3Lessons.com, Last edit 9/5/2015</a:t>
+            </a:r>
+            <a:endParaRPr lang="en-US"/>
+          </a:p>
+        </p:txBody>
+      </p:sp>
+      <p:sp>
+        <p:nvSpPr>
+          <p:cNvPr id="6" name="Rectangle 5"/>
+          <p:cNvSpPr/>
+          <p:nvPr/>
+        </p:nvSpPr>
+        <p:spPr>
+          <a:xfrm>
+            <a:off x="1631716" y="5264460"/>
+            <a:ext cx="671152" cy="532660"/>
+          </a:xfrm>
+          <a:prstGeom prst="rect">
+            <a:avLst/>
+          </a:prstGeom>
+        </p:spPr>
+        <p:style>
+          <a:lnRef idx="1">
+            <a:schemeClr val="accent1"/>
+          </a:lnRef>
+          <a:fillRef idx="3">
+            <a:schemeClr val="accent1"/>
+          </a:fillRef>
+          <a:effectRef idx="2">
+            <a:schemeClr val="accent1"/>
+          </a:effectRef>
+          <a:fontRef idx="minor">
+            <a:schemeClr val="lt1"/>
+          </a:fontRef>
+        </p:style>
+        <p:txBody>
+          <a:bodyPr rtlCol="0" anchor="ctr"/>
+          <a:lstStyle/>
+          <a:p>
+            <a:pPr algn="ctr"/>
+            <a:endParaRPr lang="en-US"/>
+          </a:p>
+        </p:txBody>
+      </p:sp>
+      <p:sp>
+        <p:nvSpPr>
+          <p:cNvPr id="7" name="Rectangle 6"/>
+          <p:cNvSpPr/>
+          <p:nvPr/>
+        </p:nvSpPr>
+        <p:spPr>
+          <a:xfrm>
+            <a:off x="2455268" y="5264460"/>
+            <a:ext cx="671152" cy="532660"/>
+          </a:xfrm>
+          <a:prstGeom prst="rect">
+            <a:avLst/>
+          </a:prstGeom>
+        </p:spPr>
+        <p:style>
+          <a:lnRef idx="1">
+            <a:schemeClr val="accent1"/>
+          </a:lnRef>
+          <a:fillRef idx="3">
+            <a:schemeClr val="accent1"/>
+          </a:fillRef>
+          <a:effectRef idx="2">
+            <a:schemeClr val="accent1"/>
+          </a:effectRef>
+          <a:fontRef idx="minor">
+            <a:schemeClr val="lt1"/>
+          </a:fontRef>
+        </p:style>
+        <p:txBody>
+          <a:bodyPr rtlCol="0" anchor="ctr"/>
+          <a:lstStyle/>
+          <a:p>
+            <a:pPr algn="ctr"/>
+            <a:endParaRPr lang="en-US"/>
+          </a:p>
+        </p:txBody>
+      </p:sp>
+      <p:sp>
+        <p:nvSpPr>
+          <p:cNvPr id="8" name="Rectangle 7"/>
+          <p:cNvSpPr/>
+          <p:nvPr/>
+        </p:nvSpPr>
+        <p:spPr>
+          <a:xfrm>
+            <a:off x="3278820" y="5264460"/>
+            <a:ext cx="671152" cy="532660"/>
+          </a:xfrm>
+          <a:prstGeom prst="rect">
+            <a:avLst/>
+          </a:prstGeom>
+        </p:spPr>
+        <p:style>
+          <a:lnRef idx="1">
+            <a:schemeClr val="accent1"/>
+          </a:lnRef>
+          <a:fillRef idx="3">
+            <a:schemeClr val="accent1"/>
+          </a:fillRef>
+          <a:effectRef idx="2">
+            <a:schemeClr val="accent1"/>
+          </a:effectRef>
+          <a:fontRef idx="minor">
+            <a:schemeClr val="lt1"/>
+          </a:fontRef>
+        </p:style>
+        <p:txBody>
+          <a:bodyPr rtlCol="0" anchor="ctr"/>
+          <a:lstStyle/>
+          <a:p>
+            <a:pPr algn="ctr"/>
+            <a:endParaRPr lang="en-US"/>
+          </a:p>
+        </p:txBody>
+      </p:sp>
+      <p:sp>
+        <p:nvSpPr>
+          <p:cNvPr id="9" name="Rectangle 8"/>
+          <p:cNvSpPr/>
+          <p:nvPr/>
+        </p:nvSpPr>
+        <p:spPr>
+          <a:xfrm>
+            <a:off x="4873545" y="5264460"/>
+            <a:ext cx="671152" cy="532660"/>
+          </a:xfrm>
+          <a:prstGeom prst="rect">
+            <a:avLst/>
+          </a:prstGeom>
+        </p:spPr>
+        <p:style>
+          <a:lnRef idx="1">
+            <a:schemeClr val="accent1"/>
+          </a:lnRef>
+          <a:fillRef idx="3">
+            <a:schemeClr val="accent1"/>
+          </a:fillRef>
+          <a:effectRef idx="2">
+            <a:schemeClr val="accent1"/>
+          </a:effectRef>
+          <a:fontRef idx="minor">
+            <a:schemeClr val="lt1"/>
+          </a:fontRef>
+        </p:style>
+        <p:txBody>
+          <a:bodyPr rtlCol="0" anchor="ctr"/>
+          <a:lstStyle/>
+          <a:p>
+            <a:pPr algn="ctr"/>
+            <a:endParaRPr lang="en-US"/>
+          </a:p>
+        </p:txBody>
+      </p:sp>
+      <p:sp>
+        <p:nvSpPr>
+          <p:cNvPr id="10" name="Rectangle 9"/>
+          <p:cNvSpPr/>
+          <p:nvPr/>
+        </p:nvSpPr>
+        <p:spPr>
+          <a:xfrm>
+            <a:off x="5697097" y="5264460"/>
+            <a:ext cx="671152" cy="532660"/>
+          </a:xfrm>
+          <a:prstGeom prst="rect">
+            <a:avLst/>
+          </a:prstGeom>
+        </p:spPr>
+        <p:style>
+          <a:lnRef idx="1">
+            <a:schemeClr val="accent1"/>
+          </a:lnRef>
+          <a:fillRef idx="3">
+            <a:schemeClr val="accent1"/>
+          </a:fillRef>
+          <a:effectRef idx="2">
+            <a:schemeClr val="accent1"/>
+          </a:effectRef>
+          <a:fontRef idx="minor">
+            <a:schemeClr val="lt1"/>
+          </a:fontRef>
+        </p:style>
+        <p:txBody>
+          <a:bodyPr rtlCol="0" anchor="ctr"/>
+          <a:lstStyle/>
+          <a:p>
+            <a:pPr algn="ctr"/>
+            <a:endParaRPr lang="en-US"/>
+          </a:p>
+        </p:txBody>
+      </p:sp>
+      <p:sp>
+        <p:nvSpPr>
+          <p:cNvPr id="11" name="Rectangle 10"/>
+          <p:cNvSpPr/>
+          <p:nvPr/>
+        </p:nvSpPr>
+        <p:spPr>
+          <a:xfrm>
+            <a:off x="6520649" y="5264460"/>
+            <a:ext cx="671152" cy="532660"/>
+          </a:xfrm>
+          <a:prstGeom prst="rect">
+            <a:avLst/>
+          </a:prstGeom>
+        </p:spPr>
+        <p:style>
+          <a:lnRef idx="1">
+            <a:schemeClr val="accent1"/>
+          </a:lnRef>
+          <a:fillRef idx="3">
+            <a:schemeClr val="accent1"/>
+          </a:fillRef>
+          <a:effectRef idx="2">
+            <a:schemeClr val="accent1"/>
+          </a:effectRef>
+          <a:fontRef idx="minor">
+            <a:schemeClr val="lt1"/>
+          </a:fontRef>
+        </p:style>
+        <p:txBody>
+          <a:bodyPr rtlCol="0" anchor="ctr"/>
+          <a:lstStyle/>
+          <a:p>
+            <a:pPr algn="ctr"/>
+            <a:endParaRPr lang="en-US"/>
+          </a:p>
+        </p:txBody>
+      </p:sp>
+      <p:sp>
+        <p:nvSpPr>
+          <p:cNvPr id="12" name="TextBox 11"/>
+          <p:cNvSpPr txBox="1"/>
+          <p:nvPr/>
+        </p:nvSpPr>
+        <p:spPr>
+          <a:xfrm>
+            <a:off x="1631716" y="6134471"/>
+            <a:ext cx="2318256" cy="369332"/>
+          </a:xfrm>
+          <a:prstGeom prst="rect">
+            <a:avLst/>
+          </a:prstGeom>
+          <a:noFill/>
+        </p:spPr>
+        <p:txBody>
+          <a:bodyPr wrap="square" rtlCol="0">
+            <a:spAutoFit/>
+          </a:bodyPr>
+          <a:lstStyle/>
+          <a:p>
+            <a:pPr algn="ctr"/>
+            <a:r>
+              <a:rPr lang="en-US" dirty="0" smtClean="0"/>
+              <a:t>Compute Error</a:t>
+            </a:r>
+            <a:endParaRPr lang="en-US" dirty="0"/>
+          </a:p>
+        </p:txBody>
+      </p:sp>
+      <p:sp>
+        <p:nvSpPr>
+          <p:cNvPr id="13" name="TextBox 12"/>
+          <p:cNvSpPr txBox="1"/>
+          <p:nvPr/>
+        </p:nvSpPr>
+        <p:spPr>
+          <a:xfrm>
+            <a:off x="4873545" y="6102205"/>
+            <a:ext cx="2318256" cy="369332"/>
+          </a:xfrm>
+          <a:prstGeom prst="rect">
+            <a:avLst/>
+          </a:prstGeom>
+          <a:noFill/>
+        </p:spPr>
+        <p:txBody>
+          <a:bodyPr wrap="square" rtlCol="0">
+            <a:spAutoFit/>
+          </a:bodyPr>
+          <a:lstStyle/>
+          <a:p>
+            <a:pPr algn="ctr"/>
+            <a:r>
+              <a:rPr lang="en-US" dirty="0" smtClean="0"/>
+              <a:t>Make Correction</a:t>
+            </a:r>
+            <a:endParaRPr lang="en-US" dirty="0"/>
+          </a:p>
+        </p:txBody>
+      </p:sp>
+      <p:cxnSp>
+        <p:nvCxnSpPr>
+          <p:cNvPr id="15" name="Elbow Connector 14"/>
+          <p:cNvCxnSpPr>
+            <a:stCxn id="11" idx="3"/>
+            <a:endCxn id="6" idx="1"/>
+          </p:cNvCxnSpPr>
+          <p:nvPr/>
+        </p:nvCxnSpPr>
+        <p:spPr>
+          <a:xfrm flipH="1">
+            <a:off x="1631716" y="5530790"/>
+            <a:ext cx="5560085" cy="12700"/>
+          </a:xfrm>
+          <a:prstGeom prst="bentConnector5">
+            <a:avLst>
+              <a:gd name="adj1" fmla="val -4111"/>
+              <a:gd name="adj2" fmla="val -4631071"/>
+              <a:gd name="adj3" fmla="val 104111"/>
+            </a:avLst>
+          </a:prstGeom>
+          <a:ln w="57150">
+            <a:tailEnd type="triangle"/>
+          </a:ln>
+        </p:spPr>
+        <p:style>
+          <a:lnRef idx="2">
+            <a:schemeClr val="accent1"/>
+          </a:lnRef>
+          <a:fillRef idx="0">
+            <a:schemeClr val="accent1"/>
+          </a:fillRef>
+          <a:effectRef idx="1">
+            <a:schemeClr val="accent1"/>
+          </a:effectRef>
+          <a:fontRef idx="minor">
+            <a:schemeClr val="tx1"/>
+          </a:fontRef>
+        </p:style>
+      </p:cxnSp>
+      <p:cxnSp>
+        <p:nvCxnSpPr>
+          <p:cNvPr id="19" name="Straight Connector 18"/>
+          <p:cNvCxnSpPr>
+            <a:stCxn id="6" idx="3"/>
+            <a:endCxn id="7" idx="1"/>
+          </p:cNvCxnSpPr>
+          <p:nvPr/>
+        </p:nvCxnSpPr>
+        <p:spPr>
+          <a:xfrm>
+            <a:off x="2302868" y="5530790"/>
+            <a:ext cx="152400" cy="0"/>
+          </a:xfrm>
+          <a:prstGeom prst="line">
+            <a:avLst/>
+          </a:prstGeom>
+        </p:spPr>
+        <p:style>
+          <a:lnRef idx="2">
+            <a:schemeClr val="accent1"/>
+          </a:lnRef>
+          <a:fillRef idx="0">
+            <a:schemeClr val="accent1"/>
+          </a:fillRef>
+          <a:effectRef idx="1">
+            <a:schemeClr val="accent1"/>
+          </a:effectRef>
+          <a:fontRef idx="minor">
+            <a:schemeClr val="tx1"/>
+          </a:fontRef>
+        </p:style>
+      </p:cxnSp>
+      <p:cxnSp>
+        <p:nvCxnSpPr>
+          <p:cNvPr id="21" name="Straight Connector 20"/>
+          <p:cNvCxnSpPr>
+            <a:stCxn id="7" idx="3"/>
+            <a:endCxn id="8" idx="1"/>
+          </p:cNvCxnSpPr>
+          <p:nvPr/>
+        </p:nvCxnSpPr>
+        <p:spPr>
+          <a:xfrm>
+            <a:off x="3126420" y="5530790"/>
+            <a:ext cx="152400" cy="0"/>
+          </a:xfrm>
+          <a:prstGeom prst="line">
+            <a:avLst/>
+          </a:prstGeom>
+        </p:spPr>
+        <p:style>
+          <a:lnRef idx="2">
+            <a:schemeClr val="accent1"/>
+          </a:lnRef>
+          <a:fillRef idx="0">
+            <a:schemeClr val="accent1"/>
+          </a:fillRef>
+          <a:effectRef idx="1">
+            <a:schemeClr val="accent1"/>
+          </a:effectRef>
+          <a:fontRef idx="minor">
+            <a:schemeClr val="tx1"/>
+          </a:fontRef>
+        </p:style>
+      </p:cxnSp>
+      <p:cxnSp>
+        <p:nvCxnSpPr>
+          <p:cNvPr id="23" name="Straight Connector 22"/>
+          <p:cNvCxnSpPr>
+            <a:stCxn id="8" idx="3"/>
+            <a:endCxn id="9" idx="1"/>
+          </p:cNvCxnSpPr>
+          <p:nvPr/>
+        </p:nvCxnSpPr>
+        <p:spPr>
+          <a:xfrm>
+            <a:off x="3949972" y="5530790"/>
+            <a:ext cx="923573" cy="0"/>
+          </a:xfrm>
+          <a:prstGeom prst="line">
+            <a:avLst/>
+          </a:prstGeom>
+        </p:spPr>
+        <p:style>
+          <a:lnRef idx="2">
+            <a:schemeClr val="accent1"/>
+          </a:lnRef>
+          <a:fillRef idx="0">
+            <a:schemeClr val="accent1"/>
+          </a:fillRef>
+          <a:effectRef idx="1">
+            <a:schemeClr val="accent1"/>
+          </a:effectRef>
+          <a:fontRef idx="minor">
+            <a:schemeClr val="tx1"/>
+          </a:fontRef>
+        </p:style>
+      </p:cxnSp>
+      <p:cxnSp>
+        <p:nvCxnSpPr>
+          <p:cNvPr id="25" name="Straight Connector 24"/>
+          <p:cNvCxnSpPr>
+            <a:stCxn id="9" idx="3"/>
+            <a:endCxn id="10" idx="1"/>
+          </p:cNvCxnSpPr>
+          <p:nvPr/>
+        </p:nvCxnSpPr>
+        <p:spPr>
+          <a:xfrm>
+            <a:off x="5544697" y="5530790"/>
+            <a:ext cx="152400" cy="0"/>
+          </a:xfrm>
+          <a:prstGeom prst="line">
+            <a:avLst/>
+          </a:prstGeom>
+        </p:spPr>
+        <p:style>
+          <a:lnRef idx="2">
+            <a:schemeClr val="accent1"/>
+          </a:lnRef>
+          <a:fillRef idx="0">
+            <a:schemeClr val="accent1"/>
+          </a:fillRef>
+          <a:effectRef idx="1">
+            <a:schemeClr val="accent1"/>
+          </a:effectRef>
+          <a:fontRef idx="minor">
+            <a:schemeClr val="tx1"/>
+          </a:fontRef>
+        </p:style>
+      </p:cxnSp>
+      <p:cxnSp>
+        <p:nvCxnSpPr>
+          <p:cNvPr id="27" name="Straight Connector 26"/>
+          <p:cNvCxnSpPr>
+            <a:endCxn id="11" idx="1"/>
+          </p:cNvCxnSpPr>
+          <p:nvPr/>
+        </p:nvCxnSpPr>
+        <p:spPr>
+          <a:xfrm>
+            <a:off x="6368249" y="5530790"/>
+            <a:ext cx="152400" cy="0"/>
+          </a:xfrm>
+          <a:prstGeom prst="line">
+            <a:avLst/>
+          </a:prstGeom>
+        </p:spPr>
+        <p:style>
+          <a:lnRef idx="2">
+            <a:schemeClr val="accent1"/>
+          </a:lnRef>
+          <a:fillRef idx="0">
+            <a:schemeClr val="accent1"/>
+          </a:fillRef>
+          <a:effectRef idx="1">
+            <a:schemeClr val="accent1"/>
+          </a:effectRef>
+          <a:fontRef idx="minor">
+            <a:schemeClr val="tx1"/>
+          </a:fontRef>
+        </p:style>
+      </p:cxnSp>
+    </p:spTree>
+    <p:extLst>
+      <p:ext uri="{BB962C8B-B14F-4D97-AF65-F5344CB8AC3E}">
+        <p14:creationId xmlns:p14="http://schemas.microsoft.com/office/powerpoint/2010/main" val="2969383764"/>
+      </p:ext>
+    </p:extLst>
+  </p:cSld>
+  <p:clrMapOvr>
+    <a:masterClrMapping/>
+  </p:clrMapOvr>
+  <p:timing>
+    <p:tnLst>
+      <p:par>
+        <p:cTn id="1" dur="indefinite" restart="never" nodeType="tmRoot"/>
+      </p:par>
+    </p:tnLst>
+  </p:timing>
+</p:sld>
+</file>
+
+<file path=ppt/slides/slide6.xml><?xml version="1.0" encoding="utf-8"?>
+<p:sld xmlns:a="http://schemas.openxmlformats.org/drawingml/2006/main" xmlns:r="http://schemas.openxmlformats.org/officeDocument/2006/relationships" xmlns:p="http://schemas.openxmlformats.org/presentationml/2006/main">
+  <p:cSld>
+    <p:spTree>
+      <p:nvGrpSpPr>
+        <p:cNvPr id="1" name=""/>
+        <p:cNvGrpSpPr/>
+        <p:nvPr/>
+      </p:nvGrpSpPr>
+      <p:grpSpPr>
+        <a:xfrm>
+          <a:off x="0" y="0"/>
+          <a:ext cx="0" cy="0"/>
+          <a:chOff x="0" y="0"/>
+          <a:chExt cx="0" cy="0"/>
+        </a:xfrm>
+      </p:grpSpPr>
+      <p:sp>
+        <p:nvSpPr>
+          <p:cNvPr id="2" name="Title 1"/>
+          <p:cNvSpPr>
+            <a:spLocks noGrp="1"/>
+          </p:cNvSpPr>
+          <p:nvPr>
+            <p:ph type="title"/>
+          </p:nvPr>
+        </p:nvSpPr>
+        <p:spPr/>
+        <p:txBody>
+          <a:bodyPr/>
+          <a:lstStyle/>
+          <a:p>
+            <a:r>
+              <a:rPr lang="en-US" dirty="0" smtClean="0"/>
+              <a:t>How Far Is the Robot From The Line?</a:t>
+            </a:r>
+            <a:endParaRPr lang="en-US" dirty="0"/>
+          </a:p>
+        </p:txBody>
+      </p:sp>
+      <p:sp>
+        <p:nvSpPr>
+          <p:cNvPr id="3" name="Content Placeholder 2"/>
+          <p:cNvSpPr>
+            <a:spLocks noGrp="1"/>
+          </p:cNvSpPr>
+          <p:nvPr>
+            <p:ph idx="1"/>
+          </p:nvPr>
+        </p:nvSpPr>
+        <p:spPr/>
+        <p:txBody>
+          <a:bodyPr/>
+          <a:lstStyle/>
+          <a:p>
+            <a:r>
+              <a:rPr lang="en-US" dirty="0" smtClean="0"/>
+              <a:t>Reflected light sensor readings show how “dark” the measured area is on average</a:t>
+            </a:r>
+          </a:p>
+          <a:p>
+            <a:r>
+              <a:rPr lang="en-US" dirty="0" smtClean="0"/>
+              <a:t>Calibrated readings should range from 100 (on just white) to 0 (on just black)</a:t>
+            </a:r>
+            <a:endParaRPr lang="en-US" dirty="0"/>
+          </a:p>
+        </p:txBody>
+      </p:sp>
+      <p:sp>
+        <p:nvSpPr>
+          <p:cNvPr id="4" name="Footer Placeholder 3"/>
+          <p:cNvSpPr>
+            <a:spLocks noGrp="1"/>
+          </p:cNvSpPr>
+          <p:nvPr>
+            <p:ph type="ftr" sz="quarter" idx="11"/>
+          </p:nvPr>
+        </p:nvSpPr>
+        <p:spPr/>
+        <p:txBody>
+          <a:bodyPr/>
+          <a:lstStyle/>
+          <a:p>
+            <a:r>
+              <a:rPr lang="en-US" dirty="0" smtClean="0"/>
+              <a:t>© 2015 EV3Lessons.com, Last edit 9/5/2015</a:t>
+            </a:r>
+            <a:endParaRPr lang="en-US" dirty="0"/>
+          </a:p>
+        </p:txBody>
+      </p:sp>
+      <p:cxnSp>
+        <p:nvCxnSpPr>
+          <p:cNvPr id="6" name="Straight Connector 5"/>
+          <p:cNvCxnSpPr/>
+          <p:nvPr/>
+        </p:nvCxnSpPr>
+        <p:spPr>
+          <a:xfrm>
+            <a:off x="640747" y="5441779"/>
+            <a:ext cx="7965830" cy="0"/>
+          </a:xfrm>
+          <a:prstGeom prst="line">
+            <a:avLst/>
+          </a:prstGeom>
+          <a:ln w="466725">
+            <a:solidFill>
+              <a:schemeClr val="tx1"/>
+            </a:solidFill>
+          </a:ln>
+        </p:spPr>
+        <p:style>
+          <a:lnRef idx="2">
+            <a:schemeClr val="accent1"/>
+          </a:lnRef>
+          <a:fillRef idx="0">
+            <a:schemeClr val="accent1"/>
+          </a:fillRef>
+          <a:effectRef idx="1">
+            <a:schemeClr val="accent1"/>
+          </a:effectRef>
+          <a:fontRef idx="minor">
+            <a:schemeClr val="tx1"/>
+          </a:fontRef>
+        </p:style>
+      </p:cxnSp>
+      <p:sp>
+        <p:nvSpPr>
+          <p:cNvPr id="7" name="Oval 6"/>
+          <p:cNvSpPr/>
+          <p:nvPr/>
+        </p:nvSpPr>
+        <p:spPr>
+          <a:xfrm>
+            <a:off x="7361191" y="3780565"/>
+            <a:ext cx="386862" cy="386862"/>
+          </a:xfrm>
+          <a:prstGeom prst="ellipse">
+            <a:avLst/>
+          </a:prstGeom>
+        </p:spPr>
+        <p:style>
+          <a:lnRef idx="1">
+            <a:schemeClr val="accent1"/>
+          </a:lnRef>
+          <a:fillRef idx="3">
+            <a:schemeClr val="accent1"/>
+          </a:fillRef>
+          <a:effectRef idx="2">
+            <a:schemeClr val="accent1"/>
+          </a:effectRef>
+          <a:fontRef idx="minor">
+            <a:schemeClr val="lt1"/>
+          </a:fontRef>
+        </p:style>
+        <p:txBody>
+          <a:bodyPr rtlCol="0" anchor="ctr"/>
+          <a:lstStyle/>
+          <a:p>
+            <a:pPr algn="ctr"/>
+            <a:endParaRPr lang="en-US"/>
+          </a:p>
+        </p:txBody>
+      </p:sp>
+      <p:sp>
+        <p:nvSpPr>
+          <p:cNvPr id="8" name="TextBox 7"/>
+          <p:cNvSpPr txBox="1"/>
+          <p:nvPr/>
+        </p:nvSpPr>
+        <p:spPr>
+          <a:xfrm>
+            <a:off x="4478799" y="3805935"/>
+            <a:ext cx="2882392" cy="369332"/>
+          </a:xfrm>
+          <a:prstGeom prst="rect">
+            <a:avLst/>
+          </a:prstGeom>
+          <a:noFill/>
+        </p:spPr>
+        <p:txBody>
+          <a:bodyPr wrap="none" rtlCol="0">
+            <a:spAutoFit/>
+          </a:bodyPr>
+          <a:lstStyle/>
+          <a:p>
+            <a:r>
+              <a:rPr lang="en-US" dirty="0" smtClean="0"/>
+              <a:t>Light Sensor Measured Area:</a:t>
+            </a:r>
+            <a:endParaRPr lang="en-US" dirty="0"/>
+          </a:p>
+        </p:txBody>
+      </p:sp>
+      <p:sp>
+        <p:nvSpPr>
+          <p:cNvPr id="9" name="TextBox 8"/>
+          <p:cNvSpPr txBox="1"/>
+          <p:nvPr/>
+        </p:nvSpPr>
+        <p:spPr>
+          <a:xfrm>
+            <a:off x="8571407" y="5261453"/>
+            <a:ext cx="572593" cy="369332"/>
+          </a:xfrm>
+          <a:prstGeom prst="rect">
+            <a:avLst/>
+          </a:prstGeom>
+          <a:noFill/>
+        </p:spPr>
+        <p:txBody>
+          <a:bodyPr wrap="none" rtlCol="0">
+            <a:spAutoFit/>
+          </a:bodyPr>
+          <a:lstStyle/>
+          <a:p>
+            <a:r>
+              <a:rPr lang="en-US" dirty="0" smtClean="0"/>
+              <a:t>Line</a:t>
+            </a:r>
+            <a:endParaRPr lang="en-US" dirty="0"/>
+          </a:p>
+        </p:txBody>
+      </p:sp>
+      <p:sp>
+        <p:nvSpPr>
+          <p:cNvPr id="10" name="Oval 9"/>
+          <p:cNvSpPr/>
+          <p:nvPr/>
+        </p:nvSpPr>
+        <p:spPr>
+          <a:xfrm>
+            <a:off x="777593" y="4706052"/>
+            <a:ext cx="386862" cy="386862"/>
+          </a:xfrm>
+          <a:prstGeom prst="ellipse">
+            <a:avLst/>
+          </a:prstGeom>
+        </p:spPr>
+        <p:style>
+          <a:lnRef idx="1">
+            <a:schemeClr val="accent1"/>
+          </a:lnRef>
+          <a:fillRef idx="3">
+            <a:schemeClr val="accent1"/>
+          </a:fillRef>
+          <a:effectRef idx="2">
+            <a:schemeClr val="accent1"/>
+          </a:effectRef>
+          <a:fontRef idx="minor">
+            <a:schemeClr val="lt1"/>
+          </a:fontRef>
+        </p:style>
+        <p:txBody>
+          <a:bodyPr rtlCol="0" anchor="ctr"/>
+          <a:lstStyle/>
+          <a:p>
+            <a:pPr algn="ctr"/>
+            <a:endParaRPr lang="en-US"/>
+          </a:p>
+        </p:txBody>
+      </p:sp>
+      <p:sp>
+        <p:nvSpPr>
+          <p:cNvPr id="12" name="TextBox 11"/>
+          <p:cNvSpPr txBox="1"/>
+          <p:nvPr/>
+        </p:nvSpPr>
+        <p:spPr>
+          <a:xfrm>
+            <a:off x="216266" y="4246557"/>
+            <a:ext cx="1509516" cy="369332"/>
+          </a:xfrm>
+          <a:prstGeom prst="rect">
+            <a:avLst/>
+          </a:prstGeom>
+          <a:noFill/>
+        </p:spPr>
+        <p:txBody>
+          <a:bodyPr wrap="none" rtlCol="0">
+            <a:spAutoFit/>
+          </a:bodyPr>
+          <a:lstStyle/>
+          <a:p>
+            <a:r>
+              <a:rPr lang="en-US" dirty="0" smtClean="0"/>
+              <a:t>Reading = 100</a:t>
+            </a:r>
+            <a:endParaRPr lang="en-US" dirty="0"/>
+          </a:p>
+        </p:txBody>
+      </p:sp>
+      <p:sp>
+        <p:nvSpPr>
+          <p:cNvPr id="13" name="Oval 12"/>
+          <p:cNvSpPr/>
+          <p:nvPr/>
+        </p:nvSpPr>
+        <p:spPr>
+          <a:xfrm>
+            <a:off x="2002654" y="5238052"/>
+            <a:ext cx="386862" cy="386862"/>
+          </a:xfrm>
+          <a:prstGeom prst="ellipse">
+            <a:avLst/>
+          </a:prstGeom>
+        </p:spPr>
+        <p:style>
+          <a:lnRef idx="1">
+            <a:schemeClr val="accent1"/>
+          </a:lnRef>
+          <a:fillRef idx="3">
+            <a:schemeClr val="accent1"/>
+          </a:fillRef>
+          <a:effectRef idx="2">
+            <a:schemeClr val="accent1"/>
+          </a:effectRef>
+          <a:fontRef idx="minor">
+            <a:schemeClr val="lt1"/>
+          </a:fontRef>
+        </p:style>
+        <p:txBody>
+          <a:bodyPr rtlCol="0" anchor="ctr"/>
+          <a:lstStyle/>
+          <a:p>
+            <a:pPr algn="ctr"/>
+            <a:endParaRPr lang="en-US"/>
+          </a:p>
+        </p:txBody>
+      </p:sp>
+      <p:sp>
+        <p:nvSpPr>
+          <p:cNvPr id="14" name="TextBox 13"/>
+          <p:cNvSpPr txBox="1"/>
+          <p:nvPr/>
+        </p:nvSpPr>
+        <p:spPr>
+          <a:xfrm>
+            <a:off x="1441327" y="4778557"/>
+            <a:ext cx="1275477" cy="369332"/>
+          </a:xfrm>
+          <a:prstGeom prst="rect">
+            <a:avLst/>
+          </a:prstGeom>
+          <a:noFill/>
+        </p:spPr>
+        <p:txBody>
+          <a:bodyPr wrap="none" rtlCol="0">
+            <a:spAutoFit/>
+          </a:bodyPr>
+          <a:lstStyle/>
+          <a:p>
+            <a:r>
+              <a:rPr lang="en-US" dirty="0" smtClean="0"/>
+              <a:t>Reading = 0</a:t>
+            </a:r>
+            <a:endParaRPr lang="en-US" dirty="0"/>
+          </a:p>
+        </p:txBody>
+      </p:sp>
+      <p:sp>
+        <p:nvSpPr>
+          <p:cNvPr id="15" name="Oval 14"/>
+          <p:cNvSpPr/>
+          <p:nvPr/>
+        </p:nvSpPr>
+        <p:spPr>
+          <a:xfrm>
+            <a:off x="3329774" y="5000661"/>
+            <a:ext cx="386862" cy="386862"/>
+          </a:xfrm>
+          <a:prstGeom prst="ellipse">
+            <a:avLst/>
+          </a:prstGeom>
+        </p:spPr>
+        <p:style>
+          <a:lnRef idx="1">
+            <a:schemeClr val="accent1"/>
+          </a:lnRef>
+          <a:fillRef idx="3">
+            <a:schemeClr val="accent1"/>
+          </a:fillRef>
+          <a:effectRef idx="2">
+            <a:schemeClr val="accent1"/>
+          </a:effectRef>
+          <a:fontRef idx="minor">
+            <a:schemeClr val="lt1"/>
+          </a:fontRef>
+        </p:style>
+        <p:txBody>
+          <a:bodyPr rtlCol="0" anchor="ctr"/>
+          <a:lstStyle/>
+          <a:p>
+            <a:pPr algn="ctr"/>
+            <a:endParaRPr lang="en-US"/>
+          </a:p>
+        </p:txBody>
+      </p:sp>
+      <p:sp>
+        <p:nvSpPr>
+          <p:cNvPr id="16" name="TextBox 15"/>
+          <p:cNvSpPr txBox="1"/>
+          <p:nvPr/>
+        </p:nvSpPr>
+        <p:spPr>
+          <a:xfrm>
+            <a:off x="2768447" y="4541166"/>
+            <a:ext cx="1392497" cy="369332"/>
+          </a:xfrm>
+          <a:prstGeom prst="rect">
+            <a:avLst/>
+          </a:prstGeom>
+          <a:noFill/>
+        </p:spPr>
+        <p:txBody>
+          <a:bodyPr wrap="none" rtlCol="0">
+            <a:spAutoFit/>
+          </a:bodyPr>
+          <a:lstStyle/>
+          <a:p>
+            <a:r>
+              <a:rPr lang="en-US" dirty="0" smtClean="0"/>
+              <a:t>Reading = 50</a:t>
+            </a:r>
+            <a:endParaRPr lang="en-US" dirty="0"/>
+          </a:p>
+        </p:txBody>
+      </p:sp>
+      <p:sp>
+        <p:nvSpPr>
+          <p:cNvPr id="17" name="Oval 16"/>
+          <p:cNvSpPr/>
+          <p:nvPr/>
+        </p:nvSpPr>
+        <p:spPr>
+          <a:xfrm>
+            <a:off x="4753606" y="5101706"/>
+            <a:ext cx="386862" cy="386862"/>
+          </a:xfrm>
+          <a:prstGeom prst="ellipse">
+            <a:avLst/>
+          </a:prstGeom>
+        </p:spPr>
+        <p:style>
+          <a:lnRef idx="1">
+            <a:schemeClr val="accent1"/>
+          </a:lnRef>
+          <a:fillRef idx="3">
+            <a:schemeClr val="accent1"/>
+          </a:fillRef>
+          <a:effectRef idx="2">
+            <a:schemeClr val="accent1"/>
+          </a:effectRef>
+          <a:fontRef idx="minor">
+            <a:schemeClr val="lt1"/>
+          </a:fontRef>
+        </p:style>
+        <p:txBody>
+          <a:bodyPr rtlCol="0" anchor="ctr"/>
+          <a:lstStyle/>
+          <a:p>
+            <a:pPr algn="ctr"/>
+            <a:endParaRPr lang="en-US"/>
+          </a:p>
+        </p:txBody>
+      </p:sp>
+      <p:sp>
+        <p:nvSpPr>
+          <p:cNvPr id="18" name="TextBox 17"/>
+          <p:cNvSpPr txBox="1"/>
+          <p:nvPr/>
+        </p:nvSpPr>
+        <p:spPr>
+          <a:xfrm>
+            <a:off x="4192279" y="4642211"/>
+            <a:ext cx="1392497" cy="369332"/>
+          </a:xfrm>
+          <a:prstGeom prst="rect">
+            <a:avLst/>
+          </a:prstGeom>
+          <a:noFill/>
+        </p:spPr>
+        <p:txBody>
+          <a:bodyPr wrap="none" rtlCol="0">
+            <a:spAutoFit/>
+          </a:bodyPr>
+          <a:lstStyle/>
+          <a:p>
+            <a:r>
+              <a:rPr lang="en-US" dirty="0" smtClean="0"/>
+              <a:t>Reading = 25</a:t>
+            </a:r>
+            <a:endParaRPr lang="en-US" dirty="0"/>
+          </a:p>
+        </p:txBody>
+      </p:sp>
+      <p:sp>
+        <p:nvSpPr>
+          <p:cNvPr id="19" name="Oval 18"/>
+          <p:cNvSpPr/>
+          <p:nvPr/>
+        </p:nvSpPr>
+        <p:spPr>
+          <a:xfrm>
+            <a:off x="6343931" y="4927853"/>
+            <a:ext cx="386862" cy="386862"/>
+          </a:xfrm>
+          <a:prstGeom prst="ellipse">
+            <a:avLst/>
+          </a:prstGeom>
+        </p:spPr>
+        <p:style>
+          <a:lnRef idx="1">
+            <a:schemeClr val="accent1"/>
+          </a:lnRef>
+          <a:fillRef idx="3">
+            <a:schemeClr val="accent1"/>
+          </a:fillRef>
+          <a:effectRef idx="2">
+            <a:schemeClr val="accent1"/>
+          </a:effectRef>
+          <a:fontRef idx="minor">
+            <a:schemeClr val="lt1"/>
+          </a:fontRef>
+        </p:style>
+        <p:txBody>
+          <a:bodyPr rtlCol="0" anchor="ctr"/>
+          <a:lstStyle/>
+          <a:p>
+            <a:pPr algn="ctr"/>
+            <a:endParaRPr lang="en-US"/>
+          </a:p>
+        </p:txBody>
+      </p:sp>
+      <p:sp>
+        <p:nvSpPr>
+          <p:cNvPr id="20" name="TextBox 19"/>
+          <p:cNvSpPr txBox="1"/>
+          <p:nvPr/>
+        </p:nvSpPr>
+        <p:spPr>
+          <a:xfrm>
+            <a:off x="5782604" y="4468358"/>
+            <a:ext cx="1392497" cy="369332"/>
+          </a:xfrm>
+          <a:prstGeom prst="rect">
+            <a:avLst/>
+          </a:prstGeom>
+          <a:noFill/>
+        </p:spPr>
+        <p:txBody>
+          <a:bodyPr wrap="none" rtlCol="0">
+            <a:spAutoFit/>
+          </a:bodyPr>
+          <a:lstStyle/>
+          <a:p>
+            <a:r>
+              <a:rPr lang="en-US" dirty="0" smtClean="0"/>
+              <a:t>Reading = 75</a:t>
+            </a:r>
+            <a:endParaRPr lang="en-US" dirty="0"/>
+          </a:p>
+        </p:txBody>
+      </p:sp>
+    </p:spTree>
+    <p:extLst>
+      <p:ext uri="{BB962C8B-B14F-4D97-AF65-F5344CB8AC3E}">
+        <p14:creationId xmlns:p14="http://schemas.microsoft.com/office/powerpoint/2010/main" val="999148323"/>
+      </p:ext>
+    </p:extLst>
+  </p:cSld>
+  <p:clrMapOvr>
+    <a:masterClrMapping/>
+  </p:clrMapOvr>
+</p:sld>
+</file>
+
+<file path=ppt/slides/slide7.xml><?xml version="1.0" encoding="utf-8"?>
+<p:sld xmlns:a="http://schemas.openxmlformats.org/drawingml/2006/main" xmlns:r="http://schemas.openxmlformats.org/officeDocument/2006/relationships" xmlns:p="http://schemas.openxmlformats.org/presentationml/2006/main">
+  <p:cSld>
+    <p:spTree>
+      <p:nvGrpSpPr>
+        <p:cNvPr id="1" name=""/>
+        <p:cNvGrpSpPr/>
+        <p:nvPr/>
+      </p:nvGrpSpPr>
+      <p:grpSpPr>
+        <a:xfrm>
+          <a:off x="0" y="0"/>
+          <a:ext cx="0" cy="0"/>
+          <a:chOff x="0" y="0"/>
+          <a:chExt cx="0" cy="0"/>
+        </a:xfrm>
+      </p:grpSpPr>
+      <p:sp>
+        <p:nvSpPr>
+          <p:cNvPr id="2" name="Title 1"/>
+          <p:cNvSpPr>
+            <a:spLocks noGrp="1"/>
+          </p:cNvSpPr>
+          <p:nvPr>
+            <p:ph type="title"/>
+          </p:nvPr>
+        </p:nvSpPr>
+        <p:spPr/>
+        <p:txBody>
+          <a:bodyPr/>
+          <a:lstStyle/>
+          <a:p>
+            <a:r>
+              <a:rPr lang="en-US" dirty="0" smtClean="0"/>
+              <a:t>Line Following</a:t>
+            </a:r>
+            <a:endParaRPr lang="en-US" dirty="0"/>
+          </a:p>
+        </p:txBody>
+      </p:sp>
+      <p:sp>
+        <p:nvSpPr>
+          <p:cNvPr id="3" name="Content Placeholder 2"/>
+          <p:cNvSpPr>
+            <a:spLocks noGrp="1"/>
+          </p:cNvSpPr>
+          <p:nvPr>
+            <p:ph idx="1"/>
+          </p:nvPr>
+        </p:nvSpPr>
+        <p:spPr/>
+        <p:txBody>
+          <a:bodyPr>
+            <a:normAutofit fontScale="85000" lnSpcReduction="20000"/>
+          </a:bodyPr>
+          <a:lstStyle/>
+          <a:p>
+            <a:r>
+              <a:rPr lang="en-US" b="1" dirty="0"/>
+              <a:t>Computing an error </a:t>
+            </a:r>
+            <a:r>
+              <a:rPr lang="en-US" dirty="0">
+                <a:sym typeface="Wingdings"/>
+              </a:rPr>
+              <a:t> how far is the robot from a </a:t>
+            </a:r>
+            <a:r>
+              <a:rPr lang="en-US" dirty="0" smtClean="0">
+                <a:sym typeface="Wingdings"/>
+              </a:rPr>
+              <a:t>target</a:t>
+            </a:r>
+          </a:p>
+          <a:p>
+            <a:pPr lvl="1"/>
+            <a:r>
+              <a:rPr lang="en-US" dirty="0" smtClean="0">
+                <a:sym typeface="Wingdings"/>
+              </a:rPr>
+              <a:t>Robots follow the edge of line </a:t>
+            </a:r>
+            <a:r>
+              <a:rPr lang="en-US" dirty="0" smtClean="0">
+                <a:sym typeface="Wingdings" panose="05000000000000000000" pitchFamily="2" charset="2"/>
+              </a:rPr>
+              <a:t> target should be a sensor reading of 50</a:t>
+            </a:r>
+          </a:p>
+          <a:p>
+            <a:pPr lvl="1"/>
+            <a:r>
+              <a:rPr lang="en-US" dirty="0" smtClean="0">
+                <a:sym typeface="Wingdings"/>
+              </a:rPr>
+              <a:t>Error should indicate how far the sensor’s value is from a reading of 50</a:t>
+            </a:r>
+            <a:endParaRPr lang="en-US" dirty="0">
+              <a:sym typeface="Wingdings"/>
+            </a:endParaRPr>
+          </a:p>
+          <a:p>
+            <a:r>
+              <a:rPr lang="en-US" b="1" dirty="0">
+                <a:sym typeface="Wingdings"/>
+              </a:rPr>
+              <a:t>Making a correction </a:t>
+            </a:r>
+            <a:r>
+              <a:rPr lang="en-US" dirty="0">
+                <a:sym typeface="Wingdings"/>
+              </a:rPr>
+              <a:t> make the robot take an action that is proportional to the </a:t>
+            </a:r>
+            <a:r>
+              <a:rPr lang="en-US" dirty="0" smtClean="0">
+                <a:sym typeface="Wingdings"/>
+              </a:rPr>
+              <a:t>error.  </a:t>
+            </a:r>
+            <a:r>
+              <a:rPr lang="en-US" dirty="0">
+                <a:sym typeface="Wingdings"/>
+              </a:rPr>
+              <a:t>You must multiply the error by a scaling factor to determine the correction</a:t>
+            </a:r>
+            <a:r>
+              <a:rPr lang="en-US" dirty="0" smtClean="0">
+                <a:sym typeface="Wingdings"/>
+              </a:rPr>
+              <a:t>.</a:t>
+            </a:r>
+          </a:p>
+          <a:p>
+            <a:pPr lvl="1"/>
+            <a:r>
+              <a:rPr lang="en-US" dirty="0" smtClean="0">
+                <a:sym typeface="Wingdings"/>
+              </a:rPr>
+              <a:t>To follow a line a robot must turn towards the edge of the line</a:t>
+            </a:r>
+          </a:p>
+          <a:p>
+            <a:pPr lvl="1"/>
+            <a:r>
+              <a:rPr lang="en-US" dirty="0" smtClean="0">
+                <a:sym typeface="Wingdings"/>
+              </a:rPr>
+              <a:t>The robot must turn more sharply if it is far from a line</a:t>
+            </a:r>
+          </a:p>
+          <a:p>
+            <a:pPr lvl="1"/>
+            <a:r>
+              <a:rPr lang="en-US" dirty="0" smtClean="0">
+                <a:sym typeface="Wingdings"/>
+              </a:rPr>
+              <a:t>How do you do this:  You must adjust steering input on move block</a:t>
+            </a:r>
+          </a:p>
+          <a:p>
+            <a:pPr lvl="1"/>
+            <a:endParaRPr lang="en-US" dirty="0"/>
+          </a:p>
+          <a:p>
+            <a:endParaRPr lang="en-US" dirty="0"/>
+          </a:p>
+        </p:txBody>
+      </p:sp>
+      <p:sp>
+        <p:nvSpPr>
+          <p:cNvPr id="4" name="Footer Placeholder 3"/>
+          <p:cNvSpPr>
+            <a:spLocks noGrp="1"/>
+          </p:cNvSpPr>
+          <p:nvPr>
+            <p:ph type="ftr" sz="quarter" idx="11"/>
+          </p:nvPr>
+        </p:nvSpPr>
+        <p:spPr/>
+        <p:txBody>
+          <a:bodyPr/>
+          <a:lstStyle/>
+          <a:p>
+            <a:r>
+              <a:rPr lang="en-US" smtClean="0"/>
+              <a:t>© 2015 EV3Lessons.com, Last edit 9/5/2015</a:t>
+            </a:r>
+            <a:endParaRPr lang="en-US"/>
+          </a:p>
+        </p:txBody>
+      </p:sp>
+    </p:spTree>
+    <p:extLst>
+      <p:ext uri="{BB962C8B-B14F-4D97-AF65-F5344CB8AC3E}">
+        <p14:creationId xmlns:p14="http://schemas.microsoft.com/office/powerpoint/2010/main" val="2714482529"/>
+      </p:ext>
+    </p:extLst>
+  </p:cSld>
+  <p:clrMapOvr>
+    <a:masterClrMapping/>
+  </p:clrMapOvr>
+</p:sld>
+</file>
+
+<file path=ppt/slides/slide8.xml><?xml version="1.0" encoding="utf-8"?>
+<p:sld xmlns:a="http://schemas.openxmlformats.org/drawingml/2006/main" xmlns:r="http://schemas.openxmlformats.org/officeDocument/2006/relationships" xmlns:p="http://schemas.openxmlformats.org/presentationml/2006/main">
+  <p:cSld>
+    <p:spTree>
+      <p:nvGrpSpPr>
+        <p:cNvPr id="1" name=""/>
+        <p:cNvGrpSpPr/>
+        <p:nvPr/>
+      </p:nvGrpSpPr>
+      <p:grpSpPr>
+        <a:xfrm>
+          <a:off x="0" y="0"/>
+          <a:ext cx="0" cy="0"/>
+          <a:chOff x="0" y="0"/>
+          <a:chExt cx="0" cy="0"/>
+        </a:xfrm>
+      </p:grpSpPr>
+      <p:sp>
+        <p:nvSpPr>
+          <p:cNvPr id="2" name="Title 1"/>
+          <p:cNvSpPr>
+            <a:spLocks noGrp="1"/>
+          </p:cNvSpPr>
+          <p:nvPr>
+            <p:ph type="title"/>
+          </p:nvPr>
+        </p:nvSpPr>
+        <p:spPr>
+          <a:noFill/>
+        </p:spPr>
+        <p:txBody>
+          <a:bodyPr>
+            <a:normAutofit/>
+          </a:bodyPr>
+          <a:lstStyle/>
+          <a:p>
+            <a:r>
+              <a:rPr lang="en-US" dirty="0" smtClean="0"/>
+              <a:t>Challenges</a:t>
+            </a:r>
+            <a:endParaRPr lang="en-US" dirty="0"/>
+          </a:p>
+        </p:txBody>
+      </p:sp>
+      <p:sp>
+        <p:nvSpPr>
+          <p:cNvPr id="3" name="Content Placeholder 2"/>
+          <p:cNvSpPr>
+            <a:spLocks noGrp="1"/>
+          </p:cNvSpPr>
+          <p:nvPr>
+            <p:ph idx="1"/>
+          </p:nvPr>
+        </p:nvSpPr>
+        <p:spPr>
+          <a:xfrm>
+            <a:off x="284163" y="1889051"/>
+            <a:ext cx="8475478" cy="3992563"/>
+          </a:xfrm>
+        </p:spPr>
+        <p:txBody>
+          <a:bodyPr>
+            <a:normAutofit/>
+          </a:bodyPr>
+          <a:lstStyle/>
+          <a:p>
+            <a:r>
+              <a:rPr lang="en-US" b="0" dirty="0" smtClean="0"/>
+              <a:t>To learn how to use proportional control, we give you three different </a:t>
+            </a:r>
+            <a:r>
+              <a:rPr lang="en-US" dirty="0" smtClean="0"/>
+              <a:t>Challenges</a:t>
+            </a:r>
+            <a:r>
+              <a:rPr lang="en-US" b="0" dirty="0" smtClean="0"/>
+              <a:t>:</a:t>
+            </a:r>
+          </a:p>
+          <a:p>
+            <a:pPr lvl="1"/>
+            <a:r>
+              <a:rPr lang="en-US" dirty="0" smtClean="0"/>
+              <a:t>Dog Follower: Use proportional control with the ultrasonic sensor to get </a:t>
+            </a:r>
+            <a:r>
+              <a:rPr lang="en-US" dirty="0"/>
+              <a:t>t</a:t>
+            </a:r>
+            <a:r>
+              <a:rPr lang="en-US" dirty="0" smtClean="0"/>
+              <a:t>he robot to stay 15cm </a:t>
+            </a:r>
+            <a:r>
+              <a:rPr lang="en-US" dirty="0"/>
+              <a:t>away from the human at all </a:t>
+            </a:r>
+            <a:r>
+              <a:rPr lang="en-US" dirty="0" smtClean="0"/>
+              <a:t>times (even when the human moves)</a:t>
+            </a:r>
+            <a:endParaRPr lang="en-US" dirty="0"/>
+          </a:p>
+          <a:p>
+            <a:pPr lvl="1"/>
+            <a:r>
+              <a:rPr lang="en-US" dirty="0" smtClean="0"/>
+              <a:t>Line Follower: Use proportional control with the light sensor to get the robot to follow a line smoothly. (Greater detail is in the Proportional Line Follower lesson)</a:t>
+            </a:r>
+          </a:p>
+          <a:p>
+            <a:pPr lvl="1"/>
+            <a:r>
+              <a:rPr lang="en-US" dirty="0" smtClean="0"/>
+              <a:t>Gyro Turn: Use proportional control and the gyro sensor to get the robot to </a:t>
+            </a:r>
+            <a:r>
+              <a:rPr lang="en-US" b="0" dirty="0" smtClean="0"/>
+              <a:t>accurately turn to a target angle</a:t>
+            </a:r>
+          </a:p>
+        </p:txBody>
+      </p:sp>
+      <p:sp>
+        <p:nvSpPr>
+          <p:cNvPr id="4" name="Footer Placeholder 3"/>
+          <p:cNvSpPr>
+            <a:spLocks noGrp="1"/>
+          </p:cNvSpPr>
+          <p:nvPr>
+            <p:ph type="ftr" sz="quarter" idx="11"/>
+          </p:nvPr>
+        </p:nvSpPr>
+        <p:spPr/>
+        <p:txBody>
+          <a:bodyPr/>
+          <a:lstStyle/>
+          <a:p>
+            <a:r>
+              <a:rPr lang="en-US" smtClean="0"/>
+              <a:t>© 2015 EV3Lessons.com, Last edit 4/5/2015</a:t>
+            </a:r>
+            <a:endParaRPr lang="en-US"/>
+          </a:p>
+        </p:txBody>
+      </p:sp>
+      <p:sp>
+        <p:nvSpPr>
+          <p:cNvPr id="5" name="Slide Number Placeholder 4"/>
+          <p:cNvSpPr>
+            <a:spLocks noGrp="1"/>
+          </p:cNvSpPr>
+          <p:nvPr>
+            <p:ph type="sldNum" sz="quarter" idx="12"/>
+          </p:nvPr>
+        </p:nvSpPr>
+        <p:spPr/>
+        <p:txBody>
+          <a:bodyPr/>
+          <a:lstStyle/>
+          <a:p>
+            <a:fld id="{4382A7F7-08BF-4252-8141-63FB96055BBB}" type="slidenum">
+              <a:rPr lang="en-US" smtClean="0"/>
+              <a:t>8</a:t>
+            </a:fld>
+            <a:endParaRPr lang="en-US"/>
+          </a:p>
+        </p:txBody>
+      </p:sp>
+    </p:spTree>
+    <p:extLst>
+      <p:ext uri="{BB962C8B-B14F-4D97-AF65-F5344CB8AC3E}">
+        <p14:creationId xmlns:p14="http://schemas.microsoft.com/office/powerpoint/2010/main" val="3803221312"/>
+      </p:ext>
+    </p:extLst>
+  </p:cSld>
+  <p:clrMapOvr>
+    <a:masterClrMapping/>
+  </p:clrMapOvr>
+</p:sld>
+</file>
+
+<file path=ppt/slides/slide9.xml><?xml version="1.0" encoding="utf-8"?>
+<p:sld xmlns:a="http://schemas.openxmlformats.org/drawingml/2006/main" xmlns:r="http://schemas.openxmlformats.org/officeDocument/2006/relationships" xmlns:p="http://schemas.openxmlformats.org/presentationml/2006/main">
+  <p:cSld>
+    <p:spTree>
+      <p:nvGrpSpPr>
+        <p:cNvPr id="1" name=""/>
+        <p:cNvGrpSpPr/>
+        <p:nvPr/>
+      </p:nvGrpSpPr>
+      <p:grpSpPr>
+        <a:xfrm>
+          <a:off x="0" y="0"/>
+          <a:ext cx="0" cy="0"/>
+          <a:chOff x="0" y="0"/>
+          <a:chExt cx="0" cy="0"/>
+        </a:xfrm>
+      </p:grpSpPr>
+      <p:sp>
+        <p:nvSpPr>
+          <p:cNvPr id="2" name="Title 1"/>
+          <p:cNvSpPr>
+            <a:spLocks noGrp="1"/>
+          </p:cNvSpPr>
+          <p:nvPr>
+            <p:ph type="title"/>
+          </p:nvPr>
+        </p:nvSpPr>
+        <p:spPr>
+          <a:noFill/>
+        </p:spPr>
+        <p:txBody>
+          <a:bodyPr>
+            <a:normAutofit/>
+          </a:bodyPr>
+          <a:lstStyle/>
+          <a:p>
+            <a:r>
+              <a:rPr lang="en-US" dirty="0" err="1" smtClean="0"/>
+              <a:t>Pseudocode</a:t>
+            </a:r>
+            <a:r>
+              <a:rPr lang="en-US" dirty="0" smtClean="0"/>
+              <a:t>/Hints</a:t>
+            </a:r>
+            <a:endParaRPr lang="en-US" dirty="0"/>
+          </a:p>
+        </p:txBody>
+      </p:sp>
+      <p:sp>
+        <p:nvSpPr>
+          <p:cNvPr id="4" name="Footer Placeholder 3"/>
+          <p:cNvSpPr>
+            <a:spLocks noGrp="1"/>
+          </p:cNvSpPr>
+          <p:nvPr>
+            <p:ph type="ftr" sz="quarter" idx="11"/>
+          </p:nvPr>
+        </p:nvSpPr>
+        <p:spPr/>
+        <p:txBody>
+          <a:bodyPr/>
+          <a:lstStyle/>
+          <a:p>
+            <a:r>
+              <a:rPr lang="en-US" smtClean="0"/>
+              <a:t>© 2015 EV3Lessons.com, Last edit 4/5/2015</a:t>
+            </a:r>
+            <a:endParaRPr lang="en-US" dirty="0"/>
+          </a:p>
+        </p:txBody>
+      </p:sp>
+      <p:graphicFrame>
+        <p:nvGraphicFramePr>
+          <p:cNvPr id="7" name="Table 6"/>
+          <p:cNvGraphicFramePr>
+            <a:graphicFrameLocks noGrp="1"/>
+          </p:cNvGraphicFramePr>
+          <p:nvPr>
+            <p:extLst>
+              <p:ext uri="{D42A27DB-BD31-4B8C-83A1-F6EECF244321}">
+                <p14:modId xmlns:p14="http://schemas.microsoft.com/office/powerpoint/2010/main" val="851177694"/>
+              </p:ext>
+            </p:extLst>
+          </p:nvPr>
+        </p:nvGraphicFramePr>
+        <p:xfrm>
+          <a:off x="602341" y="2087843"/>
+          <a:ext cx="7870372" cy="3662680"/>
+        </p:xfrm>
+        <a:graphic>
+          <a:graphicData uri="http://schemas.openxmlformats.org/drawingml/2006/table">
+            <a:tbl>
+              <a:tblPr firstRow="1" bandRow="1">
+                <a:tableStyleId>{2D5ABB26-0587-4C30-8999-92F81FD0307C}</a:tableStyleId>
+              </a:tblPr>
+              <a:tblGrid>
+                <a:gridCol w="1421575"/>
+                <a:gridCol w="1838721"/>
+                <a:gridCol w="2447219"/>
+                <a:gridCol w="2162857"/>
+              </a:tblGrid>
+              <a:tr h="370840">
+                <a:tc>
+                  <a:txBody>
+                    <a:bodyPr/>
+                    <a:lstStyle/>
+                    <a:p>
+                      <a:r>
+                        <a:rPr lang="en-US" b="1" dirty="0" smtClean="0"/>
+                        <a:t>Application</a:t>
+                      </a:r>
+                      <a:endParaRPr lang="en-US" b="1" dirty="0"/>
+                    </a:p>
+                  </a:txBody>
+                  <a:tcPr>
+                    <a:lnL w="12700" cap="flat" cmpd="sng" algn="ctr">
+                      <a:solidFill>
+                        <a:schemeClr val="tx1"/>
+                      </a:solidFill>
+                      <a:prstDash val="solid"/>
+                      <a:round/>
+                      <a:headEnd type="none" w="med" len="med"/>
+                      <a:tailEnd type="none" w="med" len="med"/>
+                    </a:lnL>
+                    <a:lnR w="12700" cap="flat" cmpd="sng" algn="ctr">
+                      <a:solidFill>
+                        <a:schemeClr val="tx1"/>
+                      </a:solidFill>
+                      <a:prstDash val="solid"/>
+                      <a:round/>
+                      <a:headEnd type="none" w="med" len="med"/>
+                      <a:tailEnd type="none" w="med" len="med"/>
+                    </a:lnR>
+                    <a:lnT w="12700" cap="flat" cmpd="sng" algn="ctr">
+                      <a:solidFill>
+                        <a:schemeClr val="tx1"/>
+                      </a:solidFill>
+                      <a:prstDash val="solid"/>
+                      <a:round/>
+                      <a:headEnd type="none" w="med" len="med"/>
+                      <a:tailEnd type="none" w="med" len="med"/>
+                    </a:lnT>
+                    <a:lnB w="12700" cap="flat" cmpd="sng" algn="ctr">
+                      <a:solidFill>
+                        <a:schemeClr val="tx1"/>
+                      </a:solidFill>
+                      <a:prstDash val="solid"/>
+                      <a:round/>
+                      <a:headEnd type="none" w="med" len="med"/>
+                      <a:tailEnd type="none" w="med" len="med"/>
+                    </a:lnB>
+                    <a:lnTlToBr w="12700" cmpd="sng">
+                      <a:noFill/>
+                      <a:prstDash val="solid"/>
+                    </a:lnTlToBr>
+                    <a:lnBlToTr w="12700" cmpd="sng">
+                      <a:noFill/>
+                      <a:prstDash val="solid"/>
+                    </a:lnBlToTr>
+                    <a:solidFill>
+                      <a:srgbClr val="F5C201"/>
+                    </a:solidFill>
+                  </a:tcPr>
+                </a:tc>
+                <a:tc>
+                  <a:txBody>
+                    <a:bodyPr/>
+                    <a:lstStyle/>
+                    <a:p>
+                      <a:r>
+                        <a:rPr lang="en-US" b="1" dirty="0" smtClean="0"/>
+                        <a:t>Objective</a:t>
+                      </a:r>
+                      <a:endParaRPr lang="en-US" b="1" dirty="0"/>
+                    </a:p>
+                  </a:txBody>
+                  <a:tcPr>
+                    <a:lnL w="12700" cap="flat" cmpd="sng" algn="ctr">
+                      <a:solidFill>
+                        <a:schemeClr val="tx1"/>
+                      </a:solidFill>
+                      <a:prstDash val="solid"/>
+                      <a:round/>
+                      <a:headEnd type="none" w="med" len="med"/>
+                      <a:tailEnd type="none" w="med" len="med"/>
+                    </a:lnL>
+                    <a:lnR w="12700" cap="flat" cmpd="sng" algn="ctr">
+                      <a:solidFill>
+                        <a:schemeClr val="tx1"/>
+                      </a:solidFill>
+                      <a:prstDash val="solid"/>
+                      <a:round/>
+                      <a:headEnd type="none" w="med" len="med"/>
+                      <a:tailEnd type="none" w="med" len="med"/>
+                    </a:lnR>
+                    <a:lnT w="12700" cap="flat" cmpd="sng" algn="ctr">
+                      <a:solidFill>
+                        <a:schemeClr val="tx1"/>
+                      </a:solidFill>
+                      <a:prstDash val="solid"/>
+                      <a:round/>
+                      <a:headEnd type="none" w="med" len="med"/>
+                      <a:tailEnd type="none" w="med" len="med"/>
+                    </a:lnT>
+                    <a:lnB w="12700" cap="flat" cmpd="sng" algn="ctr">
+                      <a:solidFill>
+                        <a:schemeClr val="tx1"/>
+                      </a:solidFill>
+                      <a:prstDash val="solid"/>
+                      <a:round/>
+                      <a:headEnd type="none" w="med" len="med"/>
+                      <a:tailEnd type="none" w="med" len="med"/>
+                    </a:lnB>
+                    <a:lnTlToBr w="12700" cmpd="sng">
+                      <a:noFill/>
+                      <a:prstDash val="solid"/>
+                    </a:lnTlToBr>
+                    <a:lnBlToTr w="12700" cmpd="sng">
+                      <a:noFill/>
+                      <a:prstDash val="solid"/>
+                    </a:lnBlToTr>
+                    <a:solidFill>
+                      <a:srgbClr val="F5C201"/>
+                    </a:solidFill>
+                  </a:tcPr>
+                </a:tc>
+                <a:tc>
+                  <a:txBody>
+                    <a:bodyPr/>
+                    <a:lstStyle/>
+                    <a:p>
+                      <a:r>
+                        <a:rPr lang="en-US" b="1" dirty="0" smtClean="0"/>
+                        <a:t>Error</a:t>
+                      </a:r>
+                      <a:endParaRPr lang="en-US" b="1" dirty="0"/>
+                    </a:p>
+                  </a:txBody>
+                  <a:tcPr>
+                    <a:lnL w="12700" cap="flat" cmpd="sng" algn="ctr">
+                      <a:solidFill>
+                        <a:schemeClr val="tx1"/>
+                      </a:solidFill>
+                      <a:prstDash val="solid"/>
+                      <a:round/>
+                      <a:headEnd type="none" w="med" len="med"/>
+                      <a:tailEnd type="none" w="med" len="med"/>
+                    </a:lnL>
+                    <a:lnR w="12700" cap="flat" cmpd="sng" algn="ctr">
+                      <a:solidFill>
+                        <a:schemeClr val="tx1"/>
+                      </a:solidFill>
+                      <a:prstDash val="solid"/>
+                      <a:round/>
+                      <a:headEnd type="none" w="med" len="med"/>
+                      <a:tailEnd type="none" w="med" len="med"/>
+                    </a:lnR>
+                    <a:lnT w="12700" cap="flat" cmpd="sng" algn="ctr">
+                      <a:solidFill>
+                        <a:schemeClr val="tx1"/>
+                      </a:solidFill>
+                      <a:prstDash val="solid"/>
+                      <a:round/>
+                      <a:headEnd type="none" w="med" len="med"/>
+                      <a:tailEnd type="none" w="med" len="med"/>
+                    </a:lnT>
+                    <a:lnB w="12700" cap="flat" cmpd="sng" algn="ctr">
+                      <a:solidFill>
+                        <a:schemeClr val="tx1"/>
+                      </a:solidFill>
+                      <a:prstDash val="solid"/>
+                      <a:round/>
+                      <a:headEnd type="none" w="med" len="med"/>
+                      <a:tailEnd type="none" w="med" len="med"/>
+                    </a:lnB>
+                    <a:lnTlToBr w="12700" cmpd="sng">
+                      <a:noFill/>
+                      <a:prstDash val="solid"/>
+                    </a:lnTlToBr>
+                    <a:lnBlToTr w="12700" cmpd="sng">
+                      <a:noFill/>
+                      <a:prstDash val="solid"/>
+                    </a:lnBlToTr>
+                    <a:solidFill>
+                      <a:srgbClr val="F5C201"/>
+                    </a:solidFill>
+                  </a:tcPr>
+                </a:tc>
+                <a:tc>
+                  <a:txBody>
+                    <a:bodyPr/>
+                    <a:lstStyle/>
+                    <a:p>
+                      <a:r>
+                        <a:rPr lang="en-US" b="1" dirty="0" smtClean="0"/>
+                        <a:t>Correction</a:t>
+                      </a:r>
+                      <a:endParaRPr lang="en-US" b="1" dirty="0"/>
+                    </a:p>
+                  </a:txBody>
+                  <a:tcPr>
+                    <a:lnL w="12700" cap="flat" cmpd="sng" algn="ctr">
+                      <a:solidFill>
+                        <a:schemeClr val="tx1"/>
+                      </a:solidFill>
+                      <a:prstDash val="solid"/>
+                      <a:round/>
+                      <a:headEnd type="none" w="med" len="med"/>
+                      <a:tailEnd type="none" w="med" len="med"/>
+                    </a:lnL>
+                    <a:lnR w="12700" cap="flat" cmpd="sng" algn="ctr">
+                      <a:solidFill>
+                        <a:schemeClr val="tx1"/>
+                      </a:solidFill>
+                      <a:prstDash val="solid"/>
+                      <a:round/>
+                      <a:headEnd type="none" w="med" len="med"/>
+                      <a:tailEnd type="none" w="med" len="med"/>
+                    </a:lnR>
+                    <a:lnT w="12700" cap="flat" cmpd="sng" algn="ctr">
+                      <a:solidFill>
+                        <a:schemeClr val="tx1"/>
+                      </a:solidFill>
+                      <a:prstDash val="solid"/>
+                      <a:round/>
+                      <a:headEnd type="none" w="med" len="med"/>
+                      <a:tailEnd type="none" w="med" len="med"/>
+                    </a:lnT>
+                    <a:lnB w="12700" cap="flat" cmpd="sng" algn="ctr">
+                      <a:solidFill>
+                        <a:schemeClr val="tx1"/>
+                      </a:solidFill>
+                      <a:prstDash val="solid"/>
+                      <a:round/>
+                      <a:headEnd type="none" w="med" len="med"/>
+                      <a:tailEnd type="none" w="med" len="med"/>
+                    </a:lnB>
+                    <a:lnTlToBr w="12700" cmpd="sng">
+                      <a:noFill/>
+                      <a:prstDash val="solid"/>
+                    </a:lnTlToBr>
+                    <a:lnBlToTr w="12700" cmpd="sng">
+                      <a:noFill/>
+                      <a:prstDash val="solid"/>
+                    </a:lnBlToTr>
+                    <a:solidFill>
+                      <a:srgbClr val="F5C201"/>
+                    </a:solidFill>
+                  </a:tcPr>
+                </a:tc>
+              </a:tr>
+              <a:tr h="370840">
+                <a:tc>
+                  <a:txBody>
+                    <a:bodyPr/>
+                    <a:lstStyle/>
+                    <a:p>
+                      <a:r>
+                        <a:rPr lang="en-US" b="1" dirty="0" smtClean="0"/>
+                        <a:t>Dog Follower</a:t>
+                      </a:r>
+                      <a:endParaRPr lang="en-US" b="1" dirty="0"/>
+                    </a:p>
+                  </a:txBody>
+                  <a:tcPr>
+                    <a:lnL w="12700" cap="flat" cmpd="sng" algn="ctr">
+                      <a:solidFill>
+                        <a:schemeClr val="tx1"/>
+                      </a:solidFill>
+                      <a:prstDash val="solid"/>
+                      <a:round/>
+                      <a:headEnd type="none" w="med" len="med"/>
+                      <a:tailEnd type="none" w="med" len="med"/>
+                    </a:lnL>
+                    <a:lnR w="12700" cap="flat" cmpd="sng" algn="ctr">
+                      <a:solidFill>
+                        <a:schemeClr val="tx1"/>
+                      </a:solidFill>
+                      <a:prstDash val="solid"/>
+                      <a:round/>
+                      <a:headEnd type="none" w="med" len="med"/>
+                      <a:tailEnd type="none" w="med" len="med"/>
+                    </a:lnR>
+                    <a:lnT w="12700" cap="flat" cmpd="sng" algn="ctr">
+                      <a:solidFill>
+                        <a:schemeClr val="tx1"/>
+                      </a:solidFill>
+                      <a:prstDash val="solid"/>
+                      <a:round/>
+                      <a:headEnd type="none" w="med" len="med"/>
+                      <a:tailEnd type="none" w="med" len="med"/>
+                    </a:lnT>
+                    <a:lnB w="12700" cap="flat" cmpd="sng" algn="ctr">
+                      <a:solidFill>
+                        <a:schemeClr val="tx1"/>
+                      </a:solidFill>
+                      <a:prstDash val="solid"/>
+                      <a:round/>
+                      <a:headEnd type="none" w="med" len="med"/>
+                      <a:tailEnd type="none" w="med" len="med"/>
+                    </a:lnB>
+                    <a:lnTlToBr w="12700" cmpd="sng">
+                      <a:noFill/>
+                      <a:prstDash val="solid"/>
+                    </a:lnTlToBr>
+                    <a:lnBlToTr w="12700" cmpd="sng">
+                      <a:noFill/>
+                      <a:prstDash val="solid"/>
+                    </a:lnBlToTr>
+                  </a:tcPr>
+                </a:tc>
+                <a:tc>
+                  <a:txBody>
+                    <a:bodyPr/>
+                    <a:lstStyle/>
+                    <a:p>
+                      <a:r>
+                        <a:rPr lang="en-US" dirty="0" smtClean="0"/>
+                        <a:t>Get to a target</a:t>
+                      </a:r>
+                      <a:r>
+                        <a:rPr lang="en-US" baseline="0" dirty="0" smtClean="0"/>
+                        <a:t> distance from wall</a:t>
+                      </a:r>
+                      <a:endParaRPr lang="en-US" dirty="0"/>
+                    </a:p>
+                  </a:txBody>
+                  <a:tcPr>
+                    <a:lnL w="12700" cap="flat" cmpd="sng" algn="ctr">
+                      <a:solidFill>
+                        <a:schemeClr val="tx1"/>
+                      </a:solidFill>
+                      <a:prstDash val="solid"/>
+                      <a:round/>
+                      <a:headEnd type="none" w="med" len="med"/>
+                      <a:tailEnd type="none" w="med" len="med"/>
+                    </a:lnL>
+                    <a:lnR w="12700" cap="flat" cmpd="sng" algn="ctr">
+                      <a:solidFill>
+                        <a:schemeClr val="tx1"/>
+                      </a:solidFill>
+                      <a:prstDash val="solid"/>
+                      <a:round/>
+                      <a:headEnd type="none" w="med" len="med"/>
+                      <a:tailEnd type="none" w="med" len="med"/>
+                    </a:lnR>
+                    <a:lnT w="12700" cap="flat" cmpd="sng" algn="ctr">
+                      <a:solidFill>
+                        <a:schemeClr val="tx1"/>
+                      </a:solidFill>
+                      <a:prstDash val="solid"/>
+                      <a:round/>
+                      <a:headEnd type="none" w="med" len="med"/>
+                      <a:tailEnd type="none" w="med" len="med"/>
+                    </a:lnT>
+                    <a:lnB w="12700" cap="flat" cmpd="sng" algn="ctr">
+                      <a:solidFill>
+                        <a:schemeClr val="tx1"/>
+                      </a:solidFill>
+                      <a:prstDash val="solid"/>
+                      <a:round/>
+                      <a:headEnd type="none" w="med" len="med"/>
+                      <a:tailEnd type="none" w="med" len="med"/>
+                    </a:lnB>
+                    <a:lnTlToBr w="12700" cmpd="sng">
+                      <a:noFill/>
+                      <a:prstDash val="solid"/>
+                    </a:lnTlToBr>
+                    <a:lnBlToTr w="12700" cmpd="sng">
+                      <a:noFill/>
+                      <a:prstDash val="solid"/>
+                    </a:lnBlToTr>
+                  </a:tcPr>
+                </a:tc>
+                <a:tc>
+                  <a:txBody>
+                    <a:bodyPr/>
+                    <a:lstStyle/>
+                    <a:p>
+                      <a:r>
+                        <a:rPr lang="en-US" dirty="0" smtClean="0"/>
+                        <a:t>How many inches from target location (</a:t>
+                      </a:r>
+                      <a:r>
+                        <a:rPr lang="en-US" dirty="0" err="1" smtClean="0"/>
+                        <a:t>current</a:t>
+                      </a:r>
+                      <a:r>
+                        <a:rPr lang="en-US" baseline="0" dirty="0" err="1" smtClean="0"/>
+                        <a:t>_distance</a:t>
+                      </a:r>
+                      <a:r>
+                        <a:rPr lang="en-US" baseline="0" dirty="0" smtClean="0"/>
+                        <a:t> – </a:t>
+                      </a:r>
+                      <a:r>
+                        <a:rPr lang="en-US" baseline="0" dirty="0" err="1" smtClean="0"/>
+                        <a:t>target_distance</a:t>
+                      </a:r>
+                      <a:r>
+                        <a:rPr lang="en-US" baseline="0" dirty="0" smtClean="0"/>
+                        <a:t>)</a:t>
+                      </a:r>
+                      <a:endParaRPr lang="en-US" dirty="0"/>
+                    </a:p>
+                  </a:txBody>
+                  <a:tcPr>
+                    <a:lnL w="12700" cap="flat" cmpd="sng" algn="ctr">
+                      <a:solidFill>
+                        <a:schemeClr val="tx1"/>
+                      </a:solidFill>
+                      <a:prstDash val="solid"/>
+                      <a:round/>
+                      <a:headEnd type="none" w="med" len="med"/>
+                      <a:tailEnd type="none" w="med" len="med"/>
+                    </a:lnL>
+                    <a:lnR w="12700" cap="flat" cmpd="sng" algn="ctr">
+                      <a:solidFill>
+                        <a:schemeClr val="tx1"/>
+                      </a:solidFill>
+                      <a:prstDash val="solid"/>
+                      <a:round/>
+                      <a:headEnd type="none" w="med" len="med"/>
+                      <a:tailEnd type="none" w="med" len="med"/>
+                    </a:lnR>
+                    <a:lnT w="12700" cap="flat" cmpd="sng" algn="ctr">
+                      <a:solidFill>
+                        <a:schemeClr val="tx1"/>
+                      </a:solidFill>
+                      <a:prstDash val="solid"/>
+                      <a:round/>
+                      <a:headEnd type="none" w="med" len="med"/>
+                      <a:tailEnd type="none" w="med" len="med"/>
+                    </a:lnT>
+                    <a:lnB w="12700" cap="flat" cmpd="sng" algn="ctr">
+                      <a:solidFill>
+                        <a:schemeClr val="tx1"/>
+                      </a:solidFill>
+                      <a:prstDash val="solid"/>
+                      <a:round/>
+                      <a:headEnd type="none" w="med" len="med"/>
+                      <a:tailEnd type="none" w="med" len="med"/>
+                    </a:lnB>
+                    <a:lnTlToBr w="12700" cmpd="sng">
+                      <a:noFill/>
+                      <a:prstDash val="solid"/>
+                    </a:lnTlToBr>
+                    <a:lnBlToTr w="12700" cmpd="sng">
+                      <a:noFill/>
+                      <a:prstDash val="solid"/>
+                    </a:lnBlToTr>
+                  </a:tcPr>
+                </a:tc>
+                <a:tc>
+                  <a:txBody>
+                    <a:bodyPr/>
+                    <a:lstStyle/>
+                    <a:p>
+                      <a:r>
+                        <a:rPr lang="en-US" dirty="0" smtClean="0"/>
+                        <a:t>Move faster based on</a:t>
+                      </a:r>
+                      <a:r>
+                        <a:rPr lang="en-US" baseline="0" dirty="0" smtClean="0"/>
+                        <a:t> distance</a:t>
+                      </a:r>
+                      <a:endParaRPr lang="en-US" dirty="0"/>
+                    </a:p>
+                  </a:txBody>
+                  <a:tcPr>
+                    <a:lnL w="12700" cap="flat" cmpd="sng" algn="ctr">
+                      <a:solidFill>
+                        <a:schemeClr val="tx1"/>
+                      </a:solidFill>
+                      <a:prstDash val="solid"/>
+                      <a:round/>
+                      <a:headEnd type="none" w="med" len="med"/>
+                      <a:tailEnd type="none" w="med" len="med"/>
+                    </a:lnL>
+                    <a:lnR w="12700" cap="flat" cmpd="sng" algn="ctr">
+                      <a:solidFill>
+                        <a:schemeClr val="tx1"/>
+                      </a:solidFill>
+                      <a:prstDash val="solid"/>
+                      <a:round/>
+                      <a:headEnd type="none" w="med" len="med"/>
+                      <a:tailEnd type="none" w="med" len="med"/>
+                    </a:lnR>
+                    <a:lnT w="12700" cap="flat" cmpd="sng" algn="ctr">
+                      <a:solidFill>
+                        <a:schemeClr val="tx1"/>
+                      </a:solidFill>
+                      <a:prstDash val="solid"/>
+                      <a:round/>
+                      <a:headEnd type="none" w="med" len="med"/>
+                      <a:tailEnd type="none" w="med" len="med"/>
+                    </a:lnT>
+                    <a:lnB w="12700" cap="flat" cmpd="sng" algn="ctr">
+                      <a:solidFill>
+                        <a:schemeClr val="tx1"/>
+                      </a:solidFill>
+                      <a:prstDash val="solid"/>
+                      <a:round/>
+                      <a:headEnd type="none" w="med" len="med"/>
+                      <a:tailEnd type="none" w="med" len="med"/>
+                    </a:lnB>
+                    <a:lnTlToBr w="12700" cmpd="sng">
+                      <a:noFill/>
+                      <a:prstDash val="solid"/>
+                    </a:lnTlToBr>
+                    <a:lnBlToTr w="12700" cmpd="sng">
+                      <a:noFill/>
+                      <a:prstDash val="solid"/>
+                    </a:lnBlToTr>
+                  </a:tcPr>
+                </a:tc>
+              </a:tr>
+              <a:tr h="370840">
+                <a:tc>
+                  <a:txBody>
+                    <a:bodyPr/>
+                    <a:lstStyle/>
+                    <a:p>
+                      <a:r>
+                        <a:rPr lang="en-US" b="1" dirty="0" smtClean="0"/>
+                        <a:t>Line Follower</a:t>
+                      </a:r>
+                      <a:endParaRPr lang="en-US" b="1" dirty="0"/>
+                    </a:p>
+                  </a:txBody>
+                  <a:tcPr>
+                    <a:lnL w="12700" cap="flat" cmpd="sng" algn="ctr">
+                      <a:solidFill>
+                        <a:schemeClr val="tx1"/>
+                      </a:solidFill>
+                      <a:prstDash val="solid"/>
+                      <a:round/>
+                      <a:headEnd type="none" w="med" len="med"/>
+                      <a:tailEnd type="none" w="med" len="med"/>
+                    </a:lnL>
+                    <a:lnR w="12700" cap="flat" cmpd="sng" algn="ctr">
+                      <a:solidFill>
+                        <a:schemeClr val="tx1"/>
+                      </a:solidFill>
+                      <a:prstDash val="solid"/>
+                      <a:round/>
+                      <a:headEnd type="none" w="med" len="med"/>
+                      <a:tailEnd type="none" w="med" len="med"/>
+                    </a:lnR>
+                    <a:lnT w="12700" cap="flat" cmpd="sng" algn="ctr">
+                      <a:solidFill>
+                        <a:schemeClr val="tx1"/>
+                      </a:solidFill>
+                      <a:prstDash val="solid"/>
+                      <a:round/>
+                      <a:headEnd type="none" w="med" len="med"/>
+                      <a:tailEnd type="none" w="med" len="med"/>
+                    </a:lnT>
+                    <a:lnB w="12700" cap="flat" cmpd="sng" algn="ctr">
+                      <a:solidFill>
+                        <a:schemeClr val="tx1"/>
+                      </a:solidFill>
+                      <a:prstDash val="solid"/>
+                      <a:round/>
+                      <a:headEnd type="none" w="med" len="med"/>
+                      <a:tailEnd type="none" w="med" len="med"/>
+                    </a:lnB>
+                    <a:lnTlToBr w="12700" cmpd="sng">
+                      <a:noFill/>
+                      <a:prstDash val="solid"/>
+                    </a:lnTlToBr>
+                    <a:lnBlToTr w="12700" cmpd="sng">
+                      <a:noFill/>
+                      <a:prstDash val="solid"/>
+                    </a:lnBlToTr>
+                  </a:tcPr>
+                </a:tc>
+                <a:tc>
+                  <a:txBody>
+                    <a:bodyPr/>
+                    <a:lstStyle/>
+                    <a:p>
+                      <a:r>
+                        <a:rPr lang="en-US" dirty="0" smtClean="0"/>
+                        <a:t>Stay</a:t>
+                      </a:r>
+                      <a:r>
+                        <a:rPr lang="en-US" baseline="0" dirty="0" smtClean="0"/>
+                        <a:t> on the edge of the line</a:t>
+                      </a:r>
+                      <a:endParaRPr lang="en-US" dirty="0"/>
+                    </a:p>
+                  </a:txBody>
+                  <a:tcPr>
+                    <a:lnL w="12700" cap="flat" cmpd="sng" algn="ctr">
+                      <a:solidFill>
+                        <a:schemeClr val="tx1"/>
+                      </a:solidFill>
+                      <a:prstDash val="solid"/>
+                      <a:round/>
+                      <a:headEnd type="none" w="med" len="med"/>
+                      <a:tailEnd type="none" w="med" len="med"/>
+                    </a:lnL>
+                    <a:lnR w="12700" cap="flat" cmpd="sng" algn="ctr">
+                      <a:solidFill>
+                        <a:schemeClr val="tx1"/>
+                      </a:solidFill>
+                      <a:prstDash val="solid"/>
+                      <a:round/>
+                      <a:headEnd type="none" w="med" len="med"/>
+                      <a:tailEnd type="none" w="med" len="med"/>
+                    </a:lnR>
+                    <a:lnT w="12700" cap="flat" cmpd="sng" algn="ctr">
+                      <a:solidFill>
+                        <a:schemeClr val="tx1"/>
+                      </a:solidFill>
+                      <a:prstDash val="solid"/>
+                      <a:round/>
+                      <a:headEnd type="none" w="med" len="med"/>
+                      <a:tailEnd type="none" w="med" len="med"/>
+                    </a:lnT>
+                    <a:lnB w="12700" cap="flat" cmpd="sng" algn="ctr">
+                      <a:solidFill>
+                        <a:schemeClr val="tx1"/>
+                      </a:solidFill>
+                      <a:prstDash val="solid"/>
+                      <a:round/>
+                      <a:headEnd type="none" w="med" len="med"/>
+                      <a:tailEnd type="none" w="med" len="med"/>
+                    </a:lnB>
+                    <a:lnTlToBr w="12700" cmpd="sng">
+                      <a:noFill/>
+                      <a:prstDash val="solid"/>
+                    </a:lnTlToBr>
+                    <a:lnBlToTr w="12700" cmpd="sng">
+                      <a:noFill/>
+                      <a:prstDash val="solid"/>
+                    </a:lnBlToTr>
+                  </a:tcPr>
+                </a:tc>
+                <a:tc>
+                  <a:txBody>
+                    <a:bodyPr/>
+                    <a:lstStyle/>
+                    <a:p>
+                      <a:r>
+                        <a:rPr lang="en-US" dirty="0" smtClean="0"/>
+                        <a:t>How</a:t>
+                      </a:r>
+                      <a:r>
+                        <a:rPr lang="en-US" baseline="0" dirty="0" smtClean="0"/>
+                        <a:t> far are our light readings from those at line edge</a:t>
+                      </a:r>
+                      <a:br>
+                        <a:rPr lang="en-US" baseline="0" dirty="0" smtClean="0"/>
+                      </a:br>
+                      <a:r>
+                        <a:rPr lang="en-US" baseline="0" dirty="0" smtClean="0"/>
+                        <a:t>(</a:t>
+                      </a:r>
+                      <a:r>
+                        <a:rPr lang="en-US" baseline="0" dirty="0" err="1" smtClean="0"/>
+                        <a:t>current_light</a:t>
+                      </a:r>
+                      <a:r>
+                        <a:rPr lang="en-US" baseline="0" dirty="0" smtClean="0"/>
+                        <a:t> – </a:t>
+                      </a:r>
+                      <a:r>
+                        <a:rPr lang="en-US" baseline="0" dirty="0" err="1" smtClean="0"/>
+                        <a:t>target_light</a:t>
+                      </a:r>
+                      <a:r>
+                        <a:rPr lang="en-US" baseline="0" dirty="0" smtClean="0"/>
+                        <a:t>)</a:t>
+                      </a:r>
+                      <a:endParaRPr lang="en-US" dirty="0"/>
+                    </a:p>
+                  </a:txBody>
+                  <a:tcPr>
+                    <a:lnL w="12700" cap="flat" cmpd="sng" algn="ctr">
+                      <a:solidFill>
+                        <a:schemeClr val="tx1"/>
+                      </a:solidFill>
+                      <a:prstDash val="solid"/>
+                      <a:round/>
+                      <a:headEnd type="none" w="med" len="med"/>
+                      <a:tailEnd type="none" w="med" len="med"/>
+                    </a:lnL>
+                    <a:lnR w="12700" cap="flat" cmpd="sng" algn="ctr">
+                      <a:solidFill>
+                        <a:schemeClr val="tx1"/>
+                      </a:solidFill>
+                      <a:prstDash val="solid"/>
+                      <a:round/>
+                      <a:headEnd type="none" w="med" len="med"/>
+                      <a:tailEnd type="none" w="med" len="med"/>
+                    </a:lnR>
+                    <a:lnT w="12700" cap="flat" cmpd="sng" algn="ctr">
+                      <a:solidFill>
+                        <a:schemeClr val="tx1"/>
+                      </a:solidFill>
+                      <a:prstDash val="solid"/>
+                      <a:round/>
+                      <a:headEnd type="none" w="med" len="med"/>
+                      <a:tailEnd type="none" w="med" len="med"/>
+                    </a:lnT>
+                    <a:lnB w="12700" cap="flat" cmpd="sng" algn="ctr">
+                      <a:solidFill>
+                        <a:schemeClr val="tx1"/>
+                      </a:solidFill>
+                      <a:prstDash val="solid"/>
+                      <a:round/>
+                      <a:headEnd type="none" w="med" len="med"/>
+                      <a:tailEnd type="none" w="med" len="med"/>
+                    </a:lnB>
+                    <a:lnTlToBr w="12700" cmpd="sng">
+                      <a:noFill/>
+                      <a:prstDash val="solid"/>
+                    </a:lnTlToBr>
+                    <a:lnBlToTr w="12700" cmpd="sng">
+                      <a:noFill/>
+                      <a:prstDash val="solid"/>
+                    </a:lnBlToTr>
+                  </a:tcPr>
+                </a:tc>
+                <a:tc>
+                  <a:txBody>
+                    <a:bodyPr/>
+                    <a:lstStyle/>
+                    <a:p>
+                      <a:r>
+                        <a:rPr lang="en-US" dirty="0" smtClean="0"/>
+                        <a:t>Turn sharper based on distance from line</a:t>
+                      </a:r>
+                      <a:endParaRPr lang="en-US" dirty="0"/>
+                    </a:p>
+                  </a:txBody>
+                  <a:tcPr>
+                    <a:lnL w="12700" cap="flat" cmpd="sng" algn="ctr">
+                      <a:solidFill>
+                        <a:schemeClr val="tx1"/>
+                      </a:solidFill>
+                      <a:prstDash val="solid"/>
+                      <a:round/>
+                      <a:headEnd type="none" w="med" len="med"/>
+                      <a:tailEnd type="none" w="med" len="med"/>
+                    </a:lnL>
+                    <a:lnR w="12700" cap="flat" cmpd="sng" algn="ctr">
+                      <a:solidFill>
+                        <a:schemeClr val="tx1"/>
+                      </a:solidFill>
+                      <a:prstDash val="solid"/>
+                      <a:round/>
+                      <a:headEnd type="none" w="med" len="med"/>
+                      <a:tailEnd type="none" w="med" len="med"/>
+                    </a:lnR>
+                    <a:lnT w="12700" cap="flat" cmpd="sng" algn="ctr">
+                      <a:solidFill>
+                        <a:schemeClr val="tx1"/>
+                      </a:solidFill>
+                      <a:prstDash val="solid"/>
+                      <a:round/>
+                      <a:headEnd type="none" w="med" len="med"/>
+                      <a:tailEnd type="none" w="med" len="med"/>
+                    </a:lnT>
+                    <a:lnB w="12700" cap="flat" cmpd="sng" algn="ctr">
+                      <a:solidFill>
+                        <a:schemeClr val="tx1"/>
+                      </a:solidFill>
+                      <a:prstDash val="solid"/>
+                      <a:round/>
+                      <a:headEnd type="none" w="med" len="med"/>
+                      <a:tailEnd type="none" w="med" len="med"/>
+                    </a:lnB>
+                    <a:lnTlToBr w="12700" cmpd="sng">
+                      <a:noFill/>
+                      <a:prstDash val="solid"/>
+                    </a:lnTlToBr>
+                    <a:lnBlToTr w="12700" cmpd="sng">
+                      <a:noFill/>
+                      <a:prstDash val="solid"/>
+                    </a:lnBlToTr>
+                  </a:tcPr>
+                </a:tc>
+              </a:tr>
+              <a:tr h="370840">
+                <a:tc>
+                  <a:txBody>
+                    <a:bodyPr/>
+                    <a:lstStyle/>
+                    <a:p>
+                      <a:r>
+                        <a:rPr lang="en-US" b="1" dirty="0" smtClean="0"/>
+                        <a:t>Gyro</a:t>
+                      </a:r>
+                      <a:r>
+                        <a:rPr lang="en-US" b="1" baseline="0" dirty="0" smtClean="0"/>
+                        <a:t> Turn</a:t>
+                      </a:r>
+                      <a:endParaRPr lang="en-US" b="1" dirty="0"/>
+                    </a:p>
+                  </a:txBody>
+                  <a:tcPr>
+                    <a:lnL w="12700" cap="flat" cmpd="sng" algn="ctr">
+                      <a:solidFill>
+                        <a:schemeClr val="tx1"/>
+                      </a:solidFill>
+                      <a:prstDash val="solid"/>
+                      <a:round/>
+                      <a:headEnd type="none" w="med" len="med"/>
+                      <a:tailEnd type="none" w="med" len="med"/>
+                    </a:lnL>
+                    <a:lnR w="12700" cap="flat" cmpd="sng" algn="ctr">
+                      <a:solidFill>
+                        <a:schemeClr val="tx1"/>
+                      </a:solidFill>
+                      <a:prstDash val="solid"/>
+                      <a:round/>
+                      <a:headEnd type="none" w="med" len="med"/>
+                      <a:tailEnd type="none" w="med" len="med"/>
+                    </a:lnR>
+                    <a:lnT w="12700" cap="flat" cmpd="sng" algn="ctr">
+                      <a:solidFill>
+                        <a:schemeClr val="tx1"/>
+                      </a:solidFill>
+                      <a:prstDash val="solid"/>
+                      <a:round/>
+                      <a:headEnd type="none" w="med" len="med"/>
+                      <a:tailEnd type="none" w="med" len="med"/>
+                    </a:lnT>
+                    <a:lnB w="12700" cap="flat" cmpd="sng" algn="ctr">
+                      <a:solidFill>
+                        <a:schemeClr val="tx1"/>
+                      </a:solidFill>
+                      <a:prstDash val="solid"/>
+                      <a:round/>
+                      <a:headEnd type="none" w="med" len="med"/>
+                      <a:tailEnd type="none" w="med" len="med"/>
+                    </a:lnB>
+                    <a:lnTlToBr w="12700" cmpd="sng">
+                      <a:noFill/>
+                      <a:prstDash val="solid"/>
+                    </a:lnTlToBr>
+                    <a:lnBlToTr w="12700" cmpd="sng">
+                      <a:noFill/>
+                      <a:prstDash val="solid"/>
+                    </a:lnBlToTr>
+                  </a:tcPr>
+                </a:tc>
+                <a:tc>
+                  <a:txBody>
+                    <a:bodyPr/>
+                    <a:lstStyle/>
+                    <a:p>
+                      <a:r>
+                        <a:rPr lang="en-US" dirty="0" smtClean="0"/>
+                        <a:t>Turn to a target</a:t>
+                      </a:r>
+                      <a:r>
+                        <a:rPr lang="en-US" baseline="0" dirty="0" smtClean="0"/>
+                        <a:t> angle</a:t>
+                      </a:r>
+                      <a:endParaRPr lang="en-US" dirty="0"/>
+                    </a:p>
+                  </a:txBody>
+                  <a:tcPr>
+                    <a:lnL w="12700" cap="flat" cmpd="sng" algn="ctr">
+                      <a:solidFill>
+                        <a:schemeClr val="tx1"/>
+                      </a:solidFill>
+                      <a:prstDash val="solid"/>
+                      <a:round/>
+                      <a:headEnd type="none" w="med" len="med"/>
+                      <a:tailEnd type="none" w="med" len="med"/>
+                    </a:lnL>
+                    <a:lnR w="12700" cap="flat" cmpd="sng" algn="ctr">
+                      <a:solidFill>
+                        <a:schemeClr val="tx1"/>
+                      </a:solidFill>
+                      <a:prstDash val="solid"/>
+                      <a:round/>
+                      <a:headEnd type="none" w="med" len="med"/>
+                      <a:tailEnd type="none" w="med" len="med"/>
+                    </a:lnR>
+                    <a:lnT w="12700" cap="flat" cmpd="sng" algn="ctr">
+                      <a:solidFill>
+                        <a:schemeClr val="tx1"/>
+                      </a:solidFill>
+                      <a:prstDash val="solid"/>
+                      <a:round/>
+                      <a:headEnd type="none" w="med" len="med"/>
+                      <a:tailEnd type="none" w="med" len="med"/>
+                    </a:lnT>
+                    <a:lnB w="12700" cap="flat" cmpd="sng" algn="ctr">
+                      <a:solidFill>
+                        <a:schemeClr val="tx1"/>
+                      </a:solidFill>
+                      <a:prstDash val="solid"/>
+                      <a:round/>
+                      <a:headEnd type="none" w="med" len="med"/>
+                      <a:tailEnd type="none" w="med" len="med"/>
+                    </a:lnB>
+                    <a:lnTlToBr w="12700" cmpd="sng">
+                      <a:noFill/>
+                      <a:prstDash val="solid"/>
+                    </a:lnTlToBr>
+                    <a:lnBlToTr w="12700" cmpd="sng">
+                      <a:noFill/>
+                      <a:prstDash val="solid"/>
+                    </a:lnBlToTr>
+                  </a:tcPr>
+                </a:tc>
+                <a:tc>
+                  <a:txBody>
+                    <a:bodyPr/>
+                    <a:lstStyle/>
+                    <a:p>
+                      <a:r>
+                        <a:rPr lang="en-US" dirty="0" smtClean="0"/>
+                        <a:t>How many</a:t>
+                      </a:r>
+                      <a:r>
+                        <a:rPr lang="en-US" baseline="0" dirty="0" smtClean="0"/>
+                        <a:t> degrees are we from target turn</a:t>
+                      </a:r>
+                      <a:endParaRPr lang="en-US" dirty="0"/>
+                    </a:p>
+                  </a:txBody>
+                  <a:tcPr>
+                    <a:lnL w="12700" cap="flat" cmpd="sng" algn="ctr">
+                      <a:solidFill>
+                        <a:schemeClr val="tx1"/>
+                      </a:solidFill>
+                      <a:prstDash val="solid"/>
+                      <a:round/>
+                      <a:headEnd type="none" w="med" len="med"/>
+                      <a:tailEnd type="none" w="med" len="med"/>
+                    </a:lnL>
+                    <a:lnR w="12700" cap="flat" cmpd="sng" algn="ctr">
+                      <a:solidFill>
+                        <a:schemeClr val="tx1"/>
+                      </a:solidFill>
+                      <a:prstDash val="solid"/>
+                      <a:round/>
+                      <a:headEnd type="none" w="med" len="med"/>
+                      <a:tailEnd type="none" w="med" len="med"/>
+                    </a:lnR>
+                    <a:lnT w="12700" cap="flat" cmpd="sng" algn="ctr">
+                      <a:solidFill>
+                        <a:schemeClr val="tx1"/>
+                      </a:solidFill>
+                      <a:prstDash val="solid"/>
+                      <a:round/>
+                      <a:headEnd type="none" w="med" len="med"/>
+                      <a:tailEnd type="none" w="med" len="med"/>
+                    </a:lnT>
+                    <a:lnB w="12700" cap="flat" cmpd="sng" algn="ctr">
+                      <a:solidFill>
+                        <a:schemeClr val="tx1"/>
+                      </a:solidFill>
+                      <a:prstDash val="solid"/>
+                      <a:round/>
+                      <a:headEnd type="none" w="med" len="med"/>
+                      <a:tailEnd type="none" w="med" len="med"/>
+                    </a:lnB>
+                    <a:lnTlToBr w="12700" cmpd="sng">
+                      <a:noFill/>
+                      <a:prstDash val="solid"/>
+                    </a:lnTlToBr>
+                    <a:lnBlToTr w="12700" cmpd="sng">
+                      <a:noFill/>
+                      <a:prstDash val="solid"/>
+                    </a:lnBlToTr>
+                  </a:tcPr>
+                </a:tc>
+                <a:tc>
+                  <a:txBody>
+                    <a:bodyPr/>
+                    <a:lstStyle/>
+                    <a:p>
+                      <a:r>
+                        <a:rPr lang="en-US" dirty="0" smtClean="0"/>
+                        <a:t>Turn faster based on degrees</a:t>
+                      </a:r>
+                      <a:r>
+                        <a:rPr lang="en-US" baseline="0" dirty="0" smtClean="0"/>
+                        <a:t> remaining</a:t>
+                      </a:r>
+                      <a:endParaRPr lang="en-US" dirty="0"/>
+                    </a:p>
+                  </a:txBody>
+                  <a:tcPr>
+                    <a:lnL w="12700" cap="flat" cmpd="sng" algn="ctr">
+                      <a:solidFill>
+                        <a:schemeClr val="tx1"/>
+                      </a:solidFill>
+                      <a:prstDash val="solid"/>
+                      <a:round/>
+                      <a:headEnd type="none" w="med" len="med"/>
+                      <a:tailEnd type="none" w="med" len="med"/>
+                    </a:lnL>
+                    <a:lnR w="12700" cap="flat" cmpd="sng" algn="ctr">
+                      <a:solidFill>
+                        <a:schemeClr val="tx1"/>
+                      </a:solidFill>
+                      <a:prstDash val="solid"/>
+                      <a:round/>
+                      <a:headEnd type="none" w="med" len="med"/>
+                      <a:tailEnd type="none" w="med" len="med"/>
+                    </a:lnR>
+                    <a:lnT w="12700" cap="flat" cmpd="sng" algn="ctr">
+                      <a:solidFill>
+                        <a:schemeClr val="tx1"/>
+                      </a:solidFill>
+                      <a:prstDash val="solid"/>
+                      <a:round/>
+                      <a:headEnd type="none" w="med" len="med"/>
+                      <a:tailEnd type="none" w="med" len="med"/>
+                    </a:lnT>
+                    <a:lnB w="12700" cap="flat" cmpd="sng" algn="ctr">
+                      <a:solidFill>
+                        <a:schemeClr val="tx1"/>
+                      </a:solidFill>
+                      <a:prstDash val="solid"/>
+                      <a:round/>
+                      <a:headEnd type="none" w="med" len="med"/>
+                      <a:tailEnd type="none" w="med" len="med"/>
+                    </a:lnB>
+                    <a:lnTlToBr w="12700" cmpd="sng">
+                      <a:noFill/>
+                      <a:prstDash val="solid"/>
+                    </a:lnTlToBr>
+                    <a:lnBlToTr w="12700" cmpd="sng">
+                      <a:noFill/>
+                      <a:prstDash val="solid"/>
+                    </a:lnBlToTr>
+                  </a:tcPr>
+                </a:tc>
+              </a:tr>
+            </a:tbl>
+          </a:graphicData>
+        </a:graphic>
+      </p:graphicFrame>
+      <p:sp>
+        <p:nvSpPr>
+          <p:cNvPr id="3" name="Slide Number Placeholder 2"/>
+          <p:cNvSpPr>
+            <a:spLocks noGrp="1"/>
+          </p:cNvSpPr>
+          <p:nvPr>
+            <p:ph type="sldNum" sz="quarter" idx="12"/>
+          </p:nvPr>
+        </p:nvSpPr>
+        <p:spPr/>
+        <p:txBody>
+          <a:bodyPr/>
+          <a:lstStyle/>
+          <a:p>
+            <a:fld id="{4382A7F7-08BF-4252-8141-63FB96055BBB}" type="slidenum">
+              <a:rPr lang="en-US" smtClean="0"/>
+              <a:t>9</a:t>
+            </a:fld>
+            <a:endParaRPr lang="en-US"/>
+          </a:p>
+        </p:txBody>
+      </p:sp>
+    </p:spTree>
+    <p:extLst>
+      <p:ext uri="{BB962C8B-B14F-4D97-AF65-F5344CB8AC3E}">
+        <p14:creationId xmlns:p14="http://schemas.microsoft.com/office/powerpoint/2010/main" val="2003391859"/>
       </p:ext>
     </p:extLst>
   </p:cSld>

--- a/translations/en-us/advanced/ProportionalControl.pptx
+++ b/translations/en-us/advanced/ProportionalControl.pptx
@@ -5,10 +5,10 @@
     <p:sldMasterId id="2147483835" r:id="rId1"/>
   </p:sldMasterIdLst>
   <p:notesMasterIdLst>
-    <p:notesMasterId r:id="rId17"/>
+    <p:notesMasterId r:id="rId15"/>
   </p:notesMasterIdLst>
   <p:handoutMasterIdLst>
-    <p:handoutMasterId r:id="rId18"/>
+    <p:handoutMasterId r:id="rId16"/>
   </p:handoutMasterIdLst>
   <p:sldIdLst>
     <p:sldId id="288" r:id="rId2"/>
@@ -22,10 +22,8 @@
     <p:sldId id="278" r:id="rId10"/>
     <p:sldId id="279" r:id="rId11"/>
     <p:sldId id="280" r:id="rId12"/>
-    <p:sldId id="281" r:id="rId13"/>
-    <p:sldId id="282" r:id="rId14"/>
-    <p:sldId id="284" r:id="rId15"/>
-    <p:sldId id="274" r:id="rId16"/>
+    <p:sldId id="284" r:id="rId13"/>
+    <p:sldId id="274" r:id="rId14"/>
   </p:sldIdLst>
   <p:sldSz cx="9144000" cy="6858000" type="screen4x3"/>
   <p:notesSz cx="6858000" cy="9144000"/>
@@ -225,7 +223,7 @@
           <a:p>
             <a:fld id="{E354B44E-40A3-0E46-B16A-9BF1250A248B}" type="datetimeFigureOut">
               <a:rPr lang="en-US" smtClean="0"/>
-              <a:t>11/15/15</a:t>
+              <a:t>12/19/15</a:t>
             </a:fld>
             <a:endParaRPr lang="en-US"/>
           </a:p>
@@ -391,7 +389,7 @@
           <a:p>
             <a:fld id="{C86AD16C-2DB4-6642-BAD4-9ED973A087A0}" type="datetimeFigureOut">
               <a:rPr lang="en-US" smtClean="0"/>
-              <a:t>11/15/15</a:t>
+              <a:t>12/19/15</a:t>
             </a:fld>
             <a:endParaRPr lang="en-US"/>
           </a:p>
@@ -725,7 +723,91 @@
           <a:p>
             <a:fld id="{1E5BF589-3978-3C45-966B-D7B7A71F2A02}" type="slidenum">
               <a:rPr lang="en-US" smtClean="0"/>
-              <a:t>15</a:t>
+              <a:t>2</a:t>
+            </a:fld>
+            <a:endParaRPr lang="en-US"/>
+          </a:p>
+        </p:txBody>
+      </p:sp>
+    </p:spTree>
+    <p:extLst>
+      <p:ext uri="{BB962C8B-B14F-4D97-AF65-F5344CB8AC3E}">
+        <p14:creationId xmlns:p14="http://schemas.microsoft.com/office/powerpoint/2010/main" val="1647553056"/>
+      </p:ext>
+    </p:extLst>
+  </p:cSld>
+  <p:clrMapOvr>
+    <a:masterClrMapping/>
+  </p:clrMapOvr>
+</p:notes>
+</file>
+
+<file path=ppt/notesSlides/notesSlide2.xml><?xml version="1.0" encoding="utf-8"?>
+<p:notes xmlns:a="http://schemas.openxmlformats.org/drawingml/2006/main" xmlns:r="http://schemas.openxmlformats.org/officeDocument/2006/relationships" xmlns:p="http://schemas.openxmlformats.org/presentationml/2006/main">
+  <p:cSld>
+    <p:spTree>
+      <p:nvGrpSpPr>
+        <p:cNvPr id="1" name=""/>
+        <p:cNvGrpSpPr/>
+        <p:nvPr/>
+      </p:nvGrpSpPr>
+      <p:grpSpPr>
+        <a:xfrm>
+          <a:off x="0" y="0"/>
+          <a:ext cx="0" cy="0"/>
+          <a:chOff x="0" y="0"/>
+          <a:chExt cx="0" cy="0"/>
+        </a:xfrm>
+      </p:grpSpPr>
+      <p:sp>
+        <p:nvSpPr>
+          <p:cNvPr id="2" name="Slide Image Placeholder 1"/>
+          <p:cNvSpPr>
+            <a:spLocks noGrp="1" noRot="1" noChangeAspect="1"/>
+          </p:cNvSpPr>
+          <p:nvPr>
+            <p:ph type="sldImg"/>
+          </p:nvPr>
+        </p:nvSpPr>
+        <p:spPr/>
+      </p:sp>
+      <p:sp>
+        <p:nvSpPr>
+          <p:cNvPr id="3" name="Notes Placeholder 2"/>
+          <p:cNvSpPr>
+            <a:spLocks noGrp="1"/>
+          </p:cNvSpPr>
+          <p:nvPr>
+            <p:ph type="body" idx="1"/>
+          </p:nvPr>
+        </p:nvSpPr>
+        <p:spPr/>
+        <p:txBody>
+          <a:bodyPr/>
+          <a:lstStyle/>
+          <a:p>
+            <a:endParaRPr lang="en-US"/>
+          </a:p>
+        </p:txBody>
+      </p:sp>
+      <p:sp>
+        <p:nvSpPr>
+          <p:cNvPr id="4" name="Slide Number Placeholder 3"/>
+          <p:cNvSpPr>
+            <a:spLocks noGrp="1"/>
+          </p:cNvSpPr>
+          <p:nvPr>
+            <p:ph type="sldNum" sz="quarter" idx="10"/>
+          </p:nvPr>
+        </p:nvSpPr>
+        <p:spPr/>
+        <p:txBody>
+          <a:bodyPr/>
+          <a:lstStyle/>
+          <a:p>
+            <a:fld id="{1E5BF589-3978-3C45-966B-D7B7A71F2A02}" type="slidenum">
+              <a:rPr lang="en-US" smtClean="0"/>
+              <a:t>13</a:t>
             </a:fld>
             <a:endParaRPr lang="en-US"/>
           </a:p>
@@ -776,9 +858,9 @@
           <a:bodyPr/>
           <a:lstStyle/>
           <a:p>
-            <a:fld id="{9129F86A-33B4-D74F-9987-734DF519D0A5}" type="datetime1">
-              <a:rPr lang="en-US" smtClean="0"/>
-              <a:t>11/15/15</a:t>
+            <a:fld id="{08086397-A9E9-BD4B-B7A7-9DCAC65D98EF}" type="datetime1">
+              <a:rPr lang="en-US" smtClean="0"/>
+              <a:t>12/19/15</a:t>
             </a:fld>
             <a:endParaRPr lang="en-US"/>
           </a:p>
@@ -800,8 +882,8 @@
           <a:lstStyle/>
           <a:p>
             <a:r>
-              <a:rPr lang="en-US" smtClean="0"/>
-              <a:t>© 2015 EV3Lessons.com, Last edit 4/5/2015</a:t>
+              <a:rPr lang="sk-SK" smtClean="0"/>
+              <a:t>© 2015 EV3Lessons.com, Last edit 12/19/2015</a:t>
             </a:r>
             <a:endParaRPr lang="en-US"/>
           </a:p>
@@ -1763,9 +1845,9 @@
           <a:bodyPr/>
           <a:lstStyle/>
           <a:p>
-            <a:fld id="{C7C7FACC-6D03-1D40-9481-E9F4C479F1B5}" type="datetime1">
-              <a:rPr lang="en-US" smtClean="0"/>
-              <a:t>11/15/15</a:t>
+            <a:fld id="{7FE54D88-A811-8142-9DD0-4CF52E9D39CA}" type="datetime1">
+              <a:rPr lang="en-US" smtClean="0"/>
+              <a:t>12/19/15</a:t>
             </a:fld>
             <a:endParaRPr lang="en-US"/>
           </a:p>
@@ -1787,8 +1869,8 @@
           <a:lstStyle/>
           <a:p>
             <a:r>
-              <a:rPr lang="en-US" smtClean="0"/>
-              <a:t>© 2015 EV3Lessons.com, Last edit 4/5/2015</a:t>
+              <a:rPr lang="sk-SK" smtClean="0"/>
+              <a:t>© 2015 EV3Lessons.com, Last edit 12/19/2015</a:t>
             </a:r>
             <a:endParaRPr lang="en-US"/>
           </a:p>
@@ -2226,9 +2308,9 @@
           <a:bodyPr/>
           <a:lstStyle/>
           <a:p>
-            <a:fld id="{F5ADC727-B571-2842-9276-CCAAE2336D61}" type="datetime1">
-              <a:rPr lang="en-US" smtClean="0"/>
-              <a:t>11/15/15</a:t>
+            <a:fld id="{7DF44077-35E6-3545-A695-0D436F6BD4E5}" type="datetime1">
+              <a:rPr lang="en-US" smtClean="0"/>
+              <a:t>12/19/15</a:t>
             </a:fld>
             <a:endParaRPr lang="en-US" dirty="0"/>
           </a:p>
@@ -2250,8 +2332,8 @@
           <a:lstStyle/>
           <a:p>
             <a:r>
-              <a:rPr lang="en-US" smtClean="0"/>
-              <a:t>© 2015 EV3Lessons.com, Last edit 4/5/2015</a:t>
+              <a:rPr lang="sk-SK" smtClean="0"/>
+              <a:t>© 2015 EV3Lessons.com, Last edit 12/19/2015</a:t>
             </a:r>
             <a:endParaRPr lang="en-US" dirty="0"/>
           </a:p>
@@ -2305,7 +2387,6 @@
       </p:par>
     </p:tnLst>
   </p:timing>
-  <p:hf hdr="0" dt="0"/>
 </p:sldLayout>
 </file>
 
@@ -2691,9 +2772,9 @@
           <a:bodyPr/>
           <a:lstStyle/>
           <a:p>
-            <a:fld id="{56A60E2B-7B03-8A40-B1EC-A58C57D64BCC}" type="datetime1">
-              <a:rPr lang="en-US" smtClean="0"/>
-              <a:t>11/15/15</a:t>
+            <a:fld id="{A0BEA2A5-4383-584A-92A5-96F0549DF6BC}" type="datetime1">
+              <a:rPr lang="en-US" smtClean="0"/>
+              <a:t>12/19/15</a:t>
             </a:fld>
             <a:endParaRPr lang="en-US"/>
           </a:p>
@@ -3416,9 +3497,9 @@
           <a:bodyPr/>
           <a:lstStyle/>
           <a:p>
-            <a:fld id="{634B4CE0-9CA9-5A44-95F5-9A70DEAECA87}" type="datetime1">
-              <a:rPr lang="en-US" smtClean="0"/>
-              <a:t>11/15/15</a:t>
+            <a:fld id="{55002531-09EA-0041-A490-59D36F97EA00}" type="datetime1">
+              <a:rPr lang="en-US" smtClean="0"/>
+              <a:t>12/19/15</a:t>
             </a:fld>
             <a:endParaRPr lang="en-US"/>
           </a:p>
@@ -3440,8 +3521,8 @@
           <a:lstStyle/>
           <a:p>
             <a:r>
-              <a:rPr lang="en-US" smtClean="0"/>
-              <a:t>© 2015 EV3Lessons.com, Last edit 4/5/2015</a:t>
+              <a:rPr lang="sk-SK" smtClean="0"/>
+              <a:t>© 2015 EV3Lessons.com, Last edit 12/19/2015</a:t>
             </a:r>
             <a:endParaRPr lang="en-US"/>
           </a:p>
@@ -3698,9 +3779,9 @@
           <a:bodyPr/>
           <a:lstStyle/>
           <a:p>
-            <a:fld id="{49C35B06-ADE9-4E42-BC9C-B2870A8EE647}" type="datetime1">
-              <a:rPr lang="en-US" smtClean="0"/>
-              <a:t>11/15/15</a:t>
+            <a:fld id="{F908A910-415D-F046-9E79-3238FC305A52}" type="datetime1">
+              <a:rPr lang="en-US" smtClean="0"/>
+              <a:t>12/19/15</a:t>
             </a:fld>
             <a:endParaRPr lang="en-US"/>
           </a:p>
@@ -3722,8 +3803,8 @@
           <a:lstStyle/>
           <a:p>
             <a:r>
-              <a:rPr lang="en-US" smtClean="0"/>
-              <a:t>© 2015 EV3Lessons.com, Last edit 4/5/2015</a:t>
+              <a:rPr lang="sk-SK" smtClean="0"/>
+              <a:t>© 2015 EV3Lessons.com, Last edit 12/19/2015</a:t>
             </a:r>
             <a:endParaRPr lang="en-US"/>
           </a:p>
@@ -4018,9 +4099,9 @@
           <a:bodyPr/>
           <a:lstStyle/>
           <a:p>
-            <a:fld id="{4BA39F55-C25A-CA4A-BF58-734A11B83A1D}" type="datetime1">
-              <a:rPr lang="en-US" smtClean="0"/>
-              <a:t>11/15/15</a:t>
+            <a:fld id="{2ED3E93C-E03C-9E4F-B68D-7B99DBDB46AD}" type="datetime1">
+              <a:rPr lang="en-US" smtClean="0"/>
+              <a:t>12/19/15</a:t>
             </a:fld>
             <a:endParaRPr lang="en-US"/>
           </a:p>
@@ -4042,8 +4123,8 @@
           <a:lstStyle/>
           <a:p>
             <a:r>
-              <a:rPr lang="en-US" smtClean="0"/>
-              <a:t>© 2015 EV3Lessons.com, Last edit 4/5/2015</a:t>
+              <a:rPr lang="sk-SK" smtClean="0"/>
+              <a:t>© 2015 EV3Lessons.com, Last edit 12/19/2015</a:t>
             </a:r>
             <a:endParaRPr lang="en-US"/>
           </a:p>
@@ -4247,9 +4328,9 @@
           <a:bodyPr/>
           <a:lstStyle/>
           <a:p>
-            <a:fld id="{C1839B01-671B-0644-892A-BD04E675EDCA}" type="datetime1">
-              <a:rPr lang="en-US" smtClean="0"/>
-              <a:t>11/15/15</a:t>
+            <a:fld id="{B7C4F740-AFA8-4C4A-9AB6-8D5387A3B063}" type="datetime1">
+              <a:rPr lang="en-US" smtClean="0"/>
+              <a:t>12/19/15</a:t>
             </a:fld>
             <a:endParaRPr lang="en-US"/>
           </a:p>
@@ -4271,8 +4352,8 @@
           <a:lstStyle/>
           <a:p>
             <a:r>
-              <a:rPr lang="en-US" smtClean="0"/>
-              <a:t>© 2015 EV3Lessons.com, Last edit 4/5/2015</a:t>
+              <a:rPr lang="sk-SK" smtClean="0"/>
+              <a:t>© 2015 EV3Lessons.com, Last edit 12/19/2015</a:t>
             </a:r>
             <a:endParaRPr lang="en-US"/>
           </a:p>
@@ -4534,9 +4615,9 @@
           <a:bodyPr/>
           <a:lstStyle/>
           <a:p>
-            <a:fld id="{F5ADC727-B571-2842-9276-CCAAE2336D61}" type="datetime1">
-              <a:rPr lang="en-US" smtClean="0"/>
-              <a:t>11/15/15</a:t>
+            <a:fld id="{FFE287EA-AE47-9B41-9AE7-DD72E46DEE60}" type="datetime1">
+              <a:rPr lang="en-US" smtClean="0"/>
+              <a:t>12/19/15</a:t>
             </a:fld>
             <a:endParaRPr lang="en-US" dirty="0"/>
           </a:p>
@@ -4558,8 +4639,8 @@
           <a:lstStyle/>
           <a:p>
             <a:r>
-              <a:rPr lang="en-US" smtClean="0"/>
-              <a:t>© 2015 EV3Lessons.com, Last edit 4/5/2015</a:t>
+              <a:rPr lang="sk-SK" smtClean="0"/>
+              <a:t>© 2015 EV3Lessons.com, Last edit 12/19/2015</a:t>
             </a:r>
             <a:endParaRPr lang="en-US" dirty="0"/>
           </a:p>
@@ -4655,7 +4736,6 @@
   <p:clrMapOvr>
     <a:masterClrMapping/>
   </p:clrMapOvr>
-  <p:hf hdr="0" dt="0"/>
 </p:sldLayout>
 </file>
 
@@ -4779,9 +4859,9 @@
             </a:lvl1pPr>
           </a:lstStyle>
           <a:p>
-            <a:fld id="{F5ADC727-B571-2842-9276-CCAAE2336D61}" type="datetime1">
-              <a:rPr lang="en-US" smtClean="0"/>
-              <a:t>11/15/15</a:t>
+            <a:fld id="{E9C86E43-3DFD-E649-8CEC-869234EECEA5}" type="datetime1">
+              <a:rPr lang="en-US" smtClean="0"/>
+              <a:t>12/19/15</a:t>
             </a:fld>
             <a:endParaRPr lang="en-US" dirty="0"/>
           </a:p>
@@ -4821,8 +4901,8 @@
           </a:lstStyle>
           <a:p>
             <a:r>
-              <a:rPr lang="en-US" smtClean="0"/>
-              <a:t>© 2015 EV3Lessons.com, Last edit 4/5/2015</a:t>
+              <a:rPr lang="sk-SK" smtClean="0"/>
+              <a:t>© 2015 EV3Lessons.com, Last edit 12/19/2015</a:t>
             </a:r>
             <a:endParaRPr lang="en-US" dirty="0"/>
           </a:p>
@@ -5333,40 +5413,6 @@
           </a:p>
         </p:txBody>
       </p:sp>
-      <p:sp>
-        <p:nvSpPr>
-          <p:cNvPr id="4" name="TextBox 3"/>
-          <p:cNvSpPr txBox="1"/>
-          <p:nvPr/>
-        </p:nvSpPr>
-        <p:spPr>
-          <a:xfrm>
-            <a:off x="3300760" y="5809786"/>
-            <a:ext cx="5151863" cy="369332"/>
-          </a:xfrm>
-          <a:prstGeom prst="rect">
-            <a:avLst/>
-          </a:prstGeom>
-          <a:noFill/>
-        </p:spPr>
-        <p:txBody>
-          <a:bodyPr wrap="square" rtlCol="0">
-            <a:spAutoFit/>
-          </a:bodyPr>
-          <a:lstStyle/>
-          <a:p>
-            <a:r>
-              <a:rPr lang="en-US" dirty="0" smtClean="0"/>
-              <a:t>with code from the </a:t>
-            </a:r>
-            <a:r>
-              <a:rPr lang="en-US" smtClean="0"/>
-              <a:t>Construction Mavericks</a:t>
-            </a:r>
-            <a:endParaRPr lang="en-US"/>
-          </a:p>
-        </p:txBody>
-      </p:sp>
     </p:spTree>
     <p:extLst>
       <p:ext uri="{BB962C8B-B14F-4D97-AF65-F5344CB8AC3E}">
@@ -5432,8 +5478,8 @@
           <a:lstStyle/>
           <a:p>
             <a:r>
-              <a:rPr lang="en-US" smtClean="0"/>
-              <a:t>© 2015 EV3Lessons.com, Last edit 4/5/2015</a:t>
+              <a:rPr lang="sk-SK" smtClean="0"/>
+              <a:t>© 2015 EV3Lessons.com, Last edit 12/19/2015</a:t>
             </a:r>
             <a:endParaRPr lang="en-US" dirty="0"/>
           </a:p>
@@ -5581,8 +5627,8 @@
           <a:lstStyle/>
           <a:p>
             <a:r>
-              <a:rPr lang="en-US" smtClean="0"/>
-              <a:t>© 2015 EV3Lessons.com, Last edit 4/5/2015</a:t>
+              <a:rPr lang="sk-SK" smtClean="0"/>
+              <a:t>© 2015 EV3Lessons.com, Last edit 12/19/2015</a:t>
             </a:r>
             <a:endParaRPr lang="en-US" dirty="0"/>
           </a:p>
@@ -5695,392 +5741,168 @@
           <a:chExt cx="0" cy="0"/>
         </a:xfrm>
       </p:grpSpPr>
-      <p:pic>
-        <p:nvPicPr>
-          <p:cNvPr id="8" name="Content Placeholder 7"/>
-          <p:cNvPicPr>
-            <a:picLocks noGrp="1" noChangeAspect="1"/>
-          </p:cNvPicPr>
+      <p:sp>
+        <p:nvSpPr>
+          <p:cNvPr id="3" name="Content Placeholder 2"/>
+          <p:cNvSpPr>
+            <a:spLocks noGrp="1"/>
+          </p:cNvSpPr>
           <p:nvPr>
             <p:ph idx="1"/>
           </p:nvPr>
-        </p:nvPicPr>
-        <p:blipFill>
-          <a:blip r:embed="rId2"/>
-          <a:stretch>
-            <a:fillRect/>
-          </a:stretch>
-        </p:blipFill>
+        </p:nvSpPr>
         <p:spPr>
           <a:xfrm>
-            <a:off x="708823" y="1819275"/>
-            <a:ext cx="7724767" cy="4306888"/>
+            <a:off x="508001" y="2133600"/>
+            <a:ext cx="8350250" cy="3992563"/>
           </a:xfrm>
         </p:spPr>
-      </p:pic>
-      <p:sp>
-        <p:nvSpPr>
-          <p:cNvPr id="4" name="Footer Placeholder 3"/>
-          <p:cNvSpPr>
-            <a:spLocks noGrp="1"/>
-          </p:cNvSpPr>
-          <p:nvPr>
-            <p:ph type="ftr" sz="quarter" idx="11"/>
-          </p:nvPr>
-        </p:nvSpPr>
-        <p:spPr/>
         <p:txBody>
           <a:bodyPr/>
           <a:lstStyle/>
           <a:p>
-            <a:r>
-              <a:rPr lang="en-US" smtClean="0"/>
-              <a:t>© 2015 EV3Lessons.com, Last edit 4/5/2015</a:t>
-            </a:r>
-            <a:endParaRPr lang="en-US"/>
-          </a:p>
-        </p:txBody>
-      </p:sp>
-      <p:sp>
-        <p:nvSpPr>
-          <p:cNvPr id="5" name="Slide Number Placeholder 4"/>
-          <p:cNvSpPr>
-            <a:spLocks noGrp="1"/>
-          </p:cNvSpPr>
-          <p:nvPr>
-            <p:ph type="sldNum" sz="quarter" idx="12"/>
-          </p:nvPr>
-        </p:nvSpPr>
-        <p:spPr/>
-        <p:txBody>
-          <a:bodyPr/>
-          <a:lstStyle/>
-          <a:p>
-            <a:fld id="{4382A7F7-08BF-4252-8141-63FB96055BBB}" type="slidenum">
-              <a:rPr lang="en-US" smtClean="0"/>
-              <a:pPr/>
-              <a:t>12</a:t>
-            </a:fld>
-            <a:endParaRPr lang="en-US"/>
-          </a:p>
-        </p:txBody>
-      </p:sp>
-      <p:sp>
-        <p:nvSpPr>
-          <p:cNvPr id="2" name="Title 1"/>
-          <p:cNvSpPr>
-            <a:spLocks noGrp="1"/>
-          </p:cNvSpPr>
-          <p:nvPr>
-            <p:ph type="title"/>
-          </p:nvPr>
-        </p:nvSpPr>
-        <p:spPr/>
-        <p:txBody>
-          <a:bodyPr/>
-          <a:lstStyle/>
-          <a:p>
-            <a:r>
-              <a:rPr lang="en-US" smtClean="0"/>
-              <a:t>Solution: Gyr0 Left Turn </a:t>
-            </a:r>
-            <a:endParaRPr lang="en-US" dirty="0"/>
-          </a:p>
-        </p:txBody>
-      </p:sp>
-      <p:sp>
-        <p:nvSpPr>
-          <p:cNvPr id="6" name="Content Placeholder 2"/>
-          <p:cNvSpPr txBox="1">
-            <a:spLocks/>
-          </p:cNvSpPr>
-          <p:nvPr/>
-        </p:nvSpPr>
-        <p:spPr>
-          <a:xfrm>
-            <a:off x="232406" y="4720373"/>
-            <a:ext cx="2600716" cy="1796021"/>
-          </a:xfrm>
-          <a:prstGeom prst="rect">
-            <a:avLst/>
-          </a:prstGeom>
-          <a:solidFill>
-            <a:srgbClr val="92D050"/>
-          </a:solidFill>
-        </p:spPr>
-        <p:txBody>
-          <a:bodyPr vert="horz" lIns="91440" tIns="45720" rIns="91440" bIns="45720" rtlCol="0">
-            <a:noAutofit/>
-          </a:bodyPr>
-          <a:lstStyle>
-            <a:lvl1pPr marL="454025" indent="-454025" algn="l" defTabSz="914400" rtl="0" eaLnBrk="1" latinLnBrk="0" hangingPunct="1">
-              <a:spcBef>
-                <a:spcPts val="2000"/>
-              </a:spcBef>
-              <a:buClr>
-                <a:schemeClr val="bg1">
-                  <a:lumMod val="65000"/>
-                </a:schemeClr>
-              </a:buClr>
-              <a:buSzPct val="90000"/>
-              <a:buFont typeface="Wingdings" pitchFamily="2" charset="2"/>
-              <a:buChar char=""/>
-              <a:defRPr sz="2400" kern="1200">
-                <a:solidFill>
-                  <a:schemeClr val="tx1">
-                    <a:lumMod val="85000"/>
-                    <a:lumOff val="15000"/>
-                  </a:schemeClr>
-                </a:solidFill>
-                <a:latin typeface="+mn-lt"/>
-                <a:ea typeface="+mn-ea"/>
-                <a:cs typeface="+mn-cs"/>
-              </a:defRPr>
-            </a:lvl1pPr>
-            <a:lvl2pPr marL="914400" indent="-457200" algn="l" defTabSz="914400" rtl="0" eaLnBrk="1" latinLnBrk="0" hangingPunct="1">
-              <a:spcBef>
-                <a:spcPts val="600"/>
-              </a:spcBef>
-              <a:buClr>
-                <a:schemeClr val="tx1">
-                  <a:lumMod val="75000"/>
-                  <a:lumOff val="25000"/>
-                </a:schemeClr>
-              </a:buClr>
-              <a:buSzPct val="90000"/>
-              <a:buFont typeface="Wingdings" pitchFamily="2" charset="2"/>
-              <a:buChar char=""/>
-              <a:defRPr sz="2200" kern="1200">
-                <a:solidFill>
-                  <a:schemeClr val="tx1">
-                    <a:lumMod val="85000"/>
-                    <a:lumOff val="15000"/>
-                  </a:schemeClr>
-                </a:solidFill>
-                <a:latin typeface="+mn-lt"/>
-                <a:ea typeface="+mn-ea"/>
-                <a:cs typeface="+mn-cs"/>
-              </a:defRPr>
-            </a:lvl2pPr>
-            <a:lvl3pPr marL="1260475" indent="-346075" algn="l" defTabSz="914400" rtl="0" eaLnBrk="1" latinLnBrk="0" hangingPunct="1">
-              <a:spcBef>
-                <a:spcPts val="600"/>
-              </a:spcBef>
-              <a:buClr>
-                <a:schemeClr val="bg1">
-                  <a:lumMod val="65000"/>
-                </a:schemeClr>
-              </a:buClr>
-              <a:buSzPct val="90000"/>
-              <a:buFont typeface="Wingdings" pitchFamily="2" charset="2"/>
-              <a:buChar char=""/>
-              <a:defRPr sz="2000" kern="1200">
-                <a:solidFill>
-                  <a:schemeClr val="tx1">
-                    <a:lumMod val="85000"/>
-                    <a:lumOff val="15000"/>
-                  </a:schemeClr>
-                </a:solidFill>
-                <a:latin typeface="+mn-lt"/>
-                <a:ea typeface="+mn-ea"/>
-                <a:cs typeface="+mn-cs"/>
-              </a:defRPr>
-            </a:lvl3pPr>
-            <a:lvl4pPr marL="1600200" indent="-339725" algn="l" defTabSz="914400" rtl="0" eaLnBrk="1" latinLnBrk="0" hangingPunct="1">
-              <a:spcBef>
-                <a:spcPts val="600"/>
-              </a:spcBef>
-              <a:buClr>
-                <a:schemeClr val="tx1">
-                  <a:lumMod val="75000"/>
-                  <a:lumOff val="25000"/>
-                </a:schemeClr>
-              </a:buClr>
-              <a:buSzPct val="90000"/>
-              <a:buFont typeface="Wingdings" pitchFamily="2" charset="2"/>
-              <a:buChar char=""/>
-              <a:defRPr sz="1800" kern="1200">
-                <a:solidFill>
-                  <a:schemeClr val="tx1">
-                    <a:lumMod val="85000"/>
-                    <a:lumOff val="15000"/>
-                  </a:schemeClr>
-                </a:solidFill>
-                <a:latin typeface="+mn-lt"/>
-                <a:ea typeface="+mn-ea"/>
-                <a:cs typeface="+mn-cs"/>
-              </a:defRPr>
-            </a:lvl4pPr>
-            <a:lvl5pPr marL="1939925" indent="-331788" algn="l" defTabSz="914400" rtl="0" eaLnBrk="1" latinLnBrk="0" hangingPunct="1">
-              <a:spcBef>
-                <a:spcPts val="600"/>
-              </a:spcBef>
-              <a:buClr>
-                <a:schemeClr val="bg1">
-                  <a:lumMod val="65000"/>
-                </a:schemeClr>
-              </a:buClr>
-              <a:buSzPct val="90000"/>
-              <a:buFont typeface="Wingdings" pitchFamily="2" charset="2"/>
-              <a:buChar char=""/>
-              <a:defRPr sz="1800" kern="1200">
-                <a:solidFill>
-                  <a:schemeClr val="tx1">
-                    <a:lumMod val="85000"/>
-                    <a:lumOff val="15000"/>
-                  </a:schemeClr>
-                </a:solidFill>
-                <a:latin typeface="+mn-lt"/>
-                <a:ea typeface="+mn-ea"/>
-                <a:cs typeface="+mn-cs"/>
-              </a:defRPr>
-            </a:lvl5pPr>
-            <a:lvl6pPr marL="2290763" indent="-344488" algn="l" defTabSz="914400" rtl="0" eaLnBrk="1" latinLnBrk="0" hangingPunct="1">
-              <a:spcBef>
-                <a:spcPts val="600"/>
-              </a:spcBef>
-              <a:buClr>
-                <a:schemeClr val="tx1">
-                  <a:lumMod val="75000"/>
-                  <a:lumOff val="25000"/>
-                </a:schemeClr>
-              </a:buClr>
-              <a:buSzPct val="90000"/>
-              <a:buFont typeface="Wingdings" pitchFamily="2" charset="2"/>
-              <a:buChar char=""/>
-              <a:defRPr lang="en-US" sz="1800" kern="1200" dirty="0" smtClean="0">
-                <a:solidFill>
-                  <a:schemeClr val="tx1">
-                    <a:lumMod val="85000"/>
-                    <a:lumOff val="15000"/>
-                  </a:schemeClr>
-                </a:solidFill>
-                <a:latin typeface="+mn-lt"/>
-                <a:ea typeface="+mn-ea"/>
-                <a:cs typeface="+mn-cs"/>
-              </a:defRPr>
-            </a:lvl6pPr>
-            <a:lvl7pPr marL="2625725" indent="-344488" algn="l" defTabSz="914400" rtl="0" eaLnBrk="1" latinLnBrk="0" hangingPunct="1">
-              <a:spcBef>
-                <a:spcPts val="600"/>
-              </a:spcBef>
-              <a:buClr>
-                <a:schemeClr val="bg1">
-                  <a:lumMod val="65000"/>
-                </a:schemeClr>
-              </a:buClr>
-              <a:buSzPct val="90000"/>
-              <a:buFont typeface="Wingdings" pitchFamily="2" charset="2"/>
-              <a:buChar char=""/>
-              <a:defRPr lang="en-US" sz="1800" kern="1200" dirty="0" smtClean="0">
-                <a:solidFill>
-                  <a:schemeClr val="tx1">
-                    <a:lumMod val="85000"/>
-                    <a:lumOff val="15000"/>
-                  </a:schemeClr>
-                </a:solidFill>
-                <a:latin typeface="+mn-lt"/>
-                <a:ea typeface="+mn-ea"/>
-                <a:cs typeface="+mn-cs"/>
-              </a:defRPr>
-            </a:lvl7pPr>
-            <a:lvl8pPr marL="2970213" indent="-344488" algn="l" defTabSz="914400" rtl="0" eaLnBrk="1" latinLnBrk="0" hangingPunct="1">
-              <a:spcBef>
-                <a:spcPts val="600"/>
-              </a:spcBef>
-              <a:buClr>
-                <a:schemeClr val="tx1">
-                  <a:lumMod val="75000"/>
-                  <a:lumOff val="25000"/>
-                </a:schemeClr>
-              </a:buClr>
-              <a:buSzPct val="90000"/>
-              <a:buFont typeface="Wingdings" pitchFamily="2" charset="2"/>
-              <a:buChar char=""/>
-              <a:defRPr lang="en-US" sz="1800" kern="1200" dirty="0" smtClean="0">
-                <a:solidFill>
-                  <a:schemeClr val="tx1">
-                    <a:lumMod val="85000"/>
-                    <a:lumOff val="15000"/>
-                  </a:schemeClr>
-                </a:solidFill>
-                <a:latin typeface="+mn-lt"/>
-                <a:ea typeface="+mn-ea"/>
-                <a:cs typeface="+mn-cs"/>
-              </a:defRPr>
-            </a:lvl8pPr>
-            <a:lvl9pPr marL="3313113" indent="-344488" algn="l" defTabSz="914400" rtl="0" eaLnBrk="1" latinLnBrk="0" hangingPunct="1">
-              <a:spcBef>
-                <a:spcPts val="600"/>
-              </a:spcBef>
-              <a:buClr>
-                <a:schemeClr val="bg1">
-                  <a:lumMod val="65000"/>
-                </a:schemeClr>
-              </a:buClr>
-              <a:buSzPct val="90000"/>
-              <a:buFont typeface="Wingdings" pitchFamily="2" charset="2"/>
-              <a:buChar char=""/>
-              <a:defRPr lang="en-US" sz="1800" kern="1200" dirty="0">
-                <a:solidFill>
-                  <a:schemeClr val="tx1">
-                    <a:lumMod val="85000"/>
-                    <a:lumOff val="15000"/>
-                  </a:schemeClr>
-                </a:solidFill>
-                <a:latin typeface="+mn-lt"/>
-                <a:ea typeface="+mn-ea"/>
-                <a:cs typeface="+mn-cs"/>
-              </a:defRPr>
-            </a:lvl9pPr>
-          </a:lstStyle>
-          <a:p>
-            <a:pPr marL="0" indent="0">
-              <a:buFont typeface="Wingdings" pitchFamily="2" charset="2"/>
-              <a:buNone/>
+            <a:pPr marL="457200" indent="-457200">
+              <a:buFont typeface="+mj-lt"/>
+              <a:buAutoNum type="arabicPeriod"/>
             </a:pPr>
             <a:r>
-              <a:rPr lang="en-US" sz="1100" dirty="0" smtClean="0">
+              <a:rPr lang="en-US" dirty="0" smtClean="0">
                 <a:solidFill>
                   <a:srgbClr val="FF0000"/>
                 </a:solidFill>
               </a:rPr>
-              <a:t>What is going on with the math block in Left Pivot Turn?  You always calculate TARGET/GOAL MINUS CURRENT VALUE. So why an Addition Math Block?  </a:t>
-            </a:r>
-            <a:r>
-              <a:rPr lang="en-US" sz="1100" dirty="0">
+              <a:t>What does proportional control mean?</a:t>
+            </a:r>
+            <a:br>
+              <a:rPr lang="en-US" dirty="0" smtClean="0">
                 <a:solidFill>
                   <a:srgbClr val="FF0000"/>
                 </a:solidFill>
               </a:rPr>
-              <a:t>W</a:t>
-            </a:r>
-            <a:r>
-              <a:rPr lang="en-US" sz="1100" dirty="0" smtClean="0">
+            </a:br>
+            <a:r>
+              <a:rPr lang="en-US" dirty="0" smtClean="0"/>
+              <a:t>Ans. Moving </a:t>
+            </a:r>
+            <a:r>
+              <a:rPr lang="en-US" dirty="0"/>
+              <a:t>more or less based on how far the robot is from the target </a:t>
+            </a:r>
+            <a:r>
+              <a:rPr lang="en-US" dirty="0" smtClean="0"/>
+              <a:t>distance</a:t>
+            </a:r>
+          </a:p>
+          <a:p>
+            <a:pPr marL="457200" indent="-457200">
+              <a:buFont typeface="+mj-lt"/>
+              <a:buAutoNum type="arabicPeriod"/>
+            </a:pPr>
+            <a:r>
+              <a:rPr lang="en-US" dirty="0" smtClean="0">
                 <a:solidFill>
                   <a:srgbClr val="FF0000"/>
                 </a:solidFill>
               </a:rPr>
-              <a:t>hen you make a Left turn, the gyro always returns negative degrees.  From math, we know that adding a negative number is the same as subtracting the number.  So, that is why we use the Addition Math block in a  Left Gyro Turn.</a:t>
-            </a:r>
-          </a:p>
-          <a:p>
-            <a:pPr marL="0" indent="0">
-              <a:buFont typeface="Wingdings" pitchFamily="2" charset="2"/>
-              <a:buNone/>
+              <a:t>What do all proportional control code have in common?</a:t>
+            </a:r>
+            <a:br>
+              <a:rPr lang="en-US" dirty="0" smtClean="0">
+                <a:solidFill>
+                  <a:srgbClr val="FF0000"/>
+                </a:solidFill>
+              </a:rPr>
+            </a:br>
+            <a:r>
+              <a:rPr lang="en-US" dirty="0" smtClean="0"/>
+              <a:t>Ans. Computing an error and making a correction</a:t>
+            </a:r>
+          </a:p>
+          <a:p>
+            <a:pPr marL="457200" indent="-457200">
+              <a:buFont typeface="+mj-lt"/>
+              <a:buAutoNum type="arabicPeriod"/>
             </a:pPr>
-            <a:endParaRPr lang="en-US" sz="1100" dirty="0">
-              <a:solidFill>
-                <a:srgbClr val="FF0000"/>
-              </a:solidFill>
-            </a:endParaRPr>
+            <a:endParaRPr lang="en-US" dirty="0" smtClean="0"/>
+          </a:p>
+          <a:p>
+            <a:endParaRPr lang="en-US" dirty="0"/>
+          </a:p>
+        </p:txBody>
+      </p:sp>
+      <p:sp>
+        <p:nvSpPr>
+          <p:cNvPr id="4" name="Footer Placeholder 3"/>
+          <p:cNvSpPr>
+            <a:spLocks noGrp="1"/>
+          </p:cNvSpPr>
+          <p:nvPr>
+            <p:ph type="ftr" sz="quarter" idx="11"/>
+          </p:nvPr>
+        </p:nvSpPr>
+        <p:spPr/>
+        <p:txBody>
+          <a:bodyPr/>
+          <a:lstStyle/>
+          <a:p>
+            <a:r>
+              <a:rPr lang="sk-SK" smtClean="0"/>
+              <a:t>© 2015 EV3Lessons.com, Last edit 12/19/2015</a:t>
+            </a:r>
+            <a:endParaRPr lang="en-US"/>
+          </a:p>
+        </p:txBody>
+      </p:sp>
+      <p:sp>
+        <p:nvSpPr>
+          <p:cNvPr id="5" name="Slide Number Placeholder 4"/>
+          <p:cNvSpPr>
+            <a:spLocks noGrp="1"/>
+          </p:cNvSpPr>
+          <p:nvPr>
+            <p:ph type="sldNum" sz="quarter" idx="12"/>
+          </p:nvPr>
+        </p:nvSpPr>
+        <p:spPr/>
+        <p:txBody>
+          <a:bodyPr/>
+          <a:lstStyle/>
+          <a:p>
+            <a:fld id="{4382A7F7-08BF-4252-8141-63FB96055BBB}" type="slidenum">
+              <a:rPr lang="en-US" smtClean="0"/>
+              <a:t>12</a:t>
+            </a:fld>
+            <a:endParaRPr lang="en-US"/>
+          </a:p>
+        </p:txBody>
+      </p:sp>
+      <p:sp>
+        <p:nvSpPr>
+          <p:cNvPr id="2" name="Title 1"/>
+          <p:cNvSpPr>
+            <a:spLocks noGrp="1"/>
+          </p:cNvSpPr>
+          <p:nvPr>
+            <p:ph type="title"/>
+          </p:nvPr>
+        </p:nvSpPr>
+        <p:spPr/>
+        <p:txBody>
+          <a:bodyPr/>
+          <a:lstStyle/>
+          <a:p>
+            <a:r>
+              <a:rPr lang="en-US" dirty="0" smtClean="0"/>
+              <a:t>Discussion Guide</a:t>
+            </a:r>
+            <a:endParaRPr lang="en-US" dirty="0"/>
           </a:p>
         </p:txBody>
       </p:sp>
     </p:spTree>
     <p:extLst>
       <p:ext uri="{BB962C8B-B14F-4D97-AF65-F5344CB8AC3E}">
-        <p14:creationId xmlns:p14="http://schemas.microsoft.com/office/powerpoint/2010/main" val="3838014035"/>
+        <p14:creationId xmlns:p14="http://schemas.microsoft.com/office/powerpoint/2010/main" val="1547944288"/>
       </p:ext>
     </p:extLst>
   </p:cSld>
@@ -6107,345 +5929,50 @@
           <a:chExt cx="0" cy="0"/>
         </a:xfrm>
       </p:grpSpPr>
-      <p:pic>
-        <p:nvPicPr>
-          <p:cNvPr id="7" name="Content Placeholder 6"/>
-          <p:cNvPicPr>
-            <a:picLocks noGrp="1" noChangeAspect="1"/>
-          </p:cNvPicPr>
+      <p:sp>
+        <p:nvSpPr>
+          <p:cNvPr id="3" name="Content Placeholder 2"/>
+          <p:cNvSpPr>
+            <a:spLocks noGrp="1"/>
+          </p:cNvSpPr>
           <p:nvPr>
             <p:ph idx="1"/>
           </p:nvPr>
-        </p:nvPicPr>
-        <p:blipFill>
-          <a:blip r:embed="rId2"/>
-          <a:stretch>
-            <a:fillRect/>
-          </a:stretch>
-        </p:blipFill>
-        <p:spPr>
-          <a:xfrm>
-            <a:off x="791693" y="1819275"/>
-            <a:ext cx="7559027" cy="4306888"/>
-          </a:xfrm>
-        </p:spPr>
-      </p:pic>
-      <p:sp>
-        <p:nvSpPr>
-          <p:cNvPr id="4" name="Footer Placeholder 3"/>
-          <p:cNvSpPr>
-            <a:spLocks noGrp="1"/>
-          </p:cNvSpPr>
-          <p:nvPr>
-            <p:ph type="ftr" sz="quarter" idx="11"/>
-          </p:nvPr>
         </p:nvSpPr>
         <p:spPr/>
         <p:txBody>
           <a:bodyPr/>
           <a:lstStyle/>
           <a:p>
-            <a:r>
-              <a:rPr lang="en-US" smtClean="0"/>
-              <a:t>© 2015 EV3Lessons.com, Last edit 4/5/2015</a:t>
-            </a:r>
-            <a:endParaRPr lang="en-US"/>
-          </a:p>
-        </p:txBody>
-      </p:sp>
-      <p:sp>
-        <p:nvSpPr>
-          <p:cNvPr id="3" name="Slide Number Placeholder 2"/>
-          <p:cNvSpPr>
-            <a:spLocks noGrp="1"/>
-          </p:cNvSpPr>
-          <p:nvPr>
-            <p:ph type="sldNum" sz="quarter" idx="12"/>
-          </p:nvPr>
-        </p:nvSpPr>
-        <p:spPr/>
-        <p:txBody>
-          <a:bodyPr/>
-          <a:lstStyle/>
-          <a:p>
-            <a:fld id="{4382A7F7-08BF-4252-8141-63FB96055BBB}" type="slidenum">
-              <a:rPr lang="en-US" smtClean="0"/>
-              <a:pPr/>
-              <a:t>13</a:t>
-            </a:fld>
-            <a:endParaRPr lang="en-US"/>
-          </a:p>
-        </p:txBody>
-      </p:sp>
-      <p:sp>
-        <p:nvSpPr>
-          <p:cNvPr id="2" name="Title 1"/>
-          <p:cNvSpPr>
-            <a:spLocks noGrp="1"/>
-          </p:cNvSpPr>
-          <p:nvPr>
-            <p:ph type="title"/>
-          </p:nvPr>
-        </p:nvSpPr>
-        <p:spPr/>
-        <p:txBody>
-          <a:bodyPr/>
-          <a:lstStyle/>
-          <a:p>
-            <a:r>
-              <a:rPr lang="en-US" smtClean="0"/>
-              <a:t>Solution: Gyro Right Turn</a:t>
-            </a:r>
-            <a:endParaRPr lang="en-US" dirty="0"/>
-          </a:p>
-        </p:txBody>
-      </p:sp>
-    </p:spTree>
-    <p:extLst>
-      <p:ext uri="{BB962C8B-B14F-4D97-AF65-F5344CB8AC3E}">
-        <p14:creationId xmlns:p14="http://schemas.microsoft.com/office/powerpoint/2010/main" val="3750282875"/>
-      </p:ext>
-    </p:extLst>
-  </p:cSld>
-  <p:clrMapOvr>
-    <a:masterClrMapping/>
-  </p:clrMapOvr>
-</p:sld>
-</file>
-
-<file path=ppt/slides/slide14.xml><?xml version="1.0" encoding="utf-8"?>
-<p:sld xmlns:a="http://schemas.openxmlformats.org/drawingml/2006/main" xmlns:r="http://schemas.openxmlformats.org/officeDocument/2006/relationships" xmlns:p="http://schemas.openxmlformats.org/presentationml/2006/main">
-  <p:cSld>
-    <p:spTree>
-      <p:nvGrpSpPr>
-        <p:cNvPr id="1" name=""/>
-        <p:cNvGrpSpPr/>
-        <p:nvPr/>
-      </p:nvGrpSpPr>
-      <p:grpSpPr>
-        <a:xfrm>
-          <a:off x="0" y="0"/>
-          <a:ext cx="0" cy="0"/>
-          <a:chOff x="0" y="0"/>
-          <a:chExt cx="0" cy="0"/>
-        </a:xfrm>
-      </p:grpSpPr>
-      <p:sp>
-        <p:nvSpPr>
-          <p:cNvPr id="3" name="Content Placeholder 2"/>
-          <p:cNvSpPr>
-            <a:spLocks noGrp="1"/>
-          </p:cNvSpPr>
-          <p:nvPr>
-            <p:ph idx="1"/>
-          </p:nvPr>
-        </p:nvSpPr>
-        <p:spPr>
-          <a:xfrm>
-            <a:off x="508001" y="2133600"/>
-            <a:ext cx="8350250" cy="3992563"/>
-          </a:xfrm>
-        </p:spPr>
-        <p:txBody>
-          <a:bodyPr/>
-          <a:lstStyle/>
-          <a:p>
-            <a:pPr marL="457200" indent="-457200">
-              <a:buFont typeface="+mj-lt"/>
-              <a:buAutoNum type="arabicPeriod"/>
-            </a:pPr>
+            <a:pPr lvl="1"/>
+            <a:r>
+              <a:rPr lang="en-US" dirty="0" smtClean="0"/>
+              <a:t>This tutorial was created by Sanjay </a:t>
+            </a:r>
+            <a:r>
+              <a:rPr lang="en-US" dirty="0" err="1" smtClean="0"/>
+              <a:t>Seshan</a:t>
+            </a:r>
+            <a:r>
+              <a:rPr lang="en-US" dirty="0" smtClean="0"/>
+              <a:t> and Arvind </a:t>
+            </a:r>
+            <a:r>
+              <a:rPr lang="en-US" dirty="0" err="1" smtClean="0"/>
+              <a:t>Seshan</a:t>
+            </a:r>
+            <a:r>
+              <a:rPr lang="en-US" dirty="0" smtClean="0"/>
+              <a:t> from Droids Robotics (</a:t>
+            </a:r>
             <a:r>
               <a:rPr lang="en-US" dirty="0" smtClean="0">
-                <a:solidFill>
-                  <a:srgbClr val="FF0000"/>
-                </a:solidFill>
-              </a:rPr>
-              <a:t>What does proportional control mean?</a:t>
-            </a:r>
-            <a:br>
-              <a:rPr lang="en-US" dirty="0" smtClean="0">
-                <a:solidFill>
-                  <a:srgbClr val="FF0000"/>
-                </a:solidFill>
-              </a:rPr>
-            </a:br>
-            <a:r>
-              <a:rPr lang="en-US" dirty="0" smtClean="0"/>
-              <a:t>Ans. Moving </a:t>
-            </a:r>
-            <a:r>
-              <a:rPr lang="en-US" dirty="0"/>
-              <a:t>more or less based on how far the robot is from the target </a:t>
-            </a:r>
-            <a:r>
-              <a:rPr lang="en-US" dirty="0" smtClean="0"/>
-              <a:t>distance</a:t>
-            </a:r>
-          </a:p>
-          <a:p>
-            <a:pPr marL="457200" indent="-457200">
-              <a:buFont typeface="+mj-lt"/>
-              <a:buAutoNum type="arabicPeriod"/>
-            </a:pPr>
-            <a:r>
-              <a:rPr lang="en-US" dirty="0" smtClean="0">
-                <a:solidFill>
-                  <a:srgbClr val="FF0000"/>
-                </a:solidFill>
-              </a:rPr>
-              <a:t>What do all proportional control code have in common?</a:t>
-            </a:r>
-            <a:br>
-              <a:rPr lang="en-US" dirty="0" smtClean="0">
-                <a:solidFill>
-                  <a:srgbClr val="FF0000"/>
-                </a:solidFill>
-              </a:rPr>
-            </a:br>
-            <a:r>
-              <a:rPr lang="en-US" dirty="0" smtClean="0"/>
-              <a:t>Ans. Computing an error and making a correction</a:t>
-            </a:r>
-          </a:p>
-          <a:p>
-            <a:pPr marL="457200" indent="-457200">
-              <a:buFont typeface="+mj-lt"/>
-              <a:buAutoNum type="arabicPeriod"/>
-            </a:pPr>
-            <a:endParaRPr lang="en-US" dirty="0" smtClean="0"/>
-          </a:p>
-          <a:p>
-            <a:endParaRPr lang="en-US" dirty="0"/>
-          </a:p>
-        </p:txBody>
-      </p:sp>
-      <p:sp>
-        <p:nvSpPr>
-          <p:cNvPr id="4" name="Footer Placeholder 3"/>
-          <p:cNvSpPr>
-            <a:spLocks noGrp="1"/>
-          </p:cNvSpPr>
-          <p:nvPr>
-            <p:ph type="ftr" sz="quarter" idx="11"/>
-          </p:nvPr>
-        </p:nvSpPr>
-        <p:spPr/>
-        <p:txBody>
-          <a:bodyPr/>
-          <a:lstStyle/>
-          <a:p>
-            <a:r>
-              <a:rPr lang="en-US" smtClean="0"/>
-              <a:t>© 2015 EV3Lessons.com, Last edit 4/5/2015</a:t>
-            </a:r>
-            <a:endParaRPr lang="en-US"/>
-          </a:p>
-        </p:txBody>
-      </p:sp>
-      <p:sp>
-        <p:nvSpPr>
-          <p:cNvPr id="5" name="Slide Number Placeholder 4"/>
-          <p:cNvSpPr>
-            <a:spLocks noGrp="1"/>
-          </p:cNvSpPr>
-          <p:nvPr>
-            <p:ph type="sldNum" sz="quarter" idx="12"/>
-          </p:nvPr>
-        </p:nvSpPr>
-        <p:spPr/>
-        <p:txBody>
-          <a:bodyPr/>
-          <a:lstStyle/>
-          <a:p>
-            <a:fld id="{4382A7F7-08BF-4252-8141-63FB96055BBB}" type="slidenum">
-              <a:rPr lang="en-US" smtClean="0"/>
-              <a:t>14</a:t>
-            </a:fld>
-            <a:endParaRPr lang="en-US"/>
-          </a:p>
-        </p:txBody>
-      </p:sp>
-      <p:sp>
-        <p:nvSpPr>
-          <p:cNvPr id="2" name="Title 1"/>
-          <p:cNvSpPr>
-            <a:spLocks noGrp="1"/>
-          </p:cNvSpPr>
-          <p:nvPr>
-            <p:ph type="title"/>
-          </p:nvPr>
-        </p:nvSpPr>
-        <p:spPr/>
-        <p:txBody>
-          <a:bodyPr/>
-          <a:lstStyle/>
-          <a:p>
-            <a:r>
-              <a:rPr lang="en-US" dirty="0" smtClean="0"/>
-              <a:t>Discussion Guide</a:t>
-            </a:r>
-            <a:endParaRPr lang="en-US" dirty="0"/>
-          </a:p>
-        </p:txBody>
-      </p:sp>
-    </p:spTree>
-    <p:extLst>
-      <p:ext uri="{BB962C8B-B14F-4D97-AF65-F5344CB8AC3E}">
-        <p14:creationId xmlns:p14="http://schemas.microsoft.com/office/powerpoint/2010/main" val="1547944288"/>
-      </p:ext>
-    </p:extLst>
-  </p:cSld>
-  <p:clrMapOvr>
-    <a:masterClrMapping/>
-  </p:clrMapOvr>
-</p:sld>
-</file>
-
-<file path=ppt/slides/slide15.xml><?xml version="1.0" encoding="utf-8"?>
-<p:sld xmlns:a="http://schemas.openxmlformats.org/drawingml/2006/main" xmlns:r="http://schemas.openxmlformats.org/officeDocument/2006/relationships" xmlns:p="http://schemas.openxmlformats.org/presentationml/2006/main">
-  <p:cSld>
-    <p:spTree>
-      <p:nvGrpSpPr>
-        <p:cNvPr id="1" name=""/>
-        <p:cNvGrpSpPr/>
-        <p:nvPr/>
-      </p:nvGrpSpPr>
-      <p:grpSpPr>
-        <a:xfrm>
-          <a:off x="0" y="0"/>
-          <a:ext cx="0" cy="0"/>
-          <a:chOff x="0" y="0"/>
-          <a:chExt cx="0" cy="0"/>
-        </a:xfrm>
-      </p:grpSpPr>
-      <p:sp>
-        <p:nvSpPr>
-          <p:cNvPr id="3" name="Content Placeholder 2"/>
-          <p:cNvSpPr>
-            <a:spLocks noGrp="1"/>
-          </p:cNvSpPr>
-          <p:nvPr>
-            <p:ph idx="1"/>
-          </p:nvPr>
-        </p:nvSpPr>
-        <p:spPr/>
-        <p:txBody>
-          <a:bodyPr/>
-          <a:lstStyle/>
-          <a:p>
-            <a:pPr lvl="1"/>
-            <a:r>
-              <a:rPr lang="en-US" smtClean="0"/>
-              <a:t>This tutorial was created by Sanjay Seshan and Arvind Seshan from Droids Robotics (</a:t>
-            </a:r>
-            <a:r>
-              <a:rPr lang="en-US" smtClean="0">
                 <a:hlinkClick r:id="rId3"/>
               </a:rPr>
               <a:t>team@droidsrobotics.org</a:t>
             </a:r>
             <a:r>
-              <a:rPr lang="en-US" smtClean="0"/>
+              <a:rPr lang="en-US" dirty="0" smtClean="0"/>
               <a:t>).</a:t>
             </a:r>
           </a:p>
@@ -6453,24 +5980,11 @@
             <a:pPr lvl="1"/>
             <a:r>
               <a:rPr lang="en-US" smtClean="0"/>
-              <a:t>Original Gyro Turn code was provided by the Construction Mavericks (</a:t>
-            </a:r>
-            <a:r>
-              <a:rPr lang="en-US" smtClean="0">
-                <a:hlinkClick r:id="rId4"/>
-              </a:rPr>
-              <a:t>frank.levine@gmail.com</a:t>
-            </a:r>
-            <a:r>
-              <a:rPr lang="en-US" smtClean="0"/>
-              <a:t>)</a:t>
-            </a:r>
-          </a:p>
-          <a:p>
-            <a:pPr lvl="1"/>
-            <a:r>
-              <a:rPr lang="en-US" smtClean="0"/>
-              <a:t>More lessons at www.ev3lessons.com</a:t>
+              <a:t>More </a:t>
+            </a:r>
+            <a:r>
+              <a:rPr lang="en-US" dirty="0" smtClean="0"/>
+              <a:t>lessons at www.ev3lessons.com</a:t>
             </a:r>
             <a:endParaRPr lang="en-US" dirty="0"/>
           </a:p>
@@ -6492,8 +6006,8 @@
           <a:lstStyle/>
           <a:p>
             <a:r>
-              <a:rPr lang="en-US" smtClean="0"/>
-              <a:t>© 2015 EV3Lessons.com, Last edit 4/5/2015</a:t>
+              <a:rPr lang="sk-SK" smtClean="0"/>
+              <a:t>© 2015 EV3Lessons.com, Last edit 12/19/2015</a:t>
             </a:r>
             <a:endParaRPr lang="en-US"/>
           </a:p>
@@ -6517,7 +6031,7 @@
             <a:fld id="{4382A7F7-08BF-4252-8141-63FB96055BBB}" type="slidenum">
               <a:rPr lang="en-US" smtClean="0"/>
               <a:pPr/>
-              <a:t>15</a:t>
+              <a:t>13</a:t>
             </a:fld>
             <a:endParaRPr lang="en-US"/>
           </a:p>
@@ -6802,7 +6316,7 @@
                 </a:solidFill>
                 <a:effectLst/>
                 <a:latin typeface="Helvetica Neue"/>
-                <a:hlinkClick r:id="rId5"/>
+                <a:hlinkClick r:id="rId4"/>
               </a:rPr>
               <a:t>Creative Commons Attribution-</a:t>
             </a:r>
@@ -6816,7 +6330,7 @@
                 </a:solidFill>
                 <a:effectLst/>
                 <a:latin typeface="Helvetica Neue"/>
-                <a:hlinkClick r:id="rId5"/>
+                <a:hlinkClick r:id="rId4"/>
               </a:rPr>
               <a:t>NonCommercial</a:t>
             </a:r>
@@ -6830,7 +6344,7 @@
                 </a:solidFill>
                 <a:effectLst/>
                 <a:latin typeface="Helvetica Neue"/>
-                <a:hlinkClick r:id="rId5"/>
+                <a:hlinkClick r:id="rId4"/>
               </a:rPr>
               <a:t>-</a:t>
             </a:r>
@@ -6844,7 +6358,7 @@
                 </a:solidFill>
                 <a:effectLst/>
                 <a:latin typeface="Helvetica Neue"/>
-                <a:hlinkClick r:id="rId5"/>
+                <a:hlinkClick r:id="rId4"/>
               </a:rPr>
               <a:t>ShareAlike</a:t>
             </a:r>
@@ -6858,7 +6372,7 @@
                 </a:solidFill>
                 <a:effectLst/>
                 <a:latin typeface="Helvetica Neue"/>
-                <a:hlinkClick r:id="rId5"/>
+                <a:hlinkClick r:id="rId4"/>
               </a:rPr>
               <a:t> 4.0 International License</a:t>
             </a:r>
@@ -6903,7 +6417,7 @@
       <p:pic>
         <p:nvPicPr>
           <p:cNvPr id="6" name="Picture 2" descr="Creative Commons License">
-            <a:hlinkClick r:id="rId5"/>
+            <a:hlinkClick r:id="rId4"/>
           </p:cNvPr>
           <p:cNvPicPr>
             <a:picLocks noChangeAspect="1" noChangeArrowheads="1"/>
@@ -6911,7 +6425,7 @@
           <p:nvPr/>
         </p:nvPicPr>
         <p:blipFill>
-          <a:blip r:embed="rId6">
+          <a:blip r:embed="rId5">
             <a:extLst>
               <a:ext uri="{28A0092B-C50C-407E-A947-70E740481C1C}">
                 <a14:useLocalDpi xmlns:a14="http://schemas.microsoft.com/office/drawing/2010/main" val="0"/>
@@ -7004,22 +6518,22 @@
           <a:lstStyle/>
           <a:p>
             <a:r>
-              <a:rPr lang="en-US" smtClean="0"/>
+              <a:rPr lang="en-US" dirty="0" smtClean="0"/>
               <a:t>Learn what proportional control means and why to use it</a:t>
             </a:r>
           </a:p>
           <a:p>
             <a:r>
-              <a:rPr lang="en-US" smtClean="0"/>
-              <a:t>Learn to apply proportional control to the Gyro, Color, and Ultrasonic Sensors</a:t>
-            </a:r>
-          </a:p>
-          <a:p>
-            <a:endParaRPr lang="en-US" smtClean="0"/>
-          </a:p>
-          <a:p>
-            <a:r>
-              <a:rPr lang="en-US" smtClean="0"/>
+              <a:rPr lang="en-US" dirty="0" smtClean="0"/>
+              <a:t>Learn to apply proportional control to the Color, and Ultrasonic Sensors</a:t>
+            </a:r>
+          </a:p>
+          <a:p>
+            <a:endParaRPr lang="en-US" dirty="0" smtClean="0"/>
+          </a:p>
+          <a:p>
+            <a:r>
+              <a:rPr lang="en-US" dirty="0" smtClean="0"/>
               <a:t>Prerequisites: Math Blocks, Color Sensor Calibration, Data Wires</a:t>
             </a:r>
             <a:endParaRPr lang="en-US" dirty="0"/>
@@ -7042,8 +6556,8 @@
           <a:lstStyle/>
           <a:p>
             <a:r>
-              <a:rPr lang="en-US" smtClean="0"/>
-              <a:t>© 2015 EV3Lessons.com, Last edit 4/5/2015</a:t>
+              <a:rPr lang="sk-SK" smtClean="0"/>
+              <a:t>© 2015 EV3Lessons.com, Last edit 12/19/2015</a:t>
             </a:r>
             <a:endParaRPr lang="en-US"/>
           </a:p>
@@ -7195,8 +6709,8 @@
           <a:lstStyle/>
           <a:p>
             <a:r>
-              <a:rPr lang="en-US" smtClean="0"/>
-              <a:t>© 2015 EV3Lessons.com, Last edit 4/5/2015</a:t>
+              <a:rPr lang="sk-SK" smtClean="0"/>
+              <a:t>© 2015 EV3Lessons.com, Last edit 12/19/2015</a:t>
             </a:r>
             <a:endParaRPr lang="en-US"/>
           </a:p>
@@ -7434,8 +6948,8 @@
           <a:lstStyle/>
           <a:p>
             <a:r>
-              <a:rPr lang="en-US" smtClean="0"/>
-              <a:t>© 2015 EV3Lessons.com, Last edit 4/5/2015</a:t>
+              <a:rPr lang="sk-SK" smtClean="0"/>
+              <a:t>© 2015 EV3Lessons.com, Last edit 12/19/2015</a:t>
             </a:r>
             <a:endParaRPr lang="en-US"/>
           </a:p>
@@ -7582,8 +7096,8 @@
           <a:lstStyle/>
           <a:p>
             <a:r>
-              <a:rPr lang="en-US" smtClean="0"/>
-              <a:t>© 2015 EV3Lessons.com, Last edit 9/5/2015</a:t>
+              <a:rPr lang="sk-SK" smtClean="0"/>
+              <a:t>© 2015 EV3Lessons.com, Last edit 12/19/2015</a:t>
             </a:r>
             <a:endParaRPr lang="en-US"/>
           </a:p>
@@ -8106,6 +7620,29 @@
           </a:fontRef>
         </p:style>
       </p:cxnSp>
+      <p:sp>
+        <p:nvSpPr>
+          <p:cNvPr id="5" name="Slide Number Placeholder 4"/>
+          <p:cNvSpPr>
+            <a:spLocks noGrp="1"/>
+          </p:cNvSpPr>
+          <p:nvPr>
+            <p:ph type="sldNum" sz="quarter" idx="12"/>
+          </p:nvPr>
+        </p:nvSpPr>
+        <p:spPr/>
+        <p:txBody>
+          <a:bodyPr/>
+          <a:lstStyle/>
+          <a:p>
+            <a:fld id="{4382A7F7-08BF-4252-8141-63FB96055BBB}" type="slidenum">
+              <a:rPr lang="en-US" smtClean="0"/>
+              <a:t>5</a:t>
+            </a:fld>
+            <a:endParaRPr lang="en-US"/>
+          </a:p>
+        </p:txBody>
+      </p:sp>
     </p:spTree>
     <p:extLst>
       <p:ext uri="{BB962C8B-B14F-4D97-AF65-F5344CB8AC3E}">
@@ -8188,8 +7725,8 @@
           <a:lstStyle/>
           <a:p>
             <a:r>
-              <a:rPr lang="en-US" dirty="0" smtClean="0"/>
-              <a:t>© 2015 EV3Lessons.com, Last edit 9/5/2015</a:t>
+              <a:rPr lang="sk-SK" smtClean="0"/>
+              <a:t>© 2015 EV3Lessons.com, Last edit 12/19/2015</a:t>
             </a:r>
             <a:endParaRPr lang="en-US" dirty="0"/>
           </a:p>
@@ -8691,6 +8228,29 @@
           </a:p>
         </p:txBody>
       </p:sp>
+      <p:sp>
+        <p:nvSpPr>
+          <p:cNvPr id="5" name="Slide Number Placeholder 4"/>
+          <p:cNvSpPr>
+            <a:spLocks noGrp="1"/>
+          </p:cNvSpPr>
+          <p:nvPr>
+            <p:ph type="sldNum" sz="quarter" idx="12"/>
+          </p:nvPr>
+        </p:nvSpPr>
+        <p:spPr/>
+        <p:txBody>
+          <a:bodyPr/>
+          <a:lstStyle/>
+          <a:p>
+            <a:fld id="{4382A7F7-08BF-4252-8141-63FB96055BBB}" type="slidenum">
+              <a:rPr lang="en-US" smtClean="0"/>
+              <a:t>6</a:t>
+            </a:fld>
+            <a:endParaRPr lang="en-US"/>
+          </a:p>
+        </p:txBody>
+      </p:sp>
     </p:spTree>
     <p:extLst>
       <p:ext uri="{BB962C8B-B14F-4D97-AF65-F5344CB8AC3E}">
@@ -8866,8 +8426,8 @@
           <a:lstStyle/>
           <a:p>
             <a:r>
-              <a:rPr lang="en-US" smtClean="0"/>
-              <a:t>© 2015 EV3Lessons.com, Last edit 9/5/2015</a:t>
+              <a:rPr lang="sk-SK" smtClean="0"/>
+              <a:t>© 2015 EV3Lessons.com, Last edit 12/19/2015</a:t>
             </a:r>
             <a:endParaRPr lang="en-US"/>
           </a:p>
@@ -8893,6 +8453,29 @@
               <a:t>Line Following</a:t>
             </a:r>
             <a:endParaRPr lang="en-US" dirty="0"/>
+          </a:p>
+        </p:txBody>
+      </p:sp>
+      <p:sp>
+        <p:nvSpPr>
+          <p:cNvPr id="5" name="Slide Number Placeholder 4"/>
+          <p:cNvSpPr>
+            <a:spLocks noGrp="1"/>
+          </p:cNvSpPr>
+          <p:nvPr>
+            <p:ph type="sldNum" sz="quarter" idx="12"/>
+          </p:nvPr>
+        </p:nvSpPr>
+        <p:spPr/>
+        <p:txBody>
+          <a:bodyPr/>
+          <a:lstStyle/>
+          <a:p>
+            <a:fld id="{4382A7F7-08BF-4252-8141-63FB96055BBB}" type="slidenum">
+              <a:rPr lang="en-US" smtClean="0"/>
+              <a:t>7</a:t>
+            </a:fld>
+            <a:endParaRPr lang="en-US"/>
           </a:p>
         </p:txBody>
       </p:sp>
@@ -8942,32 +8525,24 @@
           <a:lstStyle/>
           <a:p>
             <a:r>
-              <a:rPr lang="en-US" smtClean="0"/>
+              <a:rPr lang="en-US" dirty="0" smtClean="0"/>
               <a:t>To learn how to use proportional control, we give you three different Challenges:</a:t>
             </a:r>
           </a:p>
           <a:p>
             <a:pPr lvl="1"/>
             <a:r>
-              <a:rPr lang="en-US" smtClean="0"/>
+              <a:rPr lang="en-US" dirty="0" smtClean="0"/>
               <a:t>Dog Follower: Use proportional control with the ultrasonic sensor to get the robot to stay 15cm away from the human at all times (even when the human moves)</a:t>
             </a:r>
           </a:p>
           <a:p>
             <a:pPr lvl="1"/>
             <a:r>
-              <a:rPr lang="en-US" smtClean="0"/>
+              <a:rPr lang="en-US" dirty="0" smtClean="0"/>
               <a:t>Line Follower: Use proportional control with the light sensor to get the robot to follow a line smoothly. (Greater detail is in the Proportional Line Follower lesson)</a:t>
             </a:r>
           </a:p>
-          <a:p>
-            <a:pPr lvl="1"/>
-            <a:r>
-              <a:rPr lang="en-US" smtClean="0"/>
-              <a:t>Gyro Turn: Use proportional control and the gyro sensor to get the robot to accurately turn to a target angle</a:t>
-            </a:r>
-            <a:endParaRPr lang="en-US" dirty="0" smtClean="0"/>
-          </a:p>
         </p:txBody>
       </p:sp>
       <p:sp>
@@ -8986,8 +8561,8 @@
           <a:lstStyle/>
           <a:p>
             <a:r>
-              <a:rPr lang="en-US" smtClean="0"/>
-              <a:t>© 2015 EV3Lessons.com, Last edit 4/5/2015</a:t>
+              <a:rPr lang="sk-SK" smtClean="0"/>
+              <a:t>© 2015 EV3Lessons.com, Last edit 12/19/2015</a:t>
             </a:r>
             <a:endParaRPr lang="en-US"/>
           </a:p>
@@ -9086,8 +8661,8 @@
           <a:lstStyle/>
           <a:p>
             <a:r>
-              <a:rPr lang="en-US" smtClean="0"/>
-              <a:t>© 2015 EV3Lessons.com, Last edit 4/5/2015</a:t>
+              <a:rPr lang="sk-SK" smtClean="0"/>
+              <a:t>© 2015 EV3Lessons.com, Last edit 12/19/2015</a:t>
             </a:r>
             <a:endParaRPr lang="en-US" dirty="0"/>
           </a:p>
@@ -9149,14 +8724,14 @@
           <p:nvPr>
             <p:extLst>
               <p:ext uri="{D42A27DB-BD31-4B8C-83A1-F6EECF244321}">
-                <p14:modId xmlns:p14="http://schemas.microsoft.com/office/powerpoint/2010/main" val="851177694"/>
+                <p14:modId xmlns:p14="http://schemas.microsoft.com/office/powerpoint/2010/main" val="1129401368"/>
               </p:ext>
             </p:extLst>
           </p:nvPr>
         </p:nvGraphicFramePr>
         <p:xfrm>
           <a:off x="602341" y="2087843"/>
-          <a:ext cx="7870372" cy="3662680"/>
+          <a:ext cx="7870372" cy="3022600"/>
         </p:xfrm>
         <a:graphic>
           <a:graphicData uri="http://schemas.openxmlformats.org/drawingml/2006/table">
@@ -9903,260 +9478,6 @@
                       <a:r>
                         <a:rPr lang="en-US" dirty="0" smtClean="0"/>
                         <a:t>Turn sharper based on distance from line</a:t>
-                      </a:r>
-                      <a:endParaRPr lang="en-US" dirty="0"/>
-                    </a:p>
-                  </a:txBody>
-                  <a:tcPr>
-                    <a:lnL w="12700" cap="flat" cmpd="sng" algn="ctr">
-                      <a:solidFill>
-                        <a:schemeClr val="tx1"/>
-                      </a:solidFill>
-                      <a:prstDash val="solid"/>
-                      <a:round/>
-                      <a:headEnd type="none" w="med" len="med"/>
-                      <a:tailEnd type="none" w="med" len="med"/>
-                    </a:lnL>
-                    <a:lnR w="12700" cap="flat" cmpd="sng" algn="ctr">
-                      <a:solidFill>
-                        <a:schemeClr val="tx1"/>
-                      </a:solidFill>
-                      <a:prstDash val="solid"/>
-                      <a:round/>
-                      <a:headEnd type="none" w="med" len="med"/>
-                      <a:tailEnd type="none" w="med" len="med"/>
-                    </a:lnR>
-                    <a:lnT w="12700" cap="flat" cmpd="sng" algn="ctr">
-                      <a:solidFill>
-                        <a:schemeClr val="tx1"/>
-                      </a:solidFill>
-                      <a:prstDash val="solid"/>
-                      <a:round/>
-                      <a:headEnd type="none" w="med" len="med"/>
-                      <a:tailEnd type="none" w="med" len="med"/>
-                    </a:lnT>
-                    <a:lnB w="12700" cap="flat" cmpd="sng" algn="ctr">
-                      <a:solidFill>
-                        <a:schemeClr val="tx1"/>
-                      </a:solidFill>
-                      <a:prstDash val="solid"/>
-                      <a:round/>
-                      <a:headEnd type="none" w="med" len="med"/>
-                      <a:tailEnd type="none" w="med" len="med"/>
-                    </a:lnB>
-                    <a:lnTlToBr w="12700" cmpd="sng">
-                      <a:noFill/>
-                      <a:prstDash val="solid"/>
-                    </a:lnTlToBr>
-                    <a:lnBlToTr w="12700" cmpd="sng">
-                      <a:noFill/>
-                      <a:prstDash val="solid"/>
-                    </a:lnBlToTr>
-                  </a:tcPr>
-                </a:tc>
-              </a:tr>
-              <a:tr h="370840">
-                <a:tc>
-                  <a:txBody>
-                    <a:bodyPr/>
-                    <a:lstStyle/>
-                    <a:p>
-                      <a:r>
-                        <a:rPr lang="en-US" b="1" dirty="0" smtClean="0"/>
-                        <a:t>Gyro</a:t>
-                      </a:r>
-                      <a:r>
-                        <a:rPr lang="en-US" b="1" baseline="0" dirty="0" smtClean="0"/>
-                        <a:t> Turn</a:t>
-                      </a:r>
-                      <a:endParaRPr lang="en-US" b="1" dirty="0"/>
-                    </a:p>
-                  </a:txBody>
-                  <a:tcPr>
-                    <a:lnL w="12700" cap="flat" cmpd="sng" algn="ctr">
-                      <a:solidFill>
-                        <a:schemeClr val="tx1"/>
-                      </a:solidFill>
-                      <a:prstDash val="solid"/>
-                      <a:round/>
-                      <a:headEnd type="none" w="med" len="med"/>
-                      <a:tailEnd type="none" w="med" len="med"/>
-                    </a:lnL>
-                    <a:lnR w="12700" cap="flat" cmpd="sng" algn="ctr">
-                      <a:solidFill>
-                        <a:schemeClr val="tx1"/>
-                      </a:solidFill>
-                      <a:prstDash val="solid"/>
-                      <a:round/>
-                      <a:headEnd type="none" w="med" len="med"/>
-                      <a:tailEnd type="none" w="med" len="med"/>
-                    </a:lnR>
-                    <a:lnT w="12700" cap="flat" cmpd="sng" algn="ctr">
-                      <a:solidFill>
-                        <a:schemeClr val="tx1"/>
-                      </a:solidFill>
-                      <a:prstDash val="solid"/>
-                      <a:round/>
-                      <a:headEnd type="none" w="med" len="med"/>
-                      <a:tailEnd type="none" w="med" len="med"/>
-                    </a:lnT>
-                    <a:lnB w="12700" cap="flat" cmpd="sng" algn="ctr">
-                      <a:solidFill>
-                        <a:schemeClr val="tx1"/>
-                      </a:solidFill>
-                      <a:prstDash val="solid"/>
-                      <a:round/>
-                      <a:headEnd type="none" w="med" len="med"/>
-                      <a:tailEnd type="none" w="med" len="med"/>
-                    </a:lnB>
-                    <a:lnTlToBr w="12700" cmpd="sng">
-                      <a:noFill/>
-                      <a:prstDash val="solid"/>
-                    </a:lnTlToBr>
-                    <a:lnBlToTr w="12700" cmpd="sng">
-                      <a:noFill/>
-                      <a:prstDash val="solid"/>
-                    </a:lnBlToTr>
-                  </a:tcPr>
-                </a:tc>
-                <a:tc>
-                  <a:txBody>
-                    <a:bodyPr/>
-                    <a:lstStyle/>
-                    <a:p>
-                      <a:r>
-                        <a:rPr lang="en-US" dirty="0" smtClean="0"/>
-                        <a:t>Turn to a target</a:t>
-                      </a:r>
-                      <a:r>
-                        <a:rPr lang="en-US" baseline="0" dirty="0" smtClean="0"/>
-                        <a:t> angle</a:t>
-                      </a:r>
-                      <a:endParaRPr lang="en-US" dirty="0"/>
-                    </a:p>
-                  </a:txBody>
-                  <a:tcPr>
-                    <a:lnL w="12700" cap="flat" cmpd="sng" algn="ctr">
-                      <a:solidFill>
-                        <a:schemeClr val="tx1"/>
-                      </a:solidFill>
-                      <a:prstDash val="solid"/>
-                      <a:round/>
-                      <a:headEnd type="none" w="med" len="med"/>
-                      <a:tailEnd type="none" w="med" len="med"/>
-                    </a:lnL>
-                    <a:lnR w="12700" cap="flat" cmpd="sng" algn="ctr">
-                      <a:solidFill>
-                        <a:schemeClr val="tx1"/>
-                      </a:solidFill>
-                      <a:prstDash val="solid"/>
-                      <a:round/>
-                      <a:headEnd type="none" w="med" len="med"/>
-                      <a:tailEnd type="none" w="med" len="med"/>
-                    </a:lnR>
-                    <a:lnT w="12700" cap="flat" cmpd="sng" algn="ctr">
-                      <a:solidFill>
-                        <a:schemeClr val="tx1"/>
-                      </a:solidFill>
-                      <a:prstDash val="solid"/>
-                      <a:round/>
-                      <a:headEnd type="none" w="med" len="med"/>
-                      <a:tailEnd type="none" w="med" len="med"/>
-                    </a:lnT>
-                    <a:lnB w="12700" cap="flat" cmpd="sng" algn="ctr">
-                      <a:solidFill>
-                        <a:schemeClr val="tx1"/>
-                      </a:solidFill>
-                      <a:prstDash val="solid"/>
-                      <a:round/>
-                      <a:headEnd type="none" w="med" len="med"/>
-                      <a:tailEnd type="none" w="med" len="med"/>
-                    </a:lnB>
-                    <a:lnTlToBr w="12700" cmpd="sng">
-                      <a:noFill/>
-                      <a:prstDash val="solid"/>
-                    </a:lnTlToBr>
-                    <a:lnBlToTr w="12700" cmpd="sng">
-                      <a:noFill/>
-                      <a:prstDash val="solid"/>
-                    </a:lnBlToTr>
-                  </a:tcPr>
-                </a:tc>
-                <a:tc>
-                  <a:txBody>
-                    <a:bodyPr/>
-                    <a:lstStyle/>
-                    <a:p>
-                      <a:r>
-                        <a:rPr lang="en-US" dirty="0" smtClean="0"/>
-                        <a:t>How many</a:t>
-                      </a:r>
-                      <a:r>
-                        <a:rPr lang="en-US" baseline="0" dirty="0" smtClean="0"/>
-                        <a:t> degrees are we from target turn</a:t>
-                      </a:r>
-                      <a:endParaRPr lang="en-US" dirty="0"/>
-                    </a:p>
-                  </a:txBody>
-                  <a:tcPr>
-                    <a:lnL w="12700" cap="flat" cmpd="sng" algn="ctr">
-                      <a:solidFill>
-                        <a:schemeClr val="tx1"/>
-                      </a:solidFill>
-                      <a:prstDash val="solid"/>
-                      <a:round/>
-                      <a:headEnd type="none" w="med" len="med"/>
-                      <a:tailEnd type="none" w="med" len="med"/>
-                    </a:lnL>
-                    <a:lnR w="12700" cap="flat" cmpd="sng" algn="ctr">
-                      <a:solidFill>
-                        <a:schemeClr val="tx1"/>
-                      </a:solidFill>
-                      <a:prstDash val="solid"/>
-                      <a:round/>
-                      <a:headEnd type="none" w="med" len="med"/>
-                      <a:tailEnd type="none" w="med" len="med"/>
-                    </a:lnR>
-                    <a:lnT w="12700" cap="flat" cmpd="sng" algn="ctr">
-                      <a:solidFill>
-                        <a:schemeClr val="tx1"/>
-                      </a:solidFill>
-                      <a:prstDash val="solid"/>
-                      <a:round/>
-                      <a:headEnd type="none" w="med" len="med"/>
-                      <a:tailEnd type="none" w="med" len="med"/>
-                    </a:lnT>
-                    <a:lnB w="12700" cap="flat" cmpd="sng" algn="ctr">
-                      <a:solidFill>
-                        <a:schemeClr val="tx1"/>
-                      </a:solidFill>
-                      <a:prstDash val="solid"/>
-                      <a:round/>
-                      <a:headEnd type="none" w="med" len="med"/>
-                      <a:tailEnd type="none" w="med" len="med"/>
-                    </a:lnB>
-                    <a:lnTlToBr w="12700" cmpd="sng">
-                      <a:noFill/>
-                      <a:prstDash val="solid"/>
-                    </a:lnTlToBr>
-                    <a:lnBlToTr w="12700" cmpd="sng">
-                      <a:noFill/>
-                      <a:prstDash val="solid"/>
-                    </a:lnBlToTr>
-                  </a:tcPr>
-                </a:tc>
-                <a:tc>
-                  <a:txBody>
-                    <a:bodyPr/>
-                    <a:lstStyle/>
-                    <a:p>
-                      <a:r>
-                        <a:rPr lang="en-US" dirty="0" smtClean="0"/>
-                        <a:t>Turn faster based on degrees</a:t>
-                      </a:r>
-                      <a:r>
-                        <a:rPr lang="en-US" baseline="0" dirty="0" smtClean="0"/>
-                        <a:t> remaining</a:t>
                       </a:r>
                       <a:endParaRPr lang="en-US" dirty="0"/>
                     </a:p>

--- a/translations/en-us/advanced/ProportionalControl.pptx
+++ b/translations/en-us/advanced/ProportionalControl.pptx
@@ -5,10 +5,10 @@
     <p:sldMasterId id="2147483835" r:id="rId1"/>
   </p:sldMasterIdLst>
   <p:notesMasterIdLst>
-    <p:notesMasterId r:id="rId15"/>
+    <p:notesMasterId r:id="rId13"/>
   </p:notesMasterIdLst>
   <p:handoutMasterIdLst>
-    <p:handoutMasterId r:id="rId16"/>
+    <p:handoutMasterId r:id="rId14"/>
   </p:handoutMasterIdLst>
   <p:sldIdLst>
     <p:sldId id="288" r:id="rId2"/>
@@ -19,11 +19,9 @@
     <p:sldId id="286" r:id="rId7"/>
     <p:sldId id="287" r:id="rId8"/>
     <p:sldId id="277" r:id="rId9"/>
-    <p:sldId id="278" r:id="rId10"/>
-    <p:sldId id="279" r:id="rId11"/>
-    <p:sldId id="280" r:id="rId12"/>
-    <p:sldId id="284" r:id="rId13"/>
-    <p:sldId id="274" r:id="rId14"/>
+    <p:sldId id="279" r:id="rId10"/>
+    <p:sldId id="284" r:id="rId11"/>
+    <p:sldId id="274" r:id="rId12"/>
   </p:sldIdLst>
   <p:sldSz cx="9144000" cy="6858000" type="screen4x3"/>
   <p:notesSz cx="6858000" cy="9144000"/>
@@ -223,7 +221,7 @@
           <a:p>
             <a:fld id="{E354B44E-40A3-0E46-B16A-9BF1250A248B}" type="datetimeFigureOut">
               <a:rPr lang="en-US" smtClean="0"/>
-              <a:t>12/19/15</a:t>
+              <a:t>2/10/17</a:t>
             </a:fld>
             <a:endParaRPr lang="en-US"/>
           </a:p>
@@ -389,7 +387,7 @@
           <a:p>
             <a:fld id="{C86AD16C-2DB4-6642-BAD4-9ED973A087A0}" type="datetimeFigureOut">
               <a:rPr lang="en-US" smtClean="0"/>
-              <a:t>12/19/15</a:t>
+              <a:t>2/10/17</a:t>
             </a:fld>
             <a:endParaRPr lang="en-US"/>
           </a:p>
@@ -807,7 +805,91 @@
           <a:p>
             <a:fld id="{1E5BF589-3978-3C45-966B-D7B7A71F2A02}" type="slidenum">
               <a:rPr lang="en-US" smtClean="0"/>
-              <a:t>13</a:t>
+              <a:t>10</a:t>
+            </a:fld>
+            <a:endParaRPr lang="en-US"/>
+          </a:p>
+        </p:txBody>
+      </p:sp>
+    </p:spTree>
+    <p:extLst>
+      <p:ext uri="{BB962C8B-B14F-4D97-AF65-F5344CB8AC3E}">
+        <p14:creationId xmlns:p14="http://schemas.microsoft.com/office/powerpoint/2010/main" val="1359086258"/>
+      </p:ext>
+    </p:extLst>
+  </p:cSld>
+  <p:clrMapOvr>
+    <a:masterClrMapping/>
+  </p:clrMapOvr>
+</p:notes>
+</file>
+
+<file path=ppt/notesSlides/notesSlide3.xml><?xml version="1.0" encoding="utf-8"?>
+<p:notes xmlns:a="http://schemas.openxmlformats.org/drawingml/2006/main" xmlns:r="http://schemas.openxmlformats.org/officeDocument/2006/relationships" xmlns:p="http://schemas.openxmlformats.org/presentationml/2006/main">
+  <p:cSld>
+    <p:spTree>
+      <p:nvGrpSpPr>
+        <p:cNvPr id="1" name=""/>
+        <p:cNvGrpSpPr/>
+        <p:nvPr/>
+      </p:nvGrpSpPr>
+      <p:grpSpPr>
+        <a:xfrm>
+          <a:off x="0" y="0"/>
+          <a:ext cx="0" cy="0"/>
+          <a:chOff x="0" y="0"/>
+          <a:chExt cx="0" cy="0"/>
+        </a:xfrm>
+      </p:grpSpPr>
+      <p:sp>
+        <p:nvSpPr>
+          <p:cNvPr id="2" name="Slide Image Placeholder 1"/>
+          <p:cNvSpPr>
+            <a:spLocks noGrp="1" noRot="1" noChangeAspect="1"/>
+          </p:cNvSpPr>
+          <p:nvPr>
+            <p:ph type="sldImg"/>
+          </p:nvPr>
+        </p:nvSpPr>
+        <p:spPr/>
+      </p:sp>
+      <p:sp>
+        <p:nvSpPr>
+          <p:cNvPr id="3" name="Notes Placeholder 2"/>
+          <p:cNvSpPr>
+            <a:spLocks noGrp="1"/>
+          </p:cNvSpPr>
+          <p:nvPr>
+            <p:ph type="body" idx="1"/>
+          </p:nvPr>
+        </p:nvSpPr>
+        <p:spPr/>
+        <p:txBody>
+          <a:bodyPr/>
+          <a:lstStyle/>
+          <a:p>
+            <a:endParaRPr lang="en-US"/>
+          </a:p>
+        </p:txBody>
+      </p:sp>
+      <p:sp>
+        <p:nvSpPr>
+          <p:cNvPr id="4" name="Slide Number Placeholder 3"/>
+          <p:cNvSpPr>
+            <a:spLocks noGrp="1"/>
+          </p:cNvSpPr>
+          <p:nvPr>
+            <p:ph type="sldNum" sz="quarter" idx="10"/>
+          </p:nvPr>
+        </p:nvSpPr>
+        <p:spPr/>
+        <p:txBody>
+          <a:bodyPr/>
+          <a:lstStyle/>
+          <a:p>
+            <a:fld id="{1E5BF589-3978-3C45-966B-D7B7A71F2A02}" type="slidenum">
+              <a:rPr lang="en-US" smtClean="0"/>
+              <a:t>11</a:t>
             </a:fld>
             <a:endParaRPr lang="en-US"/>
           </a:p>
@@ -858,9 +940,9 @@
           <a:bodyPr/>
           <a:lstStyle/>
           <a:p>
-            <a:fld id="{08086397-A9E9-BD4B-B7A7-9DCAC65D98EF}" type="datetime1">
-              <a:rPr lang="en-US" smtClean="0"/>
-              <a:t>12/19/15</a:t>
+            <a:fld id="{E734BC7A-60A5-B249-9F35-66A7454EA9AB}" type="datetime1">
+              <a:rPr lang="en-US" smtClean="0"/>
+              <a:t>2/10/17</a:t>
             </a:fld>
             <a:endParaRPr lang="en-US"/>
           </a:p>
@@ -883,7 +965,7 @@
           <a:p>
             <a:r>
               <a:rPr lang="sk-SK" smtClean="0"/>
-              <a:t>© 2015 EV3Lessons.com, Last edit 12/19/2015</a:t>
+              <a:t>© 2015 EV3Lessons.com, Last edit 02/10/2017</a:t>
             </a:r>
             <a:endParaRPr lang="en-US"/>
           </a:p>
@@ -1411,7 +1493,7 @@
           <a:noFill/>
           <a:extLst>
             <a:ext uri="{909E8E84-426E-40dd-AFC4-6F175D3DCCD1}">
-              <a14:hiddenFill xmlns="" xmlns:a14="http://schemas.microsoft.com/office/drawing/2010/main">
+              <a14:hiddenFill xmlns:a14="http://schemas.microsoft.com/office/drawing/2010/main" xmlns="">
                 <a:solidFill>
                   <a:srgbClr val="FFFFFF"/>
                 </a:solidFill>
@@ -1455,288 +1537,6 @@
           </a:fontRef>
         </p:style>
       </p:cxnSp>
-      <p:pic>
-        <p:nvPicPr>
-          <p:cNvPr id="12" name="Picture 11"/>
-          <p:cNvPicPr>
-            <a:picLocks noChangeAspect="1"/>
-          </p:cNvPicPr>
-          <p:nvPr/>
-        </p:nvPicPr>
-        <p:blipFill>
-          <a:blip r:embed="rId3">
-            <a:extLst>
-              <a:ext uri="{28A0092B-C50C-407E-A947-70E740481C1C}">
-                <a14:useLocalDpi xmlns:a14="http://schemas.microsoft.com/office/drawing/2010/main" val="0"/>
-              </a:ext>
-            </a:extLst>
-          </a:blip>
-          <a:stretch>
-            <a:fillRect/>
-          </a:stretch>
-        </p:blipFill>
-        <p:spPr>
-          <a:xfrm>
-            <a:off x="284163" y="4948514"/>
-            <a:ext cx="1265237" cy="1210410"/>
-          </a:xfrm>
-          <a:prstGeom prst="rect">
-            <a:avLst/>
-          </a:prstGeom>
-        </p:spPr>
-      </p:pic>
-      <p:sp>
-        <p:nvSpPr>
-          <p:cNvPr id="18" name="Subtitle 3"/>
-          <p:cNvSpPr txBox="1">
-            <a:spLocks/>
-          </p:cNvSpPr>
-          <p:nvPr/>
-        </p:nvSpPr>
-        <p:spPr>
-          <a:xfrm>
-            <a:off x="1549400" y="5829838"/>
-            <a:ext cx="3749229" cy="484094"/>
-          </a:xfrm>
-          <a:prstGeom prst="rect">
-            <a:avLst/>
-          </a:prstGeom>
-        </p:spPr>
-        <p:txBody>
-          <a:bodyPr vert="horz" lIns="91440" tIns="45720" rIns="91440" bIns="45720" rtlCol="0">
-            <a:normAutofit/>
-          </a:bodyPr>
-          <a:lstStyle>
-            <a:lvl1pPr marL="0" indent="0" algn="l" defTabSz="914400" rtl="0" eaLnBrk="1" latinLnBrk="0" hangingPunct="1">
-              <a:lnSpc>
-                <a:spcPct val="100000"/>
-              </a:lnSpc>
-              <a:spcBef>
-                <a:spcPts val="0"/>
-              </a:spcBef>
-              <a:buClr>
-                <a:schemeClr val="bg1">
-                  <a:lumMod val="65000"/>
-                </a:schemeClr>
-              </a:buClr>
-              <a:buSzPct val="90000"/>
-              <a:buFont typeface="Wingdings" pitchFamily="2" charset="2"/>
-              <a:buNone/>
-              <a:defRPr sz="1800" kern="1200">
-                <a:solidFill>
-                  <a:schemeClr val="bg1"/>
-                </a:solidFill>
-                <a:latin typeface="+mn-lt"/>
-                <a:ea typeface="+mn-ea"/>
-                <a:cs typeface="+mn-cs"/>
-              </a:defRPr>
-            </a:lvl1pPr>
-            <a:lvl2pPr marL="457200" indent="0" algn="ctr" defTabSz="914400" rtl="0" eaLnBrk="1" latinLnBrk="0" hangingPunct="1">
-              <a:spcBef>
-                <a:spcPts val="600"/>
-              </a:spcBef>
-              <a:buClr>
-                <a:schemeClr val="tx1">
-                  <a:lumMod val="75000"/>
-                  <a:lumOff val="25000"/>
-                </a:schemeClr>
-              </a:buClr>
-              <a:buSzPct val="90000"/>
-              <a:buFont typeface="Wingdings" pitchFamily="2" charset="2"/>
-              <a:buNone/>
-              <a:defRPr sz="2200" kern="1200">
-                <a:solidFill>
-                  <a:schemeClr val="tx1">
-                    <a:tint val="75000"/>
-                  </a:schemeClr>
-                </a:solidFill>
-                <a:latin typeface="+mn-lt"/>
-                <a:ea typeface="+mn-ea"/>
-                <a:cs typeface="+mn-cs"/>
-              </a:defRPr>
-            </a:lvl2pPr>
-            <a:lvl3pPr marL="914400" indent="0" algn="ctr" defTabSz="914400" rtl="0" eaLnBrk="1" latinLnBrk="0" hangingPunct="1">
-              <a:spcBef>
-                <a:spcPts val="600"/>
-              </a:spcBef>
-              <a:buClr>
-                <a:schemeClr val="bg1">
-                  <a:lumMod val="65000"/>
-                </a:schemeClr>
-              </a:buClr>
-              <a:buSzPct val="90000"/>
-              <a:buFont typeface="Wingdings" pitchFamily="2" charset="2"/>
-              <a:buNone/>
-              <a:defRPr sz="2000" kern="1200">
-                <a:solidFill>
-                  <a:schemeClr val="tx1">
-                    <a:tint val="75000"/>
-                  </a:schemeClr>
-                </a:solidFill>
-                <a:latin typeface="+mn-lt"/>
-                <a:ea typeface="+mn-ea"/>
-                <a:cs typeface="+mn-cs"/>
-              </a:defRPr>
-            </a:lvl3pPr>
-            <a:lvl4pPr marL="1371600" indent="0" algn="ctr" defTabSz="914400" rtl="0" eaLnBrk="1" latinLnBrk="0" hangingPunct="1">
-              <a:spcBef>
-                <a:spcPts val="600"/>
-              </a:spcBef>
-              <a:buClr>
-                <a:schemeClr val="tx1">
-                  <a:lumMod val="75000"/>
-                  <a:lumOff val="25000"/>
-                </a:schemeClr>
-              </a:buClr>
-              <a:buSzPct val="90000"/>
-              <a:buFont typeface="Wingdings" pitchFamily="2" charset="2"/>
-              <a:buNone/>
-              <a:defRPr sz="1800" kern="1200">
-                <a:solidFill>
-                  <a:schemeClr val="tx1">
-                    <a:tint val="75000"/>
-                  </a:schemeClr>
-                </a:solidFill>
-                <a:latin typeface="+mn-lt"/>
-                <a:ea typeface="+mn-ea"/>
-                <a:cs typeface="+mn-cs"/>
-              </a:defRPr>
-            </a:lvl4pPr>
-            <a:lvl5pPr marL="1828800" indent="0" algn="ctr" defTabSz="914400" rtl="0" eaLnBrk="1" latinLnBrk="0" hangingPunct="1">
-              <a:spcBef>
-                <a:spcPts val="600"/>
-              </a:spcBef>
-              <a:buClr>
-                <a:schemeClr val="bg1">
-                  <a:lumMod val="65000"/>
-                </a:schemeClr>
-              </a:buClr>
-              <a:buSzPct val="90000"/>
-              <a:buFont typeface="Wingdings" pitchFamily="2" charset="2"/>
-              <a:buNone/>
-              <a:defRPr sz="1800" kern="1200">
-                <a:solidFill>
-                  <a:schemeClr val="tx1">
-                    <a:tint val="75000"/>
-                  </a:schemeClr>
-                </a:solidFill>
-                <a:latin typeface="+mn-lt"/>
-                <a:ea typeface="+mn-ea"/>
-                <a:cs typeface="+mn-cs"/>
-              </a:defRPr>
-            </a:lvl5pPr>
-            <a:lvl6pPr marL="2286000" indent="0" algn="ctr" defTabSz="914400" rtl="0" eaLnBrk="1" latinLnBrk="0" hangingPunct="1">
-              <a:spcBef>
-                <a:spcPts val="600"/>
-              </a:spcBef>
-              <a:buClr>
-                <a:schemeClr val="tx1">
-                  <a:lumMod val="75000"/>
-                  <a:lumOff val="25000"/>
-                </a:schemeClr>
-              </a:buClr>
-              <a:buSzPct val="90000"/>
-              <a:buFont typeface="Wingdings" pitchFamily="2" charset="2"/>
-              <a:buNone/>
-              <a:defRPr lang="en-US" sz="1800" kern="1200">
-                <a:solidFill>
-                  <a:schemeClr val="tx1">
-                    <a:tint val="75000"/>
-                  </a:schemeClr>
-                </a:solidFill>
-                <a:latin typeface="+mn-lt"/>
-                <a:ea typeface="+mn-ea"/>
-                <a:cs typeface="+mn-cs"/>
-              </a:defRPr>
-            </a:lvl6pPr>
-            <a:lvl7pPr marL="2743200" indent="0" algn="ctr" defTabSz="914400" rtl="0" eaLnBrk="1" latinLnBrk="0" hangingPunct="1">
-              <a:spcBef>
-                <a:spcPts val="600"/>
-              </a:spcBef>
-              <a:buClr>
-                <a:schemeClr val="bg1">
-                  <a:lumMod val="65000"/>
-                </a:schemeClr>
-              </a:buClr>
-              <a:buSzPct val="90000"/>
-              <a:buFont typeface="Wingdings" pitchFamily="2" charset="2"/>
-              <a:buNone/>
-              <a:defRPr lang="en-US" sz="1800" kern="1200">
-                <a:solidFill>
-                  <a:schemeClr val="tx1">
-                    <a:tint val="75000"/>
-                  </a:schemeClr>
-                </a:solidFill>
-                <a:latin typeface="+mn-lt"/>
-                <a:ea typeface="+mn-ea"/>
-                <a:cs typeface="+mn-cs"/>
-              </a:defRPr>
-            </a:lvl7pPr>
-            <a:lvl8pPr marL="3200400" indent="0" algn="ctr" defTabSz="914400" rtl="0" eaLnBrk="1" latinLnBrk="0" hangingPunct="1">
-              <a:spcBef>
-                <a:spcPts val="600"/>
-              </a:spcBef>
-              <a:buClr>
-                <a:schemeClr val="tx1">
-                  <a:lumMod val="75000"/>
-                  <a:lumOff val="25000"/>
-                </a:schemeClr>
-              </a:buClr>
-              <a:buSzPct val="90000"/>
-              <a:buFont typeface="Wingdings" pitchFamily="2" charset="2"/>
-              <a:buNone/>
-              <a:defRPr lang="en-US" sz="1800" kern="1200">
-                <a:solidFill>
-                  <a:schemeClr val="tx1">
-                    <a:tint val="75000"/>
-                  </a:schemeClr>
-                </a:solidFill>
-                <a:latin typeface="+mn-lt"/>
-                <a:ea typeface="+mn-ea"/>
-                <a:cs typeface="+mn-cs"/>
-              </a:defRPr>
-            </a:lvl8pPr>
-            <a:lvl9pPr marL="3657600" indent="0" algn="ctr" defTabSz="914400" rtl="0" eaLnBrk="1" latinLnBrk="0" hangingPunct="1">
-              <a:spcBef>
-                <a:spcPts val="600"/>
-              </a:spcBef>
-              <a:buClr>
-                <a:schemeClr val="bg1">
-                  <a:lumMod val="65000"/>
-                </a:schemeClr>
-              </a:buClr>
-              <a:buSzPct val="90000"/>
-              <a:buFont typeface="Wingdings" pitchFamily="2" charset="2"/>
-              <a:buNone/>
-              <a:defRPr lang="en-US" sz="1800" kern="1200">
-                <a:solidFill>
-                  <a:schemeClr val="tx1">
-                    <a:tint val="75000"/>
-                  </a:schemeClr>
-                </a:solidFill>
-                <a:latin typeface="+mn-lt"/>
-                <a:ea typeface="+mn-ea"/>
-                <a:cs typeface="+mn-cs"/>
-              </a:defRPr>
-            </a:lvl9pPr>
-          </a:lstStyle>
-          <a:p>
-            <a:r>
-              <a:rPr lang="en-US" dirty="0" smtClean="0">
-                <a:solidFill>
-                  <a:schemeClr val="tx1"/>
-                </a:solidFill>
-              </a:rPr>
-              <a:t>By Droids Robotics</a:t>
-            </a:r>
-            <a:endParaRPr lang="en-US" dirty="0">
-              <a:solidFill>
-                <a:schemeClr val="tx1"/>
-              </a:solidFill>
-            </a:endParaRPr>
-          </a:p>
-        </p:txBody>
-      </p:sp>
     </p:spTree>
     <p:extLst>
       <p:ext uri="{BB962C8B-B14F-4D97-AF65-F5344CB8AC3E}">
@@ -1845,9 +1645,9 @@
           <a:bodyPr/>
           <a:lstStyle/>
           <a:p>
-            <a:fld id="{7FE54D88-A811-8142-9DD0-4CF52E9D39CA}" type="datetime1">
-              <a:rPr lang="en-US" smtClean="0"/>
-              <a:t>12/19/15</a:t>
+            <a:fld id="{2EFEA3B9-23B4-C44E-8C14-9240ECCCD182}" type="datetime1">
+              <a:rPr lang="en-US" smtClean="0"/>
+              <a:t>2/10/17</a:t>
             </a:fld>
             <a:endParaRPr lang="en-US"/>
           </a:p>
@@ -1870,7 +1670,7 @@
           <a:p>
             <a:r>
               <a:rPr lang="sk-SK" smtClean="0"/>
-              <a:t>© 2015 EV3Lessons.com, Last edit 12/19/2015</a:t>
+              <a:t>© 2015 EV3Lessons.com, Last edit 02/10/2017</a:t>
             </a:r>
             <a:endParaRPr lang="en-US"/>
           </a:p>
@@ -2308,9 +2108,9 @@
           <a:bodyPr/>
           <a:lstStyle/>
           <a:p>
-            <a:fld id="{7DF44077-35E6-3545-A695-0D436F6BD4E5}" type="datetime1">
-              <a:rPr lang="en-US" smtClean="0"/>
-              <a:t>12/19/15</a:t>
+            <a:fld id="{30E3D830-DD6A-E54C-9FE6-DB52CECFF395}" type="datetime1">
+              <a:rPr lang="en-US" smtClean="0"/>
+              <a:t>2/10/17</a:t>
             </a:fld>
             <a:endParaRPr lang="en-US" dirty="0"/>
           </a:p>
@@ -2333,7 +2133,7 @@
           <a:p>
             <a:r>
               <a:rPr lang="sk-SK" smtClean="0"/>
-              <a:t>© 2015 EV3Lessons.com, Last edit 12/19/2015</a:t>
+              <a:t>© 2015 EV3Lessons.com, Last edit 02/10/2017</a:t>
             </a:r>
             <a:endParaRPr lang="en-US" dirty="0"/>
           </a:p>
@@ -2772,9 +2572,9 @@
           <a:bodyPr/>
           <a:lstStyle/>
           <a:p>
-            <a:fld id="{A0BEA2A5-4383-584A-92A5-96F0549DF6BC}" type="datetime1">
-              <a:rPr lang="en-US" smtClean="0"/>
-              <a:t>12/19/15</a:t>
+            <a:fld id="{81135A97-35CA-2047-AA72-5F0564ADF139}" type="datetime1">
+              <a:rPr lang="en-US" smtClean="0"/>
+              <a:t>2/10/17</a:t>
             </a:fld>
             <a:endParaRPr lang="en-US"/>
           </a:p>
@@ -3497,9 +3297,9 @@
           <a:bodyPr/>
           <a:lstStyle/>
           <a:p>
-            <a:fld id="{55002531-09EA-0041-A490-59D36F97EA00}" type="datetime1">
-              <a:rPr lang="en-US" smtClean="0"/>
-              <a:t>12/19/15</a:t>
+            <a:fld id="{4E81F707-8F03-9C4E-B1C5-8640B212A4A3}" type="datetime1">
+              <a:rPr lang="en-US" smtClean="0"/>
+              <a:t>2/10/17</a:t>
             </a:fld>
             <a:endParaRPr lang="en-US"/>
           </a:p>
@@ -3522,7 +3322,7 @@
           <a:p>
             <a:r>
               <a:rPr lang="sk-SK" smtClean="0"/>
-              <a:t>© 2015 EV3Lessons.com, Last edit 12/19/2015</a:t>
+              <a:t>© 2015 EV3Lessons.com, Last edit 02/10/2017</a:t>
             </a:r>
             <a:endParaRPr lang="en-US"/>
           </a:p>
@@ -3779,9 +3579,9 @@
           <a:bodyPr/>
           <a:lstStyle/>
           <a:p>
-            <a:fld id="{F908A910-415D-F046-9E79-3238FC305A52}" type="datetime1">
-              <a:rPr lang="en-US" smtClean="0"/>
-              <a:t>12/19/15</a:t>
+            <a:fld id="{AAF9B9AF-21C2-0B49-A156-7D594D3E7E89}" type="datetime1">
+              <a:rPr lang="en-US" smtClean="0"/>
+              <a:t>2/10/17</a:t>
             </a:fld>
             <a:endParaRPr lang="en-US"/>
           </a:p>
@@ -3804,7 +3604,7 @@
           <a:p>
             <a:r>
               <a:rPr lang="sk-SK" smtClean="0"/>
-              <a:t>© 2015 EV3Lessons.com, Last edit 12/19/2015</a:t>
+              <a:t>© 2015 EV3Lessons.com, Last edit 02/10/2017</a:t>
             </a:r>
             <a:endParaRPr lang="en-US"/>
           </a:p>
@@ -4099,9 +3899,9 @@
           <a:bodyPr/>
           <a:lstStyle/>
           <a:p>
-            <a:fld id="{2ED3E93C-E03C-9E4F-B68D-7B99DBDB46AD}" type="datetime1">
-              <a:rPr lang="en-US" smtClean="0"/>
-              <a:t>12/19/15</a:t>
+            <a:fld id="{272CE162-903C-8444-93E3-347DF0B9BC4D}" type="datetime1">
+              <a:rPr lang="en-US" smtClean="0"/>
+              <a:t>2/10/17</a:t>
             </a:fld>
             <a:endParaRPr lang="en-US"/>
           </a:p>
@@ -4124,7 +3924,7 @@
           <a:p>
             <a:r>
               <a:rPr lang="sk-SK" smtClean="0"/>
-              <a:t>© 2015 EV3Lessons.com, Last edit 12/19/2015</a:t>
+              <a:t>© 2015 EV3Lessons.com, Last edit 02/10/2017</a:t>
             </a:r>
             <a:endParaRPr lang="en-US"/>
           </a:p>
@@ -4328,9 +4128,9 @@
           <a:bodyPr/>
           <a:lstStyle/>
           <a:p>
-            <a:fld id="{B7C4F740-AFA8-4C4A-9AB6-8D5387A3B063}" type="datetime1">
-              <a:rPr lang="en-US" smtClean="0"/>
-              <a:t>12/19/15</a:t>
+            <a:fld id="{A3EE1B71-CD76-4745-99C7-A0B62C9EF16B}" type="datetime1">
+              <a:rPr lang="en-US" smtClean="0"/>
+              <a:t>2/10/17</a:t>
             </a:fld>
             <a:endParaRPr lang="en-US"/>
           </a:p>
@@ -4353,7 +4153,7 @@
           <a:p>
             <a:r>
               <a:rPr lang="sk-SK" smtClean="0"/>
-              <a:t>© 2015 EV3Lessons.com, Last edit 12/19/2015</a:t>
+              <a:t>© 2015 EV3Lessons.com, Last edit 02/10/2017</a:t>
             </a:r>
             <a:endParaRPr lang="en-US"/>
           </a:p>
@@ -4615,9 +4415,9 @@
           <a:bodyPr/>
           <a:lstStyle/>
           <a:p>
-            <a:fld id="{FFE287EA-AE47-9B41-9AE7-DD72E46DEE60}" type="datetime1">
-              <a:rPr lang="en-US" smtClean="0"/>
-              <a:t>12/19/15</a:t>
+            <a:fld id="{031D6263-E92A-FF4E-9D8B-0FB1B6C66ED4}" type="datetime1">
+              <a:rPr lang="en-US" smtClean="0"/>
+              <a:t>2/10/17</a:t>
             </a:fld>
             <a:endParaRPr lang="en-US" dirty="0"/>
           </a:p>
@@ -4640,7 +4440,7 @@
           <a:p>
             <a:r>
               <a:rPr lang="sk-SK" smtClean="0"/>
-              <a:t>© 2015 EV3Lessons.com, Last edit 12/19/2015</a:t>
+              <a:t>© 2015 EV3Lessons.com, Last edit 02/10/2017</a:t>
             </a:r>
             <a:endParaRPr lang="en-US" dirty="0"/>
           </a:p>
@@ -4859,9 +4659,9 @@
             </a:lvl1pPr>
           </a:lstStyle>
           <a:p>
-            <a:fld id="{E9C86E43-3DFD-E649-8CEC-869234EECEA5}" type="datetime1">
-              <a:rPr lang="en-US" smtClean="0"/>
-              <a:t>12/19/15</a:t>
+            <a:fld id="{E3B7915A-D61E-5546-9C8E-12562E95E343}" type="datetime1">
+              <a:rPr lang="en-US" smtClean="0"/>
+              <a:t>2/10/17</a:t>
             </a:fld>
             <a:endParaRPr lang="en-US" dirty="0"/>
           </a:p>
@@ -4902,7 +4702,7 @@
           <a:p>
             <a:r>
               <a:rPr lang="sk-SK" smtClean="0"/>
-              <a:t>© 2015 EV3Lessons.com, Last edit 12/19/2015</a:t>
+              <a:t>© 2015 EV3Lessons.com, Last edit 02/10/2017</a:t>
             </a:r>
             <a:endParaRPr lang="en-US" dirty="0"/>
           </a:p>
@@ -5409,10 +5209,43 @@
           <a:bodyPr/>
           <a:lstStyle/>
           <a:p>
-            <a:endParaRPr lang="en-US"/>
-          </a:p>
-        </p:txBody>
-      </p:sp>
+            <a:r>
+              <a:rPr lang="en-US" dirty="0" smtClean="0"/>
+              <a:t>By Sanjay and Arvind Seshan</a:t>
+            </a:r>
+            <a:endParaRPr lang="en-US" dirty="0"/>
+          </a:p>
+        </p:txBody>
+      </p:sp>
+      <p:pic>
+        <p:nvPicPr>
+          <p:cNvPr id="4" name="Picture 3"/>
+          <p:cNvPicPr>
+            <a:picLocks noChangeAspect="1"/>
+          </p:cNvPicPr>
+          <p:nvPr/>
+        </p:nvPicPr>
+        <p:blipFill rotWithShape="1">
+          <a:blip r:embed="rId2">
+            <a:extLst>
+              <a:ext uri="{28A0092B-C50C-407E-A947-70E740481C1C}">
+                <a14:useLocalDpi xmlns:a14="http://schemas.microsoft.com/office/drawing/2010/main" val="0"/>
+              </a:ext>
+            </a:extLst>
+          </a:blip>
+          <a:srcRect l="4523" t="17619" r="3095" b="25000"/>
+          <a:stretch/>
+        </p:blipFill>
+        <p:spPr>
+          <a:xfrm>
+            <a:off x="3459013" y="4560129"/>
+            <a:ext cx="2225974" cy="1382629"/>
+          </a:xfrm>
+          <a:prstGeom prst="rect">
+            <a:avLst/>
+          </a:prstGeom>
+        </p:spPr>
+      </p:pic>
     </p:spTree>
     <p:extLst>
       <p:ext uri="{BB962C8B-B14F-4D97-AF65-F5344CB8AC3E}">
@@ -5445,7 +5278,7 @@
       </p:grpSpPr>
       <p:sp>
         <p:nvSpPr>
-          <p:cNvPr id="9" name="Content Placeholder 8"/>
+          <p:cNvPr id="3" name="Content Placeholder 2"/>
           <p:cNvSpPr>
             <a:spLocks noGrp="1"/>
           </p:cNvSpPr>
@@ -5453,23 +5286,116 @@
             <p:ph idx="1"/>
           </p:nvPr>
         </p:nvSpPr>
+        <p:spPr>
+          <a:xfrm>
+            <a:off x="508001" y="2133600"/>
+            <a:ext cx="8350250" cy="3992563"/>
+          </a:xfrm>
+        </p:spPr>
+        <p:txBody>
+          <a:bodyPr/>
+          <a:lstStyle/>
+          <a:p>
+            <a:pPr marL="457200" indent="-457200">
+              <a:buFont typeface="+mj-lt"/>
+              <a:buAutoNum type="arabicPeriod"/>
+            </a:pPr>
+            <a:r>
+              <a:rPr lang="en-US" dirty="0" smtClean="0">
+                <a:solidFill>
+                  <a:srgbClr val="FF0000"/>
+                </a:solidFill>
+              </a:rPr>
+              <a:t>What does proportional control mean?</a:t>
+            </a:r>
+            <a:br>
+              <a:rPr lang="en-US" dirty="0" smtClean="0">
+                <a:solidFill>
+                  <a:srgbClr val="FF0000"/>
+                </a:solidFill>
+              </a:rPr>
+            </a:br>
+            <a:r>
+              <a:rPr lang="en-US" dirty="0" smtClean="0"/>
+              <a:t>Ans. Moving </a:t>
+            </a:r>
+            <a:r>
+              <a:rPr lang="en-US" dirty="0"/>
+              <a:t>more or less based on how far the robot is from the target </a:t>
+            </a:r>
+            <a:r>
+              <a:rPr lang="en-US" dirty="0" smtClean="0"/>
+              <a:t>distance</a:t>
+            </a:r>
+          </a:p>
+          <a:p>
+            <a:pPr marL="457200" indent="-457200">
+              <a:buFont typeface="+mj-lt"/>
+              <a:buAutoNum type="arabicPeriod"/>
+            </a:pPr>
+            <a:r>
+              <a:rPr lang="en-US" dirty="0" smtClean="0">
+                <a:solidFill>
+                  <a:srgbClr val="FF0000"/>
+                </a:solidFill>
+              </a:rPr>
+              <a:t>What do all proportional control code have in common?</a:t>
+            </a:r>
+            <a:br>
+              <a:rPr lang="en-US" dirty="0" smtClean="0">
+                <a:solidFill>
+                  <a:srgbClr val="FF0000"/>
+                </a:solidFill>
+              </a:rPr>
+            </a:br>
+            <a:r>
+              <a:rPr lang="en-US" dirty="0" smtClean="0"/>
+              <a:t>Ans. Computing an error and making a correction</a:t>
+            </a:r>
+          </a:p>
+          <a:p>
+            <a:pPr marL="457200" indent="-457200">
+              <a:buFont typeface="+mj-lt"/>
+              <a:buAutoNum type="arabicPeriod"/>
+            </a:pPr>
+            <a:endParaRPr lang="en-US" dirty="0" smtClean="0"/>
+          </a:p>
+          <a:p>
+            <a:endParaRPr lang="en-US" dirty="0"/>
+          </a:p>
+        </p:txBody>
+      </p:sp>
+      <p:sp>
+        <p:nvSpPr>
+          <p:cNvPr id="4" name="Footer Placeholder 3"/>
+          <p:cNvSpPr>
+            <a:spLocks noGrp="1"/>
+          </p:cNvSpPr>
+          <p:nvPr>
+            <p:ph type="ftr" sz="quarter" idx="11"/>
+          </p:nvPr>
+        </p:nvSpPr>
         <p:spPr/>
         <p:txBody>
           <a:bodyPr/>
           <a:lstStyle/>
           <a:p>
+            <a:r>
+              <a:rPr lang="sk-SK" smtClean="0"/>
+              <a:t>© 2015 EV3Lessons.com, Last edit 02/10/2017</a:t>
+            </a:r>
             <a:endParaRPr lang="en-US"/>
           </a:p>
         </p:txBody>
       </p:sp>
       <p:sp>
         <p:nvSpPr>
-          <p:cNvPr id="4" name="Footer Placeholder 3"/>
-          <p:cNvSpPr>
-            <a:spLocks noGrp="1"/>
-          </p:cNvSpPr>
-          <p:nvPr>
-            <p:ph type="ftr" sz="quarter" idx="11"/>
+          <p:cNvPr id="5" name="Slide Number Placeholder 4"/>
+          <p:cNvSpPr>
+            <a:spLocks noGrp="1"/>
+          </p:cNvSpPr>
+          <p:nvPr>
+            <p:ph type="sldNum" sz="quarter" idx="12"/>
           </p:nvPr>
         </p:nvSpPr>
         <p:spPr/>
@@ -5477,32 +5403,8 @@
           <a:bodyPr/>
           <a:lstStyle/>
           <a:p>
-            <a:r>
-              <a:rPr lang="sk-SK" smtClean="0"/>
-              <a:t>© 2015 EV3Lessons.com, Last edit 12/19/2015</a:t>
-            </a:r>
-            <a:endParaRPr lang="en-US" dirty="0"/>
-          </a:p>
-        </p:txBody>
-      </p:sp>
-      <p:sp>
-        <p:nvSpPr>
-          <p:cNvPr id="3" name="Slide Number Placeholder 2"/>
-          <p:cNvSpPr>
-            <a:spLocks noGrp="1"/>
-          </p:cNvSpPr>
-          <p:nvPr>
-            <p:ph type="sldNum" sz="quarter" idx="12"/>
-          </p:nvPr>
-        </p:nvSpPr>
-        <p:spPr/>
-        <p:txBody>
-          <a:bodyPr/>
-          <a:lstStyle/>
-          <a:p>
             <a:fld id="{4382A7F7-08BF-4252-8141-63FB96055BBB}" type="slidenum">
               <a:rPr lang="en-US" smtClean="0"/>
-              <a:pPr/>
               <a:t>10</a:t>
             </a:fld>
             <a:endParaRPr lang="en-US"/>
@@ -5525,47 +5427,17 @@
           <a:lstStyle/>
           <a:p>
             <a:r>
-              <a:rPr lang="en-US" smtClean="0"/>
-              <a:t>Solution: Ultrasonic Dog Follower</a:t>
+              <a:rPr lang="en-US" dirty="0" smtClean="0"/>
+              <a:t>Discussion Guide</a:t>
             </a:r>
             <a:endParaRPr lang="en-US" dirty="0"/>
           </a:p>
         </p:txBody>
       </p:sp>
-      <p:pic>
-        <p:nvPicPr>
-          <p:cNvPr id="7" name="Picture 6" descr="Screen Shot 2014-10-18 at 2.43.03 PM.png"/>
-          <p:cNvPicPr>
-            <a:picLocks noChangeAspect="1"/>
-          </p:cNvPicPr>
-          <p:nvPr/>
-        </p:nvPicPr>
-        <p:blipFill>
-          <a:blip r:embed="rId2" cstate="email">
-            <a:extLst>
-              <a:ext uri="{28A0092B-C50C-407E-A947-70E740481C1C}">
-                <a14:useLocalDpi xmlns:a14="http://schemas.microsoft.com/office/drawing/2010/main" val="0"/>
-              </a:ext>
-            </a:extLst>
-          </a:blip>
-          <a:stretch>
-            <a:fillRect/>
-          </a:stretch>
-        </p:blipFill>
-        <p:spPr>
-          <a:xfrm>
-            <a:off x="853488" y="1921813"/>
-            <a:ext cx="6498403" cy="4515219"/>
-          </a:xfrm>
-          <a:prstGeom prst="rect">
-            <a:avLst/>
-          </a:prstGeom>
-        </p:spPr>
-      </p:pic>
     </p:spTree>
     <p:extLst>
       <p:ext uri="{BB962C8B-B14F-4D97-AF65-F5344CB8AC3E}">
-        <p14:creationId xmlns:p14="http://schemas.microsoft.com/office/powerpoint/2010/main" val="407979337"/>
+        <p14:creationId xmlns:p14="http://schemas.microsoft.com/office/powerpoint/2010/main" val="1547944288"/>
       </p:ext>
     </p:extLst>
   </p:cSld>
@@ -5594,343 +5466,6 @@
       </p:grpSpPr>
       <p:sp>
         <p:nvSpPr>
-          <p:cNvPr id="9" name="Content Placeholder 8"/>
-          <p:cNvSpPr>
-            <a:spLocks noGrp="1"/>
-          </p:cNvSpPr>
-          <p:nvPr>
-            <p:ph idx="1"/>
-          </p:nvPr>
-        </p:nvSpPr>
-        <p:spPr/>
-        <p:txBody>
-          <a:bodyPr/>
-          <a:lstStyle/>
-          <a:p>
-            <a:endParaRPr lang="en-US"/>
-          </a:p>
-        </p:txBody>
-      </p:sp>
-      <p:sp>
-        <p:nvSpPr>
-          <p:cNvPr id="4" name="Footer Placeholder 3"/>
-          <p:cNvSpPr>
-            <a:spLocks noGrp="1"/>
-          </p:cNvSpPr>
-          <p:nvPr>
-            <p:ph type="ftr" sz="quarter" idx="11"/>
-          </p:nvPr>
-        </p:nvSpPr>
-        <p:spPr/>
-        <p:txBody>
-          <a:bodyPr/>
-          <a:lstStyle/>
-          <a:p>
-            <a:r>
-              <a:rPr lang="sk-SK" smtClean="0"/>
-              <a:t>© 2015 EV3Lessons.com, Last edit 12/19/2015</a:t>
-            </a:r>
-            <a:endParaRPr lang="en-US" dirty="0"/>
-          </a:p>
-        </p:txBody>
-      </p:sp>
-      <p:sp>
-        <p:nvSpPr>
-          <p:cNvPr id="5" name="Slide Number Placeholder 4"/>
-          <p:cNvSpPr>
-            <a:spLocks noGrp="1"/>
-          </p:cNvSpPr>
-          <p:nvPr>
-            <p:ph type="sldNum" sz="quarter" idx="12"/>
-          </p:nvPr>
-        </p:nvSpPr>
-        <p:spPr/>
-        <p:txBody>
-          <a:bodyPr/>
-          <a:lstStyle/>
-          <a:p>
-            <a:fld id="{4382A7F7-08BF-4252-8141-63FB96055BBB}" type="slidenum">
-              <a:rPr lang="en-US" smtClean="0"/>
-              <a:pPr/>
-              <a:t>11</a:t>
-            </a:fld>
-            <a:endParaRPr lang="en-US"/>
-          </a:p>
-        </p:txBody>
-      </p:sp>
-      <p:sp>
-        <p:nvSpPr>
-          <p:cNvPr id="2" name="Title 1"/>
-          <p:cNvSpPr>
-            <a:spLocks noGrp="1"/>
-          </p:cNvSpPr>
-          <p:nvPr>
-            <p:ph type="title"/>
-          </p:nvPr>
-        </p:nvSpPr>
-        <p:spPr/>
-        <p:txBody>
-          <a:bodyPr/>
-          <a:lstStyle/>
-          <a:p>
-            <a:r>
-              <a:rPr lang="en-US" smtClean="0"/>
-              <a:t>Solution: Proportional Line Follower</a:t>
-            </a:r>
-            <a:endParaRPr lang="en-US" dirty="0"/>
-          </a:p>
-        </p:txBody>
-      </p:sp>
-      <p:pic>
-        <p:nvPicPr>
-          <p:cNvPr id="3" name="Picture 2" descr="Screen Shot 2014-10-18 at 1.09.13 PM.png"/>
-          <p:cNvPicPr>
-            <a:picLocks noChangeAspect="1"/>
-          </p:cNvPicPr>
-          <p:nvPr/>
-        </p:nvPicPr>
-        <p:blipFill>
-          <a:blip r:embed="rId2" cstate="email">
-            <a:extLst>
-              <a:ext uri="{28A0092B-C50C-407E-A947-70E740481C1C}">
-                <a14:useLocalDpi xmlns:a14="http://schemas.microsoft.com/office/drawing/2010/main" val="0"/>
-              </a:ext>
-            </a:extLst>
-          </a:blip>
-          <a:stretch>
-            <a:fillRect/>
-          </a:stretch>
-        </p:blipFill>
-        <p:spPr>
-          <a:xfrm>
-            <a:off x="279059" y="1847121"/>
-            <a:ext cx="8579191" cy="4341012"/>
-          </a:xfrm>
-          <a:prstGeom prst="rect">
-            <a:avLst/>
-          </a:prstGeom>
-        </p:spPr>
-      </p:pic>
-    </p:spTree>
-    <p:extLst>
-      <p:ext uri="{BB962C8B-B14F-4D97-AF65-F5344CB8AC3E}">
-        <p14:creationId xmlns:p14="http://schemas.microsoft.com/office/powerpoint/2010/main" val="842480021"/>
-      </p:ext>
-    </p:extLst>
-  </p:cSld>
-  <p:clrMapOvr>
-    <a:masterClrMapping/>
-  </p:clrMapOvr>
-</p:sld>
-</file>
-
-<file path=ppt/slides/slide12.xml><?xml version="1.0" encoding="utf-8"?>
-<p:sld xmlns:a="http://schemas.openxmlformats.org/drawingml/2006/main" xmlns:r="http://schemas.openxmlformats.org/officeDocument/2006/relationships" xmlns:p="http://schemas.openxmlformats.org/presentationml/2006/main">
-  <p:cSld>
-    <p:spTree>
-      <p:nvGrpSpPr>
-        <p:cNvPr id="1" name=""/>
-        <p:cNvGrpSpPr/>
-        <p:nvPr/>
-      </p:nvGrpSpPr>
-      <p:grpSpPr>
-        <a:xfrm>
-          <a:off x="0" y="0"/>
-          <a:ext cx="0" cy="0"/>
-          <a:chOff x="0" y="0"/>
-          <a:chExt cx="0" cy="0"/>
-        </a:xfrm>
-      </p:grpSpPr>
-      <p:sp>
-        <p:nvSpPr>
-          <p:cNvPr id="3" name="Content Placeholder 2"/>
-          <p:cNvSpPr>
-            <a:spLocks noGrp="1"/>
-          </p:cNvSpPr>
-          <p:nvPr>
-            <p:ph idx="1"/>
-          </p:nvPr>
-        </p:nvSpPr>
-        <p:spPr>
-          <a:xfrm>
-            <a:off x="508001" y="2133600"/>
-            <a:ext cx="8350250" cy="3992563"/>
-          </a:xfrm>
-        </p:spPr>
-        <p:txBody>
-          <a:bodyPr/>
-          <a:lstStyle/>
-          <a:p>
-            <a:pPr marL="457200" indent="-457200">
-              <a:buFont typeface="+mj-lt"/>
-              <a:buAutoNum type="arabicPeriod"/>
-            </a:pPr>
-            <a:r>
-              <a:rPr lang="en-US" dirty="0" smtClean="0">
-                <a:solidFill>
-                  <a:srgbClr val="FF0000"/>
-                </a:solidFill>
-              </a:rPr>
-              <a:t>What does proportional control mean?</a:t>
-            </a:r>
-            <a:br>
-              <a:rPr lang="en-US" dirty="0" smtClean="0">
-                <a:solidFill>
-                  <a:srgbClr val="FF0000"/>
-                </a:solidFill>
-              </a:rPr>
-            </a:br>
-            <a:r>
-              <a:rPr lang="en-US" dirty="0" smtClean="0"/>
-              <a:t>Ans. Moving </a:t>
-            </a:r>
-            <a:r>
-              <a:rPr lang="en-US" dirty="0"/>
-              <a:t>more or less based on how far the robot is from the target </a:t>
-            </a:r>
-            <a:r>
-              <a:rPr lang="en-US" dirty="0" smtClean="0"/>
-              <a:t>distance</a:t>
-            </a:r>
-          </a:p>
-          <a:p>
-            <a:pPr marL="457200" indent="-457200">
-              <a:buFont typeface="+mj-lt"/>
-              <a:buAutoNum type="arabicPeriod"/>
-            </a:pPr>
-            <a:r>
-              <a:rPr lang="en-US" dirty="0" smtClean="0">
-                <a:solidFill>
-                  <a:srgbClr val="FF0000"/>
-                </a:solidFill>
-              </a:rPr>
-              <a:t>What do all proportional control code have in common?</a:t>
-            </a:r>
-            <a:br>
-              <a:rPr lang="en-US" dirty="0" smtClean="0">
-                <a:solidFill>
-                  <a:srgbClr val="FF0000"/>
-                </a:solidFill>
-              </a:rPr>
-            </a:br>
-            <a:r>
-              <a:rPr lang="en-US" dirty="0" smtClean="0"/>
-              <a:t>Ans. Computing an error and making a correction</a:t>
-            </a:r>
-          </a:p>
-          <a:p>
-            <a:pPr marL="457200" indent="-457200">
-              <a:buFont typeface="+mj-lt"/>
-              <a:buAutoNum type="arabicPeriod"/>
-            </a:pPr>
-            <a:endParaRPr lang="en-US" dirty="0" smtClean="0"/>
-          </a:p>
-          <a:p>
-            <a:endParaRPr lang="en-US" dirty="0"/>
-          </a:p>
-        </p:txBody>
-      </p:sp>
-      <p:sp>
-        <p:nvSpPr>
-          <p:cNvPr id="4" name="Footer Placeholder 3"/>
-          <p:cNvSpPr>
-            <a:spLocks noGrp="1"/>
-          </p:cNvSpPr>
-          <p:nvPr>
-            <p:ph type="ftr" sz="quarter" idx="11"/>
-          </p:nvPr>
-        </p:nvSpPr>
-        <p:spPr/>
-        <p:txBody>
-          <a:bodyPr/>
-          <a:lstStyle/>
-          <a:p>
-            <a:r>
-              <a:rPr lang="sk-SK" smtClean="0"/>
-              <a:t>© 2015 EV3Lessons.com, Last edit 12/19/2015</a:t>
-            </a:r>
-            <a:endParaRPr lang="en-US"/>
-          </a:p>
-        </p:txBody>
-      </p:sp>
-      <p:sp>
-        <p:nvSpPr>
-          <p:cNvPr id="5" name="Slide Number Placeholder 4"/>
-          <p:cNvSpPr>
-            <a:spLocks noGrp="1"/>
-          </p:cNvSpPr>
-          <p:nvPr>
-            <p:ph type="sldNum" sz="quarter" idx="12"/>
-          </p:nvPr>
-        </p:nvSpPr>
-        <p:spPr/>
-        <p:txBody>
-          <a:bodyPr/>
-          <a:lstStyle/>
-          <a:p>
-            <a:fld id="{4382A7F7-08BF-4252-8141-63FB96055BBB}" type="slidenum">
-              <a:rPr lang="en-US" smtClean="0"/>
-              <a:t>12</a:t>
-            </a:fld>
-            <a:endParaRPr lang="en-US"/>
-          </a:p>
-        </p:txBody>
-      </p:sp>
-      <p:sp>
-        <p:nvSpPr>
-          <p:cNvPr id="2" name="Title 1"/>
-          <p:cNvSpPr>
-            <a:spLocks noGrp="1"/>
-          </p:cNvSpPr>
-          <p:nvPr>
-            <p:ph type="title"/>
-          </p:nvPr>
-        </p:nvSpPr>
-        <p:spPr/>
-        <p:txBody>
-          <a:bodyPr/>
-          <a:lstStyle/>
-          <a:p>
-            <a:r>
-              <a:rPr lang="en-US" dirty="0" smtClean="0"/>
-              <a:t>Discussion Guide</a:t>
-            </a:r>
-            <a:endParaRPr lang="en-US" dirty="0"/>
-          </a:p>
-        </p:txBody>
-      </p:sp>
-    </p:spTree>
-    <p:extLst>
-      <p:ext uri="{BB962C8B-B14F-4D97-AF65-F5344CB8AC3E}">
-        <p14:creationId xmlns:p14="http://schemas.microsoft.com/office/powerpoint/2010/main" val="1547944288"/>
-      </p:ext>
-    </p:extLst>
-  </p:cSld>
-  <p:clrMapOvr>
-    <a:masterClrMapping/>
-  </p:clrMapOvr>
-</p:sld>
-</file>
-
-<file path=ppt/slides/slide13.xml><?xml version="1.0" encoding="utf-8"?>
-<p:sld xmlns:a="http://schemas.openxmlformats.org/drawingml/2006/main" xmlns:r="http://schemas.openxmlformats.org/officeDocument/2006/relationships" xmlns:p="http://schemas.openxmlformats.org/presentationml/2006/main">
-  <p:cSld>
-    <p:spTree>
-      <p:nvGrpSpPr>
-        <p:cNvPr id="1" name=""/>
-        <p:cNvGrpSpPr/>
-        <p:nvPr/>
-      </p:nvGrpSpPr>
-      <p:grpSpPr>
-        <a:xfrm>
-          <a:off x="0" y="0"/>
-          <a:ext cx="0" cy="0"/>
-          <a:chOff x="0" y="0"/>
-          <a:chExt cx="0" cy="0"/>
-        </a:xfrm>
-      </p:grpSpPr>
-      <p:sp>
-        <p:nvSpPr>
           <p:cNvPr id="3" name="Content Placeholder 2"/>
           <p:cNvSpPr>
             <a:spLocks noGrp="1"/>
@@ -6007,7 +5542,7 @@
           <a:p>
             <a:r>
               <a:rPr lang="sk-SK" smtClean="0"/>
-              <a:t>© 2015 EV3Lessons.com, Last edit 12/19/2015</a:t>
+              <a:t>© 2015 EV3Lessons.com, Last edit 02/10/2017</a:t>
             </a:r>
             <a:endParaRPr lang="en-US"/>
           </a:p>
@@ -6031,7 +5566,7 @@
             <a:fld id="{4382A7F7-08BF-4252-8141-63FB96055BBB}" type="slidenum">
               <a:rPr lang="en-US" smtClean="0"/>
               <a:pPr/>
-              <a:t>13</a:t>
+              <a:t>11</a:t>
             </a:fld>
             <a:endParaRPr lang="en-US"/>
           </a:p>
@@ -6085,7 +5620,7 @@
           <a:effectLst/>
           <a:extLst>
             <a:ext uri="{91240B29-F687-4f45-9708-019B960494DF}">
-              <a14:hiddenLine xmlns="" xmlns:a14="http://schemas.microsoft.com/office/drawing/2010/main" w="9525">
+              <a14:hiddenLine xmlns:a14="http://schemas.microsoft.com/office/drawing/2010/main" xmlns="" w="9525">
                 <a:solidFill>
                   <a:schemeClr val="tx1"/>
                 </a:solidFill>
@@ -6095,7 +5630,7 @@
               </a14:hiddenLine>
             </a:ext>
             <a:ext uri="{AF507438-7753-43e0-B8FC-AC1667EBCBE1}">
-              <a14:hiddenEffects xmlns="" xmlns:a14="http://schemas.microsoft.com/office/drawing/2010/main">
+              <a14:hiddenEffects xmlns:a14="http://schemas.microsoft.com/office/drawing/2010/main" xmlns="">
                 <a:effectLst>
                   <a:outerShdw dist="35921" dir="2700000" algn="ctr" rotWithShape="0">
                     <a:schemeClr val="bg2"/>
@@ -6448,7 +5983,7 @@
           <a:noFill/>
           <a:extLst>
             <a:ext uri="{909E8E84-426E-40dd-AFC4-6F175D3DCCD1}">
-              <a14:hiddenFill xmlns="" xmlns:a14="http://schemas.microsoft.com/office/drawing/2010/main">
+              <a14:hiddenFill xmlns:a14="http://schemas.microsoft.com/office/drawing/2010/main" xmlns="">
                 <a:solidFill>
                   <a:srgbClr val="FFFFFF"/>
                 </a:solidFill>
@@ -6525,11 +6060,8 @@
           <a:p>
             <a:r>
               <a:rPr lang="en-US" dirty="0" smtClean="0"/>
-              <a:t>Learn to apply proportional control to the Color, and Ultrasonic Sensors</a:t>
-            </a:r>
-          </a:p>
-          <a:p>
-            <a:endParaRPr lang="en-US" dirty="0" smtClean="0"/>
+              <a:t>Learn to apply proportional control to different sensors</a:t>
+            </a:r>
           </a:p>
           <a:p>
             <a:r>
@@ -6557,7 +6089,7 @@
           <a:p>
             <a:r>
               <a:rPr lang="sk-SK" smtClean="0"/>
-              <a:t>© 2015 EV3Lessons.com, Last edit 12/19/2015</a:t>
+              <a:t>© 2015 EV3Lessons.com, Last edit 02/10/2017</a:t>
             </a:r>
             <a:endParaRPr lang="en-US"/>
           </a:p>
@@ -6710,7 +6242,7 @@
           <a:p>
             <a:r>
               <a:rPr lang="sk-SK" smtClean="0"/>
-              <a:t>© 2015 EV3Lessons.com, Last edit 12/19/2015</a:t>
+              <a:t>© 2015 EV3Lessons.com, Last edit 02/10/2017</a:t>
             </a:r>
             <a:endParaRPr lang="en-US"/>
           </a:p>
@@ -6949,7 +6481,7 @@
           <a:p>
             <a:r>
               <a:rPr lang="sk-SK" smtClean="0"/>
-              <a:t>© 2015 EV3Lessons.com, Last edit 12/19/2015</a:t>
+              <a:t>© 2015 EV3Lessons.com, Last edit 02/10/2017</a:t>
             </a:r>
             <a:endParaRPr lang="en-US"/>
           </a:p>
@@ -7097,7 +6629,7 @@
           <a:p>
             <a:r>
               <a:rPr lang="sk-SK" smtClean="0"/>
-              <a:t>© 2015 EV3Lessons.com, Last edit 12/19/2015</a:t>
+              <a:t>© 2015 EV3Lessons.com, Last edit 02/10/2017</a:t>
             </a:r>
             <a:endParaRPr lang="en-US"/>
           </a:p>
@@ -7726,7 +7258,7 @@
           <a:p>
             <a:r>
               <a:rPr lang="sk-SK" smtClean="0"/>
-              <a:t>© 2015 EV3Lessons.com, Last edit 12/19/2015</a:t>
+              <a:t>© 2015 EV3Lessons.com, Last edit 02/10/2017</a:t>
             </a:r>
             <a:endParaRPr lang="en-US" dirty="0"/>
           </a:p>
@@ -8427,7 +7959,7 @@
           <a:p>
             <a:r>
               <a:rPr lang="sk-SK" smtClean="0"/>
-              <a:t>© 2015 EV3Lessons.com, Last edit 12/19/2015</a:t>
+              <a:t>© 2015 EV3Lessons.com, Last edit 02/10/2017</a:t>
             </a:r>
             <a:endParaRPr lang="en-US"/>
           </a:p>
@@ -8526,21 +8058,27 @@
           <a:p>
             <a:r>
               <a:rPr lang="en-US" dirty="0" smtClean="0"/>
-              <a:t>To learn how to use proportional control, we give you three different Challenges:</a:t>
-            </a:r>
+              <a:t>To learn how to use proportional control, </a:t>
+            </a:r>
+            <a:r>
+              <a:rPr lang="en-US" dirty="0" smtClean="0"/>
+              <a:t>create a Dog </a:t>
+            </a:r>
+            <a:r>
+              <a:rPr lang="en-US" smtClean="0"/>
+              <a:t>Follower program</a:t>
+            </a:r>
+            <a:endParaRPr lang="en-US" dirty="0" smtClean="0"/>
           </a:p>
           <a:p>
             <a:pPr lvl="1"/>
             <a:r>
               <a:rPr lang="en-US" dirty="0" smtClean="0"/>
-              <a:t>Dog Follower: Use proportional control with the ultrasonic sensor to get the robot to stay 15cm away from the human at all times (even when the human moves)</a:t>
-            </a:r>
-          </a:p>
-          <a:p>
-            <a:pPr lvl="1"/>
+              <a:t>Use </a:t>
+            </a:r>
             <a:r>
               <a:rPr lang="en-US" dirty="0" smtClean="0"/>
-              <a:t>Line Follower: Use proportional control with the light sensor to get the robot to follow a line smoothly. (Greater detail is in the Proportional Line Follower lesson)</a:t>
+              <a:t>proportional control with the ultrasonic sensor to get the robot to stay 15cm away from the human at all times (even when the human moves)</a:t>
             </a:r>
           </a:p>
         </p:txBody>
@@ -8562,7 +8100,7 @@
           <a:p>
             <a:r>
               <a:rPr lang="sk-SK" smtClean="0"/>
-              <a:t>© 2015 EV3Lessons.com, Last edit 12/19/2015</a:t>
+              <a:t>© 2015 EV3Lessons.com, Last edit 02/10/2017</a:t>
             </a:r>
             <a:endParaRPr lang="en-US"/>
           </a:p>
@@ -8608,108 +8146,8 @@
           <a:lstStyle/>
           <a:p>
             <a:r>
-              <a:rPr lang="en-US" smtClean="0"/>
-              <a:t>Challenges</a:t>
-            </a:r>
-            <a:endParaRPr lang="en-US" dirty="0"/>
-          </a:p>
-        </p:txBody>
-      </p:sp>
-    </p:spTree>
-    <p:extLst>
-      <p:ext uri="{BB962C8B-B14F-4D97-AF65-F5344CB8AC3E}">
-        <p14:creationId xmlns:p14="http://schemas.microsoft.com/office/powerpoint/2010/main" val="3803221312"/>
-      </p:ext>
-    </p:extLst>
-  </p:cSld>
-  <p:clrMapOvr>
-    <a:masterClrMapping/>
-  </p:clrMapOvr>
-</p:sld>
-</file>
-
-<file path=ppt/slides/slide9.xml><?xml version="1.0" encoding="utf-8"?>
-<p:sld xmlns:a="http://schemas.openxmlformats.org/drawingml/2006/main" xmlns:r="http://schemas.openxmlformats.org/officeDocument/2006/relationships" xmlns:p="http://schemas.openxmlformats.org/presentationml/2006/main">
-  <p:cSld>
-    <p:spTree>
-      <p:nvGrpSpPr>
-        <p:cNvPr id="1" name=""/>
-        <p:cNvGrpSpPr/>
-        <p:nvPr/>
-      </p:nvGrpSpPr>
-      <p:grpSpPr>
-        <a:xfrm>
-          <a:off x="0" y="0"/>
-          <a:ext cx="0" cy="0"/>
-          <a:chOff x="0" y="0"/>
-          <a:chExt cx="0" cy="0"/>
-        </a:xfrm>
-      </p:grpSpPr>
-      <p:sp>
-        <p:nvSpPr>
-          <p:cNvPr id="4" name="Footer Placeholder 3"/>
-          <p:cNvSpPr>
-            <a:spLocks noGrp="1"/>
-          </p:cNvSpPr>
-          <p:nvPr>
-            <p:ph type="ftr" sz="quarter" idx="11"/>
-          </p:nvPr>
-        </p:nvSpPr>
-        <p:spPr/>
-        <p:txBody>
-          <a:bodyPr/>
-          <a:lstStyle/>
-          <a:p>
-            <a:r>
-              <a:rPr lang="sk-SK" smtClean="0"/>
-              <a:t>© 2015 EV3Lessons.com, Last edit 12/19/2015</a:t>
-            </a:r>
-            <a:endParaRPr lang="en-US" dirty="0"/>
-          </a:p>
-        </p:txBody>
-      </p:sp>
-      <p:sp>
-        <p:nvSpPr>
-          <p:cNvPr id="3" name="Slide Number Placeholder 2"/>
-          <p:cNvSpPr>
-            <a:spLocks noGrp="1"/>
-          </p:cNvSpPr>
-          <p:nvPr>
-            <p:ph type="sldNum" sz="quarter" idx="12"/>
-          </p:nvPr>
-        </p:nvSpPr>
-        <p:spPr/>
-        <p:txBody>
-          <a:bodyPr/>
-          <a:lstStyle/>
-          <a:p>
-            <a:fld id="{4382A7F7-08BF-4252-8141-63FB96055BBB}" type="slidenum">
-              <a:rPr lang="en-US" smtClean="0"/>
-              <a:pPr/>
-              <a:t>9</a:t>
-            </a:fld>
-            <a:endParaRPr lang="en-US"/>
-          </a:p>
-        </p:txBody>
-      </p:sp>
-      <p:sp>
-        <p:nvSpPr>
-          <p:cNvPr id="2" name="Title 1"/>
-          <p:cNvSpPr>
-            <a:spLocks noGrp="1"/>
-          </p:cNvSpPr>
-          <p:nvPr>
-            <p:ph type="title"/>
-          </p:nvPr>
-        </p:nvSpPr>
-        <p:spPr/>
-        <p:txBody>
-          <a:bodyPr/>
-          <a:lstStyle/>
-          <a:p>
-            <a:r>
-              <a:rPr lang="en-US" smtClean="0"/>
-              <a:t>Pseudocode/Hints</a:t>
+              <a:rPr lang="en-US" dirty="0" smtClean="0"/>
+              <a:t>Challenge</a:t>
             </a:r>
             <a:endParaRPr lang="en-US" dirty="0"/>
           </a:p>
@@ -8717,21 +8155,21 @@
       </p:sp>
       <p:graphicFrame>
         <p:nvGraphicFramePr>
-          <p:cNvPr id="7" name="Table 6"/>
+          <p:cNvPr id="6" name="Table 5"/>
           <p:cNvGraphicFramePr>
             <a:graphicFrameLocks noGrp="1"/>
           </p:cNvGraphicFramePr>
           <p:nvPr>
             <p:extLst>
               <p:ext uri="{D42A27DB-BD31-4B8C-83A1-F6EECF244321}">
-                <p14:modId xmlns:p14="http://schemas.microsoft.com/office/powerpoint/2010/main" val="1129401368"/>
+                <p14:modId xmlns:p14="http://schemas.microsoft.com/office/powerpoint/2010/main" val="1908465604"/>
               </p:ext>
             </p:extLst>
           </p:nvPr>
         </p:nvGraphicFramePr>
         <p:xfrm>
-          <a:off x="602341" y="2087843"/>
-          <a:ext cx="7870372" cy="3022600"/>
+          <a:off x="636020" y="4145243"/>
+          <a:ext cx="7870372" cy="1559560"/>
         </p:xfrm>
         <a:graphic>
           <a:graphicData uri="http://schemas.openxmlformats.org/drawingml/2006/table">
@@ -9261,275 +8699,6 @@
                   </a:tcPr>
                 </a:tc>
               </a:tr>
-              <a:tr h="370840">
-                <a:tc>
-                  <a:txBody>
-                    <a:bodyPr/>
-                    <a:lstStyle/>
-                    <a:p>
-                      <a:r>
-                        <a:rPr lang="en-US" b="1" dirty="0" smtClean="0"/>
-                        <a:t>Line Follower</a:t>
-                      </a:r>
-                      <a:endParaRPr lang="en-US" b="1" dirty="0"/>
-                    </a:p>
-                  </a:txBody>
-                  <a:tcPr>
-                    <a:lnL w="12700" cap="flat" cmpd="sng" algn="ctr">
-                      <a:solidFill>
-                        <a:schemeClr val="tx1"/>
-                      </a:solidFill>
-                      <a:prstDash val="solid"/>
-                      <a:round/>
-                      <a:headEnd type="none" w="med" len="med"/>
-                      <a:tailEnd type="none" w="med" len="med"/>
-                    </a:lnL>
-                    <a:lnR w="12700" cap="flat" cmpd="sng" algn="ctr">
-                      <a:solidFill>
-                        <a:schemeClr val="tx1"/>
-                      </a:solidFill>
-                      <a:prstDash val="solid"/>
-                      <a:round/>
-                      <a:headEnd type="none" w="med" len="med"/>
-                      <a:tailEnd type="none" w="med" len="med"/>
-                    </a:lnR>
-                    <a:lnT w="12700" cap="flat" cmpd="sng" algn="ctr">
-                      <a:solidFill>
-                        <a:schemeClr val="tx1"/>
-                      </a:solidFill>
-                      <a:prstDash val="solid"/>
-                      <a:round/>
-                      <a:headEnd type="none" w="med" len="med"/>
-                      <a:tailEnd type="none" w="med" len="med"/>
-                    </a:lnT>
-                    <a:lnB w="12700" cap="flat" cmpd="sng" algn="ctr">
-                      <a:solidFill>
-                        <a:schemeClr val="tx1"/>
-                      </a:solidFill>
-                      <a:prstDash val="solid"/>
-                      <a:round/>
-                      <a:headEnd type="none" w="med" len="med"/>
-                      <a:tailEnd type="none" w="med" len="med"/>
-                    </a:lnB>
-                    <a:lnTlToBr w="12700" cmpd="sng">
-                      <a:noFill/>
-                      <a:prstDash val="solid"/>
-                    </a:lnTlToBr>
-                    <a:lnBlToTr w="12700" cmpd="sng">
-                      <a:noFill/>
-                      <a:prstDash val="solid"/>
-                    </a:lnBlToTr>
-                  </a:tcPr>
-                </a:tc>
-                <a:tc>
-                  <a:txBody>
-                    <a:bodyPr/>
-                    <a:lstStyle/>
-                    <a:p>
-                      <a:r>
-                        <a:rPr lang="en-US" dirty="0" smtClean="0"/>
-                        <a:t>Stay</a:t>
-                      </a:r>
-                      <a:r>
-                        <a:rPr lang="en-US" baseline="0" dirty="0" smtClean="0"/>
-                        <a:t> on the edge of the line</a:t>
-                      </a:r>
-                      <a:endParaRPr lang="en-US" dirty="0"/>
-                    </a:p>
-                  </a:txBody>
-                  <a:tcPr>
-                    <a:lnL w="12700" cap="flat" cmpd="sng" algn="ctr">
-                      <a:solidFill>
-                        <a:schemeClr val="tx1"/>
-                      </a:solidFill>
-                      <a:prstDash val="solid"/>
-                      <a:round/>
-                      <a:headEnd type="none" w="med" len="med"/>
-                      <a:tailEnd type="none" w="med" len="med"/>
-                    </a:lnL>
-                    <a:lnR w="12700" cap="flat" cmpd="sng" algn="ctr">
-                      <a:solidFill>
-                        <a:schemeClr val="tx1"/>
-                      </a:solidFill>
-                      <a:prstDash val="solid"/>
-                      <a:round/>
-                      <a:headEnd type="none" w="med" len="med"/>
-                      <a:tailEnd type="none" w="med" len="med"/>
-                    </a:lnR>
-                    <a:lnT w="12700" cap="flat" cmpd="sng" algn="ctr">
-                      <a:solidFill>
-                        <a:schemeClr val="tx1"/>
-                      </a:solidFill>
-                      <a:prstDash val="solid"/>
-                      <a:round/>
-                      <a:headEnd type="none" w="med" len="med"/>
-                      <a:tailEnd type="none" w="med" len="med"/>
-                    </a:lnT>
-                    <a:lnB w="12700" cap="flat" cmpd="sng" algn="ctr">
-                      <a:solidFill>
-                        <a:schemeClr val="tx1"/>
-                      </a:solidFill>
-                      <a:prstDash val="solid"/>
-                      <a:round/>
-                      <a:headEnd type="none" w="med" len="med"/>
-                      <a:tailEnd type="none" w="med" len="med"/>
-                    </a:lnB>
-                    <a:lnTlToBr w="12700" cmpd="sng">
-                      <a:noFill/>
-                      <a:prstDash val="solid"/>
-                    </a:lnTlToBr>
-                    <a:lnBlToTr w="12700" cmpd="sng">
-                      <a:noFill/>
-                      <a:prstDash val="solid"/>
-                    </a:lnBlToTr>
-                  </a:tcPr>
-                </a:tc>
-                <a:tc>
-                  <a:txBody>
-                    <a:bodyPr/>
-                    <a:lstStyle/>
-                    <a:p>
-                      <a:r>
-                        <a:rPr lang="en-US" dirty="0" smtClean="0"/>
-                        <a:t>How</a:t>
-                      </a:r>
-                      <a:r>
-                        <a:rPr lang="en-US" baseline="0" dirty="0" smtClean="0"/>
-                        <a:t> far are our light readings from those at line edge</a:t>
-                      </a:r>
-                      <a:br>
-                        <a:rPr lang="en-US" baseline="0" dirty="0" smtClean="0"/>
-                      </a:br>
-                      <a:r>
-                        <a:rPr lang="en-US" baseline="0" dirty="0" smtClean="0"/>
-                        <a:t>(</a:t>
-                      </a:r>
-                      <a:r>
-                        <a:rPr lang="en-US" baseline="0" dirty="0" err="1" smtClean="0"/>
-                        <a:t>current_light</a:t>
-                      </a:r>
-                      <a:r>
-                        <a:rPr lang="en-US" baseline="0" dirty="0" smtClean="0"/>
-                        <a:t> – </a:t>
-                      </a:r>
-                      <a:r>
-                        <a:rPr lang="en-US" baseline="0" dirty="0" err="1" smtClean="0"/>
-                        <a:t>target_light</a:t>
-                      </a:r>
-                      <a:r>
-                        <a:rPr lang="en-US" baseline="0" dirty="0" smtClean="0"/>
-                        <a:t>)</a:t>
-                      </a:r>
-                      <a:endParaRPr lang="en-US" dirty="0"/>
-                    </a:p>
-                  </a:txBody>
-                  <a:tcPr>
-                    <a:lnL w="12700" cap="flat" cmpd="sng" algn="ctr">
-                      <a:solidFill>
-                        <a:schemeClr val="tx1"/>
-                      </a:solidFill>
-                      <a:prstDash val="solid"/>
-                      <a:round/>
-                      <a:headEnd type="none" w="med" len="med"/>
-                      <a:tailEnd type="none" w="med" len="med"/>
-                    </a:lnL>
-                    <a:lnR w="12700" cap="flat" cmpd="sng" algn="ctr">
-                      <a:solidFill>
-                        <a:schemeClr val="tx1"/>
-                      </a:solidFill>
-                      <a:prstDash val="solid"/>
-                      <a:round/>
-                      <a:headEnd type="none" w="med" len="med"/>
-                      <a:tailEnd type="none" w="med" len="med"/>
-                    </a:lnR>
-                    <a:lnT w="12700" cap="flat" cmpd="sng" algn="ctr">
-                      <a:solidFill>
-                        <a:schemeClr val="tx1"/>
-                      </a:solidFill>
-                      <a:prstDash val="solid"/>
-                      <a:round/>
-                      <a:headEnd type="none" w="med" len="med"/>
-                      <a:tailEnd type="none" w="med" len="med"/>
-                    </a:lnT>
-                    <a:lnB w="12700" cap="flat" cmpd="sng" algn="ctr">
-                      <a:solidFill>
-                        <a:schemeClr val="tx1"/>
-                      </a:solidFill>
-                      <a:prstDash val="solid"/>
-                      <a:round/>
-                      <a:headEnd type="none" w="med" len="med"/>
-                      <a:tailEnd type="none" w="med" len="med"/>
-                    </a:lnB>
-                    <a:lnTlToBr w="12700" cmpd="sng">
-                      <a:noFill/>
-                      <a:prstDash val="solid"/>
-                    </a:lnTlToBr>
-                    <a:lnBlToTr w="12700" cmpd="sng">
-                      <a:noFill/>
-                      <a:prstDash val="solid"/>
-                    </a:lnBlToTr>
-                  </a:tcPr>
-                </a:tc>
-                <a:tc>
-                  <a:txBody>
-                    <a:bodyPr/>
-                    <a:lstStyle/>
-                    <a:p>
-                      <a:r>
-                        <a:rPr lang="en-US" dirty="0" smtClean="0"/>
-                        <a:t>Turn sharper based on distance from line</a:t>
-                      </a:r>
-                      <a:endParaRPr lang="en-US" dirty="0"/>
-                    </a:p>
-                  </a:txBody>
-                  <a:tcPr>
-                    <a:lnL w="12700" cap="flat" cmpd="sng" algn="ctr">
-                      <a:solidFill>
-                        <a:schemeClr val="tx1"/>
-                      </a:solidFill>
-                      <a:prstDash val="solid"/>
-                      <a:round/>
-                      <a:headEnd type="none" w="med" len="med"/>
-                      <a:tailEnd type="none" w="med" len="med"/>
-                    </a:lnL>
-                    <a:lnR w="12700" cap="flat" cmpd="sng" algn="ctr">
-                      <a:solidFill>
-                        <a:schemeClr val="tx1"/>
-                      </a:solidFill>
-                      <a:prstDash val="solid"/>
-                      <a:round/>
-                      <a:headEnd type="none" w="med" len="med"/>
-                      <a:tailEnd type="none" w="med" len="med"/>
-                    </a:lnR>
-                    <a:lnT w="12700" cap="flat" cmpd="sng" algn="ctr">
-                      <a:solidFill>
-                        <a:schemeClr val="tx1"/>
-                      </a:solidFill>
-                      <a:prstDash val="solid"/>
-                      <a:round/>
-                      <a:headEnd type="none" w="med" len="med"/>
-                      <a:tailEnd type="none" w="med" len="med"/>
-                    </a:lnT>
-                    <a:lnB w="12700" cap="flat" cmpd="sng" algn="ctr">
-                      <a:solidFill>
-                        <a:schemeClr val="tx1"/>
-                      </a:solidFill>
-                      <a:prstDash val="solid"/>
-                      <a:round/>
-                      <a:headEnd type="none" w="med" len="med"/>
-                      <a:tailEnd type="none" w="med" len="med"/>
-                    </a:lnB>
-                    <a:lnTlToBr w="12700" cmpd="sng">
-                      <a:noFill/>
-                      <a:prstDash val="solid"/>
-                    </a:lnTlToBr>
-                    <a:lnBlToTr w="12700" cmpd="sng">
-                      <a:noFill/>
-                      <a:prstDash val="solid"/>
-                    </a:lnBlToTr>
-                  </a:tcPr>
-                </a:tc>
-              </a:tr>
             </a:tbl>
           </a:graphicData>
         </a:graphic>
@@ -9537,7 +8706,156 @@
     </p:spTree>
     <p:extLst>
       <p:ext uri="{BB962C8B-B14F-4D97-AF65-F5344CB8AC3E}">
-        <p14:creationId xmlns:p14="http://schemas.microsoft.com/office/powerpoint/2010/main" val="2003391859"/>
+        <p14:creationId xmlns:p14="http://schemas.microsoft.com/office/powerpoint/2010/main" val="3803221312"/>
+      </p:ext>
+    </p:extLst>
+  </p:cSld>
+  <p:clrMapOvr>
+    <a:masterClrMapping/>
+  </p:clrMapOvr>
+</p:sld>
+</file>
+
+<file path=ppt/slides/slide9.xml><?xml version="1.0" encoding="utf-8"?>
+<p:sld xmlns:a="http://schemas.openxmlformats.org/drawingml/2006/main" xmlns:r="http://schemas.openxmlformats.org/officeDocument/2006/relationships" xmlns:p="http://schemas.openxmlformats.org/presentationml/2006/main">
+  <p:cSld>
+    <p:spTree>
+      <p:nvGrpSpPr>
+        <p:cNvPr id="1" name=""/>
+        <p:cNvGrpSpPr/>
+        <p:nvPr/>
+      </p:nvGrpSpPr>
+      <p:grpSpPr>
+        <a:xfrm>
+          <a:off x="0" y="0"/>
+          <a:ext cx="0" cy="0"/>
+          <a:chOff x="0" y="0"/>
+          <a:chExt cx="0" cy="0"/>
+        </a:xfrm>
+      </p:grpSpPr>
+      <p:sp>
+        <p:nvSpPr>
+          <p:cNvPr id="9" name="Content Placeholder 8"/>
+          <p:cNvSpPr>
+            <a:spLocks noGrp="1"/>
+          </p:cNvSpPr>
+          <p:nvPr>
+            <p:ph idx="1"/>
+          </p:nvPr>
+        </p:nvSpPr>
+        <p:spPr/>
+        <p:txBody>
+          <a:bodyPr/>
+          <a:lstStyle/>
+          <a:p>
+            <a:endParaRPr lang="en-US"/>
+          </a:p>
+        </p:txBody>
+      </p:sp>
+      <p:sp>
+        <p:nvSpPr>
+          <p:cNvPr id="4" name="Footer Placeholder 3"/>
+          <p:cNvSpPr>
+            <a:spLocks noGrp="1"/>
+          </p:cNvSpPr>
+          <p:nvPr>
+            <p:ph type="ftr" sz="quarter" idx="11"/>
+          </p:nvPr>
+        </p:nvSpPr>
+        <p:spPr/>
+        <p:txBody>
+          <a:bodyPr/>
+          <a:lstStyle/>
+          <a:p>
+            <a:r>
+              <a:rPr lang="sk-SK" smtClean="0"/>
+              <a:t>© 2015 EV3Lessons.com, Last edit 02/10/2017</a:t>
+            </a:r>
+            <a:endParaRPr lang="en-US" dirty="0"/>
+          </a:p>
+        </p:txBody>
+      </p:sp>
+      <p:sp>
+        <p:nvSpPr>
+          <p:cNvPr id="3" name="Slide Number Placeholder 2"/>
+          <p:cNvSpPr>
+            <a:spLocks noGrp="1"/>
+          </p:cNvSpPr>
+          <p:nvPr>
+            <p:ph type="sldNum" sz="quarter" idx="12"/>
+          </p:nvPr>
+        </p:nvSpPr>
+        <p:spPr/>
+        <p:txBody>
+          <a:bodyPr/>
+          <a:lstStyle/>
+          <a:p>
+            <a:fld id="{4382A7F7-08BF-4252-8141-63FB96055BBB}" type="slidenum">
+              <a:rPr lang="en-US" smtClean="0"/>
+              <a:pPr/>
+              <a:t>9</a:t>
+            </a:fld>
+            <a:endParaRPr lang="en-US"/>
+          </a:p>
+        </p:txBody>
+      </p:sp>
+      <p:sp>
+        <p:nvSpPr>
+          <p:cNvPr id="2" name="Title 1"/>
+          <p:cNvSpPr>
+            <a:spLocks noGrp="1"/>
+          </p:cNvSpPr>
+          <p:nvPr>
+            <p:ph type="title"/>
+          </p:nvPr>
+        </p:nvSpPr>
+        <p:spPr/>
+        <p:txBody>
+          <a:bodyPr/>
+          <a:lstStyle/>
+          <a:p>
+            <a:r>
+              <a:rPr lang="en-US" smtClean="0"/>
+              <a:t>Solution: Ultrasonic Dog Follower</a:t>
+            </a:r>
+            <a:endParaRPr lang="en-US" dirty="0"/>
+          </a:p>
+        </p:txBody>
+      </p:sp>
+      <p:pic>
+        <p:nvPicPr>
+          <p:cNvPr id="7" name="Picture 6" descr="Screen Shot 2014-10-18 at 2.43.03 PM.png"/>
+          <p:cNvPicPr>
+            <a:picLocks noChangeAspect="1"/>
+          </p:cNvPicPr>
+          <p:nvPr/>
+        </p:nvPicPr>
+        <p:blipFill>
+          <a:blip r:embed="rId2" cstate="email">
+            <a:extLst>
+              <a:ext uri="{28A0092B-C50C-407E-A947-70E740481C1C}">
+                <a14:useLocalDpi xmlns:a14="http://schemas.microsoft.com/office/drawing/2010/main" val="0"/>
+              </a:ext>
+            </a:extLst>
+          </a:blip>
+          <a:stretch>
+            <a:fillRect/>
+          </a:stretch>
+        </p:blipFill>
+        <p:spPr>
+          <a:xfrm>
+            <a:off x="853488" y="1921813"/>
+            <a:ext cx="6498403" cy="4515219"/>
+          </a:xfrm>
+          <a:prstGeom prst="rect">
+            <a:avLst/>
+          </a:prstGeom>
+        </p:spPr>
+      </p:pic>
+    </p:spTree>
+    <p:extLst>
+      <p:ext uri="{BB962C8B-B14F-4D97-AF65-F5344CB8AC3E}">
+        <p14:creationId xmlns:p14="http://schemas.microsoft.com/office/powerpoint/2010/main" val="407979337"/>
       </p:ext>
     </p:extLst>
   </p:cSld>

--- a/translations/en-us/advanced/ProportionalControl.pptx
+++ b/translations/en-us/advanced/ProportionalControl.pptx
@@ -1493,7 +1493,7 @@
           <a:noFill/>
           <a:extLst>
             <a:ext uri="{909E8E84-426E-40dd-AFC4-6F175D3DCCD1}">
-              <a14:hiddenFill xmlns:a14="http://schemas.microsoft.com/office/drawing/2010/main" xmlns="">
+              <a14:hiddenFill xmlns="" xmlns:a14="http://schemas.microsoft.com/office/drawing/2010/main">
                 <a:solidFill>
                   <a:srgbClr val="FFFFFF"/>
                 </a:solidFill>
@@ -5493,23 +5493,14 @@
               <a:t> and Arvind </a:t>
             </a:r>
             <a:r>
-              <a:rPr lang="en-US" dirty="0" err="1" smtClean="0"/>
+              <a:rPr lang="en-US" err="1" smtClean="0"/>
               <a:t>Seshan</a:t>
             </a:r>
             <a:r>
-              <a:rPr lang="en-US" dirty="0" smtClean="0"/>
-              <a:t> from Droids Robotics (</a:t>
-            </a:r>
-            <a:r>
-              <a:rPr lang="en-US" dirty="0" smtClean="0">
-                <a:hlinkClick r:id="rId3"/>
-              </a:rPr>
-              <a:t>team@droidsrobotics.org</a:t>
-            </a:r>
-            <a:r>
-              <a:rPr lang="en-US" dirty="0" smtClean="0"/>
-              <a:t>).</a:t>
-            </a:r>
+              <a:rPr lang="en-US" smtClean="0"/>
+              <a:t> </a:t>
+            </a:r>
+            <a:endParaRPr lang="en-US" smtClean="0"/>
           </a:p>
           <a:p>
             <a:pPr lvl="1"/>
@@ -5620,7 +5611,7 @@
           <a:effectLst/>
           <a:extLst>
             <a:ext uri="{91240B29-F687-4f45-9708-019B960494DF}">
-              <a14:hiddenLine xmlns:a14="http://schemas.microsoft.com/office/drawing/2010/main" xmlns="" w="9525">
+              <a14:hiddenLine xmlns="" xmlns:a14="http://schemas.microsoft.com/office/drawing/2010/main" w="9525">
                 <a:solidFill>
                   <a:schemeClr val="tx1"/>
                 </a:solidFill>
@@ -5630,7 +5621,7 @@
               </a14:hiddenLine>
             </a:ext>
             <a:ext uri="{AF507438-7753-43e0-B8FC-AC1667EBCBE1}">
-              <a14:hiddenEffects xmlns:a14="http://schemas.microsoft.com/office/drawing/2010/main" xmlns="">
+              <a14:hiddenEffects xmlns="" xmlns:a14="http://schemas.microsoft.com/office/drawing/2010/main">
                 <a:effectLst>
                   <a:outerShdw dist="35921" dir="2700000" algn="ctr" rotWithShape="0">
                     <a:schemeClr val="bg2"/>
@@ -5851,7 +5842,7 @@
                 </a:solidFill>
                 <a:effectLst/>
                 <a:latin typeface="Helvetica Neue"/>
-                <a:hlinkClick r:id="rId4"/>
+                <a:hlinkClick r:id="rId3"/>
               </a:rPr>
               <a:t>Creative Commons Attribution-</a:t>
             </a:r>
@@ -5865,7 +5856,7 @@
                 </a:solidFill>
                 <a:effectLst/>
                 <a:latin typeface="Helvetica Neue"/>
-                <a:hlinkClick r:id="rId4"/>
+                <a:hlinkClick r:id="rId3"/>
               </a:rPr>
               <a:t>NonCommercial</a:t>
             </a:r>
@@ -5879,7 +5870,7 @@
                 </a:solidFill>
                 <a:effectLst/>
                 <a:latin typeface="Helvetica Neue"/>
-                <a:hlinkClick r:id="rId4"/>
+                <a:hlinkClick r:id="rId3"/>
               </a:rPr>
               <a:t>-</a:t>
             </a:r>
@@ -5893,7 +5884,7 @@
                 </a:solidFill>
                 <a:effectLst/>
                 <a:latin typeface="Helvetica Neue"/>
-                <a:hlinkClick r:id="rId4"/>
+                <a:hlinkClick r:id="rId3"/>
               </a:rPr>
               <a:t>ShareAlike</a:t>
             </a:r>
@@ -5907,7 +5898,7 @@
                 </a:solidFill>
                 <a:effectLst/>
                 <a:latin typeface="Helvetica Neue"/>
-                <a:hlinkClick r:id="rId4"/>
+                <a:hlinkClick r:id="rId3"/>
               </a:rPr>
               <a:t> 4.0 International License</a:t>
             </a:r>
@@ -5952,7 +5943,7 @@
       <p:pic>
         <p:nvPicPr>
           <p:cNvPr id="6" name="Picture 2" descr="Creative Commons License">
-            <a:hlinkClick r:id="rId4"/>
+            <a:hlinkClick r:id="rId3"/>
           </p:cNvPr>
           <p:cNvPicPr>
             <a:picLocks noChangeAspect="1" noChangeArrowheads="1"/>
@@ -5960,7 +5951,7 @@
           <p:nvPr/>
         </p:nvPicPr>
         <p:blipFill>
-          <a:blip r:embed="rId5">
+          <a:blip r:embed="rId4">
             <a:extLst>
               <a:ext uri="{28A0092B-C50C-407E-A947-70E740481C1C}">
                 <a14:useLocalDpi xmlns:a14="http://schemas.microsoft.com/office/drawing/2010/main" val="0"/>
@@ -5983,7 +5974,7 @@
           <a:noFill/>
           <a:extLst>
             <a:ext uri="{909E8E84-426E-40dd-AFC4-6F175D3DCCD1}">
-              <a14:hiddenFill xmlns:a14="http://schemas.microsoft.com/office/drawing/2010/main" xmlns="">
+              <a14:hiddenFill xmlns="" xmlns:a14="http://schemas.microsoft.com/office/drawing/2010/main">
                 <a:solidFill>
                   <a:srgbClr val="FFFFFF"/>
                 </a:solidFill>
@@ -8058,27 +8049,19 @@
           <a:p>
             <a:r>
               <a:rPr lang="en-US" dirty="0" smtClean="0"/>
-              <a:t>To learn how to use proportional control, </a:t>
-            </a:r>
+              <a:t>To learn how to use proportional control, create a Dog </a:t>
+            </a:r>
+            <a:r>
+              <a:rPr lang="en-US" smtClean="0"/>
+              <a:t>Follower program</a:t>
+            </a:r>
+            <a:endParaRPr lang="en-US" dirty="0" smtClean="0"/>
+          </a:p>
+          <a:p>
+            <a:pPr lvl="1"/>
             <a:r>
               <a:rPr lang="en-US" dirty="0" smtClean="0"/>
-              <a:t>create a Dog </a:t>
-            </a:r>
-            <a:r>
-              <a:rPr lang="en-US" smtClean="0"/>
-              <a:t>Follower program</a:t>
-            </a:r>
-            <a:endParaRPr lang="en-US" dirty="0" smtClean="0"/>
-          </a:p>
-          <a:p>
-            <a:pPr lvl="1"/>
-            <a:r>
-              <a:rPr lang="en-US" dirty="0" smtClean="0"/>
-              <a:t>Use </a:t>
-            </a:r>
-            <a:r>
-              <a:rPr lang="en-US" dirty="0" smtClean="0"/>
-              <a:t>proportional control with the ultrasonic sensor to get the robot to stay 15cm away from the human at all times (even when the human moves)</a:t>
+              <a:t>Use proportional control with the ultrasonic sensor to get the robot to stay 15cm away from the human at all times (even when the human moves)</a:t>
             </a:r>
           </a:p>
         </p:txBody>
